--- a/CoursCS2.pptx
+++ b/CoursCS2.pptx
@@ -104,6 +104,11 @@
       </a:defRPr>
     </a:lvl9pPr>
   </p:defaultTextStyle>
+  <p:extLst>
+    <p:ext uri="{EFAFB233-063F-42B5-8137-9DF3F51BA10A}">
+      <p15:sldGuideLst xmlns:p15="http://schemas.microsoft.com/office/powerpoint/2012/main"/>
+    </p:ext>
+  </p:extLst>
 </p:presentation>
 </file>
 
@@ -3342,7 +3347,10 @@
           <a:bodyPr/>
           <a:lstStyle/>
           <a:p>
-            <a:endParaRPr lang="fr-FR"/>
+            <a:r>
+              <a:rPr lang="fr-FR"/>
+              <a:t>hgd</a:t>
+            </a:r>
           </a:p>
         </p:txBody>
       </p:sp>

--- a/CoursCS2.pptx
+++ b/CoursCS2.pptx
@@ -168,7 +168,7 @@
           <a:noFill/>
           <a:extLst>
             <a:ext uri="{909E8E84-426E-40dd-AFC4-6F175D3DCCD1}">
-              <a14:hiddenFill xmlns:a14="http://schemas.microsoft.com/office/drawing/2010/main" xmlns="">
+              <a14:hiddenFill xmlns="" xmlns:a14="http://schemas.microsoft.com/office/drawing/2010/main">
                 <a:solidFill>
                   <a:srgbClr val="FFFFFF"/>
                 </a:solidFill>
@@ -228,7 +228,7 @@
             </a:ln>
             <a:extLst>
               <a:ext uri="{91240B29-F687-4f45-9708-019B960494DF}">
-                <a14:hiddenLine xmlns:a14="http://schemas.microsoft.com/office/drawing/2010/main" xmlns="" w="9525">
+                <a14:hiddenLine xmlns="" xmlns:a14="http://schemas.microsoft.com/office/drawing/2010/main" w="9525">
                   <a:solidFill>
                     <a:srgbClr val="000000"/>
                   </a:solidFill>
@@ -318,7 +318,7 @@
             </a:ln>
             <a:extLst>
               <a:ext uri="{91240B29-F687-4f45-9708-019B960494DF}">
-                <a14:hiddenLine xmlns:a14="http://schemas.microsoft.com/office/drawing/2010/main" xmlns="" w="9525">
+                <a14:hiddenLine xmlns="" xmlns:a14="http://schemas.microsoft.com/office/drawing/2010/main" w="9525">
                   <a:solidFill>
                     <a:srgbClr val="000000"/>
                   </a:solidFill>
@@ -408,7 +408,7 @@
             </a:ln>
             <a:extLst>
               <a:ext uri="{91240B29-F687-4f45-9708-019B960494DF}">
-                <a14:hiddenLine xmlns:a14="http://schemas.microsoft.com/office/drawing/2010/main" xmlns="" w="9525">
+                <a14:hiddenLine xmlns="" xmlns:a14="http://schemas.microsoft.com/office/drawing/2010/main" w="9525">
                   <a:solidFill>
                     <a:srgbClr val="000000"/>
                   </a:solidFill>
@@ -442,7 +442,7 @@
             </a:ln>
             <a:extLst>
               <a:ext uri="{91240B29-F687-4f45-9708-019B960494DF}">
-                <a14:hiddenLine xmlns:a14="http://schemas.microsoft.com/office/drawing/2010/main" xmlns="" w="9525">
+                <a14:hiddenLine xmlns="" xmlns:a14="http://schemas.microsoft.com/office/drawing/2010/main" w="9525">
                   <a:solidFill>
                     <a:srgbClr val="000000"/>
                   </a:solidFill>
@@ -532,7 +532,7 @@
             </a:ln>
             <a:extLst>
               <a:ext uri="{91240B29-F687-4f45-9708-019B960494DF}">
-                <a14:hiddenLine xmlns:a14="http://schemas.microsoft.com/office/drawing/2010/main" xmlns="" w="9525">
+                <a14:hiddenLine xmlns="" xmlns:a14="http://schemas.microsoft.com/office/drawing/2010/main" w="9525">
                   <a:solidFill>
                     <a:srgbClr val="000000"/>
                   </a:solidFill>
@@ -594,7 +594,7 @@
             </a:ln>
             <a:extLst>
               <a:ext uri="{91240B29-F687-4f45-9708-019B960494DF}">
-                <a14:hiddenLine xmlns:a14="http://schemas.microsoft.com/office/drawing/2010/main" xmlns="" w="9525">
+                <a14:hiddenLine xmlns="" xmlns:a14="http://schemas.microsoft.com/office/drawing/2010/main" w="9525">
                   <a:solidFill>
                     <a:srgbClr val="000000"/>
                   </a:solidFill>
@@ -656,7 +656,7 @@
             </a:ln>
             <a:extLst>
               <a:ext uri="{91240B29-F687-4f45-9708-019B960494DF}">
-                <a14:hiddenLine xmlns:a14="http://schemas.microsoft.com/office/drawing/2010/main" xmlns="" w="9525">
+                <a14:hiddenLine xmlns="" xmlns:a14="http://schemas.microsoft.com/office/drawing/2010/main" w="9525">
                   <a:solidFill>
                     <a:srgbClr val="000000"/>
                   </a:solidFill>
@@ -746,7 +746,7 @@
             </a:ln>
             <a:extLst>
               <a:ext uri="{91240B29-F687-4f45-9708-019B960494DF}">
-                <a14:hiddenLine xmlns:a14="http://schemas.microsoft.com/office/drawing/2010/main" xmlns="" w="9525">
+                <a14:hiddenLine xmlns="" xmlns:a14="http://schemas.microsoft.com/office/drawing/2010/main" w="9525">
                   <a:solidFill>
                     <a:srgbClr val="000000"/>
                   </a:solidFill>
@@ -808,7 +808,7 @@
             </a:ln>
             <a:extLst>
               <a:ext uri="{91240B29-F687-4f45-9708-019B960494DF}">
-                <a14:hiddenLine xmlns:a14="http://schemas.microsoft.com/office/drawing/2010/main" xmlns="" w="9525">
+                <a14:hiddenLine xmlns="" xmlns:a14="http://schemas.microsoft.com/office/drawing/2010/main" w="9525">
                   <a:solidFill>
                     <a:srgbClr val="000000"/>
                   </a:solidFill>
@@ -870,7 +870,7 @@
             </a:ln>
             <a:extLst>
               <a:ext uri="{91240B29-F687-4f45-9708-019B960494DF}">
-                <a14:hiddenLine xmlns:a14="http://schemas.microsoft.com/office/drawing/2010/main" xmlns="" w="9525">
+                <a14:hiddenLine xmlns="" xmlns:a14="http://schemas.microsoft.com/office/drawing/2010/main" w="9525">
                   <a:solidFill>
                     <a:srgbClr val="000000"/>
                   </a:solidFill>
@@ -960,7 +960,7 @@
             </a:ln>
             <a:extLst>
               <a:ext uri="{91240B29-F687-4f45-9708-019B960494DF}">
-                <a14:hiddenLine xmlns:a14="http://schemas.microsoft.com/office/drawing/2010/main" xmlns="" w="9525">
+                <a14:hiddenLine xmlns="" xmlns:a14="http://schemas.microsoft.com/office/drawing/2010/main" w="9525">
                   <a:solidFill>
                     <a:srgbClr val="000000"/>
                   </a:solidFill>
@@ -1050,7 +1050,7 @@
             </a:ln>
             <a:extLst>
               <a:ext uri="{91240B29-F687-4f45-9708-019B960494DF}">
-                <a14:hiddenLine xmlns:a14="http://schemas.microsoft.com/office/drawing/2010/main" xmlns="" w="9525">
+                <a14:hiddenLine xmlns="" xmlns:a14="http://schemas.microsoft.com/office/drawing/2010/main" w="9525">
                   <a:solidFill>
                     <a:srgbClr val="000000"/>
                   </a:solidFill>
@@ -1112,7 +1112,7 @@
             </a:ln>
             <a:extLst>
               <a:ext uri="{91240B29-F687-4f45-9708-019B960494DF}">
-                <a14:hiddenLine xmlns:a14="http://schemas.microsoft.com/office/drawing/2010/main" xmlns="" w="9525">
+                <a14:hiddenLine xmlns="" xmlns:a14="http://schemas.microsoft.com/office/drawing/2010/main" w="9525">
                   <a:solidFill>
                     <a:srgbClr val="000000"/>
                   </a:solidFill>
@@ -1222,7 +1222,7 @@
             </a:ln>
             <a:extLst>
               <a:ext uri="{91240B29-F687-4f45-9708-019B960494DF}">
-                <a14:hiddenLine xmlns:a14="http://schemas.microsoft.com/office/drawing/2010/main" xmlns="" w="9525">
+                <a14:hiddenLine xmlns="" xmlns:a14="http://schemas.microsoft.com/office/drawing/2010/main" w="9525">
                   <a:solidFill>
                     <a:srgbClr val="000000"/>
                   </a:solidFill>
@@ -1284,7 +1284,7 @@
             </a:ln>
             <a:extLst>
               <a:ext uri="{91240B29-F687-4f45-9708-019B960494DF}">
-                <a14:hiddenLine xmlns:a14="http://schemas.microsoft.com/office/drawing/2010/main" xmlns="" w="9525">
+                <a14:hiddenLine xmlns="" xmlns:a14="http://schemas.microsoft.com/office/drawing/2010/main" w="9525">
                   <a:solidFill>
                     <a:srgbClr val="000000"/>
                   </a:solidFill>
@@ -1374,7 +1374,7 @@
             </a:ln>
             <a:extLst>
               <a:ext uri="{91240B29-F687-4f45-9708-019B960494DF}">
-                <a14:hiddenLine xmlns:a14="http://schemas.microsoft.com/office/drawing/2010/main" xmlns="" w="9525">
+                <a14:hiddenLine xmlns="" xmlns:a14="http://schemas.microsoft.com/office/drawing/2010/main" w="9525">
                   <a:solidFill>
                     <a:srgbClr val="000000"/>
                   </a:solidFill>
@@ -1464,7 +1464,7 @@
             </a:ln>
             <a:extLst>
               <a:ext uri="{91240B29-F687-4f45-9708-019B960494DF}">
-                <a14:hiddenLine xmlns:a14="http://schemas.microsoft.com/office/drawing/2010/main" xmlns="" w="9525">
+                <a14:hiddenLine xmlns="" xmlns:a14="http://schemas.microsoft.com/office/drawing/2010/main" w="9525">
                   <a:solidFill>
                     <a:srgbClr val="000000"/>
                   </a:solidFill>
@@ -1526,7 +1526,7 @@
             </a:ln>
             <a:extLst>
               <a:ext uri="{91240B29-F687-4f45-9708-019B960494DF}">
-                <a14:hiddenLine xmlns:a14="http://schemas.microsoft.com/office/drawing/2010/main" xmlns="" w="9525">
+                <a14:hiddenLine xmlns="" xmlns:a14="http://schemas.microsoft.com/office/drawing/2010/main" w="9525">
                   <a:solidFill>
                     <a:srgbClr val="000000"/>
                   </a:solidFill>
@@ -1616,7 +1616,7 @@
             </a:ln>
             <a:extLst>
               <a:ext uri="{91240B29-F687-4f45-9708-019B960494DF}">
-                <a14:hiddenLine xmlns:a14="http://schemas.microsoft.com/office/drawing/2010/main" xmlns="" w="9525">
+                <a14:hiddenLine xmlns="" xmlns:a14="http://schemas.microsoft.com/office/drawing/2010/main" w="9525">
                   <a:solidFill>
                     <a:srgbClr val="000000"/>
                   </a:solidFill>
@@ -1706,7 +1706,7 @@
             </a:ln>
             <a:extLst>
               <a:ext uri="{91240B29-F687-4f45-9708-019B960494DF}">
-                <a14:hiddenLine xmlns:a14="http://schemas.microsoft.com/office/drawing/2010/main" xmlns="" w="9525">
+                <a14:hiddenLine xmlns="" xmlns:a14="http://schemas.microsoft.com/office/drawing/2010/main" w="9525">
                   <a:solidFill>
                     <a:srgbClr val="000000"/>
                   </a:solidFill>
@@ -1762,7 +1762,7 @@
             </a:ln>
             <a:extLst>
               <a:ext uri="{91240B29-F687-4f45-9708-019B960494DF}">
-                <a14:hiddenLine xmlns:a14="http://schemas.microsoft.com/office/drawing/2010/main" xmlns="" w="9525">
+                <a14:hiddenLine xmlns="" xmlns:a14="http://schemas.microsoft.com/office/drawing/2010/main" w="9525">
                   <a:solidFill>
                     <a:srgbClr val="000000"/>
                   </a:solidFill>
@@ -1852,7 +1852,7 @@
             </a:ln>
             <a:extLst>
               <a:ext uri="{91240B29-F687-4f45-9708-019B960494DF}">
-                <a14:hiddenLine xmlns:a14="http://schemas.microsoft.com/office/drawing/2010/main" xmlns="" w="9525">
+                <a14:hiddenLine xmlns="" xmlns:a14="http://schemas.microsoft.com/office/drawing/2010/main" w="9525">
                   <a:solidFill>
                     <a:srgbClr val="000000"/>
                   </a:solidFill>
@@ -1908,7 +1908,7 @@
             </a:ln>
             <a:extLst>
               <a:ext uri="{91240B29-F687-4f45-9708-019B960494DF}">
-                <a14:hiddenLine xmlns:a14="http://schemas.microsoft.com/office/drawing/2010/main" xmlns="" w="9525">
+                <a14:hiddenLine xmlns="" xmlns:a14="http://schemas.microsoft.com/office/drawing/2010/main" w="9525">
                   <a:solidFill>
                     <a:srgbClr val="000000"/>
                   </a:solidFill>
@@ -1998,7 +1998,7 @@
             </a:ln>
             <a:extLst>
               <a:ext uri="{91240B29-F687-4f45-9708-019B960494DF}">
-                <a14:hiddenLine xmlns:a14="http://schemas.microsoft.com/office/drawing/2010/main" xmlns="" w="9525">
+                <a14:hiddenLine xmlns="" xmlns:a14="http://schemas.microsoft.com/office/drawing/2010/main" w="9525">
                   <a:solidFill>
                     <a:srgbClr val="000000"/>
                   </a:solidFill>
@@ -2066,7 +2066,7 @@
             </a:ln>
             <a:extLst>
               <a:ext uri="{91240B29-F687-4f45-9708-019B960494DF}">
-                <a14:hiddenLine xmlns:a14="http://schemas.microsoft.com/office/drawing/2010/main" xmlns="" w="9525">
+                <a14:hiddenLine xmlns="" xmlns:a14="http://schemas.microsoft.com/office/drawing/2010/main" w="9525">
                   <a:solidFill>
                     <a:srgbClr val="000000"/>
                   </a:solidFill>
@@ -2156,7 +2156,7 @@
             </a:ln>
             <a:extLst>
               <a:ext uri="{91240B29-F687-4f45-9708-019B960494DF}">
-                <a14:hiddenLine xmlns:a14="http://schemas.microsoft.com/office/drawing/2010/main" xmlns="" w="9525">
+                <a14:hiddenLine xmlns="" xmlns:a14="http://schemas.microsoft.com/office/drawing/2010/main" w="9525">
                   <a:solidFill>
                     <a:srgbClr val="000000"/>
                   </a:solidFill>
@@ -2224,7 +2224,7 @@
             </a:ln>
             <a:extLst>
               <a:ext uri="{91240B29-F687-4f45-9708-019B960494DF}">
-                <a14:hiddenLine xmlns:a14="http://schemas.microsoft.com/office/drawing/2010/main" xmlns="" w="9525">
+                <a14:hiddenLine xmlns="" xmlns:a14="http://schemas.microsoft.com/office/drawing/2010/main" w="9525">
                   <a:solidFill>
                     <a:srgbClr val="000000"/>
                   </a:solidFill>
@@ -2314,7 +2314,7 @@
             </a:ln>
             <a:extLst>
               <a:ext uri="{91240B29-F687-4f45-9708-019B960494DF}">
-                <a14:hiddenLine xmlns:a14="http://schemas.microsoft.com/office/drawing/2010/main" xmlns="" w="9525">
+                <a14:hiddenLine xmlns="" xmlns:a14="http://schemas.microsoft.com/office/drawing/2010/main" w="9525">
                   <a:solidFill>
                     <a:srgbClr val="000000"/>
                   </a:solidFill>
@@ -2348,7 +2348,7 @@
             </a:ln>
             <a:extLst>
               <a:ext uri="{91240B29-F687-4f45-9708-019B960494DF}">
-                <a14:hiddenLine xmlns:a14="http://schemas.microsoft.com/office/drawing/2010/main" xmlns="" w="9525">
+                <a14:hiddenLine xmlns="" xmlns:a14="http://schemas.microsoft.com/office/drawing/2010/main" w="9525">
                   <a:solidFill>
                     <a:srgbClr val="000000"/>
                   </a:solidFill>
@@ -2438,7 +2438,7 @@
             </a:ln>
             <a:extLst>
               <a:ext uri="{91240B29-F687-4f45-9708-019B960494DF}">
-                <a14:hiddenLine xmlns:a14="http://schemas.microsoft.com/office/drawing/2010/main" xmlns="" w="9525">
+                <a14:hiddenLine xmlns="" xmlns:a14="http://schemas.microsoft.com/office/drawing/2010/main" w="9525">
                   <a:solidFill>
                     <a:srgbClr val="000000"/>
                   </a:solidFill>
@@ -2500,7 +2500,7 @@
             </a:ln>
             <a:extLst>
               <a:ext uri="{91240B29-F687-4f45-9708-019B960494DF}">
-                <a14:hiddenLine xmlns:a14="http://schemas.microsoft.com/office/drawing/2010/main" xmlns="" w="9525">
+                <a14:hiddenLine xmlns="" xmlns:a14="http://schemas.microsoft.com/office/drawing/2010/main" w="9525">
                   <a:solidFill>
                     <a:srgbClr val="000000"/>
                   </a:solidFill>
@@ -2562,7 +2562,7 @@
             </a:ln>
             <a:extLst>
               <a:ext uri="{91240B29-F687-4f45-9708-019B960494DF}">
-                <a14:hiddenLine xmlns:a14="http://schemas.microsoft.com/office/drawing/2010/main" xmlns="" w="9525">
+                <a14:hiddenLine xmlns="" xmlns:a14="http://schemas.microsoft.com/office/drawing/2010/main" w="9525">
                   <a:solidFill>
                     <a:srgbClr val="000000"/>
                   </a:solidFill>
@@ -2652,7 +2652,7 @@
             </a:ln>
             <a:extLst>
               <a:ext uri="{91240B29-F687-4f45-9708-019B960494DF}">
-                <a14:hiddenLine xmlns:a14="http://schemas.microsoft.com/office/drawing/2010/main" xmlns="" w="9525">
+                <a14:hiddenLine xmlns="" xmlns:a14="http://schemas.microsoft.com/office/drawing/2010/main" w="9525">
                   <a:solidFill>
                     <a:srgbClr val="000000"/>
                   </a:solidFill>
@@ -2720,7 +2720,7 @@
             </a:ln>
             <a:extLst>
               <a:ext uri="{91240B29-F687-4f45-9708-019B960494DF}">
-                <a14:hiddenLine xmlns:a14="http://schemas.microsoft.com/office/drawing/2010/main" xmlns="" w="9525">
+                <a14:hiddenLine xmlns="" xmlns:a14="http://schemas.microsoft.com/office/drawing/2010/main" w="9525">
                   <a:solidFill>
                     <a:srgbClr val="000000"/>
                   </a:solidFill>
@@ -2782,7 +2782,7 @@
             </a:ln>
             <a:extLst>
               <a:ext uri="{91240B29-F687-4f45-9708-019B960494DF}">
-                <a14:hiddenLine xmlns:a14="http://schemas.microsoft.com/office/drawing/2010/main" xmlns="" w="9525">
+                <a14:hiddenLine xmlns="" xmlns:a14="http://schemas.microsoft.com/office/drawing/2010/main" w="9525">
                   <a:solidFill>
                     <a:srgbClr val="000000"/>
                   </a:solidFill>
@@ -2872,7 +2872,7 @@
             </a:ln>
             <a:extLst>
               <a:ext uri="{91240B29-F687-4f45-9708-019B960494DF}">
-                <a14:hiddenLine xmlns:a14="http://schemas.microsoft.com/office/drawing/2010/main" xmlns="" w="9525">
+                <a14:hiddenLine xmlns="" xmlns:a14="http://schemas.microsoft.com/office/drawing/2010/main" w="9525">
                   <a:solidFill>
                     <a:srgbClr val="000000"/>
                   </a:solidFill>
@@ -2934,7 +2934,7 @@
             </a:ln>
             <a:extLst>
               <a:ext uri="{91240B29-F687-4f45-9708-019B960494DF}">
-                <a14:hiddenLine xmlns:a14="http://schemas.microsoft.com/office/drawing/2010/main" xmlns="" w="9525">
+                <a14:hiddenLine xmlns="" xmlns:a14="http://schemas.microsoft.com/office/drawing/2010/main" w="9525">
                   <a:solidFill>
                     <a:srgbClr val="000000"/>
                   </a:solidFill>
@@ -3024,7 +3024,7 @@
             </a:ln>
             <a:extLst>
               <a:ext uri="{91240B29-F687-4f45-9708-019B960494DF}">
-                <a14:hiddenLine xmlns:a14="http://schemas.microsoft.com/office/drawing/2010/main" xmlns="" w="9525">
+                <a14:hiddenLine xmlns="" xmlns:a14="http://schemas.microsoft.com/office/drawing/2010/main" w="9525">
                   <a:solidFill>
                     <a:srgbClr val="000000"/>
                   </a:solidFill>
@@ -3086,7 +3086,7 @@
             </a:ln>
             <a:extLst>
               <a:ext uri="{91240B29-F687-4f45-9708-019B960494DF}">
-                <a14:hiddenLine xmlns:a14="http://schemas.microsoft.com/office/drawing/2010/main" xmlns="" w="9525">
+                <a14:hiddenLine xmlns="" xmlns:a14="http://schemas.microsoft.com/office/drawing/2010/main" w="9525">
                   <a:solidFill>
                     <a:srgbClr val="000000"/>
                   </a:solidFill>
@@ -3176,7 +3176,7 @@
             </a:ln>
             <a:extLst>
               <a:ext uri="{91240B29-F687-4f45-9708-019B960494DF}">
-                <a14:hiddenLine xmlns:a14="http://schemas.microsoft.com/office/drawing/2010/main" xmlns="" w="9525">
+                <a14:hiddenLine xmlns="" xmlns:a14="http://schemas.microsoft.com/office/drawing/2010/main" w="9525">
                   <a:solidFill>
                     <a:srgbClr val="000000"/>
                   </a:solidFill>
@@ -3210,7 +3210,7 @@
             </a:ln>
             <a:extLst>
               <a:ext uri="{91240B29-F687-4f45-9708-019B960494DF}">
-                <a14:hiddenLine xmlns:a14="http://schemas.microsoft.com/office/drawing/2010/main" xmlns="" w="9525">
+                <a14:hiddenLine xmlns="" xmlns:a14="http://schemas.microsoft.com/office/drawing/2010/main" w="9525">
                   <a:solidFill>
                     <a:srgbClr val="000000"/>
                   </a:solidFill>
@@ -3275,7 +3275,7 @@
             </a:ln>
             <a:extLst>
               <a:ext uri="{91240B29-F687-4f45-9708-019B960494DF}">
-                <a14:hiddenLine xmlns:a14="http://schemas.microsoft.com/office/drawing/2010/main" xmlns="" w="9525">
+                <a14:hiddenLine xmlns="" xmlns:a14="http://schemas.microsoft.com/office/drawing/2010/main" w="9525">
                   <a:solidFill>
                     <a:srgbClr val="000000"/>
                   </a:solidFill>
@@ -3365,7 +3365,7 @@
             </a:ln>
             <a:extLst>
               <a:ext uri="{91240B29-F687-4f45-9708-019B960494DF}">
-                <a14:hiddenLine xmlns:a14="http://schemas.microsoft.com/office/drawing/2010/main" xmlns="" w="9525">
+                <a14:hiddenLine xmlns="" xmlns:a14="http://schemas.microsoft.com/office/drawing/2010/main" w="9525">
                   <a:solidFill>
                     <a:srgbClr val="000000"/>
                   </a:solidFill>
@@ -3427,7 +3427,7 @@
             </a:ln>
             <a:extLst>
               <a:ext uri="{91240B29-F687-4f45-9708-019B960494DF}">
-                <a14:hiddenLine xmlns:a14="http://schemas.microsoft.com/office/drawing/2010/main" xmlns="" w="9525">
+                <a14:hiddenLine xmlns="" xmlns:a14="http://schemas.microsoft.com/office/drawing/2010/main" w="9525">
                   <a:solidFill>
                     <a:srgbClr val="000000"/>
                   </a:solidFill>
@@ -3517,7 +3517,7 @@
             </a:ln>
             <a:extLst>
               <a:ext uri="{91240B29-F687-4f45-9708-019B960494DF}">
-                <a14:hiddenLine xmlns:a14="http://schemas.microsoft.com/office/drawing/2010/main" xmlns="" w="9525">
+                <a14:hiddenLine xmlns="" xmlns:a14="http://schemas.microsoft.com/office/drawing/2010/main" w="9525">
                   <a:solidFill>
                     <a:srgbClr val="000000"/>
                   </a:solidFill>
@@ -3607,7 +3607,7 @@
             </a:ln>
             <a:extLst>
               <a:ext uri="{91240B29-F687-4f45-9708-019B960494DF}">
-                <a14:hiddenLine xmlns:a14="http://schemas.microsoft.com/office/drawing/2010/main" xmlns="" w="9525">
+                <a14:hiddenLine xmlns="" xmlns:a14="http://schemas.microsoft.com/office/drawing/2010/main" w="9525">
                   <a:solidFill>
                     <a:srgbClr val="000000"/>
                   </a:solidFill>
@@ -3672,7 +3672,7 @@
             </a:ln>
             <a:extLst>
               <a:ext uri="{91240B29-F687-4f45-9708-019B960494DF}">
-                <a14:hiddenLine xmlns:a14="http://schemas.microsoft.com/office/drawing/2010/main" xmlns="" w="9525">
+                <a14:hiddenLine xmlns="" xmlns:a14="http://schemas.microsoft.com/office/drawing/2010/main" w="9525">
                   <a:solidFill>
                     <a:srgbClr val="000000"/>
                   </a:solidFill>
@@ -3734,7 +3734,7 @@
             </a:ln>
             <a:extLst>
               <a:ext uri="{91240B29-F687-4f45-9708-019B960494DF}">
-                <a14:hiddenLine xmlns:a14="http://schemas.microsoft.com/office/drawing/2010/main" xmlns="" w="9525">
+                <a14:hiddenLine xmlns="" xmlns:a14="http://schemas.microsoft.com/office/drawing/2010/main" w="9525">
                   <a:solidFill>
                     <a:srgbClr val="000000"/>
                   </a:solidFill>
@@ -3824,7 +3824,7 @@
             </a:ln>
             <a:extLst>
               <a:ext uri="{91240B29-F687-4f45-9708-019B960494DF}">
-                <a14:hiddenLine xmlns:a14="http://schemas.microsoft.com/office/drawing/2010/main" xmlns="" w="9525">
+                <a14:hiddenLine xmlns="" xmlns:a14="http://schemas.microsoft.com/office/drawing/2010/main" w="9525">
                   <a:solidFill>
                     <a:srgbClr val="000000"/>
                   </a:solidFill>
@@ -3914,7 +3914,7 @@
             </a:ln>
             <a:extLst>
               <a:ext uri="{91240B29-F687-4f45-9708-019B960494DF}">
-                <a14:hiddenLine xmlns:a14="http://schemas.microsoft.com/office/drawing/2010/main" xmlns="" w="9525">
+                <a14:hiddenLine xmlns="" xmlns:a14="http://schemas.microsoft.com/office/drawing/2010/main" w="9525">
                   <a:solidFill>
                     <a:srgbClr val="000000"/>
                   </a:solidFill>
@@ -3976,7 +3976,7 @@
             </a:ln>
             <a:extLst>
               <a:ext uri="{91240B29-F687-4f45-9708-019B960494DF}">
-                <a14:hiddenLine xmlns:a14="http://schemas.microsoft.com/office/drawing/2010/main" xmlns="" w="9525">
+                <a14:hiddenLine xmlns="" xmlns:a14="http://schemas.microsoft.com/office/drawing/2010/main" w="9525">
                   <a:solidFill>
                     <a:srgbClr val="000000"/>
                   </a:solidFill>
@@ -4096,7 +4096,7 @@
             </a:ln>
             <a:extLst>
               <a:ext uri="{91240B29-F687-4f45-9708-019B960494DF}">
-                <a14:hiddenLine xmlns:a14="http://schemas.microsoft.com/office/drawing/2010/main" xmlns="" w="9525">
+                <a14:hiddenLine xmlns="" xmlns:a14="http://schemas.microsoft.com/office/drawing/2010/main" w="9525">
                   <a:solidFill>
                     <a:srgbClr val="000000"/>
                   </a:solidFill>
@@ -4164,7 +4164,7 @@
             </a:ln>
             <a:extLst>
               <a:ext uri="{91240B29-F687-4f45-9708-019B960494DF}">
-                <a14:hiddenLine xmlns:a14="http://schemas.microsoft.com/office/drawing/2010/main" xmlns="" w="9525">
+                <a14:hiddenLine xmlns="" xmlns:a14="http://schemas.microsoft.com/office/drawing/2010/main" w="9525">
                   <a:solidFill>
                     <a:srgbClr val="000000"/>
                   </a:solidFill>
@@ -4254,7 +4254,7 @@
             </a:ln>
             <a:extLst>
               <a:ext uri="{91240B29-F687-4f45-9708-019B960494DF}">
-                <a14:hiddenLine xmlns:a14="http://schemas.microsoft.com/office/drawing/2010/main" xmlns="" w="9525">
+                <a14:hiddenLine xmlns="" xmlns:a14="http://schemas.microsoft.com/office/drawing/2010/main" w="9525">
                   <a:solidFill>
                     <a:srgbClr val="000000"/>
                   </a:solidFill>
@@ -9061,7 +9061,7 @@
           <a:noFill/>
           <a:extLst>
             <a:ext uri="{909E8E84-426E-40dd-AFC4-6F175D3DCCD1}">
-              <a14:hiddenFill xmlns:a14="http://schemas.microsoft.com/office/drawing/2010/main" xmlns="">
+              <a14:hiddenFill xmlns="" xmlns:a14="http://schemas.microsoft.com/office/drawing/2010/main">
                 <a:solidFill>
                   <a:srgbClr val="FFFFFF"/>
                 </a:solidFill>
@@ -9135,7 +9135,7 @@
               </a:ln>
               <a:extLst>
                 <a:ext uri="{91240B29-F687-4f45-9708-019B960494DF}">
-                  <a14:hiddenLine xmlns:a14="http://schemas.microsoft.com/office/drawing/2010/main" xmlns="" w="9525">
+                  <a14:hiddenLine xmlns="" xmlns:a14="http://schemas.microsoft.com/office/drawing/2010/main" w="9525">
                     <a:solidFill>
                       <a:srgbClr val="000000"/>
                     </a:solidFill>
@@ -9225,7 +9225,7 @@
               </a:ln>
               <a:extLst>
                 <a:ext uri="{91240B29-F687-4f45-9708-019B960494DF}">
-                  <a14:hiddenLine xmlns:a14="http://schemas.microsoft.com/office/drawing/2010/main" xmlns="" w="9525">
+                  <a14:hiddenLine xmlns="" xmlns:a14="http://schemas.microsoft.com/office/drawing/2010/main" w="9525">
                     <a:solidFill>
                       <a:srgbClr val="000000"/>
                     </a:solidFill>
@@ -9315,7 +9315,7 @@
               </a:ln>
               <a:extLst>
                 <a:ext uri="{91240B29-F687-4f45-9708-019B960494DF}">
-                  <a14:hiddenLine xmlns:a14="http://schemas.microsoft.com/office/drawing/2010/main" xmlns="" w="9525">
+                  <a14:hiddenLine xmlns="" xmlns:a14="http://schemas.microsoft.com/office/drawing/2010/main" w="9525">
                     <a:solidFill>
                       <a:srgbClr val="000000"/>
                     </a:solidFill>
@@ -9377,7 +9377,7 @@
               </a:ln>
               <a:extLst>
                 <a:ext uri="{91240B29-F687-4f45-9708-019B960494DF}">
-                  <a14:hiddenLine xmlns:a14="http://schemas.microsoft.com/office/drawing/2010/main" xmlns="" w="9525">
+                  <a14:hiddenLine xmlns="" xmlns:a14="http://schemas.microsoft.com/office/drawing/2010/main" w="9525">
                     <a:solidFill>
                       <a:srgbClr val="000000"/>
                     </a:solidFill>
@@ -9467,7 +9467,7 @@
               </a:ln>
               <a:extLst>
                 <a:ext uri="{91240B29-F687-4f45-9708-019B960494DF}">
-                  <a14:hiddenLine xmlns:a14="http://schemas.microsoft.com/office/drawing/2010/main" xmlns="" w="9525">
+                  <a14:hiddenLine xmlns="" xmlns:a14="http://schemas.microsoft.com/office/drawing/2010/main" w="9525">
                     <a:solidFill>
                       <a:srgbClr val="000000"/>
                     </a:solidFill>
@@ -9529,7 +9529,7 @@
               </a:ln>
               <a:extLst>
                 <a:ext uri="{91240B29-F687-4f45-9708-019B960494DF}">
-                  <a14:hiddenLine xmlns:a14="http://schemas.microsoft.com/office/drawing/2010/main" xmlns="" w="9525">
+                  <a14:hiddenLine xmlns="" xmlns:a14="http://schemas.microsoft.com/office/drawing/2010/main" w="9525">
                     <a:solidFill>
                       <a:srgbClr val="000000"/>
                     </a:solidFill>
@@ -9591,7 +9591,7 @@
               </a:ln>
               <a:extLst>
                 <a:ext uri="{91240B29-F687-4f45-9708-019B960494DF}">
-                  <a14:hiddenLine xmlns:a14="http://schemas.microsoft.com/office/drawing/2010/main" xmlns="" w="9525">
+                  <a14:hiddenLine xmlns="" xmlns:a14="http://schemas.microsoft.com/office/drawing/2010/main" w="9525">
                     <a:solidFill>
                       <a:srgbClr val="000000"/>
                     </a:solidFill>
@@ -9681,7 +9681,7 @@
               </a:ln>
               <a:extLst>
                 <a:ext uri="{91240B29-F687-4f45-9708-019B960494DF}">
-                  <a14:hiddenLine xmlns:a14="http://schemas.microsoft.com/office/drawing/2010/main" xmlns="" w="9525">
+                  <a14:hiddenLine xmlns="" xmlns:a14="http://schemas.microsoft.com/office/drawing/2010/main" w="9525">
                     <a:solidFill>
                       <a:srgbClr val="000000"/>
                     </a:solidFill>
@@ -9771,7 +9771,7 @@
               </a:ln>
               <a:extLst>
                 <a:ext uri="{91240B29-F687-4f45-9708-019B960494DF}">
-                  <a14:hiddenLine xmlns:a14="http://schemas.microsoft.com/office/drawing/2010/main" xmlns="" w="9525">
+                  <a14:hiddenLine xmlns="" xmlns:a14="http://schemas.microsoft.com/office/drawing/2010/main" w="9525">
                     <a:solidFill>
                       <a:srgbClr val="000000"/>
                     </a:solidFill>
@@ -9833,7 +9833,7 @@
               </a:ln>
               <a:extLst>
                 <a:ext uri="{91240B29-F687-4f45-9708-019B960494DF}">
-                  <a14:hiddenLine xmlns:a14="http://schemas.microsoft.com/office/drawing/2010/main" xmlns="" w="9525">
+                  <a14:hiddenLine xmlns="" xmlns:a14="http://schemas.microsoft.com/office/drawing/2010/main" w="9525">
                     <a:solidFill>
                       <a:srgbClr val="000000"/>
                     </a:solidFill>
@@ -9943,7 +9943,7 @@
               </a:ln>
               <a:extLst>
                 <a:ext uri="{91240B29-F687-4f45-9708-019B960494DF}">
-                  <a14:hiddenLine xmlns:a14="http://schemas.microsoft.com/office/drawing/2010/main" xmlns="" w="9525">
+                  <a14:hiddenLine xmlns="" xmlns:a14="http://schemas.microsoft.com/office/drawing/2010/main" w="9525">
                     <a:solidFill>
                       <a:srgbClr val="000000"/>
                     </a:solidFill>
@@ -10027,7 +10027,7 @@
               </a:ln>
               <a:extLst>
                 <a:ext uri="{91240B29-F687-4f45-9708-019B960494DF}">
-                  <a14:hiddenLine xmlns:a14="http://schemas.microsoft.com/office/drawing/2010/main" xmlns="" w="9525">
+                  <a14:hiddenLine xmlns="" xmlns:a14="http://schemas.microsoft.com/office/drawing/2010/main" w="9525">
                     <a:solidFill>
                       <a:srgbClr val="000000"/>
                     </a:solidFill>
@@ -10089,7 +10089,7 @@
               </a:ln>
               <a:extLst>
                 <a:ext uri="{91240B29-F687-4f45-9708-019B960494DF}">
-                  <a14:hiddenLine xmlns:a14="http://schemas.microsoft.com/office/drawing/2010/main" xmlns="" w="9525">
+                  <a14:hiddenLine xmlns="" xmlns:a14="http://schemas.microsoft.com/office/drawing/2010/main" w="9525">
                     <a:solidFill>
                       <a:srgbClr val="000000"/>
                     </a:solidFill>
@@ -10151,7 +10151,7 @@
               </a:ln>
               <a:extLst>
                 <a:ext uri="{91240B29-F687-4f45-9708-019B960494DF}">
-                  <a14:hiddenLine xmlns:a14="http://schemas.microsoft.com/office/drawing/2010/main" xmlns="" w="9525">
+                  <a14:hiddenLine xmlns="" xmlns:a14="http://schemas.microsoft.com/office/drawing/2010/main" w="9525">
                     <a:solidFill>
                       <a:srgbClr val="000000"/>
                     </a:solidFill>
@@ -10241,7 +10241,7 @@
               </a:ln>
               <a:extLst>
                 <a:ext uri="{91240B29-F687-4f45-9708-019B960494DF}">
-                  <a14:hiddenLine xmlns:a14="http://schemas.microsoft.com/office/drawing/2010/main" xmlns="" w="9525">
+                  <a14:hiddenLine xmlns="" xmlns:a14="http://schemas.microsoft.com/office/drawing/2010/main" w="9525">
                     <a:solidFill>
                       <a:srgbClr val="000000"/>
                     </a:solidFill>
@@ -10275,7 +10275,7 @@
               </a:ln>
               <a:extLst>
                 <a:ext uri="{91240B29-F687-4f45-9708-019B960494DF}">
-                  <a14:hiddenLine xmlns:a14="http://schemas.microsoft.com/office/drawing/2010/main" xmlns="" w="9525">
+                  <a14:hiddenLine xmlns="" xmlns:a14="http://schemas.microsoft.com/office/drawing/2010/main" w="9525">
                     <a:solidFill>
                       <a:srgbClr val="000000"/>
                     </a:solidFill>
@@ -10340,7 +10340,7 @@
               </a:ln>
               <a:extLst>
                 <a:ext uri="{91240B29-F687-4f45-9708-019B960494DF}">
-                  <a14:hiddenLine xmlns:a14="http://schemas.microsoft.com/office/drawing/2010/main" xmlns="" w="9525">
+                  <a14:hiddenLine xmlns="" xmlns:a14="http://schemas.microsoft.com/office/drawing/2010/main" w="9525">
                     <a:solidFill>
                       <a:srgbClr val="000000"/>
                     </a:solidFill>
@@ -10430,7 +10430,7 @@
               </a:ln>
               <a:extLst>
                 <a:ext uri="{91240B29-F687-4f45-9708-019B960494DF}">
-                  <a14:hiddenLine xmlns:a14="http://schemas.microsoft.com/office/drawing/2010/main" xmlns="" w="9525">
+                  <a14:hiddenLine xmlns="" xmlns:a14="http://schemas.microsoft.com/office/drawing/2010/main" w="9525">
                     <a:solidFill>
                       <a:srgbClr val="000000"/>
                     </a:solidFill>
@@ -10492,7 +10492,7 @@
               </a:ln>
               <a:extLst>
                 <a:ext uri="{91240B29-F687-4f45-9708-019B960494DF}">
-                  <a14:hiddenLine xmlns:a14="http://schemas.microsoft.com/office/drawing/2010/main" xmlns="" w="9525">
+                  <a14:hiddenLine xmlns="" xmlns:a14="http://schemas.microsoft.com/office/drawing/2010/main" w="9525">
                     <a:solidFill>
                       <a:srgbClr val="000000"/>
                     </a:solidFill>
@@ -10582,7 +10582,7 @@
               </a:ln>
               <a:extLst>
                 <a:ext uri="{91240B29-F687-4f45-9708-019B960494DF}">
-                  <a14:hiddenLine xmlns:a14="http://schemas.microsoft.com/office/drawing/2010/main" xmlns="" w="9525">
+                  <a14:hiddenLine xmlns="" xmlns:a14="http://schemas.microsoft.com/office/drawing/2010/main" w="9525">
                     <a:solidFill>
                       <a:srgbClr val="000000"/>
                     </a:solidFill>
@@ -10647,7 +10647,7 @@
               </a:ln>
               <a:extLst>
                 <a:ext uri="{91240B29-F687-4f45-9708-019B960494DF}">
-                  <a14:hiddenLine xmlns:a14="http://schemas.microsoft.com/office/drawing/2010/main" xmlns="" w="9525">
+                  <a14:hiddenLine xmlns="" xmlns:a14="http://schemas.microsoft.com/office/drawing/2010/main" w="9525">
                     <a:solidFill>
                       <a:srgbClr val="000000"/>
                     </a:solidFill>
@@ -10709,7 +10709,7 @@
               </a:ln>
               <a:extLst>
                 <a:ext uri="{91240B29-F687-4f45-9708-019B960494DF}">
-                  <a14:hiddenLine xmlns:a14="http://schemas.microsoft.com/office/drawing/2010/main" xmlns="" w="9525">
+                  <a14:hiddenLine xmlns="" xmlns:a14="http://schemas.microsoft.com/office/drawing/2010/main" w="9525">
                     <a:solidFill>
                       <a:srgbClr val="000000"/>
                     </a:solidFill>
@@ -10799,7 +10799,7 @@
               </a:ln>
               <a:extLst>
                 <a:ext uri="{91240B29-F687-4f45-9708-019B960494DF}">
-                  <a14:hiddenLine xmlns:a14="http://schemas.microsoft.com/office/drawing/2010/main" xmlns="" w="9525">
+                  <a14:hiddenLine xmlns="" xmlns:a14="http://schemas.microsoft.com/office/drawing/2010/main" w="9525">
                     <a:solidFill>
                       <a:srgbClr val="000000"/>
                     </a:solidFill>
@@ -10889,7 +10889,7 @@
               </a:ln>
               <a:extLst>
                 <a:ext uri="{91240B29-F687-4f45-9708-019B960494DF}">
-                  <a14:hiddenLine xmlns:a14="http://schemas.microsoft.com/office/drawing/2010/main" xmlns="" w="9525">
+                  <a14:hiddenLine xmlns="" xmlns:a14="http://schemas.microsoft.com/office/drawing/2010/main" w="9525">
                     <a:solidFill>
                       <a:srgbClr val="000000"/>
                     </a:solidFill>
@@ -10954,7 +10954,7 @@
               </a:ln>
               <a:extLst>
                 <a:ext uri="{91240B29-F687-4f45-9708-019B960494DF}">
-                  <a14:hiddenLine xmlns:a14="http://schemas.microsoft.com/office/drawing/2010/main" xmlns="" w="9525">
+                  <a14:hiddenLine xmlns="" xmlns:a14="http://schemas.microsoft.com/office/drawing/2010/main" w="9525">
                     <a:solidFill>
                       <a:srgbClr val="000000"/>
                     </a:solidFill>
@@ -11074,7 +11074,7 @@
               </a:ln>
               <a:extLst>
                 <a:ext uri="{91240B29-F687-4f45-9708-019B960494DF}">
-                  <a14:hiddenLine xmlns:a14="http://schemas.microsoft.com/office/drawing/2010/main" xmlns="" w="9525">
+                  <a14:hiddenLine xmlns="" xmlns:a14="http://schemas.microsoft.com/office/drawing/2010/main" w="9525">
                     <a:solidFill>
                       <a:srgbClr val="000000"/>
                     </a:solidFill>
@@ -11172,7 +11172,7 @@
               </a:ln>
               <a:extLst>
                 <a:ext uri="{91240B29-F687-4f45-9708-019B960494DF}">
-                  <a14:hiddenLine xmlns:a14="http://schemas.microsoft.com/office/drawing/2010/main" xmlns="" w="9525">
+                  <a14:hiddenLine xmlns="" xmlns:a14="http://schemas.microsoft.com/office/drawing/2010/main" w="9525">
                     <a:solidFill>
                       <a:srgbClr val="000000"/>
                     </a:solidFill>
@@ -11287,7 +11287,7 @@
               </a:ln>
               <a:extLst>
                 <a:ext uri="{91240B29-F687-4f45-9708-019B960494DF}">
-                  <a14:hiddenLine xmlns:a14="http://schemas.microsoft.com/office/drawing/2010/main" xmlns="" w="9525">
+                  <a14:hiddenLine xmlns="" xmlns:a14="http://schemas.microsoft.com/office/drawing/2010/main" w="9525">
                     <a:solidFill>
                       <a:srgbClr val="000000"/>
                     </a:solidFill>
@@ -11377,7 +11377,7 @@
               </a:ln>
               <a:extLst>
                 <a:ext uri="{91240B29-F687-4f45-9708-019B960494DF}">
-                  <a14:hiddenLine xmlns:a14="http://schemas.microsoft.com/office/drawing/2010/main" xmlns="" w="9525">
+                  <a14:hiddenLine xmlns="" xmlns:a14="http://schemas.microsoft.com/office/drawing/2010/main" w="9525">
                     <a:solidFill>
                       <a:srgbClr val="000000"/>
                     </a:solidFill>
@@ -11442,7 +11442,7 @@
               </a:ln>
               <a:extLst>
                 <a:ext uri="{91240B29-F687-4f45-9708-019B960494DF}">
-                  <a14:hiddenLine xmlns:a14="http://schemas.microsoft.com/office/drawing/2010/main" xmlns="" w="9525">
+                  <a14:hiddenLine xmlns="" xmlns:a14="http://schemas.microsoft.com/office/drawing/2010/main" w="9525">
                     <a:solidFill>
                       <a:srgbClr val="000000"/>
                     </a:solidFill>
@@ -11532,7 +11532,7 @@
               </a:ln>
               <a:extLst>
                 <a:ext uri="{91240B29-F687-4f45-9708-019B960494DF}">
-                  <a14:hiddenLine xmlns:a14="http://schemas.microsoft.com/office/drawing/2010/main" xmlns="" w="9525">
+                  <a14:hiddenLine xmlns="" xmlns:a14="http://schemas.microsoft.com/office/drawing/2010/main" w="9525">
                     <a:solidFill>
                       <a:srgbClr val="000000"/>
                     </a:solidFill>
@@ -11600,7 +11600,7 @@
               </a:ln>
               <a:extLst>
                 <a:ext uri="{91240B29-F687-4f45-9708-019B960494DF}">
-                  <a14:hiddenLine xmlns:a14="http://schemas.microsoft.com/office/drawing/2010/main" xmlns="" w="9525">
+                  <a14:hiddenLine xmlns="" xmlns:a14="http://schemas.microsoft.com/office/drawing/2010/main" w="9525">
                     <a:solidFill>
                       <a:srgbClr val="000000"/>
                     </a:solidFill>
@@ -11690,7 +11690,7 @@
               </a:ln>
               <a:extLst>
                 <a:ext uri="{91240B29-F687-4f45-9708-019B960494DF}">
-                  <a14:hiddenLine xmlns:a14="http://schemas.microsoft.com/office/drawing/2010/main" xmlns="" w="9525">
+                  <a14:hiddenLine xmlns="" xmlns:a14="http://schemas.microsoft.com/office/drawing/2010/main" w="9525">
                     <a:solidFill>
                       <a:srgbClr val="000000"/>
                     </a:solidFill>
@@ -11758,7 +11758,7 @@
               </a:ln>
               <a:extLst>
                 <a:ext uri="{91240B29-F687-4f45-9708-019B960494DF}">
-                  <a14:hiddenLine xmlns:a14="http://schemas.microsoft.com/office/drawing/2010/main" xmlns="" w="9525">
+                  <a14:hiddenLine xmlns="" xmlns:a14="http://schemas.microsoft.com/office/drawing/2010/main" w="9525">
                     <a:solidFill>
                       <a:srgbClr val="000000"/>
                     </a:solidFill>
@@ -11848,7 +11848,7 @@
               </a:ln>
               <a:extLst>
                 <a:ext uri="{91240B29-F687-4f45-9708-019B960494DF}">
-                  <a14:hiddenLine xmlns:a14="http://schemas.microsoft.com/office/drawing/2010/main" xmlns="" w="9525">
+                  <a14:hiddenLine xmlns="" xmlns:a14="http://schemas.microsoft.com/office/drawing/2010/main" w="9525">
                     <a:solidFill>
                       <a:srgbClr val="000000"/>
                     </a:solidFill>
@@ -11882,7 +11882,7 @@
               </a:ln>
               <a:extLst>
                 <a:ext uri="{91240B29-F687-4f45-9708-019B960494DF}">
-                  <a14:hiddenLine xmlns:a14="http://schemas.microsoft.com/office/drawing/2010/main" xmlns="" w="9525">
+                  <a14:hiddenLine xmlns="" xmlns:a14="http://schemas.microsoft.com/office/drawing/2010/main" w="9525">
                     <a:solidFill>
                       <a:srgbClr val="000000"/>
                     </a:solidFill>
@@ -12612,7 +12612,7 @@
             <a:noFill/>
             <a:extLst>
               <a:ext uri="{909E8E84-426E-40dd-AFC4-6F175D3DCCD1}">
-                <a14:hiddenFill xmlns="" xmlns:a14="http://schemas.microsoft.com/office/drawing/2010/main" xmlns:p14="http://schemas.microsoft.com/office/powerpoint/2010/main" xmlns:a16="http://schemas.microsoft.com/office/drawing/2014/main">
+                <a14:hiddenFill xmlns:a16="http://schemas.microsoft.com/office/drawing/2014/main" xmlns:p14="http://schemas.microsoft.com/office/powerpoint/2010/main" xmlns:a14="http://schemas.microsoft.com/office/drawing/2010/main" xmlns="">
                   <a:solidFill>
                     <a:srgbClr val="FFFFFF"/>
                   </a:solidFill>
@@ -14701,7 +14701,7 @@
         </p:nvSpPr>
         <p:spPr>
           <a:xfrm>
-            <a:off x="5500381" y="2921168"/>
+            <a:off x="5500381" y="2585608"/>
             <a:ext cx="1191237" cy="1015663"/>
           </a:xfrm>
           <a:prstGeom prst="rect">
@@ -14747,7 +14747,7 @@
         </p:nvCxnSpPr>
         <p:spPr>
           <a:xfrm flipH="1" flipV="1">
-            <a:off x="6095999" y="1535185"/>
+            <a:off x="6095999" y="1199625"/>
             <a:ext cx="1" cy="1385983"/>
           </a:xfrm>
           <a:prstGeom prst="straightConnector1">
@@ -14786,7 +14786,7 @@
         </p:nvSpPr>
         <p:spPr>
           <a:xfrm>
-            <a:off x="4896373" y="1165853"/>
+            <a:off x="4896373" y="830293"/>
             <a:ext cx="2567031" cy="369332"/>
           </a:xfrm>
           <a:prstGeom prst="rect">
@@ -14821,7 +14821,7 @@
         </p:nvSpPr>
         <p:spPr>
           <a:xfrm>
-            <a:off x="4812483" y="4503705"/>
+            <a:off x="4812483" y="4168145"/>
             <a:ext cx="2567031" cy="369332"/>
           </a:xfrm>
           <a:prstGeom prst="rect">
@@ -14858,7 +14858,7 @@
         </p:nvCxnSpPr>
         <p:spPr>
           <a:xfrm>
-            <a:off x="6095999" y="3857374"/>
+            <a:off x="6095999" y="3521814"/>
             <a:ext cx="0" cy="675314"/>
           </a:xfrm>
           <a:prstGeom prst="straightConnector1">
@@ -14899,7 +14899,7 @@
         </p:nvCxnSpPr>
         <p:spPr>
           <a:xfrm flipH="1" flipV="1">
-            <a:off x="3712129" y="2620457"/>
+            <a:off x="3712129" y="2284897"/>
             <a:ext cx="1763786" cy="624632"/>
           </a:xfrm>
           <a:prstGeom prst="straightConnector1">
@@ -14938,7 +14938,7 @@
         </p:nvSpPr>
         <p:spPr>
           <a:xfrm>
-            <a:off x="1476463" y="2412842"/>
+            <a:off x="1476463" y="2077282"/>
             <a:ext cx="2583798" cy="369332"/>
           </a:xfrm>
           <a:prstGeom prst="rect">
@@ -14975,7 +14975,7 @@
         </p:nvCxnSpPr>
         <p:spPr>
           <a:xfrm flipV="1">
-            <a:off x="6675541" y="2553494"/>
+            <a:off x="6675541" y="2217934"/>
             <a:ext cx="1713450" cy="721234"/>
           </a:xfrm>
           <a:prstGeom prst="straightConnector1">
@@ -15014,7 +15014,7 @@
         </p:nvSpPr>
         <p:spPr>
           <a:xfrm>
-            <a:off x="8537195" y="1997838"/>
+            <a:off x="8537195" y="1662278"/>
             <a:ext cx="2583798" cy="923330"/>
           </a:xfrm>
           <a:prstGeom prst="rect">
@@ -15055,7 +15055,7 @@
         </p:nvSpPr>
         <p:spPr>
           <a:xfrm>
-            <a:off x="3650607" y="5058691"/>
+            <a:off x="3650607" y="4723131"/>
             <a:ext cx="5058562" cy="1661993"/>
           </a:xfrm>
           <a:prstGeom prst="rect">

--- a/CoursCS2.pptx
+++ b/CoursCS2.pptx
@@ -168,7 +168,7 @@
           <a:noFill/>
           <a:extLst>
             <a:ext uri="{909E8E84-426E-40dd-AFC4-6F175D3DCCD1}">
-              <a14:hiddenFill xmlns="" xmlns:a14="http://schemas.microsoft.com/office/drawing/2010/main">
+              <a14:hiddenFill xmlns:a14="http://schemas.microsoft.com/office/drawing/2010/main" xmlns="">
                 <a:solidFill>
                   <a:srgbClr val="FFFFFF"/>
                 </a:solidFill>
@@ -228,7 +228,7 @@
             </a:ln>
             <a:extLst>
               <a:ext uri="{91240B29-F687-4f45-9708-019B960494DF}">
-                <a14:hiddenLine xmlns="" xmlns:a14="http://schemas.microsoft.com/office/drawing/2010/main" w="9525">
+                <a14:hiddenLine xmlns:a14="http://schemas.microsoft.com/office/drawing/2010/main" xmlns="" w="9525">
                   <a:solidFill>
                     <a:srgbClr val="000000"/>
                   </a:solidFill>
@@ -318,7 +318,7 @@
             </a:ln>
             <a:extLst>
               <a:ext uri="{91240B29-F687-4f45-9708-019B960494DF}">
-                <a14:hiddenLine xmlns="" xmlns:a14="http://schemas.microsoft.com/office/drawing/2010/main" w="9525">
+                <a14:hiddenLine xmlns:a14="http://schemas.microsoft.com/office/drawing/2010/main" xmlns="" w="9525">
                   <a:solidFill>
                     <a:srgbClr val="000000"/>
                   </a:solidFill>
@@ -408,7 +408,7 @@
             </a:ln>
             <a:extLst>
               <a:ext uri="{91240B29-F687-4f45-9708-019B960494DF}">
-                <a14:hiddenLine xmlns="" xmlns:a14="http://schemas.microsoft.com/office/drawing/2010/main" w="9525">
+                <a14:hiddenLine xmlns:a14="http://schemas.microsoft.com/office/drawing/2010/main" xmlns="" w="9525">
                   <a:solidFill>
                     <a:srgbClr val="000000"/>
                   </a:solidFill>
@@ -442,7 +442,7 @@
             </a:ln>
             <a:extLst>
               <a:ext uri="{91240B29-F687-4f45-9708-019B960494DF}">
-                <a14:hiddenLine xmlns="" xmlns:a14="http://schemas.microsoft.com/office/drawing/2010/main" w="9525">
+                <a14:hiddenLine xmlns:a14="http://schemas.microsoft.com/office/drawing/2010/main" xmlns="" w="9525">
                   <a:solidFill>
                     <a:srgbClr val="000000"/>
                   </a:solidFill>
@@ -532,7 +532,7 @@
             </a:ln>
             <a:extLst>
               <a:ext uri="{91240B29-F687-4f45-9708-019B960494DF}">
-                <a14:hiddenLine xmlns="" xmlns:a14="http://schemas.microsoft.com/office/drawing/2010/main" w="9525">
+                <a14:hiddenLine xmlns:a14="http://schemas.microsoft.com/office/drawing/2010/main" xmlns="" w="9525">
                   <a:solidFill>
                     <a:srgbClr val="000000"/>
                   </a:solidFill>
@@ -594,7 +594,7 @@
             </a:ln>
             <a:extLst>
               <a:ext uri="{91240B29-F687-4f45-9708-019B960494DF}">
-                <a14:hiddenLine xmlns="" xmlns:a14="http://schemas.microsoft.com/office/drawing/2010/main" w="9525">
+                <a14:hiddenLine xmlns:a14="http://schemas.microsoft.com/office/drawing/2010/main" xmlns="" w="9525">
                   <a:solidFill>
                     <a:srgbClr val="000000"/>
                   </a:solidFill>
@@ -656,7 +656,7 @@
             </a:ln>
             <a:extLst>
               <a:ext uri="{91240B29-F687-4f45-9708-019B960494DF}">
-                <a14:hiddenLine xmlns="" xmlns:a14="http://schemas.microsoft.com/office/drawing/2010/main" w="9525">
+                <a14:hiddenLine xmlns:a14="http://schemas.microsoft.com/office/drawing/2010/main" xmlns="" w="9525">
                   <a:solidFill>
                     <a:srgbClr val="000000"/>
                   </a:solidFill>
@@ -746,7 +746,7 @@
             </a:ln>
             <a:extLst>
               <a:ext uri="{91240B29-F687-4f45-9708-019B960494DF}">
-                <a14:hiddenLine xmlns="" xmlns:a14="http://schemas.microsoft.com/office/drawing/2010/main" w="9525">
+                <a14:hiddenLine xmlns:a14="http://schemas.microsoft.com/office/drawing/2010/main" xmlns="" w="9525">
                   <a:solidFill>
                     <a:srgbClr val="000000"/>
                   </a:solidFill>
@@ -808,7 +808,7 @@
             </a:ln>
             <a:extLst>
               <a:ext uri="{91240B29-F687-4f45-9708-019B960494DF}">
-                <a14:hiddenLine xmlns="" xmlns:a14="http://schemas.microsoft.com/office/drawing/2010/main" w="9525">
+                <a14:hiddenLine xmlns:a14="http://schemas.microsoft.com/office/drawing/2010/main" xmlns="" w="9525">
                   <a:solidFill>
                     <a:srgbClr val="000000"/>
                   </a:solidFill>
@@ -870,7 +870,7 @@
             </a:ln>
             <a:extLst>
               <a:ext uri="{91240B29-F687-4f45-9708-019B960494DF}">
-                <a14:hiddenLine xmlns="" xmlns:a14="http://schemas.microsoft.com/office/drawing/2010/main" w="9525">
+                <a14:hiddenLine xmlns:a14="http://schemas.microsoft.com/office/drawing/2010/main" xmlns="" w="9525">
                   <a:solidFill>
                     <a:srgbClr val="000000"/>
                   </a:solidFill>
@@ -960,7 +960,7 @@
             </a:ln>
             <a:extLst>
               <a:ext uri="{91240B29-F687-4f45-9708-019B960494DF}">
-                <a14:hiddenLine xmlns="" xmlns:a14="http://schemas.microsoft.com/office/drawing/2010/main" w="9525">
+                <a14:hiddenLine xmlns:a14="http://schemas.microsoft.com/office/drawing/2010/main" xmlns="" w="9525">
                   <a:solidFill>
                     <a:srgbClr val="000000"/>
                   </a:solidFill>
@@ -1050,7 +1050,7 @@
             </a:ln>
             <a:extLst>
               <a:ext uri="{91240B29-F687-4f45-9708-019B960494DF}">
-                <a14:hiddenLine xmlns="" xmlns:a14="http://schemas.microsoft.com/office/drawing/2010/main" w="9525">
+                <a14:hiddenLine xmlns:a14="http://schemas.microsoft.com/office/drawing/2010/main" xmlns="" w="9525">
                   <a:solidFill>
                     <a:srgbClr val="000000"/>
                   </a:solidFill>
@@ -1112,7 +1112,7 @@
             </a:ln>
             <a:extLst>
               <a:ext uri="{91240B29-F687-4f45-9708-019B960494DF}">
-                <a14:hiddenLine xmlns="" xmlns:a14="http://schemas.microsoft.com/office/drawing/2010/main" w="9525">
+                <a14:hiddenLine xmlns:a14="http://schemas.microsoft.com/office/drawing/2010/main" xmlns="" w="9525">
                   <a:solidFill>
                     <a:srgbClr val="000000"/>
                   </a:solidFill>
@@ -1222,7 +1222,7 @@
             </a:ln>
             <a:extLst>
               <a:ext uri="{91240B29-F687-4f45-9708-019B960494DF}">
-                <a14:hiddenLine xmlns="" xmlns:a14="http://schemas.microsoft.com/office/drawing/2010/main" w="9525">
+                <a14:hiddenLine xmlns:a14="http://schemas.microsoft.com/office/drawing/2010/main" xmlns="" w="9525">
                   <a:solidFill>
                     <a:srgbClr val="000000"/>
                   </a:solidFill>
@@ -1284,7 +1284,7 @@
             </a:ln>
             <a:extLst>
               <a:ext uri="{91240B29-F687-4f45-9708-019B960494DF}">
-                <a14:hiddenLine xmlns="" xmlns:a14="http://schemas.microsoft.com/office/drawing/2010/main" w="9525">
+                <a14:hiddenLine xmlns:a14="http://schemas.microsoft.com/office/drawing/2010/main" xmlns="" w="9525">
                   <a:solidFill>
                     <a:srgbClr val="000000"/>
                   </a:solidFill>
@@ -1374,7 +1374,7 @@
             </a:ln>
             <a:extLst>
               <a:ext uri="{91240B29-F687-4f45-9708-019B960494DF}">
-                <a14:hiddenLine xmlns="" xmlns:a14="http://schemas.microsoft.com/office/drawing/2010/main" w="9525">
+                <a14:hiddenLine xmlns:a14="http://schemas.microsoft.com/office/drawing/2010/main" xmlns="" w="9525">
                   <a:solidFill>
                     <a:srgbClr val="000000"/>
                   </a:solidFill>
@@ -1464,7 +1464,7 @@
             </a:ln>
             <a:extLst>
               <a:ext uri="{91240B29-F687-4f45-9708-019B960494DF}">
-                <a14:hiddenLine xmlns="" xmlns:a14="http://schemas.microsoft.com/office/drawing/2010/main" w="9525">
+                <a14:hiddenLine xmlns:a14="http://schemas.microsoft.com/office/drawing/2010/main" xmlns="" w="9525">
                   <a:solidFill>
                     <a:srgbClr val="000000"/>
                   </a:solidFill>
@@ -1526,7 +1526,7 @@
             </a:ln>
             <a:extLst>
               <a:ext uri="{91240B29-F687-4f45-9708-019B960494DF}">
-                <a14:hiddenLine xmlns="" xmlns:a14="http://schemas.microsoft.com/office/drawing/2010/main" w="9525">
+                <a14:hiddenLine xmlns:a14="http://schemas.microsoft.com/office/drawing/2010/main" xmlns="" w="9525">
                   <a:solidFill>
                     <a:srgbClr val="000000"/>
                   </a:solidFill>
@@ -1616,7 +1616,7 @@
             </a:ln>
             <a:extLst>
               <a:ext uri="{91240B29-F687-4f45-9708-019B960494DF}">
-                <a14:hiddenLine xmlns="" xmlns:a14="http://schemas.microsoft.com/office/drawing/2010/main" w="9525">
+                <a14:hiddenLine xmlns:a14="http://schemas.microsoft.com/office/drawing/2010/main" xmlns="" w="9525">
                   <a:solidFill>
                     <a:srgbClr val="000000"/>
                   </a:solidFill>
@@ -1706,7 +1706,7 @@
             </a:ln>
             <a:extLst>
               <a:ext uri="{91240B29-F687-4f45-9708-019B960494DF}">
-                <a14:hiddenLine xmlns="" xmlns:a14="http://schemas.microsoft.com/office/drawing/2010/main" w="9525">
+                <a14:hiddenLine xmlns:a14="http://schemas.microsoft.com/office/drawing/2010/main" xmlns="" w="9525">
                   <a:solidFill>
                     <a:srgbClr val="000000"/>
                   </a:solidFill>
@@ -1762,7 +1762,7 @@
             </a:ln>
             <a:extLst>
               <a:ext uri="{91240B29-F687-4f45-9708-019B960494DF}">
-                <a14:hiddenLine xmlns="" xmlns:a14="http://schemas.microsoft.com/office/drawing/2010/main" w="9525">
+                <a14:hiddenLine xmlns:a14="http://schemas.microsoft.com/office/drawing/2010/main" xmlns="" w="9525">
                   <a:solidFill>
                     <a:srgbClr val="000000"/>
                   </a:solidFill>
@@ -1852,7 +1852,7 @@
             </a:ln>
             <a:extLst>
               <a:ext uri="{91240B29-F687-4f45-9708-019B960494DF}">
-                <a14:hiddenLine xmlns="" xmlns:a14="http://schemas.microsoft.com/office/drawing/2010/main" w="9525">
+                <a14:hiddenLine xmlns:a14="http://schemas.microsoft.com/office/drawing/2010/main" xmlns="" w="9525">
                   <a:solidFill>
                     <a:srgbClr val="000000"/>
                   </a:solidFill>
@@ -1908,7 +1908,7 @@
             </a:ln>
             <a:extLst>
               <a:ext uri="{91240B29-F687-4f45-9708-019B960494DF}">
-                <a14:hiddenLine xmlns="" xmlns:a14="http://schemas.microsoft.com/office/drawing/2010/main" w="9525">
+                <a14:hiddenLine xmlns:a14="http://schemas.microsoft.com/office/drawing/2010/main" xmlns="" w="9525">
                   <a:solidFill>
                     <a:srgbClr val="000000"/>
                   </a:solidFill>
@@ -1998,7 +1998,7 @@
             </a:ln>
             <a:extLst>
               <a:ext uri="{91240B29-F687-4f45-9708-019B960494DF}">
-                <a14:hiddenLine xmlns="" xmlns:a14="http://schemas.microsoft.com/office/drawing/2010/main" w="9525">
+                <a14:hiddenLine xmlns:a14="http://schemas.microsoft.com/office/drawing/2010/main" xmlns="" w="9525">
                   <a:solidFill>
                     <a:srgbClr val="000000"/>
                   </a:solidFill>
@@ -2066,7 +2066,7 @@
             </a:ln>
             <a:extLst>
               <a:ext uri="{91240B29-F687-4f45-9708-019B960494DF}">
-                <a14:hiddenLine xmlns="" xmlns:a14="http://schemas.microsoft.com/office/drawing/2010/main" w="9525">
+                <a14:hiddenLine xmlns:a14="http://schemas.microsoft.com/office/drawing/2010/main" xmlns="" w="9525">
                   <a:solidFill>
                     <a:srgbClr val="000000"/>
                   </a:solidFill>
@@ -2156,7 +2156,7 @@
             </a:ln>
             <a:extLst>
               <a:ext uri="{91240B29-F687-4f45-9708-019B960494DF}">
-                <a14:hiddenLine xmlns="" xmlns:a14="http://schemas.microsoft.com/office/drawing/2010/main" w="9525">
+                <a14:hiddenLine xmlns:a14="http://schemas.microsoft.com/office/drawing/2010/main" xmlns="" w="9525">
                   <a:solidFill>
                     <a:srgbClr val="000000"/>
                   </a:solidFill>
@@ -2224,7 +2224,7 @@
             </a:ln>
             <a:extLst>
               <a:ext uri="{91240B29-F687-4f45-9708-019B960494DF}">
-                <a14:hiddenLine xmlns="" xmlns:a14="http://schemas.microsoft.com/office/drawing/2010/main" w="9525">
+                <a14:hiddenLine xmlns:a14="http://schemas.microsoft.com/office/drawing/2010/main" xmlns="" w="9525">
                   <a:solidFill>
                     <a:srgbClr val="000000"/>
                   </a:solidFill>
@@ -2314,7 +2314,7 @@
             </a:ln>
             <a:extLst>
               <a:ext uri="{91240B29-F687-4f45-9708-019B960494DF}">
-                <a14:hiddenLine xmlns="" xmlns:a14="http://schemas.microsoft.com/office/drawing/2010/main" w="9525">
+                <a14:hiddenLine xmlns:a14="http://schemas.microsoft.com/office/drawing/2010/main" xmlns="" w="9525">
                   <a:solidFill>
                     <a:srgbClr val="000000"/>
                   </a:solidFill>
@@ -2348,7 +2348,7 @@
             </a:ln>
             <a:extLst>
               <a:ext uri="{91240B29-F687-4f45-9708-019B960494DF}">
-                <a14:hiddenLine xmlns="" xmlns:a14="http://schemas.microsoft.com/office/drawing/2010/main" w="9525">
+                <a14:hiddenLine xmlns:a14="http://schemas.microsoft.com/office/drawing/2010/main" xmlns="" w="9525">
                   <a:solidFill>
                     <a:srgbClr val="000000"/>
                   </a:solidFill>
@@ -2438,7 +2438,7 @@
             </a:ln>
             <a:extLst>
               <a:ext uri="{91240B29-F687-4f45-9708-019B960494DF}">
-                <a14:hiddenLine xmlns="" xmlns:a14="http://schemas.microsoft.com/office/drawing/2010/main" w="9525">
+                <a14:hiddenLine xmlns:a14="http://schemas.microsoft.com/office/drawing/2010/main" xmlns="" w="9525">
                   <a:solidFill>
                     <a:srgbClr val="000000"/>
                   </a:solidFill>
@@ -2500,7 +2500,7 @@
             </a:ln>
             <a:extLst>
               <a:ext uri="{91240B29-F687-4f45-9708-019B960494DF}">
-                <a14:hiddenLine xmlns="" xmlns:a14="http://schemas.microsoft.com/office/drawing/2010/main" w="9525">
+                <a14:hiddenLine xmlns:a14="http://schemas.microsoft.com/office/drawing/2010/main" xmlns="" w="9525">
                   <a:solidFill>
                     <a:srgbClr val="000000"/>
                   </a:solidFill>
@@ -2562,7 +2562,7 @@
             </a:ln>
             <a:extLst>
               <a:ext uri="{91240B29-F687-4f45-9708-019B960494DF}">
-                <a14:hiddenLine xmlns="" xmlns:a14="http://schemas.microsoft.com/office/drawing/2010/main" w="9525">
+                <a14:hiddenLine xmlns:a14="http://schemas.microsoft.com/office/drawing/2010/main" xmlns="" w="9525">
                   <a:solidFill>
                     <a:srgbClr val="000000"/>
                   </a:solidFill>
@@ -2652,7 +2652,7 @@
             </a:ln>
             <a:extLst>
               <a:ext uri="{91240B29-F687-4f45-9708-019B960494DF}">
-                <a14:hiddenLine xmlns="" xmlns:a14="http://schemas.microsoft.com/office/drawing/2010/main" w="9525">
+                <a14:hiddenLine xmlns:a14="http://schemas.microsoft.com/office/drawing/2010/main" xmlns="" w="9525">
                   <a:solidFill>
                     <a:srgbClr val="000000"/>
                   </a:solidFill>
@@ -2720,7 +2720,7 @@
             </a:ln>
             <a:extLst>
               <a:ext uri="{91240B29-F687-4f45-9708-019B960494DF}">
-                <a14:hiddenLine xmlns="" xmlns:a14="http://schemas.microsoft.com/office/drawing/2010/main" w="9525">
+                <a14:hiddenLine xmlns:a14="http://schemas.microsoft.com/office/drawing/2010/main" xmlns="" w="9525">
                   <a:solidFill>
                     <a:srgbClr val="000000"/>
                   </a:solidFill>
@@ -2782,7 +2782,7 @@
             </a:ln>
             <a:extLst>
               <a:ext uri="{91240B29-F687-4f45-9708-019B960494DF}">
-                <a14:hiddenLine xmlns="" xmlns:a14="http://schemas.microsoft.com/office/drawing/2010/main" w="9525">
+                <a14:hiddenLine xmlns:a14="http://schemas.microsoft.com/office/drawing/2010/main" xmlns="" w="9525">
                   <a:solidFill>
                     <a:srgbClr val="000000"/>
                   </a:solidFill>
@@ -2872,7 +2872,7 @@
             </a:ln>
             <a:extLst>
               <a:ext uri="{91240B29-F687-4f45-9708-019B960494DF}">
-                <a14:hiddenLine xmlns="" xmlns:a14="http://schemas.microsoft.com/office/drawing/2010/main" w="9525">
+                <a14:hiddenLine xmlns:a14="http://schemas.microsoft.com/office/drawing/2010/main" xmlns="" w="9525">
                   <a:solidFill>
                     <a:srgbClr val="000000"/>
                   </a:solidFill>
@@ -2934,7 +2934,7 @@
             </a:ln>
             <a:extLst>
               <a:ext uri="{91240B29-F687-4f45-9708-019B960494DF}">
-                <a14:hiddenLine xmlns="" xmlns:a14="http://schemas.microsoft.com/office/drawing/2010/main" w="9525">
+                <a14:hiddenLine xmlns:a14="http://schemas.microsoft.com/office/drawing/2010/main" xmlns="" w="9525">
                   <a:solidFill>
                     <a:srgbClr val="000000"/>
                   </a:solidFill>
@@ -3024,7 +3024,7 @@
             </a:ln>
             <a:extLst>
               <a:ext uri="{91240B29-F687-4f45-9708-019B960494DF}">
-                <a14:hiddenLine xmlns="" xmlns:a14="http://schemas.microsoft.com/office/drawing/2010/main" w="9525">
+                <a14:hiddenLine xmlns:a14="http://schemas.microsoft.com/office/drawing/2010/main" xmlns="" w="9525">
                   <a:solidFill>
                     <a:srgbClr val="000000"/>
                   </a:solidFill>
@@ -3086,7 +3086,7 @@
             </a:ln>
             <a:extLst>
               <a:ext uri="{91240B29-F687-4f45-9708-019B960494DF}">
-                <a14:hiddenLine xmlns="" xmlns:a14="http://schemas.microsoft.com/office/drawing/2010/main" w="9525">
+                <a14:hiddenLine xmlns:a14="http://schemas.microsoft.com/office/drawing/2010/main" xmlns="" w="9525">
                   <a:solidFill>
                     <a:srgbClr val="000000"/>
                   </a:solidFill>
@@ -3176,7 +3176,7 @@
             </a:ln>
             <a:extLst>
               <a:ext uri="{91240B29-F687-4f45-9708-019B960494DF}">
-                <a14:hiddenLine xmlns="" xmlns:a14="http://schemas.microsoft.com/office/drawing/2010/main" w="9525">
+                <a14:hiddenLine xmlns:a14="http://schemas.microsoft.com/office/drawing/2010/main" xmlns="" w="9525">
                   <a:solidFill>
                     <a:srgbClr val="000000"/>
                   </a:solidFill>
@@ -3210,7 +3210,7 @@
             </a:ln>
             <a:extLst>
               <a:ext uri="{91240B29-F687-4f45-9708-019B960494DF}">
-                <a14:hiddenLine xmlns="" xmlns:a14="http://schemas.microsoft.com/office/drawing/2010/main" w="9525">
+                <a14:hiddenLine xmlns:a14="http://schemas.microsoft.com/office/drawing/2010/main" xmlns="" w="9525">
                   <a:solidFill>
                     <a:srgbClr val="000000"/>
                   </a:solidFill>
@@ -3275,7 +3275,7 @@
             </a:ln>
             <a:extLst>
               <a:ext uri="{91240B29-F687-4f45-9708-019B960494DF}">
-                <a14:hiddenLine xmlns="" xmlns:a14="http://schemas.microsoft.com/office/drawing/2010/main" w="9525">
+                <a14:hiddenLine xmlns:a14="http://schemas.microsoft.com/office/drawing/2010/main" xmlns="" w="9525">
                   <a:solidFill>
                     <a:srgbClr val="000000"/>
                   </a:solidFill>
@@ -3365,7 +3365,7 @@
             </a:ln>
             <a:extLst>
               <a:ext uri="{91240B29-F687-4f45-9708-019B960494DF}">
-                <a14:hiddenLine xmlns="" xmlns:a14="http://schemas.microsoft.com/office/drawing/2010/main" w="9525">
+                <a14:hiddenLine xmlns:a14="http://schemas.microsoft.com/office/drawing/2010/main" xmlns="" w="9525">
                   <a:solidFill>
                     <a:srgbClr val="000000"/>
                   </a:solidFill>
@@ -3427,7 +3427,7 @@
             </a:ln>
             <a:extLst>
               <a:ext uri="{91240B29-F687-4f45-9708-019B960494DF}">
-                <a14:hiddenLine xmlns="" xmlns:a14="http://schemas.microsoft.com/office/drawing/2010/main" w="9525">
+                <a14:hiddenLine xmlns:a14="http://schemas.microsoft.com/office/drawing/2010/main" xmlns="" w="9525">
                   <a:solidFill>
                     <a:srgbClr val="000000"/>
                   </a:solidFill>
@@ -3517,7 +3517,7 @@
             </a:ln>
             <a:extLst>
               <a:ext uri="{91240B29-F687-4f45-9708-019B960494DF}">
-                <a14:hiddenLine xmlns="" xmlns:a14="http://schemas.microsoft.com/office/drawing/2010/main" w="9525">
+                <a14:hiddenLine xmlns:a14="http://schemas.microsoft.com/office/drawing/2010/main" xmlns="" w="9525">
                   <a:solidFill>
                     <a:srgbClr val="000000"/>
                   </a:solidFill>
@@ -3607,7 +3607,7 @@
             </a:ln>
             <a:extLst>
               <a:ext uri="{91240B29-F687-4f45-9708-019B960494DF}">
-                <a14:hiddenLine xmlns="" xmlns:a14="http://schemas.microsoft.com/office/drawing/2010/main" w="9525">
+                <a14:hiddenLine xmlns:a14="http://schemas.microsoft.com/office/drawing/2010/main" xmlns="" w="9525">
                   <a:solidFill>
                     <a:srgbClr val="000000"/>
                   </a:solidFill>
@@ -3672,7 +3672,7 @@
             </a:ln>
             <a:extLst>
               <a:ext uri="{91240B29-F687-4f45-9708-019B960494DF}">
-                <a14:hiddenLine xmlns="" xmlns:a14="http://schemas.microsoft.com/office/drawing/2010/main" w="9525">
+                <a14:hiddenLine xmlns:a14="http://schemas.microsoft.com/office/drawing/2010/main" xmlns="" w="9525">
                   <a:solidFill>
                     <a:srgbClr val="000000"/>
                   </a:solidFill>
@@ -3734,7 +3734,7 @@
             </a:ln>
             <a:extLst>
               <a:ext uri="{91240B29-F687-4f45-9708-019B960494DF}">
-                <a14:hiddenLine xmlns="" xmlns:a14="http://schemas.microsoft.com/office/drawing/2010/main" w="9525">
+                <a14:hiddenLine xmlns:a14="http://schemas.microsoft.com/office/drawing/2010/main" xmlns="" w="9525">
                   <a:solidFill>
                     <a:srgbClr val="000000"/>
                   </a:solidFill>
@@ -3824,7 +3824,7 @@
             </a:ln>
             <a:extLst>
               <a:ext uri="{91240B29-F687-4f45-9708-019B960494DF}">
-                <a14:hiddenLine xmlns="" xmlns:a14="http://schemas.microsoft.com/office/drawing/2010/main" w="9525">
+                <a14:hiddenLine xmlns:a14="http://schemas.microsoft.com/office/drawing/2010/main" xmlns="" w="9525">
                   <a:solidFill>
                     <a:srgbClr val="000000"/>
                   </a:solidFill>
@@ -3914,7 +3914,7 @@
             </a:ln>
             <a:extLst>
               <a:ext uri="{91240B29-F687-4f45-9708-019B960494DF}">
-                <a14:hiddenLine xmlns="" xmlns:a14="http://schemas.microsoft.com/office/drawing/2010/main" w="9525">
+                <a14:hiddenLine xmlns:a14="http://schemas.microsoft.com/office/drawing/2010/main" xmlns="" w="9525">
                   <a:solidFill>
                     <a:srgbClr val="000000"/>
                   </a:solidFill>
@@ -3976,7 +3976,7 @@
             </a:ln>
             <a:extLst>
               <a:ext uri="{91240B29-F687-4f45-9708-019B960494DF}">
-                <a14:hiddenLine xmlns="" xmlns:a14="http://schemas.microsoft.com/office/drawing/2010/main" w="9525">
+                <a14:hiddenLine xmlns:a14="http://schemas.microsoft.com/office/drawing/2010/main" xmlns="" w="9525">
                   <a:solidFill>
                     <a:srgbClr val="000000"/>
                   </a:solidFill>
@@ -4096,7 +4096,7 @@
             </a:ln>
             <a:extLst>
               <a:ext uri="{91240B29-F687-4f45-9708-019B960494DF}">
-                <a14:hiddenLine xmlns="" xmlns:a14="http://schemas.microsoft.com/office/drawing/2010/main" w="9525">
+                <a14:hiddenLine xmlns:a14="http://schemas.microsoft.com/office/drawing/2010/main" xmlns="" w="9525">
                   <a:solidFill>
                     <a:srgbClr val="000000"/>
                   </a:solidFill>
@@ -4164,7 +4164,7 @@
             </a:ln>
             <a:extLst>
               <a:ext uri="{91240B29-F687-4f45-9708-019B960494DF}">
-                <a14:hiddenLine xmlns="" xmlns:a14="http://schemas.microsoft.com/office/drawing/2010/main" w="9525">
+                <a14:hiddenLine xmlns:a14="http://schemas.microsoft.com/office/drawing/2010/main" xmlns="" w="9525">
                   <a:solidFill>
                     <a:srgbClr val="000000"/>
                   </a:solidFill>
@@ -4254,7 +4254,7 @@
             </a:ln>
             <a:extLst>
               <a:ext uri="{91240B29-F687-4f45-9708-019B960494DF}">
-                <a14:hiddenLine xmlns="" xmlns:a14="http://schemas.microsoft.com/office/drawing/2010/main" w="9525">
+                <a14:hiddenLine xmlns:a14="http://schemas.microsoft.com/office/drawing/2010/main" xmlns="" w="9525">
                   <a:solidFill>
                     <a:srgbClr val="000000"/>
                   </a:solidFill>
@@ -4394,7 +4394,7 @@
           <a:p>
             <a:fld id="{3B57195E-6F70-4CDB-8628-8204974371BE}" type="datetimeFigureOut">
               <a:rPr lang="fr-FR" smtClean="0"/>
-              <a:t>04/02/2019</a:t>
+              <a:t>11/02/2019</a:t>
             </a:fld>
             <a:endParaRPr lang="fr-FR"/>
           </a:p>
@@ -4661,7 +4661,7 @@
           <a:p>
             <a:fld id="{3B57195E-6F70-4CDB-8628-8204974371BE}" type="datetimeFigureOut">
               <a:rPr lang="fr-FR" smtClean="0"/>
-              <a:t>04/02/2019</a:t>
+              <a:t>11/02/2019</a:t>
             </a:fld>
             <a:endParaRPr lang="fr-FR"/>
           </a:p>
@@ -4857,7 +4857,7 @@
           <a:p>
             <a:fld id="{3B57195E-6F70-4CDB-8628-8204974371BE}" type="datetimeFigureOut">
               <a:rPr lang="fr-FR" smtClean="0"/>
-              <a:t>04/02/2019</a:t>
+              <a:t>11/02/2019</a:t>
             </a:fld>
             <a:endParaRPr lang="fr-FR"/>
           </a:p>
@@ -5120,7 +5120,7 @@
           <a:p>
             <a:fld id="{3B57195E-6F70-4CDB-8628-8204974371BE}" type="datetimeFigureOut">
               <a:rPr lang="fr-FR" smtClean="0"/>
-              <a:t>04/02/2019</a:t>
+              <a:t>11/02/2019</a:t>
             </a:fld>
             <a:endParaRPr lang="fr-FR"/>
           </a:p>
@@ -5554,7 +5554,7 @@
           <a:p>
             <a:fld id="{3B57195E-6F70-4CDB-8628-8204974371BE}" type="datetimeFigureOut">
               <a:rPr lang="fr-FR" smtClean="0"/>
-              <a:t>04/02/2019</a:t>
+              <a:t>11/02/2019</a:t>
             </a:fld>
             <a:endParaRPr lang="fr-FR"/>
           </a:p>
@@ -6100,7 +6100,7 @@
           <a:p>
             <a:fld id="{3B57195E-6F70-4CDB-8628-8204974371BE}" type="datetimeFigureOut">
               <a:rPr lang="fr-FR" smtClean="0"/>
-              <a:t>04/02/2019</a:t>
+              <a:t>11/02/2019</a:t>
             </a:fld>
             <a:endParaRPr lang="fr-FR"/>
           </a:p>
@@ -6820,7 +6820,7 @@
           <a:p>
             <a:fld id="{3B57195E-6F70-4CDB-8628-8204974371BE}" type="datetimeFigureOut">
               <a:rPr lang="fr-FR" smtClean="0"/>
-              <a:t>04/02/2019</a:t>
+              <a:t>11/02/2019</a:t>
             </a:fld>
             <a:endParaRPr lang="fr-FR"/>
           </a:p>
@@ -6990,7 +6990,7 @@
           <a:p>
             <a:fld id="{3B57195E-6F70-4CDB-8628-8204974371BE}" type="datetimeFigureOut">
               <a:rPr lang="fr-FR" smtClean="0"/>
-              <a:t>04/02/2019</a:t>
+              <a:t>11/02/2019</a:t>
             </a:fld>
             <a:endParaRPr lang="fr-FR"/>
           </a:p>
@@ -7170,7 +7170,7 @@
           <a:p>
             <a:fld id="{3B57195E-6F70-4CDB-8628-8204974371BE}" type="datetimeFigureOut">
               <a:rPr lang="fr-FR" smtClean="0"/>
-              <a:t>04/02/2019</a:t>
+              <a:t>11/02/2019</a:t>
             </a:fld>
             <a:endParaRPr lang="fr-FR"/>
           </a:p>
@@ -7340,7 +7340,7 @@
           <a:p>
             <a:fld id="{3B57195E-6F70-4CDB-8628-8204974371BE}" type="datetimeFigureOut">
               <a:rPr lang="fr-FR" smtClean="0"/>
-              <a:t>04/02/2019</a:t>
+              <a:t>11/02/2019</a:t>
             </a:fld>
             <a:endParaRPr lang="fr-FR"/>
           </a:p>
@@ -7590,7 +7590,7 @@
           <a:p>
             <a:fld id="{3B57195E-6F70-4CDB-8628-8204974371BE}" type="datetimeFigureOut">
               <a:rPr lang="fr-FR" smtClean="0"/>
-              <a:t>04/02/2019</a:t>
+              <a:t>11/02/2019</a:t>
             </a:fld>
             <a:endParaRPr lang="fr-FR"/>
           </a:p>
@@ -7822,7 +7822,7 @@
           <a:p>
             <a:fld id="{3B57195E-6F70-4CDB-8628-8204974371BE}" type="datetimeFigureOut">
               <a:rPr lang="fr-FR" smtClean="0"/>
-              <a:t>04/02/2019</a:t>
+              <a:t>11/02/2019</a:t>
             </a:fld>
             <a:endParaRPr lang="fr-FR"/>
           </a:p>
@@ -8203,7 +8203,7 @@
           <a:p>
             <a:fld id="{3B57195E-6F70-4CDB-8628-8204974371BE}" type="datetimeFigureOut">
               <a:rPr lang="fr-FR" smtClean="0"/>
-              <a:t>04/02/2019</a:t>
+              <a:t>11/02/2019</a:t>
             </a:fld>
             <a:endParaRPr lang="fr-FR"/>
           </a:p>
@@ -8321,7 +8321,7 @@
           <a:p>
             <a:fld id="{3B57195E-6F70-4CDB-8628-8204974371BE}" type="datetimeFigureOut">
               <a:rPr lang="fr-FR" smtClean="0"/>
-              <a:t>04/02/2019</a:t>
+              <a:t>11/02/2019</a:t>
             </a:fld>
             <a:endParaRPr lang="fr-FR"/>
           </a:p>
@@ -8416,7 +8416,7 @@
           <a:p>
             <a:fld id="{3B57195E-6F70-4CDB-8628-8204974371BE}" type="datetimeFigureOut">
               <a:rPr lang="fr-FR" smtClean="0"/>
-              <a:t>04/02/2019</a:t>
+              <a:t>11/02/2019</a:t>
             </a:fld>
             <a:endParaRPr lang="fr-FR"/>
           </a:p>
@@ -8665,7 +8665,7 @@
           <a:p>
             <a:fld id="{3B57195E-6F70-4CDB-8628-8204974371BE}" type="datetimeFigureOut">
               <a:rPr lang="fr-FR" smtClean="0"/>
-              <a:t>04/02/2019</a:t>
+              <a:t>11/02/2019</a:t>
             </a:fld>
             <a:endParaRPr lang="fr-FR"/>
           </a:p>
@@ -8945,7 +8945,7 @@
           <a:p>
             <a:fld id="{3B57195E-6F70-4CDB-8628-8204974371BE}" type="datetimeFigureOut">
               <a:rPr lang="fr-FR" smtClean="0"/>
-              <a:t>04/02/2019</a:t>
+              <a:t>11/02/2019</a:t>
             </a:fld>
             <a:endParaRPr lang="fr-FR"/>
           </a:p>
@@ -9061,7 +9061,7 @@
           <a:noFill/>
           <a:extLst>
             <a:ext uri="{909E8E84-426E-40dd-AFC4-6F175D3DCCD1}">
-              <a14:hiddenFill xmlns="" xmlns:a14="http://schemas.microsoft.com/office/drawing/2010/main">
+              <a14:hiddenFill xmlns:a14="http://schemas.microsoft.com/office/drawing/2010/main" xmlns="">
                 <a:solidFill>
                   <a:srgbClr val="FFFFFF"/>
                 </a:solidFill>
@@ -9135,7 +9135,7 @@
               </a:ln>
               <a:extLst>
                 <a:ext uri="{91240B29-F687-4f45-9708-019B960494DF}">
-                  <a14:hiddenLine xmlns="" xmlns:a14="http://schemas.microsoft.com/office/drawing/2010/main" w="9525">
+                  <a14:hiddenLine xmlns:a14="http://schemas.microsoft.com/office/drawing/2010/main" xmlns="" w="9525">
                     <a:solidFill>
                       <a:srgbClr val="000000"/>
                     </a:solidFill>
@@ -9225,7 +9225,7 @@
               </a:ln>
               <a:extLst>
                 <a:ext uri="{91240B29-F687-4f45-9708-019B960494DF}">
-                  <a14:hiddenLine xmlns="" xmlns:a14="http://schemas.microsoft.com/office/drawing/2010/main" w="9525">
+                  <a14:hiddenLine xmlns:a14="http://schemas.microsoft.com/office/drawing/2010/main" xmlns="" w="9525">
                     <a:solidFill>
                       <a:srgbClr val="000000"/>
                     </a:solidFill>
@@ -9315,7 +9315,7 @@
               </a:ln>
               <a:extLst>
                 <a:ext uri="{91240B29-F687-4f45-9708-019B960494DF}">
-                  <a14:hiddenLine xmlns="" xmlns:a14="http://schemas.microsoft.com/office/drawing/2010/main" w="9525">
+                  <a14:hiddenLine xmlns:a14="http://schemas.microsoft.com/office/drawing/2010/main" xmlns="" w="9525">
                     <a:solidFill>
                       <a:srgbClr val="000000"/>
                     </a:solidFill>
@@ -9377,7 +9377,7 @@
               </a:ln>
               <a:extLst>
                 <a:ext uri="{91240B29-F687-4f45-9708-019B960494DF}">
-                  <a14:hiddenLine xmlns="" xmlns:a14="http://schemas.microsoft.com/office/drawing/2010/main" w="9525">
+                  <a14:hiddenLine xmlns:a14="http://schemas.microsoft.com/office/drawing/2010/main" xmlns="" w="9525">
                     <a:solidFill>
                       <a:srgbClr val="000000"/>
                     </a:solidFill>
@@ -9467,7 +9467,7 @@
               </a:ln>
               <a:extLst>
                 <a:ext uri="{91240B29-F687-4f45-9708-019B960494DF}">
-                  <a14:hiddenLine xmlns="" xmlns:a14="http://schemas.microsoft.com/office/drawing/2010/main" w="9525">
+                  <a14:hiddenLine xmlns:a14="http://schemas.microsoft.com/office/drawing/2010/main" xmlns="" w="9525">
                     <a:solidFill>
                       <a:srgbClr val="000000"/>
                     </a:solidFill>
@@ -9529,7 +9529,7 @@
               </a:ln>
               <a:extLst>
                 <a:ext uri="{91240B29-F687-4f45-9708-019B960494DF}">
-                  <a14:hiddenLine xmlns="" xmlns:a14="http://schemas.microsoft.com/office/drawing/2010/main" w="9525">
+                  <a14:hiddenLine xmlns:a14="http://schemas.microsoft.com/office/drawing/2010/main" xmlns="" w="9525">
                     <a:solidFill>
                       <a:srgbClr val="000000"/>
                     </a:solidFill>
@@ -9591,7 +9591,7 @@
               </a:ln>
               <a:extLst>
                 <a:ext uri="{91240B29-F687-4f45-9708-019B960494DF}">
-                  <a14:hiddenLine xmlns="" xmlns:a14="http://schemas.microsoft.com/office/drawing/2010/main" w="9525">
+                  <a14:hiddenLine xmlns:a14="http://schemas.microsoft.com/office/drawing/2010/main" xmlns="" w="9525">
                     <a:solidFill>
                       <a:srgbClr val="000000"/>
                     </a:solidFill>
@@ -9681,7 +9681,7 @@
               </a:ln>
               <a:extLst>
                 <a:ext uri="{91240B29-F687-4f45-9708-019B960494DF}">
-                  <a14:hiddenLine xmlns="" xmlns:a14="http://schemas.microsoft.com/office/drawing/2010/main" w="9525">
+                  <a14:hiddenLine xmlns:a14="http://schemas.microsoft.com/office/drawing/2010/main" xmlns="" w="9525">
                     <a:solidFill>
                       <a:srgbClr val="000000"/>
                     </a:solidFill>
@@ -9771,7 +9771,7 @@
               </a:ln>
               <a:extLst>
                 <a:ext uri="{91240B29-F687-4f45-9708-019B960494DF}">
-                  <a14:hiddenLine xmlns="" xmlns:a14="http://schemas.microsoft.com/office/drawing/2010/main" w="9525">
+                  <a14:hiddenLine xmlns:a14="http://schemas.microsoft.com/office/drawing/2010/main" xmlns="" w="9525">
                     <a:solidFill>
                       <a:srgbClr val="000000"/>
                     </a:solidFill>
@@ -9833,7 +9833,7 @@
               </a:ln>
               <a:extLst>
                 <a:ext uri="{91240B29-F687-4f45-9708-019B960494DF}">
-                  <a14:hiddenLine xmlns="" xmlns:a14="http://schemas.microsoft.com/office/drawing/2010/main" w="9525">
+                  <a14:hiddenLine xmlns:a14="http://schemas.microsoft.com/office/drawing/2010/main" xmlns="" w="9525">
                     <a:solidFill>
                       <a:srgbClr val="000000"/>
                     </a:solidFill>
@@ -9943,7 +9943,7 @@
               </a:ln>
               <a:extLst>
                 <a:ext uri="{91240B29-F687-4f45-9708-019B960494DF}">
-                  <a14:hiddenLine xmlns="" xmlns:a14="http://schemas.microsoft.com/office/drawing/2010/main" w="9525">
+                  <a14:hiddenLine xmlns:a14="http://schemas.microsoft.com/office/drawing/2010/main" xmlns="" w="9525">
                     <a:solidFill>
                       <a:srgbClr val="000000"/>
                     </a:solidFill>
@@ -10027,7 +10027,7 @@
               </a:ln>
               <a:extLst>
                 <a:ext uri="{91240B29-F687-4f45-9708-019B960494DF}">
-                  <a14:hiddenLine xmlns="" xmlns:a14="http://schemas.microsoft.com/office/drawing/2010/main" w="9525">
+                  <a14:hiddenLine xmlns:a14="http://schemas.microsoft.com/office/drawing/2010/main" xmlns="" w="9525">
                     <a:solidFill>
                       <a:srgbClr val="000000"/>
                     </a:solidFill>
@@ -10089,7 +10089,7 @@
               </a:ln>
               <a:extLst>
                 <a:ext uri="{91240B29-F687-4f45-9708-019B960494DF}">
-                  <a14:hiddenLine xmlns="" xmlns:a14="http://schemas.microsoft.com/office/drawing/2010/main" w="9525">
+                  <a14:hiddenLine xmlns:a14="http://schemas.microsoft.com/office/drawing/2010/main" xmlns="" w="9525">
                     <a:solidFill>
                       <a:srgbClr val="000000"/>
                     </a:solidFill>
@@ -10151,7 +10151,7 @@
               </a:ln>
               <a:extLst>
                 <a:ext uri="{91240B29-F687-4f45-9708-019B960494DF}">
-                  <a14:hiddenLine xmlns="" xmlns:a14="http://schemas.microsoft.com/office/drawing/2010/main" w="9525">
+                  <a14:hiddenLine xmlns:a14="http://schemas.microsoft.com/office/drawing/2010/main" xmlns="" w="9525">
                     <a:solidFill>
                       <a:srgbClr val="000000"/>
                     </a:solidFill>
@@ -10241,7 +10241,7 @@
               </a:ln>
               <a:extLst>
                 <a:ext uri="{91240B29-F687-4f45-9708-019B960494DF}">
-                  <a14:hiddenLine xmlns="" xmlns:a14="http://schemas.microsoft.com/office/drawing/2010/main" w="9525">
+                  <a14:hiddenLine xmlns:a14="http://schemas.microsoft.com/office/drawing/2010/main" xmlns="" w="9525">
                     <a:solidFill>
                       <a:srgbClr val="000000"/>
                     </a:solidFill>
@@ -10275,7 +10275,7 @@
               </a:ln>
               <a:extLst>
                 <a:ext uri="{91240B29-F687-4f45-9708-019B960494DF}">
-                  <a14:hiddenLine xmlns="" xmlns:a14="http://schemas.microsoft.com/office/drawing/2010/main" w="9525">
+                  <a14:hiddenLine xmlns:a14="http://schemas.microsoft.com/office/drawing/2010/main" xmlns="" w="9525">
                     <a:solidFill>
                       <a:srgbClr val="000000"/>
                     </a:solidFill>
@@ -10340,7 +10340,7 @@
               </a:ln>
               <a:extLst>
                 <a:ext uri="{91240B29-F687-4f45-9708-019B960494DF}">
-                  <a14:hiddenLine xmlns="" xmlns:a14="http://schemas.microsoft.com/office/drawing/2010/main" w="9525">
+                  <a14:hiddenLine xmlns:a14="http://schemas.microsoft.com/office/drawing/2010/main" xmlns="" w="9525">
                     <a:solidFill>
                       <a:srgbClr val="000000"/>
                     </a:solidFill>
@@ -10430,7 +10430,7 @@
               </a:ln>
               <a:extLst>
                 <a:ext uri="{91240B29-F687-4f45-9708-019B960494DF}">
-                  <a14:hiddenLine xmlns="" xmlns:a14="http://schemas.microsoft.com/office/drawing/2010/main" w="9525">
+                  <a14:hiddenLine xmlns:a14="http://schemas.microsoft.com/office/drawing/2010/main" xmlns="" w="9525">
                     <a:solidFill>
                       <a:srgbClr val="000000"/>
                     </a:solidFill>
@@ -10492,7 +10492,7 @@
               </a:ln>
               <a:extLst>
                 <a:ext uri="{91240B29-F687-4f45-9708-019B960494DF}">
-                  <a14:hiddenLine xmlns="" xmlns:a14="http://schemas.microsoft.com/office/drawing/2010/main" w="9525">
+                  <a14:hiddenLine xmlns:a14="http://schemas.microsoft.com/office/drawing/2010/main" xmlns="" w="9525">
                     <a:solidFill>
                       <a:srgbClr val="000000"/>
                     </a:solidFill>
@@ -10582,7 +10582,7 @@
               </a:ln>
               <a:extLst>
                 <a:ext uri="{91240B29-F687-4f45-9708-019B960494DF}">
-                  <a14:hiddenLine xmlns="" xmlns:a14="http://schemas.microsoft.com/office/drawing/2010/main" w="9525">
+                  <a14:hiddenLine xmlns:a14="http://schemas.microsoft.com/office/drawing/2010/main" xmlns="" w="9525">
                     <a:solidFill>
                       <a:srgbClr val="000000"/>
                     </a:solidFill>
@@ -10647,7 +10647,7 @@
               </a:ln>
               <a:extLst>
                 <a:ext uri="{91240B29-F687-4f45-9708-019B960494DF}">
-                  <a14:hiddenLine xmlns="" xmlns:a14="http://schemas.microsoft.com/office/drawing/2010/main" w="9525">
+                  <a14:hiddenLine xmlns:a14="http://schemas.microsoft.com/office/drawing/2010/main" xmlns="" w="9525">
                     <a:solidFill>
                       <a:srgbClr val="000000"/>
                     </a:solidFill>
@@ -10709,7 +10709,7 @@
               </a:ln>
               <a:extLst>
                 <a:ext uri="{91240B29-F687-4f45-9708-019B960494DF}">
-                  <a14:hiddenLine xmlns="" xmlns:a14="http://schemas.microsoft.com/office/drawing/2010/main" w="9525">
+                  <a14:hiddenLine xmlns:a14="http://schemas.microsoft.com/office/drawing/2010/main" xmlns="" w="9525">
                     <a:solidFill>
                       <a:srgbClr val="000000"/>
                     </a:solidFill>
@@ -10799,7 +10799,7 @@
               </a:ln>
               <a:extLst>
                 <a:ext uri="{91240B29-F687-4f45-9708-019B960494DF}">
-                  <a14:hiddenLine xmlns="" xmlns:a14="http://schemas.microsoft.com/office/drawing/2010/main" w="9525">
+                  <a14:hiddenLine xmlns:a14="http://schemas.microsoft.com/office/drawing/2010/main" xmlns="" w="9525">
                     <a:solidFill>
                       <a:srgbClr val="000000"/>
                     </a:solidFill>
@@ -10889,7 +10889,7 @@
               </a:ln>
               <a:extLst>
                 <a:ext uri="{91240B29-F687-4f45-9708-019B960494DF}">
-                  <a14:hiddenLine xmlns="" xmlns:a14="http://schemas.microsoft.com/office/drawing/2010/main" w="9525">
+                  <a14:hiddenLine xmlns:a14="http://schemas.microsoft.com/office/drawing/2010/main" xmlns="" w="9525">
                     <a:solidFill>
                       <a:srgbClr val="000000"/>
                     </a:solidFill>
@@ -10954,7 +10954,7 @@
               </a:ln>
               <a:extLst>
                 <a:ext uri="{91240B29-F687-4f45-9708-019B960494DF}">
-                  <a14:hiddenLine xmlns="" xmlns:a14="http://schemas.microsoft.com/office/drawing/2010/main" w="9525">
+                  <a14:hiddenLine xmlns:a14="http://schemas.microsoft.com/office/drawing/2010/main" xmlns="" w="9525">
                     <a:solidFill>
                       <a:srgbClr val="000000"/>
                     </a:solidFill>
@@ -11074,7 +11074,7 @@
               </a:ln>
               <a:extLst>
                 <a:ext uri="{91240B29-F687-4f45-9708-019B960494DF}">
-                  <a14:hiddenLine xmlns="" xmlns:a14="http://schemas.microsoft.com/office/drawing/2010/main" w="9525">
+                  <a14:hiddenLine xmlns:a14="http://schemas.microsoft.com/office/drawing/2010/main" xmlns="" w="9525">
                     <a:solidFill>
                       <a:srgbClr val="000000"/>
                     </a:solidFill>
@@ -11172,7 +11172,7 @@
               </a:ln>
               <a:extLst>
                 <a:ext uri="{91240B29-F687-4f45-9708-019B960494DF}">
-                  <a14:hiddenLine xmlns="" xmlns:a14="http://schemas.microsoft.com/office/drawing/2010/main" w="9525">
+                  <a14:hiddenLine xmlns:a14="http://schemas.microsoft.com/office/drawing/2010/main" xmlns="" w="9525">
                     <a:solidFill>
                       <a:srgbClr val="000000"/>
                     </a:solidFill>
@@ -11287,7 +11287,7 @@
               </a:ln>
               <a:extLst>
                 <a:ext uri="{91240B29-F687-4f45-9708-019B960494DF}">
-                  <a14:hiddenLine xmlns="" xmlns:a14="http://schemas.microsoft.com/office/drawing/2010/main" w="9525">
+                  <a14:hiddenLine xmlns:a14="http://schemas.microsoft.com/office/drawing/2010/main" xmlns="" w="9525">
                     <a:solidFill>
                       <a:srgbClr val="000000"/>
                     </a:solidFill>
@@ -11377,7 +11377,7 @@
               </a:ln>
               <a:extLst>
                 <a:ext uri="{91240B29-F687-4f45-9708-019B960494DF}">
-                  <a14:hiddenLine xmlns="" xmlns:a14="http://schemas.microsoft.com/office/drawing/2010/main" w="9525">
+                  <a14:hiddenLine xmlns:a14="http://schemas.microsoft.com/office/drawing/2010/main" xmlns="" w="9525">
                     <a:solidFill>
                       <a:srgbClr val="000000"/>
                     </a:solidFill>
@@ -11442,7 +11442,7 @@
               </a:ln>
               <a:extLst>
                 <a:ext uri="{91240B29-F687-4f45-9708-019B960494DF}">
-                  <a14:hiddenLine xmlns="" xmlns:a14="http://schemas.microsoft.com/office/drawing/2010/main" w="9525">
+                  <a14:hiddenLine xmlns:a14="http://schemas.microsoft.com/office/drawing/2010/main" xmlns="" w="9525">
                     <a:solidFill>
                       <a:srgbClr val="000000"/>
                     </a:solidFill>
@@ -11532,7 +11532,7 @@
               </a:ln>
               <a:extLst>
                 <a:ext uri="{91240B29-F687-4f45-9708-019B960494DF}">
-                  <a14:hiddenLine xmlns="" xmlns:a14="http://schemas.microsoft.com/office/drawing/2010/main" w="9525">
+                  <a14:hiddenLine xmlns:a14="http://schemas.microsoft.com/office/drawing/2010/main" xmlns="" w="9525">
                     <a:solidFill>
                       <a:srgbClr val="000000"/>
                     </a:solidFill>
@@ -11600,7 +11600,7 @@
               </a:ln>
               <a:extLst>
                 <a:ext uri="{91240B29-F687-4f45-9708-019B960494DF}">
-                  <a14:hiddenLine xmlns="" xmlns:a14="http://schemas.microsoft.com/office/drawing/2010/main" w="9525">
+                  <a14:hiddenLine xmlns:a14="http://schemas.microsoft.com/office/drawing/2010/main" xmlns="" w="9525">
                     <a:solidFill>
                       <a:srgbClr val="000000"/>
                     </a:solidFill>
@@ -11690,7 +11690,7 @@
               </a:ln>
               <a:extLst>
                 <a:ext uri="{91240B29-F687-4f45-9708-019B960494DF}">
-                  <a14:hiddenLine xmlns="" xmlns:a14="http://schemas.microsoft.com/office/drawing/2010/main" w="9525">
+                  <a14:hiddenLine xmlns:a14="http://schemas.microsoft.com/office/drawing/2010/main" xmlns="" w="9525">
                     <a:solidFill>
                       <a:srgbClr val="000000"/>
                     </a:solidFill>
@@ -11758,7 +11758,7 @@
               </a:ln>
               <a:extLst>
                 <a:ext uri="{91240B29-F687-4f45-9708-019B960494DF}">
-                  <a14:hiddenLine xmlns="" xmlns:a14="http://schemas.microsoft.com/office/drawing/2010/main" w="9525">
+                  <a14:hiddenLine xmlns:a14="http://schemas.microsoft.com/office/drawing/2010/main" xmlns="" w="9525">
                     <a:solidFill>
                       <a:srgbClr val="000000"/>
                     </a:solidFill>
@@ -11848,7 +11848,7 @@
               </a:ln>
               <a:extLst>
                 <a:ext uri="{91240B29-F687-4f45-9708-019B960494DF}">
-                  <a14:hiddenLine xmlns="" xmlns:a14="http://schemas.microsoft.com/office/drawing/2010/main" w="9525">
+                  <a14:hiddenLine xmlns:a14="http://schemas.microsoft.com/office/drawing/2010/main" xmlns="" w="9525">
                     <a:solidFill>
                       <a:srgbClr val="000000"/>
                     </a:solidFill>
@@ -11882,7 +11882,7 @@
               </a:ln>
               <a:extLst>
                 <a:ext uri="{91240B29-F687-4f45-9708-019B960494DF}">
-                  <a14:hiddenLine xmlns="" xmlns:a14="http://schemas.microsoft.com/office/drawing/2010/main" w="9525">
+                  <a14:hiddenLine xmlns:a14="http://schemas.microsoft.com/office/drawing/2010/main" xmlns="" w="9525">
                     <a:solidFill>
                       <a:srgbClr val="000000"/>
                     </a:solidFill>
@@ -12022,7 +12022,7 @@
           <a:p>
             <a:fld id="{3B57195E-6F70-4CDB-8628-8204974371BE}" type="datetimeFigureOut">
               <a:rPr lang="fr-FR" smtClean="0"/>
-              <a:t>04/02/2019</a:t>
+              <a:t>11/02/2019</a:t>
             </a:fld>
             <a:endParaRPr lang="fr-FR"/>
           </a:p>
@@ -12612,7 +12612,7 @@
             <a:noFill/>
             <a:extLst>
               <a:ext uri="{909E8E84-426E-40dd-AFC4-6F175D3DCCD1}">
-                <a14:hiddenFill xmlns:a16="http://schemas.microsoft.com/office/drawing/2014/main" xmlns:p14="http://schemas.microsoft.com/office/powerpoint/2010/main" xmlns:a14="http://schemas.microsoft.com/office/drawing/2010/main" xmlns="">
+                <a14:hiddenFill xmlns="" xmlns:a14="http://schemas.microsoft.com/office/drawing/2010/main" xmlns:p14="http://schemas.microsoft.com/office/powerpoint/2010/main" xmlns:a16="http://schemas.microsoft.com/office/drawing/2014/main">
                   <a:solidFill>
                     <a:srgbClr val="FFFFFF"/>
                   </a:solidFill>
@@ -15771,26 +15771,714 @@
       </p:grpSpPr>
       <p:sp>
         <p:nvSpPr>
-          <p:cNvPr id="4" name="Titre 3">
+          <p:cNvPr id="3" name="ZoneTexte 2">
             <a:extLst>
               <a:ext uri="{FF2B5EF4-FFF2-40B4-BE49-F238E27FC236}">
-                <a16:creationId xmlns:a16="http://schemas.microsoft.com/office/drawing/2014/main" id="{3F814E00-E638-4290-A5C4-C890A899C9EC}"/>
+                <a16:creationId xmlns:a16="http://schemas.microsoft.com/office/drawing/2014/main" id="{A4EB7FCF-EC6F-4C66-94A9-9911196B5E6D}"/>
               </a:ext>
             </a:extLst>
           </p:cNvPr>
-          <p:cNvSpPr>
-            <a:spLocks noGrp="1"/>
-          </p:cNvSpPr>
-          <p:nvPr>
-            <p:ph type="ctrTitle"/>
-          </p:nvPr>
+          <p:cNvSpPr txBox="1"/>
+          <p:nvPr/>
         </p:nvSpPr>
-        <p:spPr/>
+        <p:spPr>
+          <a:xfrm>
+            <a:off x="4862124" y="129706"/>
+            <a:ext cx="3976382" cy="861774"/>
+          </a:xfrm>
+          <a:prstGeom prst="rect">
+            <a:avLst/>
+          </a:prstGeom>
+          <a:noFill/>
+        </p:spPr>
         <p:txBody>
-          <a:bodyPr/>
+          <a:bodyPr wrap="square" rtlCol="0">
+            <a:spAutoFit/>
+          </a:bodyPr>
           <a:lstStyle/>
           <a:p>
+            <a:r>
+              <a:rPr lang="fr-FR" sz="3200" b="1" i="1" u="sng" dirty="0"/>
+              <a:t>Types valeurs</a:t>
+            </a:r>
+          </a:p>
+          <a:p>
+            <a:endParaRPr lang="fr-FR" b="1" i="1" u="sng" dirty="0"/>
+          </a:p>
+        </p:txBody>
+      </p:sp>
+      <p:sp>
+        <p:nvSpPr>
+          <p:cNvPr id="2" name="ZoneTexte 1">
+            <a:extLst>
+              <a:ext uri="{FF2B5EF4-FFF2-40B4-BE49-F238E27FC236}">
+                <a16:creationId xmlns:a16="http://schemas.microsoft.com/office/drawing/2014/main" id="{0A9819E4-BCD4-437E-B609-B6A4FC526C62}"/>
+              </a:ext>
+            </a:extLst>
+          </p:cNvPr>
+          <p:cNvSpPr txBox="1"/>
+          <p:nvPr/>
+        </p:nvSpPr>
+        <p:spPr>
+          <a:xfrm>
+            <a:off x="2802627" y="991480"/>
+            <a:ext cx="4118994" cy="369332"/>
+          </a:xfrm>
+          <a:prstGeom prst="rect">
+            <a:avLst/>
+          </a:prstGeom>
+          <a:noFill/>
+        </p:spPr>
+        <p:txBody>
+          <a:bodyPr wrap="square" rtlCol="0">
+            <a:spAutoFit/>
+          </a:bodyPr>
+          <a:lstStyle/>
+          <a:p>
+            <a:r>
+              <a:rPr lang="fr-FR" dirty="0"/>
+              <a:t>Structures</a:t>
+            </a:r>
+          </a:p>
+        </p:txBody>
+      </p:sp>
+      <p:sp>
+        <p:nvSpPr>
+          <p:cNvPr id="5" name="Ellipse 4">
+            <a:extLst>
+              <a:ext uri="{FF2B5EF4-FFF2-40B4-BE49-F238E27FC236}">
+                <a16:creationId xmlns:a16="http://schemas.microsoft.com/office/drawing/2014/main" id="{B41E0453-118D-424E-AA55-48AD455B841D}"/>
+              </a:ext>
+            </a:extLst>
+          </p:cNvPr>
+          <p:cNvSpPr/>
+          <p:nvPr/>
+        </p:nvSpPr>
+        <p:spPr>
+          <a:xfrm flipH="1" flipV="1">
+            <a:off x="2718031" y="1157681"/>
+            <a:ext cx="84595" cy="87664"/>
+          </a:xfrm>
+          <a:prstGeom prst="ellipse">
+            <a:avLst/>
+          </a:prstGeom>
+          <a:solidFill>
+            <a:schemeClr val="tx2"/>
+          </a:solidFill>
+          <a:ln>
+            <a:solidFill>
+              <a:schemeClr val="bg2"/>
+            </a:solidFill>
+          </a:ln>
+        </p:spPr>
+        <p:style>
+          <a:lnRef idx="2">
+            <a:schemeClr val="accent1">
+              <a:shade val="50000"/>
+            </a:schemeClr>
+          </a:lnRef>
+          <a:fillRef idx="1">
+            <a:schemeClr val="accent1"/>
+          </a:fillRef>
+          <a:effectRef idx="0">
+            <a:schemeClr val="accent1"/>
+          </a:effectRef>
+          <a:fontRef idx="minor">
+            <a:schemeClr val="lt1"/>
+          </a:fontRef>
+        </p:style>
+        <p:txBody>
+          <a:bodyPr rtlCol="0" anchor="ctr"/>
+          <a:lstStyle/>
+          <a:p>
+            <a:pPr algn="ctr"/>
             <a:endParaRPr lang="fr-FR"/>
+          </a:p>
+        </p:txBody>
+      </p:sp>
+      <p:sp>
+        <p:nvSpPr>
+          <p:cNvPr id="6" name="ZoneTexte 5">
+            <a:extLst>
+              <a:ext uri="{FF2B5EF4-FFF2-40B4-BE49-F238E27FC236}">
+                <a16:creationId xmlns:a16="http://schemas.microsoft.com/office/drawing/2014/main" id="{6180A1A1-6494-412C-9C3C-104E75559C73}"/>
+              </a:ext>
+            </a:extLst>
+          </p:cNvPr>
+          <p:cNvSpPr txBox="1"/>
+          <p:nvPr/>
+        </p:nvSpPr>
+        <p:spPr>
+          <a:xfrm>
+            <a:off x="2836877" y="1451241"/>
+            <a:ext cx="6518246" cy="923330"/>
+          </a:xfrm>
+          <a:prstGeom prst="rect">
+            <a:avLst/>
+          </a:prstGeom>
+          <a:noFill/>
+        </p:spPr>
+        <p:txBody>
+          <a:bodyPr wrap="square" rtlCol="0">
+            <a:spAutoFit/>
+          </a:bodyPr>
+          <a:lstStyle/>
+          <a:p>
+            <a:r>
+              <a:rPr lang="fr-FR" dirty="0"/>
+              <a:t>Contiennent des données et des fonctions membres. </a:t>
+            </a:r>
+          </a:p>
+          <a:p>
+            <a:r>
+              <a:rPr lang="fr-FR" dirty="0"/>
+              <a:t>         conteneur de variables liées.</a:t>
+            </a:r>
+          </a:p>
+          <a:p>
+            <a:endParaRPr lang="fr-FR" dirty="0"/>
+          </a:p>
+        </p:txBody>
+      </p:sp>
+      <p:sp>
+        <p:nvSpPr>
+          <p:cNvPr id="7" name="Flèche : droite 6">
+            <a:extLst>
+              <a:ext uri="{FF2B5EF4-FFF2-40B4-BE49-F238E27FC236}">
+                <a16:creationId xmlns:a16="http://schemas.microsoft.com/office/drawing/2014/main" id="{1B5F8467-F333-41E1-AB2D-BC45F776A26B}"/>
+              </a:ext>
+            </a:extLst>
+          </p:cNvPr>
+          <p:cNvSpPr/>
+          <p:nvPr/>
+        </p:nvSpPr>
+        <p:spPr>
+          <a:xfrm>
+            <a:off x="3152863" y="1828962"/>
+            <a:ext cx="251669" cy="218114"/>
+          </a:xfrm>
+          <a:prstGeom prst="rightArrow">
+            <a:avLst/>
+          </a:prstGeom>
+          <a:solidFill>
+            <a:schemeClr val="tx2"/>
+          </a:solidFill>
+          <a:ln>
+            <a:solidFill>
+              <a:schemeClr val="bg2"/>
+            </a:solidFill>
+          </a:ln>
+        </p:spPr>
+        <p:style>
+          <a:lnRef idx="2">
+            <a:schemeClr val="accent1">
+              <a:shade val="50000"/>
+            </a:schemeClr>
+          </a:lnRef>
+          <a:fillRef idx="1">
+            <a:schemeClr val="accent1"/>
+          </a:fillRef>
+          <a:effectRef idx="0">
+            <a:schemeClr val="accent1"/>
+          </a:effectRef>
+          <a:fontRef idx="minor">
+            <a:schemeClr val="lt1"/>
+          </a:fontRef>
+        </p:style>
+        <p:txBody>
+          <a:bodyPr rtlCol="0" anchor="ctr"/>
+          <a:lstStyle/>
+          <a:p>
+            <a:pPr algn="ctr"/>
+            <a:endParaRPr lang="fr-FR"/>
+          </a:p>
+        </p:txBody>
+      </p:sp>
+      <p:sp>
+        <p:nvSpPr>
+          <p:cNvPr id="8" name="ZoneTexte 7">
+            <a:extLst>
+              <a:ext uri="{FF2B5EF4-FFF2-40B4-BE49-F238E27FC236}">
+                <a16:creationId xmlns:a16="http://schemas.microsoft.com/office/drawing/2014/main" id="{A64BC49D-18B1-49BC-9624-5FC1A4134DCA}"/>
+              </a:ext>
+            </a:extLst>
+          </p:cNvPr>
+          <p:cNvSpPr txBox="1"/>
+          <p:nvPr/>
+        </p:nvSpPr>
+        <p:spPr>
+          <a:xfrm>
+            <a:off x="2836877" y="3330951"/>
+            <a:ext cx="4118994" cy="369332"/>
+          </a:xfrm>
+          <a:prstGeom prst="rect">
+            <a:avLst/>
+          </a:prstGeom>
+          <a:noFill/>
+        </p:spPr>
+        <p:txBody>
+          <a:bodyPr wrap="square" rtlCol="0">
+            <a:spAutoFit/>
+          </a:bodyPr>
+          <a:lstStyle/>
+          <a:p>
+            <a:r>
+              <a:rPr lang="fr-FR" dirty="0"/>
+              <a:t>Enumérations</a:t>
+            </a:r>
+          </a:p>
+        </p:txBody>
+      </p:sp>
+      <p:sp>
+        <p:nvSpPr>
+          <p:cNvPr id="9" name="Ellipse 8">
+            <a:extLst>
+              <a:ext uri="{FF2B5EF4-FFF2-40B4-BE49-F238E27FC236}">
+                <a16:creationId xmlns:a16="http://schemas.microsoft.com/office/drawing/2014/main" id="{B38D0919-E70A-4404-97D6-D080BDBC43B0}"/>
+              </a:ext>
+            </a:extLst>
+          </p:cNvPr>
+          <p:cNvSpPr/>
+          <p:nvPr/>
+        </p:nvSpPr>
+        <p:spPr>
+          <a:xfrm flipH="1" flipV="1">
+            <a:off x="2718380" y="3471785"/>
+            <a:ext cx="84595" cy="87664"/>
+          </a:xfrm>
+          <a:prstGeom prst="ellipse">
+            <a:avLst/>
+          </a:prstGeom>
+          <a:solidFill>
+            <a:schemeClr val="tx2"/>
+          </a:solidFill>
+          <a:ln>
+            <a:solidFill>
+              <a:schemeClr val="bg2"/>
+            </a:solidFill>
+          </a:ln>
+        </p:spPr>
+        <p:style>
+          <a:lnRef idx="2">
+            <a:schemeClr val="accent1">
+              <a:shade val="50000"/>
+            </a:schemeClr>
+          </a:lnRef>
+          <a:fillRef idx="1">
+            <a:schemeClr val="accent1"/>
+          </a:fillRef>
+          <a:effectRef idx="0">
+            <a:schemeClr val="accent1"/>
+          </a:effectRef>
+          <a:fontRef idx="minor">
+            <a:schemeClr val="lt1"/>
+          </a:fontRef>
+        </p:style>
+        <p:txBody>
+          <a:bodyPr rtlCol="0" anchor="ctr"/>
+          <a:lstStyle/>
+          <a:p>
+            <a:pPr algn="ctr"/>
+            <a:endParaRPr lang="fr-FR"/>
+          </a:p>
+        </p:txBody>
+      </p:sp>
+      <p:sp>
+        <p:nvSpPr>
+          <p:cNvPr id="10" name="ZoneTexte 9">
+            <a:extLst>
+              <a:ext uri="{FF2B5EF4-FFF2-40B4-BE49-F238E27FC236}">
+                <a16:creationId xmlns:a16="http://schemas.microsoft.com/office/drawing/2014/main" id="{2555390B-4783-42F1-B1D1-50A3D4302A17}"/>
+              </a:ext>
+            </a:extLst>
+          </p:cNvPr>
+          <p:cNvSpPr txBox="1"/>
+          <p:nvPr/>
+        </p:nvSpPr>
+        <p:spPr>
+          <a:xfrm>
+            <a:off x="2836877" y="3841098"/>
+            <a:ext cx="6518246" cy="369332"/>
+          </a:xfrm>
+          <a:prstGeom prst="rect">
+            <a:avLst/>
+          </a:prstGeom>
+          <a:noFill/>
+        </p:spPr>
+        <p:txBody>
+          <a:bodyPr wrap="square" rtlCol="0">
+            <a:spAutoFit/>
+          </a:bodyPr>
+          <a:lstStyle/>
+          <a:p>
+            <a:r>
+              <a:rPr lang="fr-FR" dirty="0"/>
+              <a:t>Ensemble de constantes</a:t>
+            </a:r>
+          </a:p>
+        </p:txBody>
+      </p:sp>
+      <p:sp>
+        <p:nvSpPr>
+          <p:cNvPr id="11" name="ZoneTexte 10">
+            <a:extLst>
+              <a:ext uri="{FF2B5EF4-FFF2-40B4-BE49-F238E27FC236}">
+                <a16:creationId xmlns:a16="http://schemas.microsoft.com/office/drawing/2014/main" id="{23EB4586-D4EA-46EF-8FFB-BA2EE8828D14}"/>
+              </a:ext>
+            </a:extLst>
+          </p:cNvPr>
+          <p:cNvSpPr txBox="1"/>
+          <p:nvPr/>
+        </p:nvSpPr>
+        <p:spPr>
+          <a:xfrm>
+            <a:off x="8365925" y="560593"/>
+            <a:ext cx="3061982" cy="3139321"/>
+          </a:xfrm>
+          <a:prstGeom prst="rect">
+            <a:avLst/>
+          </a:prstGeom>
+          <a:solidFill>
+            <a:schemeClr val="bg1"/>
+          </a:solidFill>
+          <a:ln>
+            <a:solidFill>
+              <a:schemeClr val="tx2"/>
+            </a:solidFill>
+          </a:ln>
+        </p:spPr>
+        <p:txBody>
+          <a:bodyPr wrap="square" rtlCol="0">
+            <a:spAutoFit/>
+          </a:bodyPr>
+          <a:lstStyle/>
+          <a:p>
+            <a:r>
+              <a:rPr lang="fr-FR" dirty="0" err="1"/>
+              <a:t>struct</a:t>
+            </a:r>
+            <a:r>
+              <a:rPr lang="fr-FR" dirty="0"/>
+              <a:t> </a:t>
+            </a:r>
+            <a:r>
+              <a:rPr lang="fr-FR" dirty="0" err="1"/>
+              <a:t>maStructure</a:t>
+            </a:r>
+            <a:endParaRPr lang="fr-FR" dirty="0"/>
+          </a:p>
+          <a:p>
+            <a:r>
+              <a:rPr lang="fr-FR" dirty="0"/>
+              <a:t>    {</a:t>
+            </a:r>
+          </a:p>
+          <a:p>
+            <a:r>
+              <a:rPr lang="fr-FR" dirty="0"/>
+              <a:t>        var1</a:t>
+            </a:r>
+          </a:p>
+          <a:p>
+            <a:r>
+              <a:rPr lang="fr-FR" dirty="0"/>
+              <a:t>        var 2</a:t>
+            </a:r>
+          </a:p>
+          <a:p>
+            <a:r>
+              <a:rPr lang="fr-FR" dirty="0"/>
+              <a:t>        </a:t>
+            </a:r>
+            <a:r>
+              <a:rPr lang="fr-FR" dirty="0" err="1"/>
+              <a:t>maStructure</a:t>
+            </a:r>
+            <a:r>
+              <a:rPr lang="fr-FR" dirty="0"/>
+              <a:t>(var1,var2)</a:t>
+            </a:r>
+          </a:p>
+          <a:p>
+            <a:r>
+              <a:rPr lang="fr-FR" dirty="0"/>
+              <a:t>        {</a:t>
+            </a:r>
+          </a:p>
+          <a:p>
+            <a:r>
+              <a:rPr lang="fr-FR" dirty="0"/>
+              <a:t>           this.var1=var1;</a:t>
+            </a:r>
+          </a:p>
+          <a:p>
+            <a:r>
+              <a:rPr lang="fr-FR" dirty="0"/>
+              <a:t>           this.var2=var2</a:t>
+            </a:r>
+          </a:p>
+          <a:p>
+            <a:r>
+              <a:rPr lang="fr-FR" dirty="0"/>
+              <a:t>        }</a:t>
+            </a:r>
+          </a:p>
+          <a:p>
+            <a:r>
+              <a:rPr lang="fr-FR" dirty="0"/>
+              <a:t>    }</a:t>
+            </a:r>
+          </a:p>
+          <a:p>
+            <a:endParaRPr lang="fr-FR" dirty="0"/>
+          </a:p>
+        </p:txBody>
+      </p:sp>
+      <p:sp>
+        <p:nvSpPr>
+          <p:cNvPr id="12" name="ZoneTexte 11">
+            <a:extLst>
+              <a:ext uri="{FF2B5EF4-FFF2-40B4-BE49-F238E27FC236}">
+                <a16:creationId xmlns:a16="http://schemas.microsoft.com/office/drawing/2014/main" id="{DC32E302-7787-425A-91B9-7B4444BCE553}"/>
+              </a:ext>
+            </a:extLst>
+          </p:cNvPr>
+          <p:cNvSpPr txBox="1"/>
+          <p:nvPr/>
+        </p:nvSpPr>
+        <p:spPr>
+          <a:xfrm>
+            <a:off x="4771937" y="4567688"/>
+            <a:ext cx="1853968" cy="1754326"/>
+          </a:xfrm>
+          <a:prstGeom prst="rect">
+            <a:avLst/>
+          </a:prstGeom>
+          <a:solidFill>
+            <a:schemeClr val="bg1"/>
+          </a:solidFill>
+          <a:ln>
+            <a:solidFill>
+              <a:schemeClr val="tx2"/>
+            </a:solidFill>
+          </a:ln>
+        </p:spPr>
+        <p:txBody>
+          <a:bodyPr wrap="square" rtlCol="0">
+            <a:spAutoFit/>
+          </a:bodyPr>
+          <a:lstStyle/>
+          <a:p>
+            <a:r>
+              <a:rPr lang="fr-FR" dirty="0" err="1"/>
+              <a:t>enum</a:t>
+            </a:r>
+            <a:r>
+              <a:rPr lang="fr-FR" dirty="0"/>
+              <a:t> </a:t>
+            </a:r>
+            <a:r>
+              <a:rPr lang="fr-FR" dirty="0" err="1"/>
+              <a:t>monEnum</a:t>
+            </a:r>
+            <a:endParaRPr lang="fr-FR" dirty="0"/>
+          </a:p>
+          <a:p>
+            <a:r>
+              <a:rPr lang="fr-FR" dirty="0"/>
+              <a:t>    {</a:t>
+            </a:r>
+          </a:p>
+          <a:p>
+            <a:r>
+              <a:rPr lang="fr-FR" dirty="0"/>
+              <a:t>        Constante1,</a:t>
+            </a:r>
+          </a:p>
+          <a:p>
+            <a:r>
+              <a:rPr lang="fr-FR" dirty="0"/>
+              <a:t>        Constante 2</a:t>
+            </a:r>
+          </a:p>
+          <a:p>
+            <a:r>
+              <a:rPr lang="fr-FR" dirty="0"/>
+              <a:t>    }</a:t>
+            </a:r>
+          </a:p>
+          <a:p>
+            <a:endParaRPr lang="fr-FR" dirty="0"/>
+          </a:p>
+        </p:txBody>
+      </p:sp>
+      <p:sp>
+        <p:nvSpPr>
+          <p:cNvPr id="13" name="Rectangle 12">
+            <a:extLst>
+              <a:ext uri="{FF2B5EF4-FFF2-40B4-BE49-F238E27FC236}">
+                <a16:creationId xmlns:a16="http://schemas.microsoft.com/office/drawing/2014/main" id="{162EAB48-7064-4468-BAC3-BDBFCE8D8C1B}"/>
+              </a:ext>
+            </a:extLst>
+          </p:cNvPr>
+          <p:cNvSpPr/>
+          <p:nvPr/>
+        </p:nvSpPr>
+        <p:spPr>
+          <a:xfrm flipV="1">
+            <a:off x="612396" y="2973476"/>
+            <a:ext cx="6979641" cy="45719"/>
+          </a:xfrm>
+          <a:prstGeom prst="rect">
+            <a:avLst/>
+          </a:prstGeom>
+          <a:solidFill>
+            <a:srgbClr val="73B5C5"/>
+          </a:solidFill>
+          <a:ln>
+            <a:solidFill>
+              <a:srgbClr val="73B5C5"/>
+            </a:solidFill>
+          </a:ln>
+        </p:spPr>
+        <p:style>
+          <a:lnRef idx="2">
+            <a:schemeClr val="accent1">
+              <a:shade val="50000"/>
+            </a:schemeClr>
+          </a:lnRef>
+          <a:fillRef idx="1">
+            <a:schemeClr val="accent1"/>
+          </a:fillRef>
+          <a:effectRef idx="0">
+            <a:schemeClr val="accent1"/>
+          </a:effectRef>
+          <a:fontRef idx="minor">
+            <a:schemeClr val="lt1"/>
+          </a:fontRef>
+        </p:style>
+        <p:txBody>
+          <a:bodyPr rtlCol="0" anchor="ctr"/>
+          <a:lstStyle/>
+          <a:p>
+            <a:pPr algn="ctr"/>
+            <a:endParaRPr lang="fr-FR">
+              <a:solidFill>
+                <a:srgbClr val="73B5C5"/>
+              </a:solidFill>
+            </a:endParaRPr>
+          </a:p>
+        </p:txBody>
+      </p:sp>
+      <p:sp>
+        <p:nvSpPr>
+          <p:cNvPr id="14" name="Rectangle 13">
+            <a:extLst>
+              <a:ext uri="{FF2B5EF4-FFF2-40B4-BE49-F238E27FC236}">
+                <a16:creationId xmlns:a16="http://schemas.microsoft.com/office/drawing/2014/main" id="{D350E33B-662E-4D72-878F-1AB0F16FF2A1}"/>
+              </a:ext>
+            </a:extLst>
+          </p:cNvPr>
+          <p:cNvSpPr/>
+          <p:nvPr/>
+        </p:nvSpPr>
+        <p:spPr>
+          <a:xfrm flipH="1">
+            <a:off x="7592035" y="2973693"/>
+            <a:ext cx="45719" cy="1273645"/>
+          </a:xfrm>
+          <a:prstGeom prst="rect">
+            <a:avLst/>
+          </a:prstGeom>
+          <a:solidFill>
+            <a:srgbClr val="73B5C5"/>
+          </a:solidFill>
+          <a:ln>
+            <a:solidFill>
+              <a:srgbClr val="73B5C5"/>
+            </a:solidFill>
+          </a:ln>
+        </p:spPr>
+        <p:style>
+          <a:lnRef idx="2">
+            <a:schemeClr val="accent1">
+              <a:shade val="50000"/>
+            </a:schemeClr>
+          </a:lnRef>
+          <a:fillRef idx="1">
+            <a:schemeClr val="accent1"/>
+          </a:fillRef>
+          <a:effectRef idx="0">
+            <a:schemeClr val="accent1"/>
+          </a:effectRef>
+          <a:fontRef idx="minor">
+            <a:schemeClr val="lt1"/>
+          </a:fontRef>
+        </p:style>
+        <p:txBody>
+          <a:bodyPr rtlCol="0" anchor="ctr"/>
+          <a:lstStyle/>
+          <a:p>
+            <a:pPr algn="ctr"/>
+            <a:endParaRPr lang="fr-FR"/>
+          </a:p>
+        </p:txBody>
+      </p:sp>
+      <p:sp>
+        <p:nvSpPr>
+          <p:cNvPr id="15" name="Rectangle 14">
+            <a:extLst>
+              <a:ext uri="{FF2B5EF4-FFF2-40B4-BE49-F238E27FC236}">
+                <a16:creationId xmlns:a16="http://schemas.microsoft.com/office/drawing/2014/main" id="{AB9BA88F-F3AD-43B1-95E1-59A1DF8320A6}"/>
+              </a:ext>
+            </a:extLst>
+          </p:cNvPr>
+          <p:cNvSpPr/>
+          <p:nvPr/>
+        </p:nvSpPr>
+        <p:spPr>
+          <a:xfrm>
+            <a:off x="7637755" y="4201619"/>
+            <a:ext cx="4554245" cy="45719"/>
+          </a:xfrm>
+          <a:prstGeom prst="rect">
+            <a:avLst/>
+          </a:prstGeom>
+          <a:solidFill>
+            <a:srgbClr val="73B5C5"/>
+          </a:solidFill>
+          <a:ln>
+            <a:solidFill>
+              <a:srgbClr val="73B5C5"/>
+            </a:solidFill>
+          </a:ln>
+        </p:spPr>
+        <p:style>
+          <a:lnRef idx="2">
+            <a:schemeClr val="accent1">
+              <a:shade val="50000"/>
+            </a:schemeClr>
+          </a:lnRef>
+          <a:fillRef idx="1">
+            <a:schemeClr val="accent1"/>
+          </a:fillRef>
+          <a:effectRef idx="0">
+            <a:schemeClr val="accent1"/>
+          </a:effectRef>
+          <a:fontRef idx="minor">
+            <a:schemeClr val="lt1"/>
+          </a:fontRef>
+        </p:style>
+        <p:txBody>
+          <a:bodyPr rtlCol="0" anchor="ctr"/>
+          <a:lstStyle/>
+          <a:p>
+            <a:pPr algn="ctr"/>
+            <a:endParaRPr lang="fr-FR">
+              <a:solidFill>
+                <a:srgbClr val="73B5C5"/>
+              </a:solidFill>
+            </a:endParaRPr>
           </a:p>
         </p:txBody>
       </p:sp>
@@ -15852,25 +16540,858 @@
       </p:grpSpPr>
       <p:sp>
         <p:nvSpPr>
-          <p:cNvPr id="4" name="Titre 3">
+          <p:cNvPr id="3" name="ZoneTexte 2">
             <a:extLst>
               <a:ext uri="{FF2B5EF4-FFF2-40B4-BE49-F238E27FC236}">
-                <a16:creationId xmlns:a16="http://schemas.microsoft.com/office/drawing/2014/main" id="{3F814E00-E638-4290-A5C4-C890A899C9EC}"/>
+                <a16:creationId xmlns:a16="http://schemas.microsoft.com/office/drawing/2014/main" id="{6D03396F-25A9-4C9B-8DBF-BF0C6E6EA889}"/>
               </a:ext>
             </a:extLst>
           </p:cNvPr>
-          <p:cNvSpPr>
-            <a:spLocks noGrp="1"/>
-          </p:cNvSpPr>
-          <p:nvPr>
-            <p:ph type="ctrTitle"/>
-          </p:nvPr>
+          <p:cNvSpPr txBox="1"/>
+          <p:nvPr/>
         </p:nvSpPr>
-        <p:spPr/>
+        <p:spPr>
+          <a:xfrm>
+            <a:off x="4534953" y="230374"/>
+            <a:ext cx="3976382" cy="861774"/>
+          </a:xfrm>
+          <a:prstGeom prst="rect">
+            <a:avLst/>
+          </a:prstGeom>
+          <a:noFill/>
+        </p:spPr>
         <p:txBody>
-          <a:bodyPr/>
+          <a:bodyPr wrap="square" rtlCol="0">
+            <a:spAutoFit/>
+          </a:bodyPr>
           <a:lstStyle/>
           <a:p>
+            <a:r>
+              <a:rPr lang="fr-FR" sz="3200" b="1" i="1" u="sng" dirty="0"/>
+              <a:t>Types références</a:t>
+            </a:r>
+          </a:p>
+          <a:p>
+            <a:endParaRPr lang="fr-FR" b="1" i="1" u="sng" dirty="0"/>
+          </a:p>
+        </p:txBody>
+      </p:sp>
+      <p:sp>
+        <p:nvSpPr>
+          <p:cNvPr id="5" name="ZoneTexte 4">
+            <a:extLst>
+              <a:ext uri="{FF2B5EF4-FFF2-40B4-BE49-F238E27FC236}">
+                <a16:creationId xmlns:a16="http://schemas.microsoft.com/office/drawing/2014/main" id="{345BF317-89D7-4001-8013-146934CA1057}"/>
+              </a:ext>
+            </a:extLst>
+          </p:cNvPr>
+          <p:cNvSpPr txBox="1"/>
+          <p:nvPr/>
+        </p:nvSpPr>
+        <p:spPr>
+          <a:xfrm>
+            <a:off x="2534180" y="1092148"/>
+            <a:ext cx="4118994" cy="369332"/>
+          </a:xfrm>
+          <a:prstGeom prst="rect">
+            <a:avLst/>
+          </a:prstGeom>
+          <a:noFill/>
+        </p:spPr>
+        <p:txBody>
+          <a:bodyPr wrap="square" rtlCol="0">
+            <a:spAutoFit/>
+          </a:bodyPr>
+          <a:lstStyle/>
+          <a:p>
+            <a:r>
+              <a:rPr lang="fr-FR" dirty="0"/>
+              <a:t>Classes</a:t>
+            </a:r>
+          </a:p>
+        </p:txBody>
+      </p:sp>
+      <p:sp>
+        <p:nvSpPr>
+          <p:cNvPr id="6" name="Ellipse 5">
+            <a:extLst>
+              <a:ext uri="{FF2B5EF4-FFF2-40B4-BE49-F238E27FC236}">
+                <a16:creationId xmlns:a16="http://schemas.microsoft.com/office/drawing/2014/main" id="{F5115FFF-83CB-44DA-970C-722533C448EC}"/>
+              </a:ext>
+            </a:extLst>
+          </p:cNvPr>
+          <p:cNvSpPr/>
+          <p:nvPr/>
+        </p:nvSpPr>
+        <p:spPr>
+          <a:xfrm flipH="1" flipV="1">
+            <a:off x="2449584" y="1258349"/>
+            <a:ext cx="84595" cy="87664"/>
+          </a:xfrm>
+          <a:prstGeom prst="ellipse">
+            <a:avLst/>
+          </a:prstGeom>
+          <a:solidFill>
+            <a:schemeClr val="tx2"/>
+          </a:solidFill>
+          <a:ln>
+            <a:solidFill>
+              <a:schemeClr val="bg2"/>
+            </a:solidFill>
+          </a:ln>
+        </p:spPr>
+        <p:style>
+          <a:lnRef idx="2">
+            <a:schemeClr val="accent1">
+              <a:shade val="50000"/>
+            </a:schemeClr>
+          </a:lnRef>
+          <a:fillRef idx="1">
+            <a:schemeClr val="accent1"/>
+          </a:fillRef>
+          <a:effectRef idx="0">
+            <a:schemeClr val="accent1"/>
+          </a:effectRef>
+          <a:fontRef idx="minor">
+            <a:schemeClr val="lt1"/>
+          </a:fontRef>
+        </p:style>
+        <p:txBody>
+          <a:bodyPr rtlCol="0" anchor="ctr"/>
+          <a:lstStyle/>
+          <a:p>
+            <a:pPr algn="ctr"/>
+            <a:endParaRPr lang="fr-FR"/>
+          </a:p>
+        </p:txBody>
+      </p:sp>
+      <p:sp>
+        <p:nvSpPr>
+          <p:cNvPr id="7" name="ZoneTexte 6">
+            <a:extLst>
+              <a:ext uri="{FF2B5EF4-FFF2-40B4-BE49-F238E27FC236}">
+                <a16:creationId xmlns:a16="http://schemas.microsoft.com/office/drawing/2014/main" id="{4B3E5DA4-A1A4-4CEF-B323-93B9B6945721}"/>
+              </a:ext>
+            </a:extLst>
+          </p:cNvPr>
+          <p:cNvSpPr txBox="1"/>
+          <p:nvPr/>
+        </p:nvSpPr>
+        <p:spPr>
+          <a:xfrm>
+            <a:off x="2534179" y="1512214"/>
+            <a:ext cx="6518246" cy="1477328"/>
+          </a:xfrm>
+          <a:prstGeom prst="rect">
+            <a:avLst/>
+          </a:prstGeom>
+          <a:noFill/>
+        </p:spPr>
+        <p:txBody>
+          <a:bodyPr wrap="square" rtlCol="0">
+            <a:spAutoFit/>
+          </a:bodyPr>
+          <a:lstStyle/>
+          <a:p>
+            <a:r>
+              <a:rPr lang="fr-FR" dirty="0"/>
+              <a:t>Structures de données améliorées</a:t>
+            </a:r>
+          </a:p>
+          <a:p>
+            <a:r>
+              <a:rPr lang="fr-FR" dirty="0"/>
+              <a:t>Contient également des méthodes liées</a:t>
+            </a:r>
+          </a:p>
+          <a:p>
+            <a:r>
+              <a:rPr lang="fr-FR" dirty="0"/>
+              <a:t>Une classe ne peut hériter que d’une classe</a:t>
+            </a:r>
+          </a:p>
+          <a:p>
+            <a:r>
+              <a:rPr lang="fr-FR" dirty="0"/>
+              <a:t>mère</a:t>
+            </a:r>
+          </a:p>
+          <a:p>
+            <a:endParaRPr lang="fr-FR" dirty="0"/>
+          </a:p>
+        </p:txBody>
+      </p:sp>
+      <p:sp>
+        <p:nvSpPr>
+          <p:cNvPr id="8" name="ZoneTexte 7">
+            <a:extLst>
+              <a:ext uri="{FF2B5EF4-FFF2-40B4-BE49-F238E27FC236}">
+                <a16:creationId xmlns:a16="http://schemas.microsoft.com/office/drawing/2014/main" id="{C0025B13-0766-4B00-A139-654F1FC542F1}"/>
+              </a:ext>
+            </a:extLst>
+          </p:cNvPr>
+          <p:cNvSpPr txBox="1"/>
+          <p:nvPr/>
+        </p:nvSpPr>
+        <p:spPr>
+          <a:xfrm>
+            <a:off x="6808368" y="844951"/>
+            <a:ext cx="3976382" cy="3416320"/>
+          </a:xfrm>
+          <a:prstGeom prst="rect">
+            <a:avLst/>
+          </a:prstGeom>
+          <a:solidFill>
+            <a:schemeClr val="bg1"/>
+          </a:solidFill>
+          <a:ln>
+            <a:solidFill>
+              <a:schemeClr val="tx2"/>
+            </a:solidFill>
+          </a:ln>
+        </p:spPr>
+        <p:txBody>
+          <a:bodyPr wrap="square" rtlCol="0">
+            <a:spAutoFit/>
+          </a:bodyPr>
+          <a:lstStyle/>
+          <a:p>
+            <a:r>
+              <a:rPr lang="fr-FR" dirty="0"/>
+              <a:t>public class </a:t>
+            </a:r>
+            <a:r>
+              <a:rPr lang="fr-FR" dirty="0" err="1"/>
+              <a:t>maClasse</a:t>
+            </a:r>
+            <a:r>
+              <a:rPr lang="fr-FR" dirty="0"/>
+              <a:t> : </a:t>
+            </a:r>
+            <a:r>
+              <a:rPr lang="fr-FR" dirty="0" err="1"/>
+              <a:t>classeMere</a:t>
+            </a:r>
+            <a:endParaRPr lang="fr-FR" dirty="0"/>
+          </a:p>
+          <a:p>
+            <a:r>
+              <a:rPr lang="fr-FR" dirty="0"/>
+              <a:t>    {</a:t>
+            </a:r>
+          </a:p>
+          <a:p>
+            <a:r>
+              <a:rPr lang="fr-FR" dirty="0"/>
+              <a:t>        var1</a:t>
+            </a:r>
+          </a:p>
+          <a:p>
+            <a:r>
+              <a:rPr lang="fr-FR" dirty="0"/>
+              <a:t>        public </a:t>
+            </a:r>
+            <a:r>
+              <a:rPr lang="fr-FR" dirty="0" err="1"/>
+              <a:t>maClasse</a:t>
+            </a:r>
+            <a:r>
+              <a:rPr lang="fr-FR" dirty="0"/>
+              <a:t>(var1)</a:t>
+            </a:r>
+          </a:p>
+          <a:p>
+            <a:r>
+              <a:rPr lang="fr-FR" dirty="0"/>
+              <a:t>        </a:t>
+            </a:r>
+            <a:r>
+              <a:rPr lang="en-GB" dirty="0"/>
+              <a:t>{</a:t>
+            </a:r>
+            <a:endParaRPr lang="fr-FR" dirty="0"/>
+          </a:p>
+          <a:p>
+            <a:r>
+              <a:rPr lang="en-GB" dirty="0"/>
+              <a:t>            this.var1=var1</a:t>
+            </a:r>
+          </a:p>
+          <a:p>
+            <a:r>
+              <a:rPr lang="fr-FR" dirty="0"/>
+              <a:t>        }</a:t>
+            </a:r>
+          </a:p>
+          <a:p>
+            <a:r>
+              <a:rPr lang="fr-FR" dirty="0"/>
+              <a:t>        public </a:t>
+            </a:r>
+            <a:r>
+              <a:rPr lang="fr-FR" dirty="0" err="1"/>
+              <a:t>void</a:t>
+            </a:r>
+            <a:r>
+              <a:rPr lang="fr-FR" dirty="0"/>
+              <a:t> methode1{</a:t>
+            </a:r>
+          </a:p>
+          <a:p>
+            <a:r>
+              <a:rPr lang="fr-FR" dirty="0"/>
+              <a:t>        </a:t>
+            </a:r>
+            <a:r>
+              <a:rPr lang="fr-FR" dirty="0" err="1"/>
+              <a:t>Console.WriteLine</a:t>
+            </a:r>
+            <a:r>
+              <a:rPr lang="fr-FR" dirty="0"/>
+              <a:t>(var1);</a:t>
+            </a:r>
+          </a:p>
+          <a:p>
+            <a:r>
+              <a:rPr lang="fr-FR" dirty="0"/>
+              <a:t>        }</a:t>
+            </a:r>
+          </a:p>
+          <a:p>
+            <a:r>
+              <a:rPr lang="fr-FR" dirty="0"/>
+              <a:t>    }</a:t>
+            </a:r>
+          </a:p>
+          <a:p>
+            <a:endParaRPr lang="fr-FR" dirty="0"/>
+          </a:p>
+        </p:txBody>
+      </p:sp>
+      <p:sp>
+        <p:nvSpPr>
+          <p:cNvPr id="9" name="Rectangle 8">
+            <a:extLst>
+              <a:ext uri="{FF2B5EF4-FFF2-40B4-BE49-F238E27FC236}">
+                <a16:creationId xmlns:a16="http://schemas.microsoft.com/office/drawing/2014/main" id="{FEC6884B-2B93-4673-93B9-AC4EDF759E3F}"/>
+              </a:ext>
+            </a:extLst>
+          </p:cNvPr>
+          <p:cNvSpPr/>
+          <p:nvPr/>
+        </p:nvSpPr>
+        <p:spPr>
+          <a:xfrm>
+            <a:off x="603303" y="2789891"/>
+            <a:ext cx="5708990" cy="45719"/>
+          </a:xfrm>
+          <a:prstGeom prst="rect">
+            <a:avLst/>
+          </a:prstGeom>
+          <a:solidFill>
+            <a:srgbClr val="73B5C5"/>
+          </a:solidFill>
+          <a:ln>
+            <a:solidFill>
+              <a:srgbClr val="73B5C5"/>
+            </a:solidFill>
+          </a:ln>
+        </p:spPr>
+        <p:style>
+          <a:lnRef idx="2">
+            <a:schemeClr val="accent1">
+              <a:shade val="50000"/>
+            </a:schemeClr>
+          </a:lnRef>
+          <a:fillRef idx="1">
+            <a:schemeClr val="accent1"/>
+          </a:fillRef>
+          <a:effectRef idx="0">
+            <a:schemeClr val="accent1"/>
+          </a:effectRef>
+          <a:fontRef idx="minor">
+            <a:schemeClr val="lt1"/>
+          </a:fontRef>
+        </p:style>
+        <p:txBody>
+          <a:bodyPr rtlCol="0" anchor="ctr"/>
+          <a:lstStyle/>
+          <a:p>
+            <a:pPr algn="ctr"/>
+            <a:endParaRPr lang="fr-FR">
+              <a:solidFill>
+                <a:srgbClr val="73B5C5"/>
+              </a:solidFill>
+            </a:endParaRPr>
+          </a:p>
+        </p:txBody>
+      </p:sp>
+      <p:sp>
+        <p:nvSpPr>
+          <p:cNvPr id="10" name="Rectangle 9">
+            <a:extLst>
+              <a:ext uri="{FF2B5EF4-FFF2-40B4-BE49-F238E27FC236}">
+                <a16:creationId xmlns:a16="http://schemas.microsoft.com/office/drawing/2014/main" id="{C795EC57-1FE5-4D1D-8E4F-ACE07CF3131B}"/>
+              </a:ext>
+            </a:extLst>
+          </p:cNvPr>
+          <p:cNvSpPr/>
+          <p:nvPr/>
+        </p:nvSpPr>
+        <p:spPr>
+          <a:xfrm flipH="1">
+            <a:off x="6266573" y="2812750"/>
+            <a:ext cx="45719" cy="1608248"/>
+          </a:xfrm>
+          <a:prstGeom prst="rect">
+            <a:avLst/>
+          </a:prstGeom>
+          <a:solidFill>
+            <a:srgbClr val="73B5C5"/>
+          </a:solidFill>
+          <a:ln>
+            <a:solidFill>
+              <a:srgbClr val="73B5C5"/>
+            </a:solidFill>
+          </a:ln>
+        </p:spPr>
+        <p:style>
+          <a:lnRef idx="2">
+            <a:schemeClr val="accent1">
+              <a:shade val="50000"/>
+            </a:schemeClr>
+          </a:lnRef>
+          <a:fillRef idx="1">
+            <a:schemeClr val="accent1"/>
+          </a:fillRef>
+          <a:effectRef idx="0">
+            <a:schemeClr val="accent1"/>
+          </a:effectRef>
+          <a:fontRef idx="minor">
+            <a:schemeClr val="lt1"/>
+          </a:fontRef>
+        </p:style>
+        <p:txBody>
+          <a:bodyPr rtlCol="0" anchor="ctr"/>
+          <a:lstStyle/>
+          <a:p>
+            <a:pPr algn="ctr"/>
+            <a:endParaRPr lang="fr-FR"/>
+          </a:p>
+        </p:txBody>
+      </p:sp>
+      <p:sp>
+        <p:nvSpPr>
+          <p:cNvPr id="11" name="Rectangle 10">
+            <a:extLst>
+              <a:ext uri="{FF2B5EF4-FFF2-40B4-BE49-F238E27FC236}">
+                <a16:creationId xmlns:a16="http://schemas.microsoft.com/office/drawing/2014/main" id="{2F2DE244-D35E-458F-9375-9A433F052815}"/>
+              </a:ext>
+            </a:extLst>
+          </p:cNvPr>
+          <p:cNvSpPr/>
+          <p:nvPr/>
+        </p:nvSpPr>
+        <p:spPr>
+          <a:xfrm>
+            <a:off x="6266572" y="4380710"/>
+            <a:ext cx="5925427" cy="63147"/>
+          </a:xfrm>
+          <a:prstGeom prst="rect">
+            <a:avLst/>
+          </a:prstGeom>
+          <a:solidFill>
+            <a:srgbClr val="73B5C5"/>
+          </a:solidFill>
+          <a:ln>
+            <a:solidFill>
+              <a:srgbClr val="73B5C5"/>
+            </a:solidFill>
+          </a:ln>
+        </p:spPr>
+        <p:style>
+          <a:lnRef idx="2">
+            <a:schemeClr val="accent1">
+              <a:shade val="50000"/>
+            </a:schemeClr>
+          </a:lnRef>
+          <a:fillRef idx="1">
+            <a:schemeClr val="accent1"/>
+          </a:fillRef>
+          <a:effectRef idx="0">
+            <a:schemeClr val="accent1"/>
+          </a:effectRef>
+          <a:fontRef idx="minor">
+            <a:schemeClr val="lt1"/>
+          </a:fontRef>
+        </p:style>
+        <p:txBody>
+          <a:bodyPr rtlCol="0" anchor="ctr"/>
+          <a:lstStyle/>
+          <a:p>
+            <a:pPr algn="ctr"/>
+            <a:endParaRPr lang="fr-FR">
+              <a:solidFill>
+                <a:srgbClr val="73B5C5"/>
+              </a:solidFill>
+            </a:endParaRPr>
+          </a:p>
+        </p:txBody>
+      </p:sp>
+      <p:sp>
+        <p:nvSpPr>
+          <p:cNvPr id="12" name="ZoneTexte 11">
+            <a:extLst>
+              <a:ext uri="{FF2B5EF4-FFF2-40B4-BE49-F238E27FC236}">
+                <a16:creationId xmlns:a16="http://schemas.microsoft.com/office/drawing/2014/main" id="{82DD583C-94BF-4012-B522-2DF3D7AF9698}"/>
+              </a:ext>
+            </a:extLst>
+          </p:cNvPr>
+          <p:cNvSpPr txBox="1"/>
+          <p:nvPr/>
+        </p:nvSpPr>
+        <p:spPr>
+          <a:xfrm>
+            <a:off x="1552667" y="2984530"/>
+            <a:ext cx="4118994" cy="369332"/>
+          </a:xfrm>
+          <a:prstGeom prst="rect">
+            <a:avLst/>
+          </a:prstGeom>
+          <a:noFill/>
+        </p:spPr>
+        <p:txBody>
+          <a:bodyPr wrap="square" rtlCol="0">
+            <a:spAutoFit/>
+          </a:bodyPr>
+          <a:lstStyle/>
+          <a:p>
+            <a:r>
+              <a:rPr lang="fr-FR" dirty="0"/>
+              <a:t>Interfaces</a:t>
+            </a:r>
+          </a:p>
+        </p:txBody>
+      </p:sp>
+      <p:sp>
+        <p:nvSpPr>
+          <p:cNvPr id="13" name="Ellipse 12">
+            <a:extLst>
+              <a:ext uri="{FF2B5EF4-FFF2-40B4-BE49-F238E27FC236}">
+                <a16:creationId xmlns:a16="http://schemas.microsoft.com/office/drawing/2014/main" id="{C7E57765-2E9B-4A35-B76B-7C777C775835}"/>
+              </a:ext>
+            </a:extLst>
+          </p:cNvPr>
+          <p:cNvSpPr/>
+          <p:nvPr/>
+        </p:nvSpPr>
+        <p:spPr>
+          <a:xfrm flipH="1" flipV="1">
+            <a:off x="1399212" y="3135952"/>
+            <a:ext cx="84595" cy="87664"/>
+          </a:xfrm>
+          <a:prstGeom prst="ellipse">
+            <a:avLst/>
+          </a:prstGeom>
+          <a:solidFill>
+            <a:schemeClr val="tx2"/>
+          </a:solidFill>
+          <a:ln>
+            <a:solidFill>
+              <a:schemeClr val="bg2"/>
+            </a:solidFill>
+          </a:ln>
+        </p:spPr>
+        <p:style>
+          <a:lnRef idx="2">
+            <a:schemeClr val="accent1">
+              <a:shade val="50000"/>
+            </a:schemeClr>
+          </a:lnRef>
+          <a:fillRef idx="1">
+            <a:schemeClr val="accent1"/>
+          </a:fillRef>
+          <a:effectRef idx="0">
+            <a:schemeClr val="accent1"/>
+          </a:effectRef>
+          <a:fontRef idx="minor">
+            <a:schemeClr val="lt1"/>
+          </a:fontRef>
+        </p:style>
+        <p:txBody>
+          <a:bodyPr rtlCol="0" anchor="ctr"/>
+          <a:lstStyle/>
+          <a:p>
+            <a:pPr algn="ctr"/>
+            <a:endParaRPr lang="fr-FR"/>
+          </a:p>
+        </p:txBody>
+      </p:sp>
+      <p:sp>
+        <p:nvSpPr>
+          <p:cNvPr id="14" name="ZoneTexte 13">
+            <a:extLst>
+              <a:ext uri="{FF2B5EF4-FFF2-40B4-BE49-F238E27FC236}">
+                <a16:creationId xmlns:a16="http://schemas.microsoft.com/office/drawing/2014/main" id="{1407F930-E49A-4245-A6E5-5032B96909AC}"/>
+              </a:ext>
+            </a:extLst>
+          </p:cNvPr>
+          <p:cNvSpPr txBox="1"/>
+          <p:nvPr/>
+        </p:nvSpPr>
+        <p:spPr>
+          <a:xfrm>
+            <a:off x="1275830" y="3513122"/>
+            <a:ext cx="6518246" cy="1200329"/>
+          </a:xfrm>
+          <a:prstGeom prst="rect">
+            <a:avLst/>
+          </a:prstGeom>
+          <a:noFill/>
+        </p:spPr>
+        <p:txBody>
+          <a:bodyPr wrap="square" rtlCol="0">
+            <a:spAutoFit/>
+          </a:bodyPr>
+          <a:lstStyle/>
+          <a:p>
+            <a:r>
+              <a:rPr lang="fr-FR" dirty="0"/>
+              <a:t>Classe entièrement abstraite</a:t>
+            </a:r>
+          </a:p>
+          <a:p>
+            <a:r>
+              <a:rPr lang="fr-FR" dirty="0"/>
+              <a:t>Code des méthodes non implémentés</a:t>
+            </a:r>
+          </a:p>
+          <a:p>
+            <a:r>
+              <a:rPr lang="fr-FR" dirty="0"/>
+              <a:t>Interface peut être implémentée par plusieurs classes</a:t>
+            </a:r>
+          </a:p>
+          <a:p>
+            <a:endParaRPr lang="fr-FR" dirty="0"/>
+          </a:p>
+        </p:txBody>
+      </p:sp>
+      <p:sp>
+        <p:nvSpPr>
+          <p:cNvPr id="15" name="ZoneTexte 14">
+            <a:extLst>
+              <a:ext uri="{FF2B5EF4-FFF2-40B4-BE49-F238E27FC236}">
+                <a16:creationId xmlns:a16="http://schemas.microsoft.com/office/drawing/2014/main" id="{204F9030-DA4A-4033-8718-283B2980E677}"/>
+              </a:ext>
+            </a:extLst>
+          </p:cNvPr>
+          <p:cNvSpPr txBox="1"/>
+          <p:nvPr/>
+        </p:nvSpPr>
+        <p:spPr>
+          <a:xfrm>
+            <a:off x="1993371" y="4607122"/>
+            <a:ext cx="3976382" cy="1477328"/>
+          </a:xfrm>
+          <a:prstGeom prst="rect">
+            <a:avLst/>
+          </a:prstGeom>
+          <a:solidFill>
+            <a:schemeClr val="bg1"/>
+          </a:solidFill>
+          <a:ln>
+            <a:solidFill>
+              <a:schemeClr val="tx2"/>
+            </a:solidFill>
+          </a:ln>
+        </p:spPr>
+        <p:txBody>
+          <a:bodyPr wrap="square" rtlCol="0">
+            <a:spAutoFit/>
+          </a:bodyPr>
+          <a:lstStyle/>
+          <a:p>
+            <a:r>
+              <a:rPr lang="fr-FR" dirty="0"/>
+              <a:t>public interface </a:t>
+            </a:r>
+            <a:r>
+              <a:rPr lang="fr-FR" dirty="0" err="1"/>
+              <a:t>monInterface</a:t>
+            </a:r>
+            <a:endParaRPr lang="fr-FR" dirty="0"/>
+          </a:p>
+          <a:p>
+            <a:r>
+              <a:rPr lang="fr-FR" dirty="0"/>
+              <a:t>    {</a:t>
+            </a:r>
+          </a:p>
+          <a:p>
+            <a:r>
+              <a:rPr lang="fr-FR" dirty="0"/>
+              <a:t>        public </a:t>
+            </a:r>
+            <a:r>
+              <a:rPr lang="fr-FR" dirty="0" err="1"/>
+              <a:t>void</a:t>
+            </a:r>
+            <a:r>
+              <a:rPr lang="fr-FR" dirty="0"/>
+              <a:t> méthode1();</a:t>
+            </a:r>
+          </a:p>
+          <a:p>
+            <a:r>
+              <a:rPr lang="fr-FR" dirty="0"/>
+              <a:t>}</a:t>
+            </a:r>
+          </a:p>
+          <a:p>
+            <a:endParaRPr lang="fr-FR" dirty="0"/>
+          </a:p>
+        </p:txBody>
+      </p:sp>
+      <p:sp>
+        <p:nvSpPr>
+          <p:cNvPr id="16" name="Rectangle 15">
+            <a:extLst>
+              <a:ext uri="{FF2B5EF4-FFF2-40B4-BE49-F238E27FC236}">
+                <a16:creationId xmlns:a16="http://schemas.microsoft.com/office/drawing/2014/main" id="{F4288F94-58BD-4475-8A32-3FA7D3C1D25E}"/>
+              </a:ext>
+            </a:extLst>
+          </p:cNvPr>
+          <p:cNvSpPr/>
+          <p:nvPr/>
+        </p:nvSpPr>
+        <p:spPr>
+          <a:xfrm flipH="1">
+            <a:off x="6518945" y="4411236"/>
+            <a:ext cx="45719" cy="2446764"/>
+          </a:xfrm>
+          <a:prstGeom prst="rect">
+            <a:avLst/>
+          </a:prstGeom>
+          <a:solidFill>
+            <a:srgbClr val="73B5C5"/>
+          </a:solidFill>
+          <a:ln>
+            <a:solidFill>
+              <a:srgbClr val="73B5C5"/>
+            </a:solidFill>
+          </a:ln>
+        </p:spPr>
+        <p:style>
+          <a:lnRef idx="2">
+            <a:schemeClr val="accent1">
+              <a:shade val="50000"/>
+            </a:schemeClr>
+          </a:lnRef>
+          <a:fillRef idx="1">
+            <a:schemeClr val="accent1"/>
+          </a:fillRef>
+          <a:effectRef idx="0">
+            <a:schemeClr val="accent1"/>
+          </a:effectRef>
+          <a:fontRef idx="minor">
+            <a:schemeClr val="lt1"/>
+          </a:fontRef>
+        </p:style>
+        <p:txBody>
+          <a:bodyPr rtlCol="0" anchor="ctr"/>
+          <a:lstStyle/>
+          <a:p>
+            <a:pPr algn="ctr"/>
+            <a:endParaRPr lang="fr-FR"/>
+          </a:p>
+        </p:txBody>
+      </p:sp>
+      <p:sp>
+        <p:nvSpPr>
+          <p:cNvPr id="17" name="ZoneTexte 16">
+            <a:extLst>
+              <a:ext uri="{FF2B5EF4-FFF2-40B4-BE49-F238E27FC236}">
+                <a16:creationId xmlns:a16="http://schemas.microsoft.com/office/drawing/2014/main" id="{2CA3632A-A1C4-40D4-8AD3-9A31321A1E74}"/>
+              </a:ext>
+            </a:extLst>
+          </p:cNvPr>
+          <p:cNvSpPr txBox="1"/>
+          <p:nvPr/>
+        </p:nvSpPr>
+        <p:spPr>
+          <a:xfrm>
+            <a:off x="7093874" y="4569451"/>
+            <a:ext cx="4118994" cy="369332"/>
+          </a:xfrm>
+          <a:prstGeom prst="rect">
+            <a:avLst/>
+          </a:prstGeom>
+          <a:noFill/>
+        </p:spPr>
+        <p:txBody>
+          <a:bodyPr wrap="square" rtlCol="0">
+            <a:spAutoFit/>
+          </a:bodyPr>
+          <a:lstStyle/>
+          <a:p>
+            <a:r>
+              <a:rPr lang="fr-FR" dirty="0"/>
+              <a:t>Tableaux</a:t>
+            </a:r>
+          </a:p>
+        </p:txBody>
+      </p:sp>
+      <p:sp>
+        <p:nvSpPr>
+          <p:cNvPr id="18" name="Ellipse 17">
+            <a:extLst>
+              <a:ext uri="{FF2B5EF4-FFF2-40B4-BE49-F238E27FC236}">
+                <a16:creationId xmlns:a16="http://schemas.microsoft.com/office/drawing/2014/main" id="{EAD1FEB9-1745-4F49-81AC-C58C068E675E}"/>
+              </a:ext>
+            </a:extLst>
+          </p:cNvPr>
+          <p:cNvSpPr/>
+          <p:nvPr/>
+        </p:nvSpPr>
+        <p:spPr>
+          <a:xfrm flipH="1" flipV="1">
+            <a:off x="7009278" y="4735652"/>
+            <a:ext cx="84595" cy="87664"/>
+          </a:xfrm>
+          <a:prstGeom prst="ellipse">
+            <a:avLst/>
+          </a:prstGeom>
+          <a:solidFill>
+            <a:schemeClr val="tx2"/>
+          </a:solidFill>
+          <a:ln>
+            <a:solidFill>
+              <a:schemeClr val="bg2"/>
+            </a:solidFill>
+          </a:ln>
+        </p:spPr>
+        <p:style>
+          <a:lnRef idx="2">
+            <a:schemeClr val="accent1">
+              <a:shade val="50000"/>
+            </a:schemeClr>
+          </a:lnRef>
+          <a:fillRef idx="1">
+            <a:schemeClr val="accent1"/>
+          </a:fillRef>
+          <a:effectRef idx="0">
+            <a:schemeClr val="accent1"/>
+          </a:effectRef>
+          <a:fontRef idx="minor">
+            <a:schemeClr val="lt1"/>
+          </a:fontRef>
+        </p:style>
+        <p:txBody>
+          <a:bodyPr rtlCol="0" anchor="ctr"/>
+          <a:lstStyle/>
+          <a:p>
+            <a:pPr algn="ctr"/>
             <a:endParaRPr lang="fr-FR"/>
           </a:p>
         </p:txBody>

--- a/CoursCS2.pptx
+++ b/CoursCS2.pptx
@@ -168,7 +168,7 @@
           <a:noFill/>
           <a:extLst>
             <a:ext uri="{909E8E84-426E-40dd-AFC4-6F175D3DCCD1}">
-              <a14:hiddenFill xmlns:a14="http://schemas.microsoft.com/office/drawing/2010/main" xmlns="">
+              <a14:hiddenFill xmlns="" xmlns:a14="http://schemas.microsoft.com/office/drawing/2010/main">
                 <a:solidFill>
                   <a:srgbClr val="FFFFFF"/>
                 </a:solidFill>
@@ -228,7 +228,7 @@
             </a:ln>
             <a:extLst>
               <a:ext uri="{91240B29-F687-4f45-9708-019B960494DF}">
-                <a14:hiddenLine xmlns:a14="http://schemas.microsoft.com/office/drawing/2010/main" xmlns="" w="9525">
+                <a14:hiddenLine xmlns="" xmlns:a14="http://schemas.microsoft.com/office/drawing/2010/main" w="9525">
                   <a:solidFill>
                     <a:srgbClr val="000000"/>
                   </a:solidFill>
@@ -318,7 +318,7 @@
             </a:ln>
             <a:extLst>
               <a:ext uri="{91240B29-F687-4f45-9708-019B960494DF}">
-                <a14:hiddenLine xmlns:a14="http://schemas.microsoft.com/office/drawing/2010/main" xmlns="" w="9525">
+                <a14:hiddenLine xmlns="" xmlns:a14="http://schemas.microsoft.com/office/drawing/2010/main" w="9525">
                   <a:solidFill>
                     <a:srgbClr val="000000"/>
                   </a:solidFill>
@@ -408,7 +408,7 @@
             </a:ln>
             <a:extLst>
               <a:ext uri="{91240B29-F687-4f45-9708-019B960494DF}">
-                <a14:hiddenLine xmlns:a14="http://schemas.microsoft.com/office/drawing/2010/main" xmlns="" w="9525">
+                <a14:hiddenLine xmlns="" xmlns:a14="http://schemas.microsoft.com/office/drawing/2010/main" w="9525">
                   <a:solidFill>
                     <a:srgbClr val="000000"/>
                   </a:solidFill>
@@ -442,7 +442,7 @@
             </a:ln>
             <a:extLst>
               <a:ext uri="{91240B29-F687-4f45-9708-019B960494DF}">
-                <a14:hiddenLine xmlns:a14="http://schemas.microsoft.com/office/drawing/2010/main" xmlns="" w="9525">
+                <a14:hiddenLine xmlns="" xmlns:a14="http://schemas.microsoft.com/office/drawing/2010/main" w="9525">
                   <a:solidFill>
                     <a:srgbClr val="000000"/>
                   </a:solidFill>
@@ -532,7 +532,7 @@
             </a:ln>
             <a:extLst>
               <a:ext uri="{91240B29-F687-4f45-9708-019B960494DF}">
-                <a14:hiddenLine xmlns:a14="http://schemas.microsoft.com/office/drawing/2010/main" xmlns="" w="9525">
+                <a14:hiddenLine xmlns="" xmlns:a14="http://schemas.microsoft.com/office/drawing/2010/main" w="9525">
                   <a:solidFill>
                     <a:srgbClr val="000000"/>
                   </a:solidFill>
@@ -594,7 +594,7 @@
             </a:ln>
             <a:extLst>
               <a:ext uri="{91240B29-F687-4f45-9708-019B960494DF}">
-                <a14:hiddenLine xmlns:a14="http://schemas.microsoft.com/office/drawing/2010/main" xmlns="" w="9525">
+                <a14:hiddenLine xmlns="" xmlns:a14="http://schemas.microsoft.com/office/drawing/2010/main" w="9525">
                   <a:solidFill>
                     <a:srgbClr val="000000"/>
                   </a:solidFill>
@@ -656,7 +656,7 @@
             </a:ln>
             <a:extLst>
               <a:ext uri="{91240B29-F687-4f45-9708-019B960494DF}">
-                <a14:hiddenLine xmlns:a14="http://schemas.microsoft.com/office/drawing/2010/main" xmlns="" w="9525">
+                <a14:hiddenLine xmlns="" xmlns:a14="http://schemas.microsoft.com/office/drawing/2010/main" w="9525">
                   <a:solidFill>
                     <a:srgbClr val="000000"/>
                   </a:solidFill>
@@ -746,7 +746,7 @@
             </a:ln>
             <a:extLst>
               <a:ext uri="{91240B29-F687-4f45-9708-019B960494DF}">
-                <a14:hiddenLine xmlns:a14="http://schemas.microsoft.com/office/drawing/2010/main" xmlns="" w="9525">
+                <a14:hiddenLine xmlns="" xmlns:a14="http://schemas.microsoft.com/office/drawing/2010/main" w="9525">
                   <a:solidFill>
                     <a:srgbClr val="000000"/>
                   </a:solidFill>
@@ -808,7 +808,7 @@
             </a:ln>
             <a:extLst>
               <a:ext uri="{91240B29-F687-4f45-9708-019B960494DF}">
-                <a14:hiddenLine xmlns:a14="http://schemas.microsoft.com/office/drawing/2010/main" xmlns="" w="9525">
+                <a14:hiddenLine xmlns="" xmlns:a14="http://schemas.microsoft.com/office/drawing/2010/main" w="9525">
                   <a:solidFill>
                     <a:srgbClr val="000000"/>
                   </a:solidFill>
@@ -870,7 +870,7 @@
             </a:ln>
             <a:extLst>
               <a:ext uri="{91240B29-F687-4f45-9708-019B960494DF}">
-                <a14:hiddenLine xmlns:a14="http://schemas.microsoft.com/office/drawing/2010/main" xmlns="" w="9525">
+                <a14:hiddenLine xmlns="" xmlns:a14="http://schemas.microsoft.com/office/drawing/2010/main" w="9525">
                   <a:solidFill>
                     <a:srgbClr val="000000"/>
                   </a:solidFill>
@@ -960,7 +960,7 @@
             </a:ln>
             <a:extLst>
               <a:ext uri="{91240B29-F687-4f45-9708-019B960494DF}">
-                <a14:hiddenLine xmlns:a14="http://schemas.microsoft.com/office/drawing/2010/main" xmlns="" w="9525">
+                <a14:hiddenLine xmlns="" xmlns:a14="http://schemas.microsoft.com/office/drawing/2010/main" w="9525">
                   <a:solidFill>
                     <a:srgbClr val="000000"/>
                   </a:solidFill>
@@ -1050,7 +1050,7 @@
             </a:ln>
             <a:extLst>
               <a:ext uri="{91240B29-F687-4f45-9708-019B960494DF}">
-                <a14:hiddenLine xmlns:a14="http://schemas.microsoft.com/office/drawing/2010/main" xmlns="" w="9525">
+                <a14:hiddenLine xmlns="" xmlns:a14="http://schemas.microsoft.com/office/drawing/2010/main" w="9525">
                   <a:solidFill>
                     <a:srgbClr val="000000"/>
                   </a:solidFill>
@@ -1112,7 +1112,7 @@
             </a:ln>
             <a:extLst>
               <a:ext uri="{91240B29-F687-4f45-9708-019B960494DF}">
-                <a14:hiddenLine xmlns:a14="http://schemas.microsoft.com/office/drawing/2010/main" xmlns="" w="9525">
+                <a14:hiddenLine xmlns="" xmlns:a14="http://schemas.microsoft.com/office/drawing/2010/main" w="9525">
                   <a:solidFill>
                     <a:srgbClr val="000000"/>
                   </a:solidFill>
@@ -1222,7 +1222,7 @@
             </a:ln>
             <a:extLst>
               <a:ext uri="{91240B29-F687-4f45-9708-019B960494DF}">
-                <a14:hiddenLine xmlns:a14="http://schemas.microsoft.com/office/drawing/2010/main" xmlns="" w="9525">
+                <a14:hiddenLine xmlns="" xmlns:a14="http://schemas.microsoft.com/office/drawing/2010/main" w="9525">
                   <a:solidFill>
                     <a:srgbClr val="000000"/>
                   </a:solidFill>
@@ -1284,7 +1284,7 @@
             </a:ln>
             <a:extLst>
               <a:ext uri="{91240B29-F687-4f45-9708-019B960494DF}">
-                <a14:hiddenLine xmlns:a14="http://schemas.microsoft.com/office/drawing/2010/main" xmlns="" w="9525">
+                <a14:hiddenLine xmlns="" xmlns:a14="http://schemas.microsoft.com/office/drawing/2010/main" w="9525">
                   <a:solidFill>
                     <a:srgbClr val="000000"/>
                   </a:solidFill>
@@ -1374,7 +1374,7 @@
             </a:ln>
             <a:extLst>
               <a:ext uri="{91240B29-F687-4f45-9708-019B960494DF}">
-                <a14:hiddenLine xmlns:a14="http://schemas.microsoft.com/office/drawing/2010/main" xmlns="" w="9525">
+                <a14:hiddenLine xmlns="" xmlns:a14="http://schemas.microsoft.com/office/drawing/2010/main" w="9525">
                   <a:solidFill>
                     <a:srgbClr val="000000"/>
                   </a:solidFill>
@@ -1464,7 +1464,7 @@
             </a:ln>
             <a:extLst>
               <a:ext uri="{91240B29-F687-4f45-9708-019B960494DF}">
-                <a14:hiddenLine xmlns:a14="http://schemas.microsoft.com/office/drawing/2010/main" xmlns="" w="9525">
+                <a14:hiddenLine xmlns="" xmlns:a14="http://schemas.microsoft.com/office/drawing/2010/main" w="9525">
                   <a:solidFill>
                     <a:srgbClr val="000000"/>
                   </a:solidFill>
@@ -1526,7 +1526,7 @@
             </a:ln>
             <a:extLst>
               <a:ext uri="{91240B29-F687-4f45-9708-019B960494DF}">
-                <a14:hiddenLine xmlns:a14="http://schemas.microsoft.com/office/drawing/2010/main" xmlns="" w="9525">
+                <a14:hiddenLine xmlns="" xmlns:a14="http://schemas.microsoft.com/office/drawing/2010/main" w="9525">
                   <a:solidFill>
                     <a:srgbClr val="000000"/>
                   </a:solidFill>
@@ -1616,7 +1616,7 @@
             </a:ln>
             <a:extLst>
               <a:ext uri="{91240B29-F687-4f45-9708-019B960494DF}">
-                <a14:hiddenLine xmlns:a14="http://schemas.microsoft.com/office/drawing/2010/main" xmlns="" w="9525">
+                <a14:hiddenLine xmlns="" xmlns:a14="http://schemas.microsoft.com/office/drawing/2010/main" w="9525">
                   <a:solidFill>
                     <a:srgbClr val="000000"/>
                   </a:solidFill>
@@ -1706,7 +1706,7 @@
             </a:ln>
             <a:extLst>
               <a:ext uri="{91240B29-F687-4f45-9708-019B960494DF}">
-                <a14:hiddenLine xmlns:a14="http://schemas.microsoft.com/office/drawing/2010/main" xmlns="" w="9525">
+                <a14:hiddenLine xmlns="" xmlns:a14="http://schemas.microsoft.com/office/drawing/2010/main" w="9525">
                   <a:solidFill>
                     <a:srgbClr val="000000"/>
                   </a:solidFill>
@@ -1762,7 +1762,7 @@
             </a:ln>
             <a:extLst>
               <a:ext uri="{91240B29-F687-4f45-9708-019B960494DF}">
-                <a14:hiddenLine xmlns:a14="http://schemas.microsoft.com/office/drawing/2010/main" xmlns="" w="9525">
+                <a14:hiddenLine xmlns="" xmlns:a14="http://schemas.microsoft.com/office/drawing/2010/main" w="9525">
                   <a:solidFill>
                     <a:srgbClr val="000000"/>
                   </a:solidFill>
@@ -1852,7 +1852,7 @@
             </a:ln>
             <a:extLst>
               <a:ext uri="{91240B29-F687-4f45-9708-019B960494DF}">
-                <a14:hiddenLine xmlns:a14="http://schemas.microsoft.com/office/drawing/2010/main" xmlns="" w="9525">
+                <a14:hiddenLine xmlns="" xmlns:a14="http://schemas.microsoft.com/office/drawing/2010/main" w="9525">
                   <a:solidFill>
                     <a:srgbClr val="000000"/>
                   </a:solidFill>
@@ -1908,7 +1908,7 @@
             </a:ln>
             <a:extLst>
               <a:ext uri="{91240B29-F687-4f45-9708-019B960494DF}">
-                <a14:hiddenLine xmlns:a14="http://schemas.microsoft.com/office/drawing/2010/main" xmlns="" w="9525">
+                <a14:hiddenLine xmlns="" xmlns:a14="http://schemas.microsoft.com/office/drawing/2010/main" w="9525">
                   <a:solidFill>
                     <a:srgbClr val="000000"/>
                   </a:solidFill>
@@ -1998,7 +1998,7 @@
             </a:ln>
             <a:extLst>
               <a:ext uri="{91240B29-F687-4f45-9708-019B960494DF}">
-                <a14:hiddenLine xmlns:a14="http://schemas.microsoft.com/office/drawing/2010/main" xmlns="" w="9525">
+                <a14:hiddenLine xmlns="" xmlns:a14="http://schemas.microsoft.com/office/drawing/2010/main" w="9525">
                   <a:solidFill>
                     <a:srgbClr val="000000"/>
                   </a:solidFill>
@@ -2066,7 +2066,7 @@
             </a:ln>
             <a:extLst>
               <a:ext uri="{91240B29-F687-4f45-9708-019B960494DF}">
-                <a14:hiddenLine xmlns:a14="http://schemas.microsoft.com/office/drawing/2010/main" xmlns="" w="9525">
+                <a14:hiddenLine xmlns="" xmlns:a14="http://schemas.microsoft.com/office/drawing/2010/main" w="9525">
                   <a:solidFill>
                     <a:srgbClr val="000000"/>
                   </a:solidFill>
@@ -2156,7 +2156,7 @@
             </a:ln>
             <a:extLst>
               <a:ext uri="{91240B29-F687-4f45-9708-019B960494DF}">
-                <a14:hiddenLine xmlns:a14="http://schemas.microsoft.com/office/drawing/2010/main" xmlns="" w="9525">
+                <a14:hiddenLine xmlns="" xmlns:a14="http://schemas.microsoft.com/office/drawing/2010/main" w="9525">
                   <a:solidFill>
                     <a:srgbClr val="000000"/>
                   </a:solidFill>
@@ -2224,7 +2224,7 @@
             </a:ln>
             <a:extLst>
               <a:ext uri="{91240B29-F687-4f45-9708-019B960494DF}">
-                <a14:hiddenLine xmlns:a14="http://schemas.microsoft.com/office/drawing/2010/main" xmlns="" w="9525">
+                <a14:hiddenLine xmlns="" xmlns:a14="http://schemas.microsoft.com/office/drawing/2010/main" w="9525">
                   <a:solidFill>
                     <a:srgbClr val="000000"/>
                   </a:solidFill>
@@ -2314,7 +2314,7 @@
             </a:ln>
             <a:extLst>
               <a:ext uri="{91240B29-F687-4f45-9708-019B960494DF}">
-                <a14:hiddenLine xmlns:a14="http://schemas.microsoft.com/office/drawing/2010/main" xmlns="" w="9525">
+                <a14:hiddenLine xmlns="" xmlns:a14="http://schemas.microsoft.com/office/drawing/2010/main" w="9525">
                   <a:solidFill>
                     <a:srgbClr val="000000"/>
                   </a:solidFill>
@@ -2348,7 +2348,7 @@
             </a:ln>
             <a:extLst>
               <a:ext uri="{91240B29-F687-4f45-9708-019B960494DF}">
-                <a14:hiddenLine xmlns:a14="http://schemas.microsoft.com/office/drawing/2010/main" xmlns="" w="9525">
+                <a14:hiddenLine xmlns="" xmlns:a14="http://schemas.microsoft.com/office/drawing/2010/main" w="9525">
                   <a:solidFill>
                     <a:srgbClr val="000000"/>
                   </a:solidFill>
@@ -2438,7 +2438,7 @@
             </a:ln>
             <a:extLst>
               <a:ext uri="{91240B29-F687-4f45-9708-019B960494DF}">
-                <a14:hiddenLine xmlns:a14="http://schemas.microsoft.com/office/drawing/2010/main" xmlns="" w="9525">
+                <a14:hiddenLine xmlns="" xmlns:a14="http://schemas.microsoft.com/office/drawing/2010/main" w="9525">
                   <a:solidFill>
                     <a:srgbClr val="000000"/>
                   </a:solidFill>
@@ -2500,7 +2500,7 @@
             </a:ln>
             <a:extLst>
               <a:ext uri="{91240B29-F687-4f45-9708-019B960494DF}">
-                <a14:hiddenLine xmlns:a14="http://schemas.microsoft.com/office/drawing/2010/main" xmlns="" w="9525">
+                <a14:hiddenLine xmlns="" xmlns:a14="http://schemas.microsoft.com/office/drawing/2010/main" w="9525">
                   <a:solidFill>
                     <a:srgbClr val="000000"/>
                   </a:solidFill>
@@ -2562,7 +2562,7 @@
             </a:ln>
             <a:extLst>
               <a:ext uri="{91240B29-F687-4f45-9708-019B960494DF}">
-                <a14:hiddenLine xmlns:a14="http://schemas.microsoft.com/office/drawing/2010/main" xmlns="" w="9525">
+                <a14:hiddenLine xmlns="" xmlns:a14="http://schemas.microsoft.com/office/drawing/2010/main" w="9525">
                   <a:solidFill>
                     <a:srgbClr val="000000"/>
                   </a:solidFill>
@@ -2652,7 +2652,7 @@
             </a:ln>
             <a:extLst>
               <a:ext uri="{91240B29-F687-4f45-9708-019B960494DF}">
-                <a14:hiddenLine xmlns:a14="http://schemas.microsoft.com/office/drawing/2010/main" xmlns="" w="9525">
+                <a14:hiddenLine xmlns="" xmlns:a14="http://schemas.microsoft.com/office/drawing/2010/main" w="9525">
                   <a:solidFill>
                     <a:srgbClr val="000000"/>
                   </a:solidFill>
@@ -2720,7 +2720,7 @@
             </a:ln>
             <a:extLst>
               <a:ext uri="{91240B29-F687-4f45-9708-019B960494DF}">
-                <a14:hiddenLine xmlns:a14="http://schemas.microsoft.com/office/drawing/2010/main" xmlns="" w="9525">
+                <a14:hiddenLine xmlns="" xmlns:a14="http://schemas.microsoft.com/office/drawing/2010/main" w="9525">
                   <a:solidFill>
                     <a:srgbClr val="000000"/>
                   </a:solidFill>
@@ -2782,7 +2782,7 @@
             </a:ln>
             <a:extLst>
               <a:ext uri="{91240B29-F687-4f45-9708-019B960494DF}">
-                <a14:hiddenLine xmlns:a14="http://schemas.microsoft.com/office/drawing/2010/main" xmlns="" w="9525">
+                <a14:hiddenLine xmlns="" xmlns:a14="http://schemas.microsoft.com/office/drawing/2010/main" w="9525">
                   <a:solidFill>
                     <a:srgbClr val="000000"/>
                   </a:solidFill>
@@ -2872,7 +2872,7 @@
             </a:ln>
             <a:extLst>
               <a:ext uri="{91240B29-F687-4f45-9708-019B960494DF}">
-                <a14:hiddenLine xmlns:a14="http://schemas.microsoft.com/office/drawing/2010/main" xmlns="" w="9525">
+                <a14:hiddenLine xmlns="" xmlns:a14="http://schemas.microsoft.com/office/drawing/2010/main" w="9525">
                   <a:solidFill>
                     <a:srgbClr val="000000"/>
                   </a:solidFill>
@@ -2934,7 +2934,7 @@
             </a:ln>
             <a:extLst>
               <a:ext uri="{91240B29-F687-4f45-9708-019B960494DF}">
-                <a14:hiddenLine xmlns:a14="http://schemas.microsoft.com/office/drawing/2010/main" xmlns="" w="9525">
+                <a14:hiddenLine xmlns="" xmlns:a14="http://schemas.microsoft.com/office/drawing/2010/main" w="9525">
                   <a:solidFill>
                     <a:srgbClr val="000000"/>
                   </a:solidFill>
@@ -3024,7 +3024,7 @@
             </a:ln>
             <a:extLst>
               <a:ext uri="{91240B29-F687-4f45-9708-019B960494DF}">
-                <a14:hiddenLine xmlns:a14="http://schemas.microsoft.com/office/drawing/2010/main" xmlns="" w="9525">
+                <a14:hiddenLine xmlns="" xmlns:a14="http://schemas.microsoft.com/office/drawing/2010/main" w="9525">
                   <a:solidFill>
                     <a:srgbClr val="000000"/>
                   </a:solidFill>
@@ -3086,7 +3086,7 @@
             </a:ln>
             <a:extLst>
               <a:ext uri="{91240B29-F687-4f45-9708-019B960494DF}">
-                <a14:hiddenLine xmlns:a14="http://schemas.microsoft.com/office/drawing/2010/main" xmlns="" w="9525">
+                <a14:hiddenLine xmlns="" xmlns:a14="http://schemas.microsoft.com/office/drawing/2010/main" w="9525">
                   <a:solidFill>
                     <a:srgbClr val="000000"/>
                   </a:solidFill>
@@ -3176,7 +3176,7 @@
             </a:ln>
             <a:extLst>
               <a:ext uri="{91240B29-F687-4f45-9708-019B960494DF}">
-                <a14:hiddenLine xmlns:a14="http://schemas.microsoft.com/office/drawing/2010/main" xmlns="" w="9525">
+                <a14:hiddenLine xmlns="" xmlns:a14="http://schemas.microsoft.com/office/drawing/2010/main" w="9525">
                   <a:solidFill>
                     <a:srgbClr val="000000"/>
                   </a:solidFill>
@@ -3210,7 +3210,7 @@
             </a:ln>
             <a:extLst>
               <a:ext uri="{91240B29-F687-4f45-9708-019B960494DF}">
-                <a14:hiddenLine xmlns:a14="http://schemas.microsoft.com/office/drawing/2010/main" xmlns="" w="9525">
+                <a14:hiddenLine xmlns="" xmlns:a14="http://schemas.microsoft.com/office/drawing/2010/main" w="9525">
                   <a:solidFill>
                     <a:srgbClr val="000000"/>
                   </a:solidFill>
@@ -3275,7 +3275,7 @@
             </a:ln>
             <a:extLst>
               <a:ext uri="{91240B29-F687-4f45-9708-019B960494DF}">
-                <a14:hiddenLine xmlns:a14="http://schemas.microsoft.com/office/drawing/2010/main" xmlns="" w="9525">
+                <a14:hiddenLine xmlns="" xmlns:a14="http://schemas.microsoft.com/office/drawing/2010/main" w="9525">
                   <a:solidFill>
                     <a:srgbClr val="000000"/>
                   </a:solidFill>
@@ -3365,7 +3365,7 @@
             </a:ln>
             <a:extLst>
               <a:ext uri="{91240B29-F687-4f45-9708-019B960494DF}">
-                <a14:hiddenLine xmlns:a14="http://schemas.microsoft.com/office/drawing/2010/main" xmlns="" w="9525">
+                <a14:hiddenLine xmlns="" xmlns:a14="http://schemas.microsoft.com/office/drawing/2010/main" w="9525">
                   <a:solidFill>
                     <a:srgbClr val="000000"/>
                   </a:solidFill>
@@ -3427,7 +3427,7 @@
             </a:ln>
             <a:extLst>
               <a:ext uri="{91240B29-F687-4f45-9708-019B960494DF}">
-                <a14:hiddenLine xmlns:a14="http://schemas.microsoft.com/office/drawing/2010/main" xmlns="" w="9525">
+                <a14:hiddenLine xmlns="" xmlns:a14="http://schemas.microsoft.com/office/drawing/2010/main" w="9525">
                   <a:solidFill>
                     <a:srgbClr val="000000"/>
                   </a:solidFill>
@@ -3517,7 +3517,7 @@
             </a:ln>
             <a:extLst>
               <a:ext uri="{91240B29-F687-4f45-9708-019B960494DF}">
-                <a14:hiddenLine xmlns:a14="http://schemas.microsoft.com/office/drawing/2010/main" xmlns="" w="9525">
+                <a14:hiddenLine xmlns="" xmlns:a14="http://schemas.microsoft.com/office/drawing/2010/main" w="9525">
                   <a:solidFill>
                     <a:srgbClr val="000000"/>
                   </a:solidFill>
@@ -3607,7 +3607,7 @@
             </a:ln>
             <a:extLst>
               <a:ext uri="{91240B29-F687-4f45-9708-019B960494DF}">
-                <a14:hiddenLine xmlns:a14="http://schemas.microsoft.com/office/drawing/2010/main" xmlns="" w="9525">
+                <a14:hiddenLine xmlns="" xmlns:a14="http://schemas.microsoft.com/office/drawing/2010/main" w="9525">
                   <a:solidFill>
                     <a:srgbClr val="000000"/>
                   </a:solidFill>
@@ -3672,7 +3672,7 @@
             </a:ln>
             <a:extLst>
               <a:ext uri="{91240B29-F687-4f45-9708-019B960494DF}">
-                <a14:hiddenLine xmlns:a14="http://schemas.microsoft.com/office/drawing/2010/main" xmlns="" w="9525">
+                <a14:hiddenLine xmlns="" xmlns:a14="http://schemas.microsoft.com/office/drawing/2010/main" w="9525">
                   <a:solidFill>
                     <a:srgbClr val="000000"/>
                   </a:solidFill>
@@ -3734,7 +3734,7 @@
             </a:ln>
             <a:extLst>
               <a:ext uri="{91240B29-F687-4f45-9708-019B960494DF}">
-                <a14:hiddenLine xmlns:a14="http://schemas.microsoft.com/office/drawing/2010/main" xmlns="" w="9525">
+                <a14:hiddenLine xmlns="" xmlns:a14="http://schemas.microsoft.com/office/drawing/2010/main" w="9525">
                   <a:solidFill>
                     <a:srgbClr val="000000"/>
                   </a:solidFill>
@@ -3824,7 +3824,7 @@
             </a:ln>
             <a:extLst>
               <a:ext uri="{91240B29-F687-4f45-9708-019B960494DF}">
-                <a14:hiddenLine xmlns:a14="http://schemas.microsoft.com/office/drawing/2010/main" xmlns="" w="9525">
+                <a14:hiddenLine xmlns="" xmlns:a14="http://schemas.microsoft.com/office/drawing/2010/main" w="9525">
                   <a:solidFill>
                     <a:srgbClr val="000000"/>
                   </a:solidFill>
@@ -3914,7 +3914,7 @@
             </a:ln>
             <a:extLst>
               <a:ext uri="{91240B29-F687-4f45-9708-019B960494DF}">
-                <a14:hiddenLine xmlns:a14="http://schemas.microsoft.com/office/drawing/2010/main" xmlns="" w="9525">
+                <a14:hiddenLine xmlns="" xmlns:a14="http://schemas.microsoft.com/office/drawing/2010/main" w="9525">
                   <a:solidFill>
                     <a:srgbClr val="000000"/>
                   </a:solidFill>
@@ -3976,7 +3976,7 @@
             </a:ln>
             <a:extLst>
               <a:ext uri="{91240B29-F687-4f45-9708-019B960494DF}">
-                <a14:hiddenLine xmlns:a14="http://schemas.microsoft.com/office/drawing/2010/main" xmlns="" w="9525">
+                <a14:hiddenLine xmlns="" xmlns:a14="http://schemas.microsoft.com/office/drawing/2010/main" w="9525">
                   <a:solidFill>
                     <a:srgbClr val="000000"/>
                   </a:solidFill>
@@ -4096,7 +4096,7 @@
             </a:ln>
             <a:extLst>
               <a:ext uri="{91240B29-F687-4f45-9708-019B960494DF}">
-                <a14:hiddenLine xmlns:a14="http://schemas.microsoft.com/office/drawing/2010/main" xmlns="" w="9525">
+                <a14:hiddenLine xmlns="" xmlns:a14="http://schemas.microsoft.com/office/drawing/2010/main" w="9525">
                   <a:solidFill>
                     <a:srgbClr val="000000"/>
                   </a:solidFill>
@@ -4164,7 +4164,7 @@
             </a:ln>
             <a:extLst>
               <a:ext uri="{91240B29-F687-4f45-9708-019B960494DF}">
-                <a14:hiddenLine xmlns:a14="http://schemas.microsoft.com/office/drawing/2010/main" xmlns="" w="9525">
+                <a14:hiddenLine xmlns="" xmlns:a14="http://schemas.microsoft.com/office/drawing/2010/main" w="9525">
                   <a:solidFill>
                     <a:srgbClr val="000000"/>
                   </a:solidFill>
@@ -4254,7 +4254,7 @@
             </a:ln>
             <a:extLst>
               <a:ext uri="{91240B29-F687-4f45-9708-019B960494DF}">
-                <a14:hiddenLine xmlns:a14="http://schemas.microsoft.com/office/drawing/2010/main" xmlns="" w="9525">
+                <a14:hiddenLine xmlns="" xmlns:a14="http://schemas.microsoft.com/office/drawing/2010/main" w="9525">
                   <a:solidFill>
                     <a:srgbClr val="000000"/>
                   </a:solidFill>
@@ -4394,7 +4394,7 @@
           <a:p>
             <a:fld id="{3B57195E-6F70-4CDB-8628-8204974371BE}" type="datetimeFigureOut">
               <a:rPr lang="fr-FR" smtClean="0"/>
-              <a:t>11/02/2019</a:t>
+              <a:t>04/03/2019</a:t>
             </a:fld>
             <a:endParaRPr lang="fr-FR"/>
           </a:p>
@@ -4661,7 +4661,7 @@
           <a:p>
             <a:fld id="{3B57195E-6F70-4CDB-8628-8204974371BE}" type="datetimeFigureOut">
               <a:rPr lang="fr-FR" smtClean="0"/>
-              <a:t>11/02/2019</a:t>
+              <a:t>04/03/2019</a:t>
             </a:fld>
             <a:endParaRPr lang="fr-FR"/>
           </a:p>
@@ -4857,7 +4857,7 @@
           <a:p>
             <a:fld id="{3B57195E-6F70-4CDB-8628-8204974371BE}" type="datetimeFigureOut">
               <a:rPr lang="fr-FR" smtClean="0"/>
-              <a:t>11/02/2019</a:t>
+              <a:t>04/03/2019</a:t>
             </a:fld>
             <a:endParaRPr lang="fr-FR"/>
           </a:p>
@@ -5120,7 +5120,7 @@
           <a:p>
             <a:fld id="{3B57195E-6F70-4CDB-8628-8204974371BE}" type="datetimeFigureOut">
               <a:rPr lang="fr-FR" smtClean="0"/>
-              <a:t>11/02/2019</a:t>
+              <a:t>04/03/2019</a:t>
             </a:fld>
             <a:endParaRPr lang="fr-FR"/>
           </a:p>
@@ -5554,7 +5554,7 @@
           <a:p>
             <a:fld id="{3B57195E-6F70-4CDB-8628-8204974371BE}" type="datetimeFigureOut">
               <a:rPr lang="fr-FR" smtClean="0"/>
-              <a:t>11/02/2019</a:t>
+              <a:t>04/03/2019</a:t>
             </a:fld>
             <a:endParaRPr lang="fr-FR"/>
           </a:p>
@@ -6100,7 +6100,7 @@
           <a:p>
             <a:fld id="{3B57195E-6F70-4CDB-8628-8204974371BE}" type="datetimeFigureOut">
               <a:rPr lang="fr-FR" smtClean="0"/>
-              <a:t>11/02/2019</a:t>
+              <a:t>04/03/2019</a:t>
             </a:fld>
             <a:endParaRPr lang="fr-FR"/>
           </a:p>
@@ -6820,7 +6820,7 @@
           <a:p>
             <a:fld id="{3B57195E-6F70-4CDB-8628-8204974371BE}" type="datetimeFigureOut">
               <a:rPr lang="fr-FR" smtClean="0"/>
-              <a:t>11/02/2019</a:t>
+              <a:t>04/03/2019</a:t>
             </a:fld>
             <a:endParaRPr lang="fr-FR"/>
           </a:p>
@@ -6990,7 +6990,7 @@
           <a:p>
             <a:fld id="{3B57195E-6F70-4CDB-8628-8204974371BE}" type="datetimeFigureOut">
               <a:rPr lang="fr-FR" smtClean="0"/>
-              <a:t>11/02/2019</a:t>
+              <a:t>04/03/2019</a:t>
             </a:fld>
             <a:endParaRPr lang="fr-FR"/>
           </a:p>
@@ -7170,7 +7170,7 @@
           <a:p>
             <a:fld id="{3B57195E-6F70-4CDB-8628-8204974371BE}" type="datetimeFigureOut">
               <a:rPr lang="fr-FR" smtClean="0"/>
-              <a:t>11/02/2019</a:t>
+              <a:t>04/03/2019</a:t>
             </a:fld>
             <a:endParaRPr lang="fr-FR"/>
           </a:p>
@@ -7340,7 +7340,7 @@
           <a:p>
             <a:fld id="{3B57195E-6F70-4CDB-8628-8204974371BE}" type="datetimeFigureOut">
               <a:rPr lang="fr-FR" smtClean="0"/>
-              <a:t>11/02/2019</a:t>
+              <a:t>04/03/2019</a:t>
             </a:fld>
             <a:endParaRPr lang="fr-FR"/>
           </a:p>
@@ -7590,7 +7590,7 @@
           <a:p>
             <a:fld id="{3B57195E-6F70-4CDB-8628-8204974371BE}" type="datetimeFigureOut">
               <a:rPr lang="fr-FR" smtClean="0"/>
-              <a:t>11/02/2019</a:t>
+              <a:t>04/03/2019</a:t>
             </a:fld>
             <a:endParaRPr lang="fr-FR"/>
           </a:p>
@@ -7822,7 +7822,7 @@
           <a:p>
             <a:fld id="{3B57195E-6F70-4CDB-8628-8204974371BE}" type="datetimeFigureOut">
               <a:rPr lang="fr-FR" smtClean="0"/>
-              <a:t>11/02/2019</a:t>
+              <a:t>04/03/2019</a:t>
             </a:fld>
             <a:endParaRPr lang="fr-FR"/>
           </a:p>
@@ -8203,7 +8203,7 @@
           <a:p>
             <a:fld id="{3B57195E-6F70-4CDB-8628-8204974371BE}" type="datetimeFigureOut">
               <a:rPr lang="fr-FR" smtClean="0"/>
-              <a:t>11/02/2019</a:t>
+              <a:t>04/03/2019</a:t>
             </a:fld>
             <a:endParaRPr lang="fr-FR"/>
           </a:p>
@@ -8321,7 +8321,7 @@
           <a:p>
             <a:fld id="{3B57195E-6F70-4CDB-8628-8204974371BE}" type="datetimeFigureOut">
               <a:rPr lang="fr-FR" smtClean="0"/>
-              <a:t>11/02/2019</a:t>
+              <a:t>04/03/2019</a:t>
             </a:fld>
             <a:endParaRPr lang="fr-FR"/>
           </a:p>
@@ -8416,7 +8416,7 @@
           <a:p>
             <a:fld id="{3B57195E-6F70-4CDB-8628-8204974371BE}" type="datetimeFigureOut">
               <a:rPr lang="fr-FR" smtClean="0"/>
-              <a:t>11/02/2019</a:t>
+              <a:t>04/03/2019</a:t>
             </a:fld>
             <a:endParaRPr lang="fr-FR"/>
           </a:p>
@@ -8665,7 +8665,7 @@
           <a:p>
             <a:fld id="{3B57195E-6F70-4CDB-8628-8204974371BE}" type="datetimeFigureOut">
               <a:rPr lang="fr-FR" smtClean="0"/>
-              <a:t>11/02/2019</a:t>
+              <a:t>04/03/2019</a:t>
             </a:fld>
             <a:endParaRPr lang="fr-FR"/>
           </a:p>
@@ -8945,7 +8945,7 @@
           <a:p>
             <a:fld id="{3B57195E-6F70-4CDB-8628-8204974371BE}" type="datetimeFigureOut">
               <a:rPr lang="fr-FR" smtClean="0"/>
-              <a:t>11/02/2019</a:t>
+              <a:t>04/03/2019</a:t>
             </a:fld>
             <a:endParaRPr lang="fr-FR"/>
           </a:p>
@@ -9061,7 +9061,7 @@
           <a:noFill/>
           <a:extLst>
             <a:ext uri="{909E8E84-426E-40dd-AFC4-6F175D3DCCD1}">
-              <a14:hiddenFill xmlns:a14="http://schemas.microsoft.com/office/drawing/2010/main" xmlns="">
+              <a14:hiddenFill xmlns="" xmlns:a14="http://schemas.microsoft.com/office/drawing/2010/main">
                 <a:solidFill>
                   <a:srgbClr val="FFFFFF"/>
                 </a:solidFill>
@@ -9135,7 +9135,7 @@
               </a:ln>
               <a:extLst>
                 <a:ext uri="{91240B29-F687-4f45-9708-019B960494DF}">
-                  <a14:hiddenLine xmlns:a14="http://schemas.microsoft.com/office/drawing/2010/main" xmlns="" w="9525">
+                  <a14:hiddenLine xmlns="" xmlns:a14="http://schemas.microsoft.com/office/drawing/2010/main" w="9525">
                     <a:solidFill>
                       <a:srgbClr val="000000"/>
                     </a:solidFill>
@@ -9225,7 +9225,7 @@
               </a:ln>
               <a:extLst>
                 <a:ext uri="{91240B29-F687-4f45-9708-019B960494DF}">
-                  <a14:hiddenLine xmlns:a14="http://schemas.microsoft.com/office/drawing/2010/main" xmlns="" w="9525">
+                  <a14:hiddenLine xmlns="" xmlns:a14="http://schemas.microsoft.com/office/drawing/2010/main" w="9525">
                     <a:solidFill>
                       <a:srgbClr val="000000"/>
                     </a:solidFill>
@@ -9315,7 +9315,7 @@
               </a:ln>
               <a:extLst>
                 <a:ext uri="{91240B29-F687-4f45-9708-019B960494DF}">
-                  <a14:hiddenLine xmlns:a14="http://schemas.microsoft.com/office/drawing/2010/main" xmlns="" w="9525">
+                  <a14:hiddenLine xmlns="" xmlns:a14="http://schemas.microsoft.com/office/drawing/2010/main" w="9525">
                     <a:solidFill>
                       <a:srgbClr val="000000"/>
                     </a:solidFill>
@@ -9377,7 +9377,7 @@
               </a:ln>
               <a:extLst>
                 <a:ext uri="{91240B29-F687-4f45-9708-019B960494DF}">
-                  <a14:hiddenLine xmlns:a14="http://schemas.microsoft.com/office/drawing/2010/main" xmlns="" w="9525">
+                  <a14:hiddenLine xmlns="" xmlns:a14="http://schemas.microsoft.com/office/drawing/2010/main" w="9525">
                     <a:solidFill>
                       <a:srgbClr val="000000"/>
                     </a:solidFill>
@@ -9467,7 +9467,7 @@
               </a:ln>
               <a:extLst>
                 <a:ext uri="{91240B29-F687-4f45-9708-019B960494DF}">
-                  <a14:hiddenLine xmlns:a14="http://schemas.microsoft.com/office/drawing/2010/main" xmlns="" w="9525">
+                  <a14:hiddenLine xmlns="" xmlns:a14="http://schemas.microsoft.com/office/drawing/2010/main" w="9525">
                     <a:solidFill>
                       <a:srgbClr val="000000"/>
                     </a:solidFill>
@@ -9529,7 +9529,7 @@
               </a:ln>
               <a:extLst>
                 <a:ext uri="{91240B29-F687-4f45-9708-019B960494DF}">
-                  <a14:hiddenLine xmlns:a14="http://schemas.microsoft.com/office/drawing/2010/main" xmlns="" w="9525">
+                  <a14:hiddenLine xmlns="" xmlns:a14="http://schemas.microsoft.com/office/drawing/2010/main" w="9525">
                     <a:solidFill>
                       <a:srgbClr val="000000"/>
                     </a:solidFill>
@@ -9591,7 +9591,7 @@
               </a:ln>
               <a:extLst>
                 <a:ext uri="{91240B29-F687-4f45-9708-019B960494DF}">
-                  <a14:hiddenLine xmlns:a14="http://schemas.microsoft.com/office/drawing/2010/main" xmlns="" w="9525">
+                  <a14:hiddenLine xmlns="" xmlns:a14="http://schemas.microsoft.com/office/drawing/2010/main" w="9525">
                     <a:solidFill>
                       <a:srgbClr val="000000"/>
                     </a:solidFill>
@@ -9681,7 +9681,7 @@
               </a:ln>
               <a:extLst>
                 <a:ext uri="{91240B29-F687-4f45-9708-019B960494DF}">
-                  <a14:hiddenLine xmlns:a14="http://schemas.microsoft.com/office/drawing/2010/main" xmlns="" w="9525">
+                  <a14:hiddenLine xmlns="" xmlns:a14="http://schemas.microsoft.com/office/drawing/2010/main" w="9525">
                     <a:solidFill>
                       <a:srgbClr val="000000"/>
                     </a:solidFill>
@@ -9771,7 +9771,7 @@
               </a:ln>
               <a:extLst>
                 <a:ext uri="{91240B29-F687-4f45-9708-019B960494DF}">
-                  <a14:hiddenLine xmlns:a14="http://schemas.microsoft.com/office/drawing/2010/main" xmlns="" w="9525">
+                  <a14:hiddenLine xmlns="" xmlns:a14="http://schemas.microsoft.com/office/drawing/2010/main" w="9525">
                     <a:solidFill>
                       <a:srgbClr val="000000"/>
                     </a:solidFill>
@@ -9833,7 +9833,7 @@
               </a:ln>
               <a:extLst>
                 <a:ext uri="{91240B29-F687-4f45-9708-019B960494DF}">
-                  <a14:hiddenLine xmlns:a14="http://schemas.microsoft.com/office/drawing/2010/main" xmlns="" w="9525">
+                  <a14:hiddenLine xmlns="" xmlns:a14="http://schemas.microsoft.com/office/drawing/2010/main" w="9525">
                     <a:solidFill>
                       <a:srgbClr val="000000"/>
                     </a:solidFill>
@@ -9943,7 +9943,7 @@
               </a:ln>
               <a:extLst>
                 <a:ext uri="{91240B29-F687-4f45-9708-019B960494DF}">
-                  <a14:hiddenLine xmlns:a14="http://schemas.microsoft.com/office/drawing/2010/main" xmlns="" w="9525">
+                  <a14:hiddenLine xmlns="" xmlns:a14="http://schemas.microsoft.com/office/drawing/2010/main" w="9525">
                     <a:solidFill>
                       <a:srgbClr val="000000"/>
                     </a:solidFill>
@@ -10027,7 +10027,7 @@
               </a:ln>
               <a:extLst>
                 <a:ext uri="{91240B29-F687-4f45-9708-019B960494DF}">
-                  <a14:hiddenLine xmlns:a14="http://schemas.microsoft.com/office/drawing/2010/main" xmlns="" w="9525">
+                  <a14:hiddenLine xmlns="" xmlns:a14="http://schemas.microsoft.com/office/drawing/2010/main" w="9525">
                     <a:solidFill>
                       <a:srgbClr val="000000"/>
                     </a:solidFill>
@@ -10089,7 +10089,7 @@
               </a:ln>
               <a:extLst>
                 <a:ext uri="{91240B29-F687-4f45-9708-019B960494DF}">
-                  <a14:hiddenLine xmlns:a14="http://schemas.microsoft.com/office/drawing/2010/main" xmlns="" w="9525">
+                  <a14:hiddenLine xmlns="" xmlns:a14="http://schemas.microsoft.com/office/drawing/2010/main" w="9525">
                     <a:solidFill>
                       <a:srgbClr val="000000"/>
                     </a:solidFill>
@@ -10151,7 +10151,7 @@
               </a:ln>
               <a:extLst>
                 <a:ext uri="{91240B29-F687-4f45-9708-019B960494DF}">
-                  <a14:hiddenLine xmlns:a14="http://schemas.microsoft.com/office/drawing/2010/main" xmlns="" w="9525">
+                  <a14:hiddenLine xmlns="" xmlns:a14="http://schemas.microsoft.com/office/drawing/2010/main" w="9525">
                     <a:solidFill>
                       <a:srgbClr val="000000"/>
                     </a:solidFill>
@@ -10241,7 +10241,7 @@
               </a:ln>
               <a:extLst>
                 <a:ext uri="{91240B29-F687-4f45-9708-019B960494DF}">
-                  <a14:hiddenLine xmlns:a14="http://schemas.microsoft.com/office/drawing/2010/main" xmlns="" w="9525">
+                  <a14:hiddenLine xmlns="" xmlns:a14="http://schemas.microsoft.com/office/drawing/2010/main" w="9525">
                     <a:solidFill>
                       <a:srgbClr val="000000"/>
                     </a:solidFill>
@@ -10275,7 +10275,7 @@
               </a:ln>
               <a:extLst>
                 <a:ext uri="{91240B29-F687-4f45-9708-019B960494DF}">
-                  <a14:hiddenLine xmlns:a14="http://schemas.microsoft.com/office/drawing/2010/main" xmlns="" w="9525">
+                  <a14:hiddenLine xmlns="" xmlns:a14="http://schemas.microsoft.com/office/drawing/2010/main" w="9525">
                     <a:solidFill>
                       <a:srgbClr val="000000"/>
                     </a:solidFill>
@@ -10340,7 +10340,7 @@
               </a:ln>
               <a:extLst>
                 <a:ext uri="{91240B29-F687-4f45-9708-019B960494DF}">
-                  <a14:hiddenLine xmlns:a14="http://schemas.microsoft.com/office/drawing/2010/main" xmlns="" w="9525">
+                  <a14:hiddenLine xmlns="" xmlns:a14="http://schemas.microsoft.com/office/drawing/2010/main" w="9525">
                     <a:solidFill>
                       <a:srgbClr val="000000"/>
                     </a:solidFill>
@@ -10430,7 +10430,7 @@
               </a:ln>
               <a:extLst>
                 <a:ext uri="{91240B29-F687-4f45-9708-019B960494DF}">
-                  <a14:hiddenLine xmlns:a14="http://schemas.microsoft.com/office/drawing/2010/main" xmlns="" w="9525">
+                  <a14:hiddenLine xmlns="" xmlns:a14="http://schemas.microsoft.com/office/drawing/2010/main" w="9525">
                     <a:solidFill>
                       <a:srgbClr val="000000"/>
                     </a:solidFill>
@@ -10492,7 +10492,7 @@
               </a:ln>
               <a:extLst>
                 <a:ext uri="{91240B29-F687-4f45-9708-019B960494DF}">
-                  <a14:hiddenLine xmlns:a14="http://schemas.microsoft.com/office/drawing/2010/main" xmlns="" w="9525">
+                  <a14:hiddenLine xmlns="" xmlns:a14="http://schemas.microsoft.com/office/drawing/2010/main" w="9525">
                     <a:solidFill>
                       <a:srgbClr val="000000"/>
                     </a:solidFill>
@@ -10582,7 +10582,7 @@
               </a:ln>
               <a:extLst>
                 <a:ext uri="{91240B29-F687-4f45-9708-019B960494DF}">
-                  <a14:hiddenLine xmlns:a14="http://schemas.microsoft.com/office/drawing/2010/main" xmlns="" w="9525">
+                  <a14:hiddenLine xmlns="" xmlns:a14="http://schemas.microsoft.com/office/drawing/2010/main" w="9525">
                     <a:solidFill>
                       <a:srgbClr val="000000"/>
                     </a:solidFill>
@@ -10647,7 +10647,7 @@
               </a:ln>
               <a:extLst>
                 <a:ext uri="{91240B29-F687-4f45-9708-019B960494DF}">
-                  <a14:hiddenLine xmlns:a14="http://schemas.microsoft.com/office/drawing/2010/main" xmlns="" w="9525">
+                  <a14:hiddenLine xmlns="" xmlns:a14="http://schemas.microsoft.com/office/drawing/2010/main" w="9525">
                     <a:solidFill>
                       <a:srgbClr val="000000"/>
                     </a:solidFill>
@@ -10709,7 +10709,7 @@
               </a:ln>
               <a:extLst>
                 <a:ext uri="{91240B29-F687-4f45-9708-019B960494DF}">
-                  <a14:hiddenLine xmlns:a14="http://schemas.microsoft.com/office/drawing/2010/main" xmlns="" w="9525">
+                  <a14:hiddenLine xmlns="" xmlns:a14="http://schemas.microsoft.com/office/drawing/2010/main" w="9525">
                     <a:solidFill>
                       <a:srgbClr val="000000"/>
                     </a:solidFill>
@@ -10799,7 +10799,7 @@
               </a:ln>
               <a:extLst>
                 <a:ext uri="{91240B29-F687-4f45-9708-019B960494DF}">
-                  <a14:hiddenLine xmlns:a14="http://schemas.microsoft.com/office/drawing/2010/main" xmlns="" w="9525">
+                  <a14:hiddenLine xmlns="" xmlns:a14="http://schemas.microsoft.com/office/drawing/2010/main" w="9525">
                     <a:solidFill>
                       <a:srgbClr val="000000"/>
                     </a:solidFill>
@@ -10889,7 +10889,7 @@
               </a:ln>
               <a:extLst>
                 <a:ext uri="{91240B29-F687-4f45-9708-019B960494DF}">
-                  <a14:hiddenLine xmlns:a14="http://schemas.microsoft.com/office/drawing/2010/main" xmlns="" w="9525">
+                  <a14:hiddenLine xmlns="" xmlns:a14="http://schemas.microsoft.com/office/drawing/2010/main" w="9525">
                     <a:solidFill>
                       <a:srgbClr val="000000"/>
                     </a:solidFill>
@@ -10954,7 +10954,7 @@
               </a:ln>
               <a:extLst>
                 <a:ext uri="{91240B29-F687-4f45-9708-019B960494DF}">
-                  <a14:hiddenLine xmlns:a14="http://schemas.microsoft.com/office/drawing/2010/main" xmlns="" w="9525">
+                  <a14:hiddenLine xmlns="" xmlns:a14="http://schemas.microsoft.com/office/drawing/2010/main" w="9525">
                     <a:solidFill>
                       <a:srgbClr val="000000"/>
                     </a:solidFill>
@@ -11074,7 +11074,7 @@
               </a:ln>
               <a:extLst>
                 <a:ext uri="{91240B29-F687-4f45-9708-019B960494DF}">
-                  <a14:hiddenLine xmlns:a14="http://schemas.microsoft.com/office/drawing/2010/main" xmlns="" w="9525">
+                  <a14:hiddenLine xmlns="" xmlns:a14="http://schemas.microsoft.com/office/drawing/2010/main" w="9525">
                     <a:solidFill>
                       <a:srgbClr val="000000"/>
                     </a:solidFill>
@@ -11172,7 +11172,7 @@
               </a:ln>
               <a:extLst>
                 <a:ext uri="{91240B29-F687-4f45-9708-019B960494DF}">
-                  <a14:hiddenLine xmlns:a14="http://schemas.microsoft.com/office/drawing/2010/main" xmlns="" w="9525">
+                  <a14:hiddenLine xmlns="" xmlns:a14="http://schemas.microsoft.com/office/drawing/2010/main" w="9525">
                     <a:solidFill>
                       <a:srgbClr val="000000"/>
                     </a:solidFill>
@@ -11287,7 +11287,7 @@
               </a:ln>
               <a:extLst>
                 <a:ext uri="{91240B29-F687-4f45-9708-019B960494DF}">
-                  <a14:hiddenLine xmlns:a14="http://schemas.microsoft.com/office/drawing/2010/main" xmlns="" w="9525">
+                  <a14:hiddenLine xmlns="" xmlns:a14="http://schemas.microsoft.com/office/drawing/2010/main" w="9525">
                     <a:solidFill>
                       <a:srgbClr val="000000"/>
                     </a:solidFill>
@@ -11377,7 +11377,7 @@
               </a:ln>
               <a:extLst>
                 <a:ext uri="{91240B29-F687-4f45-9708-019B960494DF}">
-                  <a14:hiddenLine xmlns:a14="http://schemas.microsoft.com/office/drawing/2010/main" xmlns="" w="9525">
+                  <a14:hiddenLine xmlns="" xmlns:a14="http://schemas.microsoft.com/office/drawing/2010/main" w="9525">
                     <a:solidFill>
                       <a:srgbClr val="000000"/>
                     </a:solidFill>
@@ -11442,7 +11442,7 @@
               </a:ln>
               <a:extLst>
                 <a:ext uri="{91240B29-F687-4f45-9708-019B960494DF}">
-                  <a14:hiddenLine xmlns:a14="http://schemas.microsoft.com/office/drawing/2010/main" xmlns="" w="9525">
+                  <a14:hiddenLine xmlns="" xmlns:a14="http://schemas.microsoft.com/office/drawing/2010/main" w="9525">
                     <a:solidFill>
                       <a:srgbClr val="000000"/>
                     </a:solidFill>
@@ -11532,7 +11532,7 @@
               </a:ln>
               <a:extLst>
                 <a:ext uri="{91240B29-F687-4f45-9708-019B960494DF}">
-                  <a14:hiddenLine xmlns:a14="http://schemas.microsoft.com/office/drawing/2010/main" xmlns="" w="9525">
+                  <a14:hiddenLine xmlns="" xmlns:a14="http://schemas.microsoft.com/office/drawing/2010/main" w="9525">
                     <a:solidFill>
                       <a:srgbClr val="000000"/>
                     </a:solidFill>
@@ -11600,7 +11600,7 @@
               </a:ln>
               <a:extLst>
                 <a:ext uri="{91240B29-F687-4f45-9708-019B960494DF}">
-                  <a14:hiddenLine xmlns:a14="http://schemas.microsoft.com/office/drawing/2010/main" xmlns="" w="9525">
+                  <a14:hiddenLine xmlns="" xmlns:a14="http://schemas.microsoft.com/office/drawing/2010/main" w="9525">
                     <a:solidFill>
                       <a:srgbClr val="000000"/>
                     </a:solidFill>
@@ -11690,7 +11690,7 @@
               </a:ln>
               <a:extLst>
                 <a:ext uri="{91240B29-F687-4f45-9708-019B960494DF}">
-                  <a14:hiddenLine xmlns:a14="http://schemas.microsoft.com/office/drawing/2010/main" xmlns="" w="9525">
+                  <a14:hiddenLine xmlns="" xmlns:a14="http://schemas.microsoft.com/office/drawing/2010/main" w="9525">
                     <a:solidFill>
                       <a:srgbClr val="000000"/>
                     </a:solidFill>
@@ -11758,7 +11758,7 @@
               </a:ln>
               <a:extLst>
                 <a:ext uri="{91240B29-F687-4f45-9708-019B960494DF}">
-                  <a14:hiddenLine xmlns:a14="http://schemas.microsoft.com/office/drawing/2010/main" xmlns="" w="9525">
+                  <a14:hiddenLine xmlns="" xmlns:a14="http://schemas.microsoft.com/office/drawing/2010/main" w="9525">
                     <a:solidFill>
                       <a:srgbClr val="000000"/>
                     </a:solidFill>
@@ -11848,7 +11848,7 @@
               </a:ln>
               <a:extLst>
                 <a:ext uri="{91240B29-F687-4f45-9708-019B960494DF}">
-                  <a14:hiddenLine xmlns:a14="http://schemas.microsoft.com/office/drawing/2010/main" xmlns="" w="9525">
+                  <a14:hiddenLine xmlns="" xmlns:a14="http://schemas.microsoft.com/office/drawing/2010/main" w="9525">
                     <a:solidFill>
                       <a:srgbClr val="000000"/>
                     </a:solidFill>
@@ -11882,7 +11882,7 @@
               </a:ln>
               <a:extLst>
                 <a:ext uri="{91240B29-F687-4f45-9708-019B960494DF}">
-                  <a14:hiddenLine xmlns:a14="http://schemas.microsoft.com/office/drawing/2010/main" xmlns="" w="9525">
+                  <a14:hiddenLine xmlns="" xmlns:a14="http://schemas.microsoft.com/office/drawing/2010/main" w="9525">
                     <a:solidFill>
                       <a:srgbClr val="000000"/>
                     </a:solidFill>
@@ -12022,7 +12022,7 @@
           <a:p>
             <a:fld id="{3B57195E-6F70-4CDB-8628-8204974371BE}" type="datetimeFigureOut">
               <a:rPr lang="fr-FR" smtClean="0"/>
-              <a:t>11/02/2019</a:t>
+              <a:t>04/03/2019</a:t>
             </a:fld>
             <a:endParaRPr lang="fr-FR"/>
           </a:p>
@@ -12612,7 +12612,7 @@
             <a:noFill/>
             <a:extLst>
               <a:ext uri="{909E8E84-426E-40dd-AFC4-6F175D3DCCD1}">
-                <a14:hiddenFill xmlns="" xmlns:a14="http://schemas.microsoft.com/office/drawing/2010/main" xmlns:p14="http://schemas.microsoft.com/office/powerpoint/2010/main" xmlns:a16="http://schemas.microsoft.com/office/drawing/2014/main">
+                <a14:hiddenFill xmlns:a16="http://schemas.microsoft.com/office/drawing/2014/main" xmlns:p14="http://schemas.microsoft.com/office/powerpoint/2010/main" xmlns:a14="http://schemas.microsoft.com/office/drawing/2010/main" xmlns="">
                   <a:solidFill>
                     <a:srgbClr val="FFFFFF"/>
                   </a:solidFill>
@@ -16735,8 +16735,8 @@
         </p:nvSpPr>
         <p:spPr>
           <a:xfrm>
-            <a:off x="6808368" y="844951"/>
-            <a:ext cx="3976382" cy="3416320"/>
+            <a:off x="7587990" y="476561"/>
+            <a:ext cx="3830965" cy="3416320"/>
           </a:xfrm>
           <a:prstGeom prst="rect">
             <a:avLst/>
@@ -16940,8 +16940,8 @@
         </p:nvSpPr>
         <p:spPr>
           <a:xfrm flipH="1">
-            <a:off x="6266573" y="2812750"/>
-            <a:ext cx="45719" cy="1608248"/>
+            <a:off x="6266572" y="2812750"/>
+            <a:ext cx="45720" cy="1313752"/>
           </a:xfrm>
           <a:prstGeom prst="rect">
             <a:avLst/>
@@ -16994,7 +16994,7 @@
         </p:nvSpPr>
         <p:spPr>
           <a:xfrm>
-            <a:off x="6266572" y="4380710"/>
+            <a:off x="6266572" y="4063355"/>
             <a:ext cx="5925427" cy="63147"/>
           </a:xfrm>
           <a:prstGeom prst="rect">
@@ -17141,7 +17141,7 @@
         </p:nvSpPr>
         <p:spPr>
           <a:xfrm>
-            <a:off x="1275830" y="3513122"/>
+            <a:off x="1275830" y="3472526"/>
             <a:ext cx="6518246" cy="1200329"/>
           </a:xfrm>
           <a:prstGeom prst="rect">
@@ -17267,8 +17267,8 @@
         </p:nvSpPr>
         <p:spPr>
           <a:xfrm flipH="1">
-            <a:off x="6518945" y="4411236"/>
-            <a:ext cx="45719" cy="2446764"/>
+            <a:off x="6518944" y="4126502"/>
+            <a:ext cx="45719" cy="2731498"/>
           </a:xfrm>
           <a:prstGeom prst="rect">
             <a:avLst/>
@@ -17321,7 +17321,7 @@
         </p:nvSpPr>
         <p:spPr>
           <a:xfrm>
-            <a:off x="7093874" y="4569451"/>
+            <a:off x="7093873" y="4154795"/>
             <a:ext cx="4118994" cy="369332"/>
           </a:xfrm>
           <a:prstGeom prst="rect">
@@ -17356,7 +17356,7 @@
         </p:nvSpPr>
         <p:spPr>
           <a:xfrm flipH="1" flipV="1">
-            <a:off x="7009278" y="4735652"/>
+            <a:off x="7009278" y="4312958"/>
             <a:ext cx="84595" cy="87664"/>
           </a:xfrm>
           <a:prstGeom prst="ellipse">
@@ -17393,6 +17393,119 @@
           <a:p>
             <a:pPr algn="ctr"/>
             <a:endParaRPr lang="fr-FR"/>
+          </a:p>
+        </p:txBody>
+      </p:sp>
+      <p:sp>
+        <p:nvSpPr>
+          <p:cNvPr id="19" name="ZoneTexte 18">
+            <a:extLst>
+              <a:ext uri="{FF2B5EF4-FFF2-40B4-BE49-F238E27FC236}">
+                <a16:creationId xmlns:a16="http://schemas.microsoft.com/office/drawing/2014/main" id="{24612995-EEA1-4875-97AA-5837D70E85F2}"/>
+              </a:ext>
+            </a:extLst>
+          </p:cNvPr>
+          <p:cNvSpPr txBox="1"/>
+          <p:nvPr/>
+        </p:nvSpPr>
+        <p:spPr>
+          <a:xfrm>
+            <a:off x="6687294" y="4493265"/>
+            <a:ext cx="6518246" cy="1477328"/>
+          </a:xfrm>
+          <a:prstGeom prst="rect">
+            <a:avLst/>
+          </a:prstGeom>
+          <a:noFill/>
+        </p:spPr>
+        <p:txBody>
+          <a:bodyPr wrap="square" rtlCol="0">
+            <a:spAutoFit/>
+          </a:bodyPr>
+          <a:lstStyle/>
+          <a:p>
+            <a:r>
+              <a:rPr lang="fr-FR" dirty="0"/>
+              <a:t>Eléments allant de 0 à n-1 pour une taille de n</a:t>
+            </a:r>
+          </a:p>
+          <a:p>
+            <a:r>
+              <a:rPr lang="fr-FR" dirty="0"/>
+              <a:t>Unidimensionnel, Multidimensionnel, en escalier</a:t>
+            </a:r>
+          </a:p>
+          <a:p>
+            <a:r>
+              <a:rPr lang="fr-FR" dirty="0"/>
+              <a:t>En escalier : les éléments du tableau n’ont pas la même </a:t>
+            </a:r>
+          </a:p>
+          <a:p>
+            <a:r>
+              <a:rPr lang="fr-FR" dirty="0"/>
+              <a:t>dimension</a:t>
+            </a:r>
+          </a:p>
+          <a:p>
+            <a:endParaRPr lang="fr-FR" dirty="0"/>
+          </a:p>
+        </p:txBody>
+      </p:sp>
+      <p:sp>
+        <p:nvSpPr>
+          <p:cNvPr id="4" name="ZoneTexte 3">
+            <a:extLst>
+              <a:ext uri="{FF2B5EF4-FFF2-40B4-BE49-F238E27FC236}">
+                <a16:creationId xmlns:a16="http://schemas.microsoft.com/office/drawing/2014/main" id="{C9A32F1D-113F-4150-91F3-CDBA1E07E1BC}"/>
+              </a:ext>
+            </a:extLst>
+          </p:cNvPr>
+          <p:cNvSpPr txBox="1"/>
+          <p:nvPr/>
+        </p:nvSpPr>
+        <p:spPr>
+          <a:xfrm>
+            <a:off x="8237021" y="5463071"/>
+            <a:ext cx="3418791" cy="1200329"/>
+          </a:xfrm>
+          <a:prstGeom prst="rect">
+            <a:avLst/>
+          </a:prstGeom>
+          <a:solidFill>
+            <a:schemeClr val="bg1"/>
+          </a:solidFill>
+          <a:ln>
+            <a:solidFill>
+              <a:schemeClr val="tx1"/>
+            </a:solidFill>
+          </a:ln>
+        </p:spPr>
+        <p:txBody>
+          <a:bodyPr wrap="square" rtlCol="0">
+            <a:spAutoFit/>
+          </a:bodyPr>
+          <a:lstStyle/>
+          <a:p>
+            <a:r>
+              <a:rPr lang="fr-FR" dirty="0"/>
+              <a:t>tab[][] a = new tab[2][];</a:t>
+            </a:r>
+          </a:p>
+          <a:p>
+            <a:r>
+              <a:rPr lang="fr-FR" dirty="0"/>
+              <a:t>       a[0] = new tab[3];</a:t>
+            </a:r>
+          </a:p>
+          <a:p>
+            <a:r>
+              <a:rPr lang="fr-FR" dirty="0"/>
+              <a:t>       a[1] = new tab[5];</a:t>
+            </a:r>
+          </a:p>
+          <a:p>
+            <a:endParaRPr lang="fr-FR" dirty="0"/>
           </a:p>
         </p:txBody>
       </p:sp>
@@ -17454,26 +17567,403 @@
       </p:grpSpPr>
       <p:sp>
         <p:nvSpPr>
-          <p:cNvPr id="4" name="Titre 3">
+          <p:cNvPr id="3" name="ZoneTexte 2">
             <a:extLst>
               <a:ext uri="{FF2B5EF4-FFF2-40B4-BE49-F238E27FC236}">
-                <a16:creationId xmlns:a16="http://schemas.microsoft.com/office/drawing/2014/main" id="{3F814E00-E638-4290-A5C4-C890A899C9EC}"/>
+                <a16:creationId xmlns:a16="http://schemas.microsoft.com/office/drawing/2014/main" id="{ED4B8125-0788-48C9-AF64-71EA7B1A4A90}"/>
               </a:ext>
             </a:extLst>
           </p:cNvPr>
-          <p:cNvSpPr>
-            <a:spLocks noGrp="1"/>
-          </p:cNvSpPr>
-          <p:nvPr>
-            <p:ph type="ctrTitle"/>
-          </p:nvPr>
+          <p:cNvSpPr txBox="1"/>
+          <p:nvPr/>
         </p:nvSpPr>
-        <p:spPr/>
+        <p:spPr>
+          <a:xfrm>
+            <a:off x="2585938" y="160495"/>
+            <a:ext cx="4118994" cy="369332"/>
+          </a:xfrm>
+          <a:prstGeom prst="rect">
+            <a:avLst/>
+          </a:prstGeom>
+          <a:noFill/>
+        </p:spPr>
         <p:txBody>
-          <a:bodyPr/>
+          <a:bodyPr wrap="square" rtlCol="0">
+            <a:spAutoFit/>
+          </a:bodyPr>
           <a:lstStyle/>
           <a:p>
+            <a:r>
+              <a:rPr lang="fr-FR" dirty="0"/>
+              <a:t>Délégués</a:t>
+            </a:r>
+          </a:p>
+        </p:txBody>
+      </p:sp>
+      <p:sp>
+        <p:nvSpPr>
+          <p:cNvPr id="5" name="Ellipse 4">
+            <a:extLst>
+              <a:ext uri="{FF2B5EF4-FFF2-40B4-BE49-F238E27FC236}">
+                <a16:creationId xmlns:a16="http://schemas.microsoft.com/office/drawing/2014/main" id="{1608EEDF-2B54-4748-96F9-FD846C2B1E6F}"/>
+              </a:ext>
+            </a:extLst>
+          </p:cNvPr>
+          <p:cNvSpPr/>
+          <p:nvPr/>
+        </p:nvSpPr>
+        <p:spPr>
+          <a:xfrm flipH="1" flipV="1">
+            <a:off x="2501342" y="326696"/>
+            <a:ext cx="84595" cy="87664"/>
+          </a:xfrm>
+          <a:prstGeom prst="ellipse">
+            <a:avLst/>
+          </a:prstGeom>
+          <a:solidFill>
+            <a:schemeClr val="tx2"/>
+          </a:solidFill>
+          <a:ln>
+            <a:solidFill>
+              <a:schemeClr val="bg2"/>
+            </a:solidFill>
+          </a:ln>
+        </p:spPr>
+        <p:style>
+          <a:lnRef idx="2">
+            <a:schemeClr val="accent1">
+              <a:shade val="50000"/>
+            </a:schemeClr>
+          </a:lnRef>
+          <a:fillRef idx="1">
+            <a:schemeClr val="accent1"/>
+          </a:fillRef>
+          <a:effectRef idx="0">
+            <a:schemeClr val="accent1"/>
+          </a:effectRef>
+          <a:fontRef idx="minor">
+            <a:schemeClr val="lt1"/>
+          </a:fontRef>
+        </p:style>
+        <p:txBody>
+          <a:bodyPr rtlCol="0" anchor="ctr"/>
+          <a:lstStyle/>
+          <a:p>
+            <a:pPr algn="ctr"/>
             <a:endParaRPr lang="fr-FR"/>
+          </a:p>
+        </p:txBody>
+      </p:sp>
+      <p:sp>
+        <p:nvSpPr>
+          <p:cNvPr id="2" name="ZoneTexte 1">
+            <a:extLst>
+              <a:ext uri="{FF2B5EF4-FFF2-40B4-BE49-F238E27FC236}">
+                <a16:creationId xmlns:a16="http://schemas.microsoft.com/office/drawing/2014/main" id="{D78AEC5E-CD8C-4430-9768-FF5AB7E1812C}"/>
+              </a:ext>
+            </a:extLst>
+          </p:cNvPr>
+          <p:cNvSpPr txBox="1"/>
+          <p:nvPr/>
+        </p:nvSpPr>
+        <p:spPr>
+          <a:xfrm>
+            <a:off x="2424023" y="785004"/>
+            <a:ext cx="8436634" cy="369332"/>
+          </a:xfrm>
+          <a:prstGeom prst="rect">
+            <a:avLst/>
+          </a:prstGeom>
+          <a:noFill/>
+        </p:spPr>
+        <p:txBody>
+          <a:bodyPr wrap="square" rtlCol="0">
+            <a:spAutoFit/>
+          </a:bodyPr>
+          <a:lstStyle/>
+          <a:p>
+            <a:r>
+              <a:rPr lang="fr-FR" dirty="0"/>
+              <a:t>Variables qui pointent vers des méthodes contenant la même signature.</a:t>
+            </a:r>
+          </a:p>
+        </p:txBody>
+      </p:sp>
+      <p:sp>
+        <p:nvSpPr>
+          <p:cNvPr id="6" name="ZoneTexte 5">
+            <a:extLst>
+              <a:ext uri="{FF2B5EF4-FFF2-40B4-BE49-F238E27FC236}">
+                <a16:creationId xmlns:a16="http://schemas.microsoft.com/office/drawing/2014/main" id="{B505FE96-029E-4BF7-AAEC-D1024C54BE73}"/>
+              </a:ext>
+            </a:extLst>
+          </p:cNvPr>
+          <p:cNvSpPr txBox="1"/>
+          <p:nvPr/>
+        </p:nvSpPr>
+        <p:spPr>
+          <a:xfrm>
+            <a:off x="4520242" y="1249207"/>
+            <a:ext cx="4244195" cy="369332"/>
+          </a:xfrm>
+          <a:prstGeom prst="rect">
+            <a:avLst/>
+          </a:prstGeom>
+          <a:solidFill>
+            <a:schemeClr val="bg1"/>
+          </a:solidFill>
+          <a:ln>
+            <a:solidFill>
+              <a:schemeClr val="tx1"/>
+            </a:solidFill>
+          </a:ln>
+        </p:spPr>
+        <p:txBody>
+          <a:bodyPr wrap="square" rtlCol="0">
+            <a:spAutoFit/>
+          </a:bodyPr>
+          <a:lstStyle/>
+          <a:p>
+            <a:r>
+              <a:rPr lang="en-US" dirty="0"/>
+              <a:t>delegate string </a:t>
+            </a:r>
+            <a:r>
+              <a:rPr lang="en-US" dirty="0" err="1"/>
+              <a:t>ActionOnString</a:t>
+            </a:r>
+            <a:r>
+              <a:rPr lang="en-US" dirty="0"/>
+              <a:t>(string text);</a:t>
+            </a:r>
+            <a:endParaRPr lang="fr-FR" dirty="0"/>
+          </a:p>
+        </p:txBody>
+      </p:sp>
+      <p:sp>
+        <p:nvSpPr>
+          <p:cNvPr id="7" name="Flèche : droite 6">
+            <a:extLst>
+              <a:ext uri="{FF2B5EF4-FFF2-40B4-BE49-F238E27FC236}">
+                <a16:creationId xmlns:a16="http://schemas.microsoft.com/office/drawing/2014/main" id="{3BD56767-FB4A-495C-851A-4B413C82892A}"/>
+              </a:ext>
+            </a:extLst>
+          </p:cNvPr>
+          <p:cNvSpPr/>
+          <p:nvPr/>
+        </p:nvSpPr>
+        <p:spPr>
+          <a:xfrm>
+            <a:off x="3243532" y="1975449"/>
+            <a:ext cx="163902" cy="155275"/>
+          </a:xfrm>
+          <a:prstGeom prst="rightArrow">
+            <a:avLst/>
+          </a:prstGeom>
+        </p:spPr>
+        <p:style>
+          <a:lnRef idx="2">
+            <a:schemeClr val="accent1">
+              <a:shade val="50000"/>
+            </a:schemeClr>
+          </a:lnRef>
+          <a:fillRef idx="1">
+            <a:schemeClr val="accent1"/>
+          </a:fillRef>
+          <a:effectRef idx="0">
+            <a:schemeClr val="accent1"/>
+          </a:effectRef>
+          <a:fontRef idx="minor">
+            <a:schemeClr val="lt1"/>
+          </a:fontRef>
+        </p:style>
+        <p:txBody>
+          <a:bodyPr rtlCol="0" anchor="ctr"/>
+          <a:lstStyle/>
+          <a:p>
+            <a:pPr algn="ctr"/>
+            <a:endParaRPr lang="fr-FR"/>
+          </a:p>
+        </p:txBody>
+      </p:sp>
+      <p:sp>
+        <p:nvSpPr>
+          <p:cNvPr id="8" name="ZoneTexte 7">
+            <a:extLst>
+              <a:ext uri="{FF2B5EF4-FFF2-40B4-BE49-F238E27FC236}">
+                <a16:creationId xmlns:a16="http://schemas.microsoft.com/office/drawing/2014/main" id="{FC58903A-C8B0-41FB-AE68-40C3CCEC7FC2}"/>
+              </a:ext>
+            </a:extLst>
+          </p:cNvPr>
+          <p:cNvSpPr txBox="1"/>
+          <p:nvPr/>
+        </p:nvSpPr>
+        <p:spPr>
+          <a:xfrm>
+            <a:off x="3476445" y="1863306"/>
+            <a:ext cx="6443932" cy="369332"/>
+          </a:xfrm>
+          <a:prstGeom prst="rect">
+            <a:avLst/>
+          </a:prstGeom>
+          <a:noFill/>
+        </p:spPr>
+        <p:txBody>
+          <a:bodyPr wrap="square" rtlCol="0">
+            <a:spAutoFit/>
+          </a:bodyPr>
+          <a:lstStyle/>
+          <a:p>
+            <a:r>
+              <a:rPr lang="fr-FR" dirty="0"/>
+              <a:t>Délégué qui prend en compte un string et renvoie un string</a:t>
+            </a:r>
+          </a:p>
+        </p:txBody>
+      </p:sp>
+      <p:sp>
+        <p:nvSpPr>
+          <p:cNvPr id="9" name="ZoneTexte 8">
+            <a:extLst>
+              <a:ext uri="{FF2B5EF4-FFF2-40B4-BE49-F238E27FC236}">
+                <a16:creationId xmlns:a16="http://schemas.microsoft.com/office/drawing/2014/main" id="{829D9309-0FA9-4BA7-84F1-7AEEF9414DC9}"/>
+              </a:ext>
+            </a:extLst>
+          </p:cNvPr>
+          <p:cNvSpPr txBox="1"/>
+          <p:nvPr/>
+        </p:nvSpPr>
+        <p:spPr>
+          <a:xfrm>
+            <a:off x="3476445" y="3063815"/>
+            <a:ext cx="8436634" cy="923330"/>
+          </a:xfrm>
+          <a:prstGeom prst="rect">
+            <a:avLst/>
+          </a:prstGeom>
+          <a:noFill/>
+        </p:spPr>
+        <p:txBody>
+          <a:bodyPr wrap="square" rtlCol="0">
+            <a:spAutoFit/>
+          </a:bodyPr>
+          <a:lstStyle/>
+          <a:p>
+            <a:r>
+              <a:rPr lang="fr-FR" dirty="0"/>
+              <a:t>Variables qui pointent vers des méthodes contenant la même signature.</a:t>
+            </a:r>
+          </a:p>
+          <a:p>
+            <a:r>
+              <a:rPr lang="fr-FR" dirty="0"/>
+              <a:t>Affichage Classique doit être une méthode qui prend en argument un String et renvoie également </a:t>
+            </a:r>
+            <a:r>
+              <a:rPr lang="fr-FR"/>
+              <a:t>un string.</a:t>
+            </a:r>
+            <a:endParaRPr lang="fr-FR" dirty="0"/>
+          </a:p>
+        </p:txBody>
+      </p:sp>
+      <p:sp>
+        <p:nvSpPr>
+          <p:cNvPr id="10" name="Flèche : droite 9">
+            <a:extLst>
+              <a:ext uri="{FF2B5EF4-FFF2-40B4-BE49-F238E27FC236}">
+                <a16:creationId xmlns:a16="http://schemas.microsoft.com/office/drawing/2014/main" id="{BA75ECE9-4607-49B0-B895-C4F5C116473F}"/>
+              </a:ext>
+            </a:extLst>
+          </p:cNvPr>
+          <p:cNvSpPr/>
+          <p:nvPr/>
+        </p:nvSpPr>
+        <p:spPr>
+          <a:xfrm>
+            <a:off x="3243532" y="3170843"/>
+            <a:ext cx="163902" cy="155275"/>
+          </a:xfrm>
+          <a:prstGeom prst="rightArrow">
+            <a:avLst/>
+          </a:prstGeom>
+        </p:spPr>
+        <p:style>
+          <a:lnRef idx="2">
+            <a:schemeClr val="accent1">
+              <a:shade val="50000"/>
+            </a:schemeClr>
+          </a:lnRef>
+          <a:fillRef idx="1">
+            <a:schemeClr val="accent1"/>
+          </a:fillRef>
+          <a:effectRef idx="0">
+            <a:schemeClr val="accent1"/>
+          </a:effectRef>
+          <a:fontRef idx="minor">
+            <a:schemeClr val="lt1"/>
+          </a:fontRef>
+        </p:style>
+        <p:txBody>
+          <a:bodyPr rtlCol="0" anchor="ctr"/>
+          <a:lstStyle/>
+          <a:p>
+            <a:pPr algn="ctr"/>
+            <a:endParaRPr lang="fr-FR"/>
+          </a:p>
+        </p:txBody>
+      </p:sp>
+      <p:sp>
+        <p:nvSpPr>
+          <p:cNvPr id="11" name="ZoneTexte 10">
+            <a:extLst>
+              <a:ext uri="{FF2B5EF4-FFF2-40B4-BE49-F238E27FC236}">
+                <a16:creationId xmlns:a16="http://schemas.microsoft.com/office/drawing/2014/main" id="{6A0E2407-3731-4E1E-8F01-5EC1E31F7FFC}"/>
+              </a:ext>
+            </a:extLst>
+          </p:cNvPr>
+          <p:cNvSpPr txBox="1"/>
+          <p:nvPr/>
+        </p:nvSpPr>
+        <p:spPr>
+          <a:xfrm>
+            <a:off x="4520241" y="2449716"/>
+            <a:ext cx="4244195" cy="369332"/>
+          </a:xfrm>
+          <a:prstGeom prst="rect">
+            <a:avLst/>
+          </a:prstGeom>
+          <a:solidFill>
+            <a:schemeClr val="bg1"/>
+          </a:solidFill>
+          <a:ln>
+            <a:solidFill>
+              <a:schemeClr val="tx1"/>
+            </a:solidFill>
+          </a:ln>
+        </p:spPr>
+        <p:txBody>
+          <a:bodyPr wrap="square" rtlCol="0">
+            <a:spAutoFit/>
+          </a:bodyPr>
+          <a:lstStyle/>
+          <a:p>
+            <a:r>
+              <a:rPr lang="fr-FR" dirty="0" err="1"/>
+              <a:t>ActionOnString</a:t>
+            </a:r>
+            <a:r>
+              <a:rPr lang="fr-FR" dirty="0"/>
+              <a:t> test1 = </a:t>
+            </a:r>
+            <a:r>
+              <a:rPr lang="fr-FR" dirty="0" err="1"/>
+              <a:t>affichageClassique</a:t>
+            </a:r>
+            <a:r>
+              <a:rPr lang="fr-FR" dirty="0"/>
+              <a:t>; </a:t>
+            </a:r>
           </a:p>
         </p:txBody>
       </p:sp>

--- a/CoursCS2.pptx
+++ b/CoursCS2.pptx
@@ -168,7 +168,7 @@
           <a:noFill/>
           <a:extLst>
             <a:ext uri="{909E8E84-426E-40dd-AFC4-6F175D3DCCD1}">
-              <a14:hiddenFill xmlns="" xmlns:a14="http://schemas.microsoft.com/office/drawing/2010/main">
+              <a14:hiddenFill xmlns:a14="http://schemas.microsoft.com/office/drawing/2010/main" xmlns="">
                 <a:solidFill>
                   <a:srgbClr val="FFFFFF"/>
                 </a:solidFill>
@@ -228,7 +228,7 @@
             </a:ln>
             <a:extLst>
               <a:ext uri="{91240B29-F687-4f45-9708-019B960494DF}">
-                <a14:hiddenLine xmlns="" xmlns:a14="http://schemas.microsoft.com/office/drawing/2010/main" w="9525">
+                <a14:hiddenLine xmlns:a14="http://schemas.microsoft.com/office/drawing/2010/main" xmlns="" w="9525">
                   <a:solidFill>
                     <a:srgbClr val="000000"/>
                   </a:solidFill>
@@ -318,7 +318,7 @@
             </a:ln>
             <a:extLst>
               <a:ext uri="{91240B29-F687-4f45-9708-019B960494DF}">
-                <a14:hiddenLine xmlns="" xmlns:a14="http://schemas.microsoft.com/office/drawing/2010/main" w="9525">
+                <a14:hiddenLine xmlns:a14="http://schemas.microsoft.com/office/drawing/2010/main" xmlns="" w="9525">
                   <a:solidFill>
                     <a:srgbClr val="000000"/>
                   </a:solidFill>
@@ -408,7 +408,7 @@
             </a:ln>
             <a:extLst>
               <a:ext uri="{91240B29-F687-4f45-9708-019B960494DF}">
-                <a14:hiddenLine xmlns="" xmlns:a14="http://schemas.microsoft.com/office/drawing/2010/main" w="9525">
+                <a14:hiddenLine xmlns:a14="http://schemas.microsoft.com/office/drawing/2010/main" xmlns="" w="9525">
                   <a:solidFill>
                     <a:srgbClr val="000000"/>
                   </a:solidFill>
@@ -442,7 +442,7 @@
             </a:ln>
             <a:extLst>
               <a:ext uri="{91240B29-F687-4f45-9708-019B960494DF}">
-                <a14:hiddenLine xmlns="" xmlns:a14="http://schemas.microsoft.com/office/drawing/2010/main" w="9525">
+                <a14:hiddenLine xmlns:a14="http://schemas.microsoft.com/office/drawing/2010/main" xmlns="" w="9525">
                   <a:solidFill>
                     <a:srgbClr val="000000"/>
                   </a:solidFill>
@@ -532,7 +532,7 @@
             </a:ln>
             <a:extLst>
               <a:ext uri="{91240B29-F687-4f45-9708-019B960494DF}">
-                <a14:hiddenLine xmlns="" xmlns:a14="http://schemas.microsoft.com/office/drawing/2010/main" w="9525">
+                <a14:hiddenLine xmlns:a14="http://schemas.microsoft.com/office/drawing/2010/main" xmlns="" w="9525">
                   <a:solidFill>
                     <a:srgbClr val="000000"/>
                   </a:solidFill>
@@ -594,7 +594,7 @@
             </a:ln>
             <a:extLst>
               <a:ext uri="{91240B29-F687-4f45-9708-019B960494DF}">
-                <a14:hiddenLine xmlns="" xmlns:a14="http://schemas.microsoft.com/office/drawing/2010/main" w="9525">
+                <a14:hiddenLine xmlns:a14="http://schemas.microsoft.com/office/drawing/2010/main" xmlns="" w="9525">
                   <a:solidFill>
                     <a:srgbClr val="000000"/>
                   </a:solidFill>
@@ -656,7 +656,7 @@
             </a:ln>
             <a:extLst>
               <a:ext uri="{91240B29-F687-4f45-9708-019B960494DF}">
-                <a14:hiddenLine xmlns="" xmlns:a14="http://schemas.microsoft.com/office/drawing/2010/main" w="9525">
+                <a14:hiddenLine xmlns:a14="http://schemas.microsoft.com/office/drawing/2010/main" xmlns="" w="9525">
                   <a:solidFill>
                     <a:srgbClr val="000000"/>
                   </a:solidFill>
@@ -746,7 +746,7 @@
             </a:ln>
             <a:extLst>
               <a:ext uri="{91240B29-F687-4f45-9708-019B960494DF}">
-                <a14:hiddenLine xmlns="" xmlns:a14="http://schemas.microsoft.com/office/drawing/2010/main" w="9525">
+                <a14:hiddenLine xmlns:a14="http://schemas.microsoft.com/office/drawing/2010/main" xmlns="" w="9525">
                   <a:solidFill>
                     <a:srgbClr val="000000"/>
                   </a:solidFill>
@@ -808,7 +808,7 @@
             </a:ln>
             <a:extLst>
               <a:ext uri="{91240B29-F687-4f45-9708-019B960494DF}">
-                <a14:hiddenLine xmlns="" xmlns:a14="http://schemas.microsoft.com/office/drawing/2010/main" w="9525">
+                <a14:hiddenLine xmlns:a14="http://schemas.microsoft.com/office/drawing/2010/main" xmlns="" w="9525">
                   <a:solidFill>
                     <a:srgbClr val="000000"/>
                   </a:solidFill>
@@ -870,7 +870,7 @@
             </a:ln>
             <a:extLst>
               <a:ext uri="{91240B29-F687-4f45-9708-019B960494DF}">
-                <a14:hiddenLine xmlns="" xmlns:a14="http://schemas.microsoft.com/office/drawing/2010/main" w="9525">
+                <a14:hiddenLine xmlns:a14="http://schemas.microsoft.com/office/drawing/2010/main" xmlns="" w="9525">
                   <a:solidFill>
                     <a:srgbClr val="000000"/>
                   </a:solidFill>
@@ -960,7 +960,7 @@
             </a:ln>
             <a:extLst>
               <a:ext uri="{91240B29-F687-4f45-9708-019B960494DF}">
-                <a14:hiddenLine xmlns="" xmlns:a14="http://schemas.microsoft.com/office/drawing/2010/main" w="9525">
+                <a14:hiddenLine xmlns:a14="http://schemas.microsoft.com/office/drawing/2010/main" xmlns="" w="9525">
                   <a:solidFill>
                     <a:srgbClr val="000000"/>
                   </a:solidFill>
@@ -1050,7 +1050,7 @@
             </a:ln>
             <a:extLst>
               <a:ext uri="{91240B29-F687-4f45-9708-019B960494DF}">
-                <a14:hiddenLine xmlns="" xmlns:a14="http://schemas.microsoft.com/office/drawing/2010/main" w="9525">
+                <a14:hiddenLine xmlns:a14="http://schemas.microsoft.com/office/drawing/2010/main" xmlns="" w="9525">
                   <a:solidFill>
                     <a:srgbClr val="000000"/>
                   </a:solidFill>
@@ -1112,7 +1112,7 @@
             </a:ln>
             <a:extLst>
               <a:ext uri="{91240B29-F687-4f45-9708-019B960494DF}">
-                <a14:hiddenLine xmlns="" xmlns:a14="http://schemas.microsoft.com/office/drawing/2010/main" w="9525">
+                <a14:hiddenLine xmlns:a14="http://schemas.microsoft.com/office/drawing/2010/main" xmlns="" w="9525">
                   <a:solidFill>
                     <a:srgbClr val="000000"/>
                   </a:solidFill>
@@ -1222,7 +1222,7 @@
             </a:ln>
             <a:extLst>
               <a:ext uri="{91240B29-F687-4f45-9708-019B960494DF}">
-                <a14:hiddenLine xmlns="" xmlns:a14="http://schemas.microsoft.com/office/drawing/2010/main" w="9525">
+                <a14:hiddenLine xmlns:a14="http://schemas.microsoft.com/office/drawing/2010/main" xmlns="" w="9525">
                   <a:solidFill>
                     <a:srgbClr val="000000"/>
                   </a:solidFill>
@@ -1284,7 +1284,7 @@
             </a:ln>
             <a:extLst>
               <a:ext uri="{91240B29-F687-4f45-9708-019B960494DF}">
-                <a14:hiddenLine xmlns="" xmlns:a14="http://schemas.microsoft.com/office/drawing/2010/main" w="9525">
+                <a14:hiddenLine xmlns:a14="http://schemas.microsoft.com/office/drawing/2010/main" xmlns="" w="9525">
                   <a:solidFill>
                     <a:srgbClr val="000000"/>
                   </a:solidFill>
@@ -1374,7 +1374,7 @@
             </a:ln>
             <a:extLst>
               <a:ext uri="{91240B29-F687-4f45-9708-019B960494DF}">
-                <a14:hiddenLine xmlns="" xmlns:a14="http://schemas.microsoft.com/office/drawing/2010/main" w="9525">
+                <a14:hiddenLine xmlns:a14="http://schemas.microsoft.com/office/drawing/2010/main" xmlns="" w="9525">
                   <a:solidFill>
                     <a:srgbClr val="000000"/>
                   </a:solidFill>
@@ -1464,7 +1464,7 @@
             </a:ln>
             <a:extLst>
               <a:ext uri="{91240B29-F687-4f45-9708-019B960494DF}">
-                <a14:hiddenLine xmlns="" xmlns:a14="http://schemas.microsoft.com/office/drawing/2010/main" w="9525">
+                <a14:hiddenLine xmlns:a14="http://schemas.microsoft.com/office/drawing/2010/main" xmlns="" w="9525">
                   <a:solidFill>
                     <a:srgbClr val="000000"/>
                   </a:solidFill>
@@ -1526,7 +1526,7 @@
             </a:ln>
             <a:extLst>
               <a:ext uri="{91240B29-F687-4f45-9708-019B960494DF}">
-                <a14:hiddenLine xmlns="" xmlns:a14="http://schemas.microsoft.com/office/drawing/2010/main" w="9525">
+                <a14:hiddenLine xmlns:a14="http://schemas.microsoft.com/office/drawing/2010/main" xmlns="" w="9525">
                   <a:solidFill>
                     <a:srgbClr val="000000"/>
                   </a:solidFill>
@@ -1616,7 +1616,7 @@
             </a:ln>
             <a:extLst>
               <a:ext uri="{91240B29-F687-4f45-9708-019B960494DF}">
-                <a14:hiddenLine xmlns="" xmlns:a14="http://schemas.microsoft.com/office/drawing/2010/main" w="9525">
+                <a14:hiddenLine xmlns:a14="http://schemas.microsoft.com/office/drawing/2010/main" xmlns="" w="9525">
                   <a:solidFill>
                     <a:srgbClr val="000000"/>
                   </a:solidFill>
@@ -1706,7 +1706,7 @@
             </a:ln>
             <a:extLst>
               <a:ext uri="{91240B29-F687-4f45-9708-019B960494DF}">
-                <a14:hiddenLine xmlns="" xmlns:a14="http://schemas.microsoft.com/office/drawing/2010/main" w="9525">
+                <a14:hiddenLine xmlns:a14="http://schemas.microsoft.com/office/drawing/2010/main" xmlns="" w="9525">
                   <a:solidFill>
                     <a:srgbClr val="000000"/>
                   </a:solidFill>
@@ -1762,7 +1762,7 @@
             </a:ln>
             <a:extLst>
               <a:ext uri="{91240B29-F687-4f45-9708-019B960494DF}">
-                <a14:hiddenLine xmlns="" xmlns:a14="http://schemas.microsoft.com/office/drawing/2010/main" w="9525">
+                <a14:hiddenLine xmlns:a14="http://schemas.microsoft.com/office/drawing/2010/main" xmlns="" w="9525">
                   <a:solidFill>
                     <a:srgbClr val="000000"/>
                   </a:solidFill>
@@ -1852,7 +1852,7 @@
             </a:ln>
             <a:extLst>
               <a:ext uri="{91240B29-F687-4f45-9708-019B960494DF}">
-                <a14:hiddenLine xmlns="" xmlns:a14="http://schemas.microsoft.com/office/drawing/2010/main" w="9525">
+                <a14:hiddenLine xmlns:a14="http://schemas.microsoft.com/office/drawing/2010/main" xmlns="" w="9525">
                   <a:solidFill>
                     <a:srgbClr val="000000"/>
                   </a:solidFill>
@@ -1908,7 +1908,7 @@
             </a:ln>
             <a:extLst>
               <a:ext uri="{91240B29-F687-4f45-9708-019B960494DF}">
-                <a14:hiddenLine xmlns="" xmlns:a14="http://schemas.microsoft.com/office/drawing/2010/main" w="9525">
+                <a14:hiddenLine xmlns:a14="http://schemas.microsoft.com/office/drawing/2010/main" xmlns="" w="9525">
                   <a:solidFill>
                     <a:srgbClr val="000000"/>
                   </a:solidFill>
@@ -1998,7 +1998,7 @@
             </a:ln>
             <a:extLst>
               <a:ext uri="{91240B29-F687-4f45-9708-019B960494DF}">
-                <a14:hiddenLine xmlns="" xmlns:a14="http://schemas.microsoft.com/office/drawing/2010/main" w="9525">
+                <a14:hiddenLine xmlns:a14="http://schemas.microsoft.com/office/drawing/2010/main" xmlns="" w="9525">
                   <a:solidFill>
                     <a:srgbClr val="000000"/>
                   </a:solidFill>
@@ -2066,7 +2066,7 @@
             </a:ln>
             <a:extLst>
               <a:ext uri="{91240B29-F687-4f45-9708-019B960494DF}">
-                <a14:hiddenLine xmlns="" xmlns:a14="http://schemas.microsoft.com/office/drawing/2010/main" w="9525">
+                <a14:hiddenLine xmlns:a14="http://schemas.microsoft.com/office/drawing/2010/main" xmlns="" w="9525">
                   <a:solidFill>
                     <a:srgbClr val="000000"/>
                   </a:solidFill>
@@ -2156,7 +2156,7 @@
             </a:ln>
             <a:extLst>
               <a:ext uri="{91240B29-F687-4f45-9708-019B960494DF}">
-                <a14:hiddenLine xmlns="" xmlns:a14="http://schemas.microsoft.com/office/drawing/2010/main" w="9525">
+                <a14:hiddenLine xmlns:a14="http://schemas.microsoft.com/office/drawing/2010/main" xmlns="" w="9525">
                   <a:solidFill>
                     <a:srgbClr val="000000"/>
                   </a:solidFill>
@@ -2224,7 +2224,7 @@
             </a:ln>
             <a:extLst>
               <a:ext uri="{91240B29-F687-4f45-9708-019B960494DF}">
-                <a14:hiddenLine xmlns="" xmlns:a14="http://schemas.microsoft.com/office/drawing/2010/main" w="9525">
+                <a14:hiddenLine xmlns:a14="http://schemas.microsoft.com/office/drawing/2010/main" xmlns="" w="9525">
                   <a:solidFill>
                     <a:srgbClr val="000000"/>
                   </a:solidFill>
@@ -2314,7 +2314,7 @@
             </a:ln>
             <a:extLst>
               <a:ext uri="{91240B29-F687-4f45-9708-019B960494DF}">
-                <a14:hiddenLine xmlns="" xmlns:a14="http://schemas.microsoft.com/office/drawing/2010/main" w="9525">
+                <a14:hiddenLine xmlns:a14="http://schemas.microsoft.com/office/drawing/2010/main" xmlns="" w="9525">
                   <a:solidFill>
                     <a:srgbClr val="000000"/>
                   </a:solidFill>
@@ -2348,7 +2348,7 @@
             </a:ln>
             <a:extLst>
               <a:ext uri="{91240B29-F687-4f45-9708-019B960494DF}">
-                <a14:hiddenLine xmlns="" xmlns:a14="http://schemas.microsoft.com/office/drawing/2010/main" w="9525">
+                <a14:hiddenLine xmlns:a14="http://schemas.microsoft.com/office/drawing/2010/main" xmlns="" w="9525">
                   <a:solidFill>
                     <a:srgbClr val="000000"/>
                   </a:solidFill>
@@ -2438,7 +2438,7 @@
             </a:ln>
             <a:extLst>
               <a:ext uri="{91240B29-F687-4f45-9708-019B960494DF}">
-                <a14:hiddenLine xmlns="" xmlns:a14="http://schemas.microsoft.com/office/drawing/2010/main" w="9525">
+                <a14:hiddenLine xmlns:a14="http://schemas.microsoft.com/office/drawing/2010/main" xmlns="" w="9525">
                   <a:solidFill>
                     <a:srgbClr val="000000"/>
                   </a:solidFill>
@@ -2500,7 +2500,7 @@
             </a:ln>
             <a:extLst>
               <a:ext uri="{91240B29-F687-4f45-9708-019B960494DF}">
-                <a14:hiddenLine xmlns="" xmlns:a14="http://schemas.microsoft.com/office/drawing/2010/main" w="9525">
+                <a14:hiddenLine xmlns:a14="http://schemas.microsoft.com/office/drawing/2010/main" xmlns="" w="9525">
                   <a:solidFill>
                     <a:srgbClr val="000000"/>
                   </a:solidFill>
@@ -2562,7 +2562,7 @@
             </a:ln>
             <a:extLst>
               <a:ext uri="{91240B29-F687-4f45-9708-019B960494DF}">
-                <a14:hiddenLine xmlns="" xmlns:a14="http://schemas.microsoft.com/office/drawing/2010/main" w="9525">
+                <a14:hiddenLine xmlns:a14="http://schemas.microsoft.com/office/drawing/2010/main" xmlns="" w="9525">
                   <a:solidFill>
                     <a:srgbClr val="000000"/>
                   </a:solidFill>
@@ -2652,7 +2652,7 @@
             </a:ln>
             <a:extLst>
               <a:ext uri="{91240B29-F687-4f45-9708-019B960494DF}">
-                <a14:hiddenLine xmlns="" xmlns:a14="http://schemas.microsoft.com/office/drawing/2010/main" w="9525">
+                <a14:hiddenLine xmlns:a14="http://schemas.microsoft.com/office/drawing/2010/main" xmlns="" w="9525">
                   <a:solidFill>
                     <a:srgbClr val="000000"/>
                   </a:solidFill>
@@ -2720,7 +2720,7 @@
             </a:ln>
             <a:extLst>
               <a:ext uri="{91240B29-F687-4f45-9708-019B960494DF}">
-                <a14:hiddenLine xmlns="" xmlns:a14="http://schemas.microsoft.com/office/drawing/2010/main" w="9525">
+                <a14:hiddenLine xmlns:a14="http://schemas.microsoft.com/office/drawing/2010/main" xmlns="" w="9525">
                   <a:solidFill>
                     <a:srgbClr val="000000"/>
                   </a:solidFill>
@@ -2782,7 +2782,7 @@
             </a:ln>
             <a:extLst>
               <a:ext uri="{91240B29-F687-4f45-9708-019B960494DF}">
-                <a14:hiddenLine xmlns="" xmlns:a14="http://schemas.microsoft.com/office/drawing/2010/main" w="9525">
+                <a14:hiddenLine xmlns:a14="http://schemas.microsoft.com/office/drawing/2010/main" xmlns="" w="9525">
                   <a:solidFill>
                     <a:srgbClr val="000000"/>
                   </a:solidFill>
@@ -2872,7 +2872,7 @@
             </a:ln>
             <a:extLst>
               <a:ext uri="{91240B29-F687-4f45-9708-019B960494DF}">
-                <a14:hiddenLine xmlns="" xmlns:a14="http://schemas.microsoft.com/office/drawing/2010/main" w="9525">
+                <a14:hiddenLine xmlns:a14="http://schemas.microsoft.com/office/drawing/2010/main" xmlns="" w="9525">
                   <a:solidFill>
                     <a:srgbClr val="000000"/>
                   </a:solidFill>
@@ -2934,7 +2934,7 @@
             </a:ln>
             <a:extLst>
               <a:ext uri="{91240B29-F687-4f45-9708-019B960494DF}">
-                <a14:hiddenLine xmlns="" xmlns:a14="http://schemas.microsoft.com/office/drawing/2010/main" w="9525">
+                <a14:hiddenLine xmlns:a14="http://schemas.microsoft.com/office/drawing/2010/main" xmlns="" w="9525">
                   <a:solidFill>
                     <a:srgbClr val="000000"/>
                   </a:solidFill>
@@ -3024,7 +3024,7 @@
             </a:ln>
             <a:extLst>
               <a:ext uri="{91240B29-F687-4f45-9708-019B960494DF}">
-                <a14:hiddenLine xmlns="" xmlns:a14="http://schemas.microsoft.com/office/drawing/2010/main" w="9525">
+                <a14:hiddenLine xmlns:a14="http://schemas.microsoft.com/office/drawing/2010/main" xmlns="" w="9525">
                   <a:solidFill>
                     <a:srgbClr val="000000"/>
                   </a:solidFill>
@@ -3086,7 +3086,7 @@
             </a:ln>
             <a:extLst>
               <a:ext uri="{91240B29-F687-4f45-9708-019B960494DF}">
-                <a14:hiddenLine xmlns="" xmlns:a14="http://schemas.microsoft.com/office/drawing/2010/main" w="9525">
+                <a14:hiddenLine xmlns:a14="http://schemas.microsoft.com/office/drawing/2010/main" xmlns="" w="9525">
                   <a:solidFill>
                     <a:srgbClr val="000000"/>
                   </a:solidFill>
@@ -3176,7 +3176,7 @@
             </a:ln>
             <a:extLst>
               <a:ext uri="{91240B29-F687-4f45-9708-019B960494DF}">
-                <a14:hiddenLine xmlns="" xmlns:a14="http://schemas.microsoft.com/office/drawing/2010/main" w="9525">
+                <a14:hiddenLine xmlns:a14="http://schemas.microsoft.com/office/drawing/2010/main" xmlns="" w="9525">
                   <a:solidFill>
                     <a:srgbClr val="000000"/>
                   </a:solidFill>
@@ -3210,7 +3210,7 @@
             </a:ln>
             <a:extLst>
               <a:ext uri="{91240B29-F687-4f45-9708-019B960494DF}">
-                <a14:hiddenLine xmlns="" xmlns:a14="http://schemas.microsoft.com/office/drawing/2010/main" w="9525">
+                <a14:hiddenLine xmlns:a14="http://schemas.microsoft.com/office/drawing/2010/main" xmlns="" w="9525">
                   <a:solidFill>
                     <a:srgbClr val="000000"/>
                   </a:solidFill>
@@ -3275,7 +3275,7 @@
             </a:ln>
             <a:extLst>
               <a:ext uri="{91240B29-F687-4f45-9708-019B960494DF}">
-                <a14:hiddenLine xmlns="" xmlns:a14="http://schemas.microsoft.com/office/drawing/2010/main" w="9525">
+                <a14:hiddenLine xmlns:a14="http://schemas.microsoft.com/office/drawing/2010/main" xmlns="" w="9525">
                   <a:solidFill>
                     <a:srgbClr val="000000"/>
                   </a:solidFill>
@@ -3365,7 +3365,7 @@
             </a:ln>
             <a:extLst>
               <a:ext uri="{91240B29-F687-4f45-9708-019B960494DF}">
-                <a14:hiddenLine xmlns="" xmlns:a14="http://schemas.microsoft.com/office/drawing/2010/main" w="9525">
+                <a14:hiddenLine xmlns:a14="http://schemas.microsoft.com/office/drawing/2010/main" xmlns="" w="9525">
                   <a:solidFill>
                     <a:srgbClr val="000000"/>
                   </a:solidFill>
@@ -3427,7 +3427,7 @@
             </a:ln>
             <a:extLst>
               <a:ext uri="{91240B29-F687-4f45-9708-019B960494DF}">
-                <a14:hiddenLine xmlns="" xmlns:a14="http://schemas.microsoft.com/office/drawing/2010/main" w="9525">
+                <a14:hiddenLine xmlns:a14="http://schemas.microsoft.com/office/drawing/2010/main" xmlns="" w="9525">
                   <a:solidFill>
                     <a:srgbClr val="000000"/>
                   </a:solidFill>
@@ -3517,7 +3517,7 @@
             </a:ln>
             <a:extLst>
               <a:ext uri="{91240B29-F687-4f45-9708-019B960494DF}">
-                <a14:hiddenLine xmlns="" xmlns:a14="http://schemas.microsoft.com/office/drawing/2010/main" w="9525">
+                <a14:hiddenLine xmlns:a14="http://schemas.microsoft.com/office/drawing/2010/main" xmlns="" w="9525">
                   <a:solidFill>
                     <a:srgbClr val="000000"/>
                   </a:solidFill>
@@ -3607,7 +3607,7 @@
             </a:ln>
             <a:extLst>
               <a:ext uri="{91240B29-F687-4f45-9708-019B960494DF}">
-                <a14:hiddenLine xmlns="" xmlns:a14="http://schemas.microsoft.com/office/drawing/2010/main" w="9525">
+                <a14:hiddenLine xmlns:a14="http://schemas.microsoft.com/office/drawing/2010/main" xmlns="" w="9525">
                   <a:solidFill>
                     <a:srgbClr val="000000"/>
                   </a:solidFill>
@@ -3672,7 +3672,7 @@
             </a:ln>
             <a:extLst>
               <a:ext uri="{91240B29-F687-4f45-9708-019B960494DF}">
-                <a14:hiddenLine xmlns="" xmlns:a14="http://schemas.microsoft.com/office/drawing/2010/main" w="9525">
+                <a14:hiddenLine xmlns:a14="http://schemas.microsoft.com/office/drawing/2010/main" xmlns="" w="9525">
                   <a:solidFill>
                     <a:srgbClr val="000000"/>
                   </a:solidFill>
@@ -3734,7 +3734,7 @@
             </a:ln>
             <a:extLst>
               <a:ext uri="{91240B29-F687-4f45-9708-019B960494DF}">
-                <a14:hiddenLine xmlns="" xmlns:a14="http://schemas.microsoft.com/office/drawing/2010/main" w="9525">
+                <a14:hiddenLine xmlns:a14="http://schemas.microsoft.com/office/drawing/2010/main" xmlns="" w="9525">
                   <a:solidFill>
                     <a:srgbClr val="000000"/>
                   </a:solidFill>
@@ -3824,7 +3824,7 @@
             </a:ln>
             <a:extLst>
               <a:ext uri="{91240B29-F687-4f45-9708-019B960494DF}">
-                <a14:hiddenLine xmlns="" xmlns:a14="http://schemas.microsoft.com/office/drawing/2010/main" w="9525">
+                <a14:hiddenLine xmlns:a14="http://schemas.microsoft.com/office/drawing/2010/main" xmlns="" w="9525">
                   <a:solidFill>
                     <a:srgbClr val="000000"/>
                   </a:solidFill>
@@ -3914,7 +3914,7 @@
             </a:ln>
             <a:extLst>
               <a:ext uri="{91240B29-F687-4f45-9708-019B960494DF}">
-                <a14:hiddenLine xmlns="" xmlns:a14="http://schemas.microsoft.com/office/drawing/2010/main" w="9525">
+                <a14:hiddenLine xmlns:a14="http://schemas.microsoft.com/office/drawing/2010/main" xmlns="" w="9525">
                   <a:solidFill>
                     <a:srgbClr val="000000"/>
                   </a:solidFill>
@@ -3976,7 +3976,7 @@
             </a:ln>
             <a:extLst>
               <a:ext uri="{91240B29-F687-4f45-9708-019B960494DF}">
-                <a14:hiddenLine xmlns="" xmlns:a14="http://schemas.microsoft.com/office/drawing/2010/main" w="9525">
+                <a14:hiddenLine xmlns:a14="http://schemas.microsoft.com/office/drawing/2010/main" xmlns="" w="9525">
                   <a:solidFill>
                     <a:srgbClr val="000000"/>
                   </a:solidFill>
@@ -4096,7 +4096,7 @@
             </a:ln>
             <a:extLst>
               <a:ext uri="{91240B29-F687-4f45-9708-019B960494DF}">
-                <a14:hiddenLine xmlns="" xmlns:a14="http://schemas.microsoft.com/office/drawing/2010/main" w="9525">
+                <a14:hiddenLine xmlns:a14="http://schemas.microsoft.com/office/drawing/2010/main" xmlns="" w="9525">
                   <a:solidFill>
                     <a:srgbClr val="000000"/>
                   </a:solidFill>
@@ -4164,7 +4164,7 @@
             </a:ln>
             <a:extLst>
               <a:ext uri="{91240B29-F687-4f45-9708-019B960494DF}">
-                <a14:hiddenLine xmlns="" xmlns:a14="http://schemas.microsoft.com/office/drawing/2010/main" w="9525">
+                <a14:hiddenLine xmlns:a14="http://schemas.microsoft.com/office/drawing/2010/main" xmlns="" w="9525">
                   <a:solidFill>
                     <a:srgbClr val="000000"/>
                   </a:solidFill>
@@ -4254,7 +4254,7 @@
             </a:ln>
             <a:extLst>
               <a:ext uri="{91240B29-F687-4f45-9708-019B960494DF}">
-                <a14:hiddenLine xmlns="" xmlns:a14="http://schemas.microsoft.com/office/drawing/2010/main" w="9525">
+                <a14:hiddenLine xmlns:a14="http://schemas.microsoft.com/office/drawing/2010/main" xmlns="" w="9525">
                   <a:solidFill>
                     <a:srgbClr val="000000"/>
                   </a:solidFill>
@@ -4394,7 +4394,7 @@
           <a:p>
             <a:fld id="{3B57195E-6F70-4CDB-8628-8204974371BE}" type="datetimeFigureOut">
               <a:rPr lang="fr-FR" smtClean="0"/>
-              <a:t>04/03/2019</a:t>
+              <a:t>07/03/2019</a:t>
             </a:fld>
             <a:endParaRPr lang="fr-FR"/>
           </a:p>
@@ -4661,7 +4661,7 @@
           <a:p>
             <a:fld id="{3B57195E-6F70-4CDB-8628-8204974371BE}" type="datetimeFigureOut">
               <a:rPr lang="fr-FR" smtClean="0"/>
-              <a:t>04/03/2019</a:t>
+              <a:t>07/03/2019</a:t>
             </a:fld>
             <a:endParaRPr lang="fr-FR"/>
           </a:p>
@@ -4857,7 +4857,7 @@
           <a:p>
             <a:fld id="{3B57195E-6F70-4CDB-8628-8204974371BE}" type="datetimeFigureOut">
               <a:rPr lang="fr-FR" smtClean="0"/>
-              <a:t>04/03/2019</a:t>
+              <a:t>07/03/2019</a:t>
             </a:fld>
             <a:endParaRPr lang="fr-FR"/>
           </a:p>
@@ -5120,7 +5120,7 @@
           <a:p>
             <a:fld id="{3B57195E-6F70-4CDB-8628-8204974371BE}" type="datetimeFigureOut">
               <a:rPr lang="fr-FR" smtClean="0"/>
-              <a:t>04/03/2019</a:t>
+              <a:t>07/03/2019</a:t>
             </a:fld>
             <a:endParaRPr lang="fr-FR"/>
           </a:p>
@@ -5554,7 +5554,7 @@
           <a:p>
             <a:fld id="{3B57195E-6F70-4CDB-8628-8204974371BE}" type="datetimeFigureOut">
               <a:rPr lang="fr-FR" smtClean="0"/>
-              <a:t>04/03/2019</a:t>
+              <a:t>07/03/2019</a:t>
             </a:fld>
             <a:endParaRPr lang="fr-FR"/>
           </a:p>
@@ -6100,7 +6100,7 @@
           <a:p>
             <a:fld id="{3B57195E-6F70-4CDB-8628-8204974371BE}" type="datetimeFigureOut">
               <a:rPr lang="fr-FR" smtClean="0"/>
-              <a:t>04/03/2019</a:t>
+              <a:t>07/03/2019</a:t>
             </a:fld>
             <a:endParaRPr lang="fr-FR"/>
           </a:p>
@@ -6820,7 +6820,7 @@
           <a:p>
             <a:fld id="{3B57195E-6F70-4CDB-8628-8204974371BE}" type="datetimeFigureOut">
               <a:rPr lang="fr-FR" smtClean="0"/>
-              <a:t>04/03/2019</a:t>
+              <a:t>07/03/2019</a:t>
             </a:fld>
             <a:endParaRPr lang="fr-FR"/>
           </a:p>
@@ -6990,7 +6990,7 @@
           <a:p>
             <a:fld id="{3B57195E-6F70-4CDB-8628-8204974371BE}" type="datetimeFigureOut">
               <a:rPr lang="fr-FR" smtClean="0"/>
-              <a:t>04/03/2019</a:t>
+              <a:t>07/03/2019</a:t>
             </a:fld>
             <a:endParaRPr lang="fr-FR"/>
           </a:p>
@@ -7170,7 +7170,7 @@
           <a:p>
             <a:fld id="{3B57195E-6F70-4CDB-8628-8204974371BE}" type="datetimeFigureOut">
               <a:rPr lang="fr-FR" smtClean="0"/>
-              <a:t>04/03/2019</a:t>
+              <a:t>07/03/2019</a:t>
             </a:fld>
             <a:endParaRPr lang="fr-FR"/>
           </a:p>
@@ -7340,7 +7340,7 @@
           <a:p>
             <a:fld id="{3B57195E-6F70-4CDB-8628-8204974371BE}" type="datetimeFigureOut">
               <a:rPr lang="fr-FR" smtClean="0"/>
-              <a:t>04/03/2019</a:t>
+              <a:t>07/03/2019</a:t>
             </a:fld>
             <a:endParaRPr lang="fr-FR"/>
           </a:p>
@@ -7590,7 +7590,7 @@
           <a:p>
             <a:fld id="{3B57195E-6F70-4CDB-8628-8204974371BE}" type="datetimeFigureOut">
               <a:rPr lang="fr-FR" smtClean="0"/>
-              <a:t>04/03/2019</a:t>
+              <a:t>07/03/2019</a:t>
             </a:fld>
             <a:endParaRPr lang="fr-FR"/>
           </a:p>
@@ -7822,7 +7822,7 @@
           <a:p>
             <a:fld id="{3B57195E-6F70-4CDB-8628-8204974371BE}" type="datetimeFigureOut">
               <a:rPr lang="fr-FR" smtClean="0"/>
-              <a:t>04/03/2019</a:t>
+              <a:t>07/03/2019</a:t>
             </a:fld>
             <a:endParaRPr lang="fr-FR"/>
           </a:p>
@@ -8203,7 +8203,7 @@
           <a:p>
             <a:fld id="{3B57195E-6F70-4CDB-8628-8204974371BE}" type="datetimeFigureOut">
               <a:rPr lang="fr-FR" smtClean="0"/>
-              <a:t>04/03/2019</a:t>
+              <a:t>07/03/2019</a:t>
             </a:fld>
             <a:endParaRPr lang="fr-FR"/>
           </a:p>
@@ -8321,7 +8321,7 @@
           <a:p>
             <a:fld id="{3B57195E-6F70-4CDB-8628-8204974371BE}" type="datetimeFigureOut">
               <a:rPr lang="fr-FR" smtClean="0"/>
-              <a:t>04/03/2019</a:t>
+              <a:t>07/03/2019</a:t>
             </a:fld>
             <a:endParaRPr lang="fr-FR"/>
           </a:p>
@@ -8416,7 +8416,7 @@
           <a:p>
             <a:fld id="{3B57195E-6F70-4CDB-8628-8204974371BE}" type="datetimeFigureOut">
               <a:rPr lang="fr-FR" smtClean="0"/>
-              <a:t>04/03/2019</a:t>
+              <a:t>07/03/2019</a:t>
             </a:fld>
             <a:endParaRPr lang="fr-FR"/>
           </a:p>
@@ -8665,7 +8665,7 @@
           <a:p>
             <a:fld id="{3B57195E-6F70-4CDB-8628-8204974371BE}" type="datetimeFigureOut">
               <a:rPr lang="fr-FR" smtClean="0"/>
-              <a:t>04/03/2019</a:t>
+              <a:t>07/03/2019</a:t>
             </a:fld>
             <a:endParaRPr lang="fr-FR"/>
           </a:p>
@@ -8945,7 +8945,7 @@
           <a:p>
             <a:fld id="{3B57195E-6F70-4CDB-8628-8204974371BE}" type="datetimeFigureOut">
               <a:rPr lang="fr-FR" smtClean="0"/>
-              <a:t>04/03/2019</a:t>
+              <a:t>07/03/2019</a:t>
             </a:fld>
             <a:endParaRPr lang="fr-FR"/>
           </a:p>
@@ -9061,7 +9061,7 @@
           <a:noFill/>
           <a:extLst>
             <a:ext uri="{909E8E84-426E-40dd-AFC4-6F175D3DCCD1}">
-              <a14:hiddenFill xmlns="" xmlns:a14="http://schemas.microsoft.com/office/drawing/2010/main">
+              <a14:hiddenFill xmlns:a14="http://schemas.microsoft.com/office/drawing/2010/main" xmlns="">
                 <a:solidFill>
                   <a:srgbClr val="FFFFFF"/>
                 </a:solidFill>
@@ -9135,7 +9135,7 @@
               </a:ln>
               <a:extLst>
                 <a:ext uri="{91240B29-F687-4f45-9708-019B960494DF}">
-                  <a14:hiddenLine xmlns="" xmlns:a14="http://schemas.microsoft.com/office/drawing/2010/main" w="9525">
+                  <a14:hiddenLine xmlns:a14="http://schemas.microsoft.com/office/drawing/2010/main" xmlns="" w="9525">
                     <a:solidFill>
                       <a:srgbClr val="000000"/>
                     </a:solidFill>
@@ -9225,7 +9225,7 @@
               </a:ln>
               <a:extLst>
                 <a:ext uri="{91240B29-F687-4f45-9708-019B960494DF}">
-                  <a14:hiddenLine xmlns="" xmlns:a14="http://schemas.microsoft.com/office/drawing/2010/main" w="9525">
+                  <a14:hiddenLine xmlns:a14="http://schemas.microsoft.com/office/drawing/2010/main" xmlns="" w="9525">
                     <a:solidFill>
                       <a:srgbClr val="000000"/>
                     </a:solidFill>
@@ -9315,7 +9315,7 @@
               </a:ln>
               <a:extLst>
                 <a:ext uri="{91240B29-F687-4f45-9708-019B960494DF}">
-                  <a14:hiddenLine xmlns="" xmlns:a14="http://schemas.microsoft.com/office/drawing/2010/main" w="9525">
+                  <a14:hiddenLine xmlns:a14="http://schemas.microsoft.com/office/drawing/2010/main" xmlns="" w="9525">
                     <a:solidFill>
                       <a:srgbClr val="000000"/>
                     </a:solidFill>
@@ -9377,7 +9377,7 @@
               </a:ln>
               <a:extLst>
                 <a:ext uri="{91240B29-F687-4f45-9708-019B960494DF}">
-                  <a14:hiddenLine xmlns="" xmlns:a14="http://schemas.microsoft.com/office/drawing/2010/main" w="9525">
+                  <a14:hiddenLine xmlns:a14="http://schemas.microsoft.com/office/drawing/2010/main" xmlns="" w="9525">
                     <a:solidFill>
                       <a:srgbClr val="000000"/>
                     </a:solidFill>
@@ -9467,7 +9467,7 @@
               </a:ln>
               <a:extLst>
                 <a:ext uri="{91240B29-F687-4f45-9708-019B960494DF}">
-                  <a14:hiddenLine xmlns="" xmlns:a14="http://schemas.microsoft.com/office/drawing/2010/main" w="9525">
+                  <a14:hiddenLine xmlns:a14="http://schemas.microsoft.com/office/drawing/2010/main" xmlns="" w="9525">
                     <a:solidFill>
                       <a:srgbClr val="000000"/>
                     </a:solidFill>
@@ -9529,7 +9529,7 @@
               </a:ln>
               <a:extLst>
                 <a:ext uri="{91240B29-F687-4f45-9708-019B960494DF}">
-                  <a14:hiddenLine xmlns="" xmlns:a14="http://schemas.microsoft.com/office/drawing/2010/main" w="9525">
+                  <a14:hiddenLine xmlns:a14="http://schemas.microsoft.com/office/drawing/2010/main" xmlns="" w="9525">
                     <a:solidFill>
                       <a:srgbClr val="000000"/>
                     </a:solidFill>
@@ -9591,7 +9591,7 @@
               </a:ln>
               <a:extLst>
                 <a:ext uri="{91240B29-F687-4f45-9708-019B960494DF}">
-                  <a14:hiddenLine xmlns="" xmlns:a14="http://schemas.microsoft.com/office/drawing/2010/main" w="9525">
+                  <a14:hiddenLine xmlns:a14="http://schemas.microsoft.com/office/drawing/2010/main" xmlns="" w="9525">
                     <a:solidFill>
                       <a:srgbClr val="000000"/>
                     </a:solidFill>
@@ -9681,7 +9681,7 @@
               </a:ln>
               <a:extLst>
                 <a:ext uri="{91240B29-F687-4f45-9708-019B960494DF}">
-                  <a14:hiddenLine xmlns="" xmlns:a14="http://schemas.microsoft.com/office/drawing/2010/main" w="9525">
+                  <a14:hiddenLine xmlns:a14="http://schemas.microsoft.com/office/drawing/2010/main" xmlns="" w="9525">
                     <a:solidFill>
                       <a:srgbClr val="000000"/>
                     </a:solidFill>
@@ -9771,7 +9771,7 @@
               </a:ln>
               <a:extLst>
                 <a:ext uri="{91240B29-F687-4f45-9708-019B960494DF}">
-                  <a14:hiddenLine xmlns="" xmlns:a14="http://schemas.microsoft.com/office/drawing/2010/main" w="9525">
+                  <a14:hiddenLine xmlns:a14="http://schemas.microsoft.com/office/drawing/2010/main" xmlns="" w="9525">
                     <a:solidFill>
                       <a:srgbClr val="000000"/>
                     </a:solidFill>
@@ -9833,7 +9833,7 @@
               </a:ln>
               <a:extLst>
                 <a:ext uri="{91240B29-F687-4f45-9708-019B960494DF}">
-                  <a14:hiddenLine xmlns="" xmlns:a14="http://schemas.microsoft.com/office/drawing/2010/main" w="9525">
+                  <a14:hiddenLine xmlns:a14="http://schemas.microsoft.com/office/drawing/2010/main" xmlns="" w="9525">
                     <a:solidFill>
                       <a:srgbClr val="000000"/>
                     </a:solidFill>
@@ -9943,7 +9943,7 @@
               </a:ln>
               <a:extLst>
                 <a:ext uri="{91240B29-F687-4f45-9708-019B960494DF}">
-                  <a14:hiddenLine xmlns="" xmlns:a14="http://schemas.microsoft.com/office/drawing/2010/main" w="9525">
+                  <a14:hiddenLine xmlns:a14="http://schemas.microsoft.com/office/drawing/2010/main" xmlns="" w="9525">
                     <a:solidFill>
                       <a:srgbClr val="000000"/>
                     </a:solidFill>
@@ -10027,7 +10027,7 @@
               </a:ln>
               <a:extLst>
                 <a:ext uri="{91240B29-F687-4f45-9708-019B960494DF}">
-                  <a14:hiddenLine xmlns="" xmlns:a14="http://schemas.microsoft.com/office/drawing/2010/main" w="9525">
+                  <a14:hiddenLine xmlns:a14="http://schemas.microsoft.com/office/drawing/2010/main" xmlns="" w="9525">
                     <a:solidFill>
                       <a:srgbClr val="000000"/>
                     </a:solidFill>
@@ -10089,7 +10089,7 @@
               </a:ln>
               <a:extLst>
                 <a:ext uri="{91240B29-F687-4f45-9708-019B960494DF}">
-                  <a14:hiddenLine xmlns="" xmlns:a14="http://schemas.microsoft.com/office/drawing/2010/main" w="9525">
+                  <a14:hiddenLine xmlns:a14="http://schemas.microsoft.com/office/drawing/2010/main" xmlns="" w="9525">
                     <a:solidFill>
                       <a:srgbClr val="000000"/>
                     </a:solidFill>
@@ -10151,7 +10151,7 @@
               </a:ln>
               <a:extLst>
                 <a:ext uri="{91240B29-F687-4f45-9708-019B960494DF}">
-                  <a14:hiddenLine xmlns="" xmlns:a14="http://schemas.microsoft.com/office/drawing/2010/main" w="9525">
+                  <a14:hiddenLine xmlns:a14="http://schemas.microsoft.com/office/drawing/2010/main" xmlns="" w="9525">
                     <a:solidFill>
                       <a:srgbClr val="000000"/>
                     </a:solidFill>
@@ -10241,7 +10241,7 @@
               </a:ln>
               <a:extLst>
                 <a:ext uri="{91240B29-F687-4f45-9708-019B960494DF}">
-                  <a14:hiddenLine xmlns="" xmlns:a14="http://schemas.microsoft.com/office/drawing/2010/main" w="9525">
+                  <a14:hiddenLine xmlns:a14="http://schemas.microsoft.com/office/drawing/2010/main" xmlns="" w="9525">
                     <a:solidFill>
                       <a:srgbClr val="000000"/>
                     </a:solidFill>
@@ -10275,7 +10275,7 @@
               </a:ln>
               <a:extLst>
                 <a:ext uri="{91240B29-F687-4f45-9708-019B960494DF}">
-                  <a14:hiddenLine xmlns="" xmlns:a14="http://schemas.microsoft.com/office/drawing/2010/main" w="9525">
+                  <a14:hiddenLine xmlns:a14="http://schemas.microsoft.com/office/drawing/2010/main" xmlns="" w="9525">
                     <a:solidFill>
                       <a:srgbClr val="000000"/>
                     </a:solidFill>
@@ -10340,7 +10340,7 @@
               </a:ln>
               <a:extLst>
                 <a:ext uri="{91240B29-F687-4f45-9708-019B960494DF}">
-                  <a14:hiddenLine xmlns="" xmlns:a14="http://schemas.microsoft.com/office/drawing/2010/main" w="9525">
+                  <a14:hiddenLine xmlns:a14="http://schemas.microsoft.com/office/drawing/2010/main" xmlns="" w="9525">
                     <a:solidFill>
                       <a:srgbClr val="000000"/>
                     </a:solidFill>
@@ -10430,7 +10430,7 @@
               </a:ln>
               <a:extLst>
                 <a:ext uri="{91240B29-F687-4f45-9708-019B960494DF}">
-                  <a14:hiddenLine xmlns="" xmlns:a14="http://schemas.microsoft.com/office/drawing/2010/main" w="9525">
+                  <a14:hiddenLine xmlns:a14="http://schemas.microsoft.com/office/drawing/2010/main" xmlns="" w="9525">
                     <a:solidFill>
                       <a:srgbClr val="000000"/>
                     </a:solidFill>
@@ -10492,7 +10492,7 @@
               </a:ln>
               <a:extLst>
                 <a:ext uri="{91240B29-F687-4f45-9708-019B960494DF}">
-                  <a14:hiddenLine xmlns="" xmlns:a14="http://schemas.microsoft.com/office/drawing/2010/main" w="9525">
+                  <a14:hiddenLine xmlns:a14="http://schemas.microsoft.com/office/drawing/2010/main" xmlns="" w="9525">
                     <a:solidFill>
                       <a:srgbClr val="000000"/>
                     </a:solidFill>
@@ -10582,7 +10582,7 @@
               </a:ln>
               <a:extLst>
                 <a:ext uri="{91240B29-F687-4f45-9708-019B960494DF}">
-                  <a14:hiddenLine xmlns="" xmlns:a14="http://schemas.microsoft.com/office/drawing/2010/main" w="9525">
+                  <a14:hiddenLine xmlns:a14="http://schemas.microsoft.com/office/drawing/2010/main" xmlns="" w="9525">
                     <a:solidFill>
                       <a:srgbClr val="000000"/>
                     </a:solidFill>
@@ -10647,7 +10647,7 @@
               </a:ln>
               <a:extLst>
                 <a:ext uri="{91240B29-F687-4f45-9708-019B960494DF}">
-                  <a14:hiddenLine xmlns="" xmlns:a14="http://schemas.microsoft.com/office/drawing/2010/main" w="9525">
+                  <a14:hiddenLine xmlns:a14="http://schemas.microsoft.com/office/drawing/2010/main" xmlns="" w="9525">
                     <a:solidFill>
                       <a:srgbClr val="000000"/>
                     </a:solidFill>
@@ -10709,7 +10709,7 @@
               </a:ln>
               <a:extLst>
                 <a:ext uri="{91240B29-F687-4f45-9708-019B960494DF}">
-                  <a14:hiddenLine xmlns="" xmlns:a14="http://schemas.microsoft.com/office/drawing/2010/main" w="9525">
+                  <a14:hiddenLine xmlns:a14="http://schemas.microsoft.com/office/drawing/2010/main" xmlns="" w="9525">
                     <a:solidFill>
                       <a:srgbClr val="000000"/>
                     </a:solidFill>
@@ -10799,7 +10799,7 @@
               </a:ln>
               <a:extLst>
                 <a:ext uri="{91240B29-F687-4f45-9708-019B960494DF}">
-                  <a14:hiddenLine xmlns="" xmlns:a14="http://schemas.microsoft.com/office/drawing/2010/main" w="9525">
+                  <a14:hiddenLine xmlns:a14="http://schemas.microsoft.com/office/drawing/2010/main" xmlns="" w="9525">
                     <a:solidFill>
                       <a:srgbClr val="000000"/>
                     </a:solidFill>
@@ -10889,7 +10889,7 @@
               </a:ln>
               <a:extLst>
                 <a:ext uri="{91240B29-F687-4f45-9708-019B960494DF}">
-                  <a14:hiddenLine xmlns="" xmlns:a14="http://schemas.microsoft.com/office/drawing/2010/main" w="9525">
+                  <a14:hiddenLine xmlns:a14="http://schemas.microsoft.com/office/drawing/2010/main" xmlns="" w="9525">
                     <a:solidFill>
                       <a:srgbClr val="000000"/>
                     </a:solidFill>
@@ -10954,7 +10954,7 @@
               </a:ln>
               <a:extLst>
                 <a:ext uri="{91240B29-F687-4f45-9708-019B960494DF}">
-                  <a14:hiddenLine xmlns="" xmlns:a14="http://schemas.microsoft.com/office/drawing/2010/main" w="9525">
+                  <a14:hiddenLine xmlns:a14="http://schemas.microsoft.com/office/drawing/2010/main" xmlns="" w="9525">
                     <a:solidFill>
                       <a:srgbClr val="000000"/>
                     </a:solidFill>
@@ -11074,7 +11074,7 @@
               </a:ln>
               <a:extLst>
                 <a:ext uri="{91240B29-F687-4f45-9708-019B960494DF}">
-                  <a14:hiddenLine xmlns="" xmlns:a14="http://schemas.microsoft.com/office/drawing/2010/main" w="9525">
+                  <a14:hiddenLine xmlns:a14="http://schemas.microsoft.com/office/drawing/2010/main" xmlns="" w="9525">
                     <a:solidFill>
                       <a:srgbClr val="000000"/>
                     </a:solidFill>
@@ -11172,7 +11172,7 @@
               </a:ln>
               <a:extLst>
                 <a:ext uri="{91240B29-F687-4f45-9708-019B960494DF}">
-                  <a14:hiddenLine xmlns="" xmlns:a14="http://schemas.microsoft.com/office/drawing/2010/main" w="9525">
+                  <a14:hiddenLine xmlns:a14="http://schemas.microsoft.com/office/drawing/2010/main" xmlns="" w="9525">
                     <a:solidFill>
                       <a:srgbClr val="000000"/>
                     </a:solidFill>
@@ -11287,7 +11287,7 @@
               </a:ln>
               <a:extLst>
                 <a:ext uri="{91240B29-F687-4f45-9708-019B960494DF}">
-                  <a14:hiddenLine xmlns="" xmlns:a14="http://schemas.microsoft.com/office/drawing/2010/main" w="9525">
+                  <a14:hiddenLine xmlns:a14="http://schemas.microsoft.com/office/drawing/2010/main" xmlns="" w="9525">
                     <a:solidFill>
                       <a:srgbClr val="000000"/>
                     </a:solidFill>
@@ -11377,7 +11377,7 @@
               </a:ln>
               <a:extLst>
                 <a:ext uri="{91240B29-F687-4f45-9708-019B960494DF}">
-                  <a14:hiddenLine xmlns="" xmlns:a14="http://schemas.microsoft.com/office/drawing/2010/main" w="9525">
+                  <a14:hiddenLine xmlns:a14="http://schemas.microsoft.com/office/drawing/2010/main" xmlns="" w="9525">
                     <a:solidFill>
                       <a:srgbClr val="000000"/>
                     </a:solidFill>
@@ -11442,7 +11442,7 @@
               </a:ln>
               <a:extLst>
                 <a:ext uri="{91240B29-F687-4f45-9708-019B960494DF}">
-                  <a14:hiddenLine xmlns="" xmlns:a14="http://schemas.microsoft.com/office/drawing/2010/main" w="9525">
+                  <a14:hiddenLine xmlns:a14="http://schemas.microsoft.com/office/drawing/2010/main" xmlns="" w="9525">
                     <a:solidFill>
                       <a:srgbClr val="000000"/>
                     </a:solidFill>
@@ -11532,7 +11532,7 @@
               </a:ln>
               <a:extLst>
                 <a:ext uri="{91240B29-F687-4f45-9708-019B960494DF}">
-                  <a14:hiddenLine xmlns="" xmlns:a14="http://schemas.microsoft.com/office/drawing/2010/main" w="9525">
+                  <a14:hiddenLine xmlns:a14="http://schemas.microsoft.com/office/drawing/2010/main" xmlns="" w="9525">
                     <a:solidFill>
                       <a:srgbClr val="000000"/>
                     </a:solidFill>
@@ -11600,7 +11600,7 @@
               </a:ln>
               <a:extLst>
                 <a:ext uri="{91240B29-F687-4f45-9708-019B960494DF}">
-                  <a14:hiddenLine xmlns="" xmlns:a14="http://schemas.microsoft.com/office/drawing/2010/main" w="9525">
+                  <a14:hiddenLine xmlns:a14="http://schemas.microsoft.com/office/drawing/2010/main" xmlns="" w="9525">
                     <a:solidFill>
                       <a:srgbClr val="000000"/>
                     </a:solidFill>
@@ -11690,7 +11690,7 @@
               </a:ln>
               <a:extLst>
                 <a:ext uri="{91240B29-F687-4f45-9708-019B960494DF}">
-                  <a14:hiddenLine xmlns="" xmlns:a14="http://schemas.microsoft.com/office/drawing/2010/main" w="9525">
+                  <a14:hiddenLine xmlns:a14="http://schemas.microsoft.com/office/drawing/2010/main" xmlns="" w="9525">
                     <a:solidFill>
                       <a:srgbClr val="000000"/>
                     </a:solidFill>
@@ -11758,7 +11758,7 @@
               </a:ln>
               <a:extLst>
                 <a:ext uri="{91240B29-F687-4f45-9708-019B960494DF}">
-                  <a14:hiddenLine xmlns="" xmlns:a14="http://schemas.microsoft.com/office/drawing/2010/main" w="9525">
+                  <a14:hiddenLine xmlns:a14="http://schemas.microsoft.com/office/drawing/2010/main" xmlns="" w="9525">
                     <a:solidFill>
                       <a:srgbClr val="000000"/>
                     </a:solidFill>
@@ -11848,7 +11848,7 @@
               </a:ln>
               <a:extLst>
                 <a:ext uri="{91240B29-F687-4f45-9708-019B960494DF}">
-                  <a14:hiddenLine xmlns="" xmlns:a14="http://schemas.microsoft.com/office/drawing/2010/main" w="9525">
+                  <a14:hiddenLine xmlns:a14="http://schemas.microsoft.com/office/drawing/2010/main" xmlns="" w="9525">
                     <a:solidFill>
                       <a:srgbClr val="000000"/>
                     </a:solidFill>
@@ -11882,7 +11882,7 @@
               </a:ln>
               <a:extLst>
                 <a:ext uri="{91240B29-F687-4f45-9708-019B960494DF}">
-                  <a14:hiddenLine xmlns="" xmlns:a14="http://schemas.microsoft.com/office/drawing/2010/main" w="9525">
+                  <a14:hiddenLine xmlns:a14="http://schemas.microsoft.com/office/drawing/2010/main" xmlns="" w="9525">
                     <a:solidFill>
                       <a:srgbClr val="000000"/>
                     </a:solidFill>
@@ -12022,7 +12022,7 @@
           <a:p>
             <a:fld id="{3B57195E-6F70-4CDB-8628-8204974371BE}" type="datetimeFigureOut">
               <a:rPr lang="fr-FR" smtClean="0"/>
-              <a:t>04/03/2019</a:t>
+              <a:t>07/03/2019</a:t>
             </a:fld>
             <a:endParaRPr lang="fr-FR"/>
           </a:p>
@@ -12612,7 +12612,7 @@
             <a:noFill/>
             <a:extLst>
               <a:ext uri="{909E8E84-426E-40dd-AFC4-6F175D3DCCD1}">
-                <a14:hiddenFill xmlns:a16="http://schemas.microsoft.com/office/drawing/2014/main" xmlns:p14="http://schemas.microsoft.com/office/powerpoint/2010/main" xmlns:a14="http://schemas.microsoft.com/office/drawing/2010/main" xmlns="">
+                <a14:hiddenFill xmlns="" xmlns:a14="http://schemas.microsoft.com/office/drawing/2010/main" xmlns:p14="http://schemas.microsoft.com/office/powerpoint/2010/main" xmlns:a16="http://schemas.microsoft.com/office/drawing/2014/main">
                   <a:solidFill>
                     <a:srgbClr val="FFFFFF"/>
                   </a:solidFill>
@@ -17760,6 +17760,14 @@
           <a:prstGeom prst="rightArrow">
             <a:avLst/>
           </a:prstGeom>
+          <a:solidFill>
+            <a:schemeClr val="tx2"/>
+          </a:solidFill>
+          <a:ln>
+            <a:solidFill>
+              <a:schemeClr val="bg2"/>
+            </a:solidFill>
+          </a:ln>
         </p:spPr>
         <p:style>
           <a:lnRef idx="2">
@@ -17782,7 +17790,14 @@
           <a:lstStyle/>
           <a:p>
             <a:pPr algn="ctr"/>
-            <a:endParaRPr lang="fr-FR"/>
+            <a:endParaRPr lang="fr-FR" dirty="0">
+              <a:solidFill>
+                <a:schemeClr val="bg2"/>
+              </a:solidFill>
+              <a:highlight>
+                <a:srgbClr val="0000FF"/>
+              </a:highlight>
+            </a:endParaRPr>
           </a:p>
         </p:txBody>
       </p:sp>
@@ -17836,7 +17851,7 @@
         <p:spPr>
           <a:xfrm>
             <a:off x="3476445" y="3063815"/>
-            <a:ext cx="8436634" cy="923330"/>
+            <a:ext cx="8436634" cy="646331"/>
           </a:xfrm>
           <a:prstGeom prst="rect">
             <a:avLst/>
@@ -17851,65 +17866,8 @@
           <a:p>
             <a:r>
               <a:rPr lang="fr-FR" dirty="0"/>
-              <a:t>Variables qui pointent vers des méthodes contenant la même signature.</a:t>
-            </a:r>
-          </a:p>
-          <a:p>
-            <a:r>
-              <a:rPr lang="fr-FR" dirty="0"/>
-              <a:t>Affichage Classique doit être une méthode qui prend en argument un String et renvoie également </a:t>
-            </a:r>
-            <a:r>
-              <a:rPr lang="fr-FR"/>
-              <a:t>un string.</a:t>
-            </a:r>
-            <a:endParaRPr lang="fr-FR" dirty="0"/>
-          </a:p>
-        </p:txBody>
-      </p:sp>
-      <p:sp>
-        <p:nvSpPr>
-          <p:cNvPr id="10" name="Flèche : droite 9">
-            <a:extLst>
-              <a:ext uri="{FF2B5EF4-FFF2-40B4-BE49-F238E27FC236}">
-                <a16:creationId xmlns:a16="http://schemas.microsoft.com/office/drawing/2014/main" id="{BA75ECE9-4607-49B0-B895-C4F5C116473F}"/>
-              </a:ext>
-            </a:extLst>
-          </p:cNvPr>
-          <p:cNvSpPr/>
-          <p:nvPr/>
-        </p:nvSpPr>
-        <p:spPr>
-          <a:xfrm>
-            <a:off x="3243532" y="3170843"/>
-            <a:ext cx="163902" cy="155275"/>
-          </a:xfrm>
-          <a:prstGeom prst="rightArrow">
-            <a:avLst/>
-          </a:prstGeom>
-        </p:spPr>
-        <p:style>
-          <a:lnRef idx="2">
-            <a:schemeClr val="accent1">
-              <a:shade val="50000"/>
-            </a:schemeClr>
-          </a:lnRef>
-          <a:fillRef idx="1">
-            <a:schemeClr val="accent1"/>
-          </a:fillRef>
-          <a:effectRef idx="0">
-            <a:schemeClr val="accent1"/>
-          </a:effectRef>
-          <a:fontRef idx="minor">
-            <a:schemeClr val="lt1"/>
-          </a:fontRef>
-        </p:style>
-        <p:txBody>
-          <a:bodyPr rtlCol="0" anchor="ctr"/>
-          <a:lstStyle/>
-          <a:p>
-            <a:pPr algn="ctr"/>
-            <a:endParaRPr lang="fr-FR"/>
+              <a:t>Affichage Classique doit être une méthode qui prend en argument un String et renvoie également un string.</a:t>
+            </a:r>
           </a:p>
         </p:txBody>
       </p:sp>
@@ -17963,6 +17921,425 @@
             <a:r>
               <a:rPr lang="fr-FR" dirty="0"/>
               <a:t>; </a:t>
+            </a:r>
+          </a:p>
+        </p:txBody>
+      </p:sp>
+      <p:sp>
+        <p:nvSpPr>
+          <p:cNvPr id="12" name="ZoneTexte 11">
+            <a:extLst>
+              <a:ext uri="{FF2B5EF4-FFF2-40B4-BE49-F238E27FC236}">
+                <a16:creationId xmlns:a16="http://schemas.microsoft.com/office/drawing/2014/main" id="{F73B59D2-C5C4-40E0-857F-5ADC6AAA882D}"/>
+              </a:ext>
+            </a:extLst>
+          </p:cNvPr>
+          <p:cNvSpPr txBox="1"/>
+          <p:nvPr/>
+        </p:nvSpPr>
+        <p:spPr>
+          <a:xfrm>
+            <a:off x="2424021" y="3855537"/>
+            <a:ext cx="8436634" cy="369332"/>
+          </a:xfrm>
+          <a:prstGeom prst="rect">
+            <a:avLst/>
+          </a:prstGeom>
+          <a:noFill/>
+        </p:spPr>
+        <p:txBody>
+          <a:bodyPr wrap="square" rtlCol="0">
+            <a:spAutoFit/>
+          </a:bodyPr>
+          <a:lstStyle/>
+          <a:p>
+            <a:r>
+              <a:rPr lang="fr-FR" dirty="0"/>
+              <a:t>Variables qui pointent vers des méthodes quelconques : mot-clé </a:t>
+            </a:r>
+            <a:r>
+              <a:rPr lang="fr-FR" i="1" dirty="0" err="1"/>
+              <a:t>delegate</a:t>
+            </a:r>
+            <a:endParaRPr lang="fr-FR" i="1" dirty="0"/>
+          </a:p>
+        </p:txBody>
+      </p:sp>
+      <p:sp>
+        <p:nvSpPr>
+          <p:cNvPr id="4" name="Rectangle 3">
+            <a:extLst>
+              <a:ext uri="{FF2B5EF4-FFF2-40B4-BE49-F238E27FC236}">
+                <a16:creationId xmlns:a16="http://schemas.microsoft.com/office/drawing/2014/main" id="{944B6706-0710-4093-9382-990A95693928}"/>
+              </a:ext>
+            </a:extLst>
+          </p:cNvPr>
+          <p:cNvSpPr/>
+          <p:nvPr/>
+        </p:nvSpPr>
+        <p:spPr>
+          <a:xfrm>
+            <a:off x="4520241" y="4400445"/>
+            <a:ext cx="4301819" cy="375552"/>
+          </a:xfrm>
+          <a:prstGeom prst="rect">
+            <a:avLst/>
+          </a:prstGeom>
+          <a:solidFill>
+            <a:schemeClr val="bg1"/>
+          </a:solidFill>
+          <a:ln>
+            <a:solidFill>
+              <a:schemeClr val="tx1"/>
+            </a:solidFill>
+          </a:ln>
+        </p:spPr>
+        <p:txBody>
+          <a:bodyPr wrap="none">
+            <a:spAutoFit/>
+          </a:bodyPr>
+          <a:lstStyle/>
+          <a:p>
+            <a:pPr>
+              <a:lnSpc>
+                <a:spcPct val="107000"/>
+              </a:lnSpc>
+              <a:spcAft>
+                <a:spcPts val="0"/>
+              </a:spcAft>
+            </a:pPr>
+            <a:r>
+              <a:rPr lang="en-US" dirty="0" err="1">
+                <a:solidFill>
+                  <a:srgbClr val="000000"/>
+                </a:solidFill>
+                <a:ea typeface="Calibri" panose="020F0502020204030204" pitchFamily="34" charset="0"/>
+                <a:cs typeface="Calibri" panose="020F0502020204030204" pitchFamily="34" charset="0"/>
+              </a:rPr>
+              <a:t>ActionOnString</a:t>
+            </a:r>
+            <a:r>
+              <a:rPr lang="en-US" dirty="0">
+                <a:solidFill>
+                  <a:srgbClr val="000000"/>
+                </a:solidFill>
+                <a:ea typeface="Calibri" panose="020F0502020204030204" pitchFamily="34" charset="0"/>
+                <a:cs typeface="Calibri" panose="020F0502020204030204" pitchFamily="34" charset="0"/>
+              </a:rPr>
+              <a:t> test2 = </a:t>
+            </a:r>
+            <a:r>
+              <a:rPr lang="en-US" dirty="0">
+                <a:solidFill>
+                  <a:srgbClr val="0000FF"/>
+                </a:solidFill>
+                <a:ea typeface="Calibri" panose="020F0502020204030204" pitchFamily="34" charset="0"/>
+                <a:cs typeface="Calibri" panose="020F0502020204030204" pitchFamily="34" charset="0"/>
+              </a:rPr>
+              <a:t>delegate</a:t>
+            </a:r>
+            <a:r>
+              <a:rPr lang="en-US" dirty="0">
+                <a:solidFill>
+                  <a:srgbClr val="000000"/>
+                </a:solidFill>
+                <a:ea typeface="Calibri" panose="020F0502020204030204" pitchFamily="34" charset="0"/>
+                <a:cs typeface="Calibri" panose="020F0502020204030204" pitchFamily="34" charset="0"/>
+              </a:rPr>
+              <a:t> (</a:t>
+            </a:r>
+            <a:r>
+              <a:rPr lang="en-US" dirty="0">
+                <a:solidFill>
+                  <a:srgbClr val="0000FF"/>
+                </a:solidFill>
+                <a:ea typeface="Calibri" panose="020F0502020204030204" pitchFamily="34" charset="0"/>
+                <a:cs typeface="Calibri" panose="020F0502020204030204" pitchFamily="34" charset="0"/>
+              </a:rPr>
+              <a:t>string</a:t>
+            </a:r>
+            <a:r>
+              <a:rPr lang="en-US" dirty="0">
+                <a:solidFill>
+                  <a:srgbClr val="000000"/>
+                </a:solidFill>
+                <a:ea typeface="Calibri" panose="020F0502020204030204" pitchFamily="34" charset="0"/>
+                <a:cs typeface="Calibri" panose="020F0502020204030204" pitchFamily="34" charset="0"/>
+              </a:rPr>
+              <a:t> text)</a:t>
+            </a:r>
+            <a:endParaRPr lang="fr-FR" sz="3200" dirty="0">
+              <a:effectLst/>
+              <a:ea typeface="Calibri" panose="020F0502020204030204" pitchFamily="34" charset="0"/>
+              <a:cs typeface="Times New Roman" panose="02020603050405020304" pitchFamily="18" charset="0"/>
+            </a:endParaRPr>
+          </a:p>
+        </p:txBody>
+      </p:sp>
+      <p:sp>
+        <p:nvSpPr>
+          <p:cNvPr id="13" name="ZoneTexte 12">
+            <a:extLst>
+              <a:ext uri="{FF2B5EF4-FFF2-40B4-BE49-F238E27FC236}">
+                <a16:creationId xmlns:a16="http://schemas.microsoft.com/office/drawing/2014/main" id="{718C9A75-3621-49FD-9020-43961C234FF4}"/>
+              </a:ext>
+            </a:extLst>
+          </p:cNvPr>
+          <p:cNvSpPr txBox="1"/>
+          <p:nvPr/>
+        </p:nvSpPr>
+        <p:spPr>
+          <a:xfrm>
+            <a:off x="2424021" y="4963713"/>
+            <a:ext cx="8436634" cy="369332"/>
+          </a:xfrm>
+          <a:prstGeom prst="rect">
+            <a:avLst/>
+          </a:prstGeom>
+          <a:noFill/>
+        </p:spPr>
+        <p:txBody>
+          <a:bodyPr wrap="square" rtlCol="0">
+            <a:spAutoFit/>
+          </a:bodyPr>
+          <a:lstStyle/>
+          <a:p>
+            <a:r>
+              <a:rPr lang="fr-FR" dirty="0"/>
+              <a:t>Utilisation des expressions lambda pour simplifier</a:t>
+            </a:r>
+            <a:endParaRPr lang="fr-FR" i="1" dirty="0"/>
+          </a:p>
+        </p:txBody>
+      </p:sp>
+      <p:sp>
+        <p:nvSpPr>
+          <p:cNvPr id="14" name="Rectangle 13">
+            <a:extLst>
+              <a:ext uri="{FF2B5EF4-FFF2-40B4-BE49-F238E27FC236}">
+                <a16:creationId xmlns:a16="http://schemas.microsoft.com/office/drawing/2014/main" id="{948672FE-F6B4-4981-8DBD-65B8D29BF503}"/>
+              </a:ext>
+            </a:extLst>
+          </p:cNvPr>
+          <p:cNvSpPr/>
+          <p:nvPr/>
+        </p:nvSpPr>
+        <p:spPr>
+          <a:xfrm>
+            <a:off x="4520241" y="5574130"/>
+            <a:ext cx="3244543" cy="375552"/>
+          </a:xfrm>
+          <a:prstGeom prst="rect">
+            <a:avLst/>
+          </a:prstGeom>
+          <a:solidFill>
+            <a:schemeClr val="bg1"/>
+          </a:solidFill>
+          <a:ln>
+            <a:solidFill>
+              <a:schemeClr val="tx1"/>
+            </a:solidFill>
+          </a:ln>
+        </p:spPr>
+        <p:txBody>
+          <a:bodyPr wrap="none">
+            <a:spAutoFit/>
+          </a:bodyPr>
+          <a:lstStyle/>
+          <a:p>
+            <a:pPr>
+              <a:lnSpc>
+                <a:spcPct val="107000"/>
+              </a:lnSpc>
+              <a:spcAft>
+                <a:spcPts val="0"/>
+              </a:spcAft>
+            </a:pPr>
+            <a:r>
+              <a:rPr lang="en-US" dirty="0" err="1">
+                <a:solidFill>
+                  <a:srgbClr val="000000"/>
+                </a:solidFill>
+                <a:latin typeface="+mj-lt"/>
+                <a:ea typeface="Calibri" panose="020F0502020204030204" pitchFamily="34" charset="0"/>
+                <a:cs typeface="Calibri" panose="020F0502020204030204" pitchFamily="34" charset="0"/>
+              </a:rPr>
+              <a:t>ActionOnString</a:t>
+            </a:r>
+            <a:r>
+              <a:rPr lang="en-US" dirty="0">
+                <a:solidFill>
+                  <a:srgbClr val="000000"/>
+                </a:solidFill>
+                <a:latin typeface="Calibri" panose="020F0502020204030204" pitchFamily="34" charset="0"/>
+                <a:ea typeface="Calibri" panose="020F0502020204030204" pitchFamily="34" charset="0"/>
+                <a:cs typeface="Calibri" panose="020F0502020204030204" pitchFamily="34" charset="0"/>
+              </a:rPr>
+              <a:t> test3 = s =&gt; s + s;</a:t>
+            </a:r>
+            <a:endParaRPr lang="fr-FR" sz="3200" dirty="0">
+              <a:effectLst/>
+              <a:latin typeface="Calibri" panose="020F0502020204030204" pitchFamily="34" charset="0"/>
+              <a:ea typeface="Calibri" panose="020F0502020204030204" pitchFamily="34" charset="0"/>
+              <a:cs typeface="Times New Roman" panose="02020603050405020304" pitchFamily="18" charset="0"/>
+            </a:endParaRPr>
+          </a:p>
+        </p:txBody>
+      </p:sp>
+      <p:sp>
+        <p:nvSpPr>
+          <p:cNvPr id="18" name="Accolade fermante 17">
+            <a:extLst>
+              <a:ext uri="{FF2B5EF4-FFF2-40B4-BE49-F238E27FC236}">
+                <a16:creationId xmlns:a16="http://schemas.microsoft.com/office/drawing/2014/main" id="{427B7CC8-0045-46D3-9B39-9687F45F2A5E}"/>
+              </a:ext>
+            </a:extLst>
+          </p:cNvPr>
+          <p:cNvSpPr/>
+          <p:nvPr/>
+        </p:nvSpPr>
+        <p:spPr>
+          <a:xfrm rot="5400000">
+            <a:off x="6685681" y="5748913"/>
+            <a:ext cx="134224" cy="260059"/>
+          </a:xfrm>
+          <a:prstGeom prst="rightBrace">
+            <a:avLst/>
+          </a:prstGeom>
+        </p:spPr>
+        <p:style>
+          <a:lnRef idx="1">
+            <a:schemeClr val="accent5"/>
+          </a:lnRef>
+          <a:fillRef idx="0">
+            <a:schemeClr val="accent5"/>
+          </a:fillRef>
+          <a:effectRef idx="0">
+            <a:schemeClr val="accent5"/>
+          </a:effectRef>
+          <a:fontRef idx="minor">
+            <a:schemeClr val="tx1"/>
+          </a:fontRef>
+        </p:style>
+        <p:txBody>
+          <a:bodyPr rtlCol="0" anchor="ctr"/>
+          <a:lstStyle/>
+          <a:p>
+            <a:pPr algn="ctr"/>
+            <a:endParaRPr lang="fr-FR"/>
+          </a:p>
+        </p:txBody>
+      </p:sp>
+      <p:sp>
+        <p:nvSpPr>
+          <p:cNvPr id="19" name="Accolade fermante 18">
+            <a:extLst>
+              <a:ext uri="{FF2B5EF4-FFF2-40B4-BE49-F238E27FC236}">
+                <a16:creationId xmlns:a16="http://schemas.microsoft.com/office/drawing/2014/main" id="{45C22AB3-0AE1-4432-9142-09976AA9C416}"/>
+              </a:ext>
+            </a:extLst>
+          </p:cNvPr>
+          <p:cNvSpPr/>
+          <p:nvPr/>
+        </p:nvSpPr>
+        <p:spPr>
+          <a:xfrm rot="5400000">
+            <a:off x="7240824" y="5653568"/>
+            <a:ext cx="115408" cy="469570"/>
+          </a:xfrm>
+          <a:prstGeom prst="rightBrace">
+            <a:avLst/>
+          </a:prstGeom>
+        </p:spPr>
+        <p:style>
+          <a:lnRef idx="1">
+            <a:schemeClr val="accent5"/>
+          </a:lnRef>
+          <a:fillRef idx="0">
+            <a:schemeClr val="accent5"/>
+          </a:fillRef>
+          <a:effectRef idx="0">
+            <a:schemeClr val="accent5"/>
+          </a:effectRef>
+          <a:fontRef idx="minor">
+            <a:schemeClr val="tx1"/>
+          </a:fontRef>
+        </p:style>
+        <p:txBody>
+          <a:bodyPr rtlCol="0" anchor="ctr"/>
+          <a:lstStyle/>
+          <a:p>
+            <a:pPr algn="ctr"/>
+            <a:endParaRPr lang="fr-FR"/>
+          </a:p>
+        </p:txBody>
+      </p:sp>
+      <p:sp>
+        <p:nvSpPr>
+          <p:cNvPr id="20" name="ZoneTexte 19">
+            <a:extLst>
+              <a:ext uri="{FF2B5EF4-FFF2-40B4-BE49-F238E27FC236}">
+                <a16:creationId xmlns:a16="http://schemas.microsoft.com/office/drawing/2014/main" id="{1969535B-BF8D-4BE8-9A4D-6C013ACF1B9F}"/>
+              </a:ext>
+            </a:extLst>
+          </p:cNvPr>
+          <p:cNvSpPr txBox="1"/>
+          <p:nvPr/>
+        </p:nvSpPr>
+        <p:spPr>
+          <a:xfrm>
+            <a:off x="6006730" y="5878942"/>
+            <a:ext cx="1057013" cy="369332"/>
+          </a:xfrm>
+          <a:prstGeom prst="rect">
+            <a:avLst/>
+          </a:prstGeom>
+          <a:noFill/>
+        </p:spPr>
+        <p:txBody>
+          <a:bodyPr wrap="square" rtlCol="0">
+            <a:spAutoFit/>
+          </a:bodyPr>
+          <a:lstStyle/>
+          <a:p>
+            <a:r>
+              <a:rPr lang="fr-FR" dirty="0"/>
+              <a:t>Argument</a:t>
+            </a:r>
+          </a:p>
+        </p:txBody>
+      </p:sp>
+      <p:sp>
+        <p:nvSpPr>
+          <p:cNvPr id="21" name="ZoneTexte 20">
+            <a:extLst>
+              <a:ext uri="{FF2B5EF4-FFF2-40B4-BE49-F238E27FC236}">
+                <a16:creationId xmlns:a16="http://schemas.microsoft.com/office/drawing/2014/main" id="{1BDE1EE7-6937-4B3C-8AE7-050183F8CFF1}"/>
+              </a:ext>
+            </a:extLst>
+          </p:cNvPr>
+          <p:cNvSpPr txBox="1"/>
+          <p:nvPr/>
+        </p:nvSpPr>
+        <p:spPr>
+          <a:xfrm>
+            <a:off x="6942556" y="5878942"/>
+            <a:ext cx="1345767" cy="646331"/>
+          </a:xfrm>
+          <a:prstGeom prst="rect">
+            <a:avLst/>
+          </a:prstGeom>
+          <a:noFill/>
+        </p:spPr>
+        <p:txBody>
+          <a:bodyPr wrap="square" rtlCol="0">
+            <a:spAutoFit/>
+          </a:bodyPr>
+          <a:lstStyle/>
+          <a:p>
+            <a:r>
+              <a:rPr lang="fr-FR" dirty="0"/>
+              <a:t>Ce qui est retourné</a:t>
             </a:r>
           </a:p>
         </p:txBody>
@@ -18023,31 +18400,6 @@
           <a:chExt cx="0" cy="0"/>
         </a:xfrm>
       </p:grpSpPr>
-      <p:sp>
-        <p:nvSpPr>
-          <p:cNvPr id="4" name="Titre 3">
-            <a:extLst>
-              <a:ext uri="{FF2B5EF4-FFF2-40B4-BE49-F238E27FC236}">
-                <a16:creationId xmlns:a16="http://schemas.microsoft.com/office/drawing/2014/main" id="{3F814E00-E638-4290-A5C4-C890A899C9EC}"/>
-              </a:ext>
-            </a:extLst>
-          </p:cNvPr>
-          <p:cNvSpPr>
-            <a:spLocks noGrp="1"/>
-          </p:cNvSpPr>
-          <p:nvPr>
-            <p:ph type="ctrTitle"/>
-          </p:nvPr>
-        </p:nvSpPr>
-        <p:spPr/>
-        <p:txBody>
-          <a:bodyPr/>
-          <a:lstStyle/>
-          <a:p>
-            <a:endParaRPr lang="fr-FR"/>
-          </a:p>
-        </p:txBody>
-      </p:sp>
     </p:spTree>
     <p:extLst>
       <p:ext uri="{BB962C8B-B14F-4D97-AF65-F5344CB8AC3E}">

--- a/CoursCS2.pptx
+++ b/CoursCS2.pptx
@@ -179,7 +179,7 @@
           <a:noFill/>
           <a:extLst>
             <a:ext uri="{909E8E84-426E-40dd-AFC4-6F175D3DCCD1}">
-              <a14:hiddenFill xmlns="" xmlns:a14="http://schemas.microsoft.com/office/drawing/2010/main">
+              <a14:hiddenFill xmlns:a14="http://schemas.microsoft.com/office/drawing/2010/main" xmlns="">
                 <a:solidFill>
                   <a:srgbClr val="FFFFFF"/>
                 </a:solidFill>
@@ -239,7 +239,7 @@
             </a:ln>
             <a:extLst>
               <a:ext uri="{91240B29-F687-4f45-9708-019B960494DF}">
-                <a14:hiddenLine xmlns="" xmlns:a14="http://schemas.microsoft.com/office/drawing/2010/main" w="9525">
+                <a14:hiddenLine xmlns:a14="http://schemas.microsoft.com/office/drawing/2010/main" xmlns="" w="9525">
                   <a:solidFill>
                     <a:srgbClr val="000000"/>
                   </a:solidFill>
@@ -329,7 +329,7 @@
             </a:ln>
             <a:extLst>
               <a:ext uri="{91240B29-F687-4f45-9708-019B960494DF}">
-                <a14:hiddenLine xmlns="" xmlns:a14="http://schemas.microsoft.com/office/drawing/2010/main" w="9525">
+                <a14:hiddenLine xmlns:a14="http://schemas.microsoft.com/office/drawing/2010/main" xmlns="" w="9525">
                   <a:solidFill>
                     <a:srgbClr val="000000"/>
                   </a:solidFill>
@@ -419,7 +419,7 @@
             </a:ln>
             <a:extLst>
               <a:ext uri="{91240B29-F687-4f45-9708-019B960494DF}">
-                <a14:hiddenLine xmlns="" xmlns:a14="http://schemas.microsoft.com/office/drawing/2010/main" w="9525">
+                <a14:hiddenLine xmlns:a14="http://schemas.microsoft.com/office/drawing/2010/main" xmlns="" w="9525">
                   <a:solidFill>
                     <a:srgbClr val="000000"/>
                   </a:solidFill>
@@ -453,7 +453,7 @@
             </a:ln>
             <a:extLst>
               <a:ext uri="{91240B29-F687-4f45-9708-019B960494DF}">
-                <a14:hiddenLine xmlns="" xmlns:a14="http://schemas.microsoft.com/office/drawing/2010/main" w="9525">
+                <a14:hiddenLine xmlns:a14="http://schemas.microsoft.com/office/drawing/2010/main" xmlns="" w="9525">
                   <a:solidFill>
                     <a:srgbClr val="000000"/>
                   </a:solidFill>
@@ -543,7 +543,7 @@
             </a:ln>
             <a:extLst>
               <a:ext uri="{91240B29-F687-4f45-9708-019B960494DF}">
-                <a14:hiddenLine xmlns="" xmlns:a14="http://schemas.microsoft.com/office/drawing/2010/main" w="9525">
+                <a14:hiddenLine xmlns:a14="http://schemas.microsoft.com/office/drawing/2010/main" xmlns="" w="9525">
                   <a:solidFill>
                     <a:srgbClr val="000000"/>
                   </a:solidFill>
@@ -605,7 +605,7 @@
             </a:ln>
             <a:extLst>
               <a:ext uri="{91240B29-F687-4f45-9708-019B960494DF}">
-                <a14:hiddenLine xmlns="" xmlns:a14="http://schemas.microsoft.com/office/drawing/2010/main" w="9525">
+                <a14:hiddenLine xmlns:a14="http://schemas.microsoft.com/office/drawing/2010/main" xmlns="" w="9525">
                   <a:solidFill>
                     <a:srgbClr val="000000"/>
                   </a:solidFill>
@@ -667,7 +667,7 @@
             </a:ln>
             <a:extLst>
               <a:ext uri="{91240B29-F687-4f45-9708-019B960494DF}">
-                <a14:hiddenLine xmlns="" xmlns:a14="http://schemas.microsoft.com/office/drawing/2010/main" w="9525">
+                <a14:hiddenLine xmlns:a14="http://schemas.microsoft.com/office/drawing/2010/main" xmlns="" w="9525">
                   <a:solidFill>
                     <a:srgbClr val="000000"/>
                   </a:solidFill>
@@ -757,7 +757,7 @@
             </a:ln>
             <a:extLst>
               <a:ext uri="{91240B29-F687-4f45-9708-019B960494DF}">
-                <a14:hiddenLine xmlns="" xmlns:a14="http://schemas.microsoft.com/office/drawing/2010/main" w="9525">
+                <a14:hiddenLine xmlns:a14="http://schemas.microsoft.com/office/drawing/2010/main" xmlns="" w="9525">
                   <a:solidFill>
                     <a:srgbClr val="000000"/>
                   </a:solidFill>
@@ -819,7 +819,7 @@
             </a:ln>
             <a:extLst>
               <a:ext uri="{91240B29-F687-4f45-9708-019B960494DF}">
-                <a14:hiddenLine xmlns="" xmlns:a14="http://schemas.microsoft.com/office/drawing/2010/main" w="9525">
+                <a14:hiddenLine xmlns:a14="http://schemas.microsoft.com/office/drawing/2010/main" xmlns="" w="9525">
                   <a:solidFill>
                     <a:srgbClr val="000000"/>
                   </a:solidFill>
@@ -881,7 +881,7 @@
             </a:ln>
             <a:extLst>
               <a:ext uri="{91240B29-F687-4f45-9708-019B960494DF}">
-                <a14:hiddenLine xmlns="" xmlns:a14="http://schemas.microsoft.com/office/drawing/2010/main" w="9525">
+                <a14:hiddenLine xmlns:a14="http://schemas.microsoft.com/office/drawing/2010/main" xmlns="" w="9525">
                   <a:solidFill>
                     <a:srgbClr val="000000"/>
                   </a:solidFill>
@@ -971,7 +971,7 @@
             </a:ln>
             <a:extLst>
               <a:ext uri="{91240B29-F687-4f45-9708-019B960494DF}">
-                <a14:hiddenLine xmlns="" xmlns:a14="http://schemas.microsoft.com/office/drawing/2010/main" w="9525">
+                <a14:hiddenLine xmlns:a14="http://schemas.microsoft.com/office/drawing/2010/main" xmlns="" w="9525">
                   <a:solidFill>
                     <a:srgbClr val="000000"/>
                   </a:solidFill>
@@ -1061,7 +1061,7 @@
             </a:ln>
             <a:extLst>
               <a:ext uri="{91240B29-F687-4f45-9708-019B960494DF}">
-                <a14:hiddenLine xmlns="" xmlns:a14="http://schemas.microsoft.com/office/drawing/2010/main" w="9525">
+                <a14:hiddenLine xmlns:a14="http://schemas.microsoft.com/office/drawing/2010/main" xmlns="" w="9525">
                   <a:solidFill>
                     <a:srgbClr val="000000"/>
                   </a:solidFill>
@@ -1123,7 +1123,7 @@
             </a:ln>
             <a:extLst>
               <a:ext uri="{91240B29-F687-4f45-9708-019B960494DF}">
-                <a14:hiddenLine xmlns="" xmlns:a14="http://schemas.microsoft.com/office/drawing/2010/main" w="9525">
+                <a14:hiddenLine xmlns:a14="http://schemas.microsoft.com/office/drawing/2010/main" xmlns="" w="9525">
                   <a:solidFill>
                     <a:srgbClr val="000000"/>
                   </a:solidFill>
@@ -1233,7 +1233,7 @@
             </a:ln>
             <a:extLst>
               <a:ext uri="{91240B29-F687-4f45-9708-019B960494DF}">
-                <a14:hiddenLine xmlns="" xmlns:a14="http://schemas.microsoft.com/office/drawing/2010/main" w="9525">
+                <a14:hiddenLine xmlns:a14="http://schemas.microsoft.com/office/drawing/2010/main" xmlns="" w="9525">
                   <a:solidFill>
                     <a:srgbClr val="000000"/>
                   </a:solidFill>
@@ -1295,7 +1295,7 @@
             </a:ln>
             <a:extLst>
               <a:ext uri="{91240B29-F687-4f45-9708-019B960494DF}">
-                <a14:hiddenLine xmlns="" xmlns:a14="http://schemas.microsoft.com/office/drawing/2010/main" w="9525">
+                <a14:hiddenLine xmlns:a14="http://schemas.microsoft.com/office/drawing/2010/main" xmlns="" w="9525">
                   <a:solidFill>
                     <a:srgbClr val="000000"/>
                   </a:solidFill>
@@ -1385,7 +1385,7 @@
             </a:ln>
             <a:extLst>
               <a:ext uri="{91240B29-F687-4f45-9708-019B960494DF}">
-                <a14:hiddenLine xmlns="" xmlns:a14="http://schemas.microsoft.com/office/drawing/2010/main" w="9525">
+                <a14:hiddenLine xmlns:a14="http://schemas.microsoft.com/office/drawing/2010/main" xmlns="" w="9525">
                   <a:solidFill>
                     <a:srgbClr val="000000"/>
                   </a:solidFill>
@@ -1475,7 +1475,7 @@
             </a:ln>
             <a:extLst>
               <a:ext uri="{91240B29-F687-4f45-9708-019B960494DF}">
-                <a14:hiddenLine xmlns="" xmlns:a14="http://schemas.microsoft.com/office/drawing/2010/main" w="9525">
+                <a14:hiddenLine xmlns:a14="http://schemas.microsoft.com/office/drawing/2010/main" xmlns="" w="9525">
                   <a:solidFill>
                     <a:srgbClr val="000000"/>
                   </a:solidFill>
@@ -1537,7 +1537,7 @@
             </a:ln>
             <a:extLst>
               <a:ext uri="{91240B29-F687-4f45-9708-019B960494DF}">
-                <a14:hiddenLine xmlns="" xmlns:a14="http://schemas.microsoft.com/office/drawing/2010/main" w="9525">
+                <a14:hiddenLine xmlns:a14="http://schemas.microsoft.com/office/drawing/2010/main" xmlns="" w="9525">
                   <a:solidFill>
                     <a:srgbClr val="000000"/>
                   </a:solidFill>
@@ -1627,7 +1627,7 @@
             </a:ln>
             <a:extLst>
               <a:ext uri="{91240B29-F687-4f45-9708-019B960494DF}">
-                <a14:hiddenLine xmlns="" xmlns:a14="http://schemas.microsoft.com/office/drawing/2010/main" w="9525">
+                <a14:hiddenLine xmlns:a14="http://schemas.microsoft.com/office/drawing/2010/main" xmlns="" w="9525">
                   <a:solidFill>
                     <a:srgbClr val="000000"/>
                   </a:solidFill>
@@ -1717,7 +1717,7 @@
             </a:ln>
             <a:extLst>
               <a:ext uri="{91240B29-F687-4f45-9708-019B960494DF}">
-                <a14:hiddenLine xmlns="" xmlns:a14="http://schemas.microsoft.com/office/drawing/2010/main" w="9525">
+                <a14:hiddenLine xmlns:a14="http://schemas.microsoft.com/office/drawing/2010/main" xmlns="" w="9525">
                   <a:solidFill>
                     <a:srgbClr val="000000"/>
                   </a:solidFill>
@@ -1773,7 +1773,7 @@
             </a:ln>
             <a:extLst>
               <a:ext uri="{91240B29-F687-4f45-9708-019B960494DF}">
-                <a14:hiddenLine xmlns="" xmlns:a14="http://schemas.microsoft.com/office/drawing/2010/main" w="9525">
+                <a14:hiddenLine xmlns:a14="http://schemas.microsoft.com/office/drawing/2010/main" xmlns="" w="9525">
                   <a:solidFill>
                     <a:srgbClr val="000000"/>
                   </a:solidFill>
@@ -1863,7 +1863,7 @@
             </a:ln>
             <a:extLst>
               <a:ext uri="{91240B29-F687-4f45-9708-019B960494DF}">
-                <a14:hiddenLine xmlns="" xmlns:a14="http://schemas.microsoft.com/office/drawing/2010/main" w="9525">
+                <a14:hiddenLine xmlns:a14="http://schemas.microsoft.com/office/drawing/2010/main" xmlns="" w="9525">
                   <a:solidFill>
                     <a:srgbClr val="000000"/>
                   </a:solidFill>
@@ -1919,7 +1919,7 @@
             </a:ln>
             <a:extLst>
               <a:ext uri="{91240B29-F687-4f45-9708-019B960494DF}">
-                <a14:hiddenLine xmlns="" xmlns:a14="http://schemas.microsoft.com/office/drawing/2010/main" w="9525">
+                <a14:hiddenLine xmlns:a14="http://schemas.microsoft.com/office/drawing/2010/main" xmlns="" w="9525">
                   <a:solidFill>
                     <a:srgbClr val="000000"/>
                   </a:solidFill>
@@ -2009,7 +2009,7 @@
             </a:ln>
             <a:extLst>
               <a:ext uri="{91240B29-F687-4f45-9708-019B960494DF}">
-                <a14:hiddenLine xmlns="" xmlns:a14="http://schemas.microsoft.com/office/drawing/2010/main" w="9525">
+                <a14:hiddenLine xmlns:a14="http://schemas.microsoft.com/office/drawing/2010/main" xmlns="" w="9525">
                   <a:solidFill>
                     <a:srgbClr val="000000"/>
                   </a:solidFill>
@@ -2077,7 +2077,7 @@
             </a:ln>
             <a:extLst>
               <a:ext uri="{91240B29-F687-4f45-9708-019B960494DF}">
-                <a14:hiddenLine xmlns="" xmlns:a14="http://schemas.microsoft.com/office/drawing/2010/main" w="9525">
+                <a14:hiddenLine xmlns:a14="http://schemas.microsoft.com/office/drawing/2010/main" xmlns="" w="9525">
                   <a:solidFill>
                     <a:srgbClr val="000000"/>
                   </a:solidFill>
@@ -2167,7 +2167,7 @@
             </a:ln>
             <a:extLst>
               <a:ext uri="{91240B29-F687-4f45-9708-019B960494DF}">
-                <a14:hiddenLine xmlns="" xmlns:a14="http://schemas.microsoft.com/office/drawing/2010/main" w="9525">
+                <a14:hiddenLine xmlns:a14="http://schemas.microsoft.com/office/drawing/2010/main" xmlns="" w="9525">
                   <a:solidFill>
                     <a:srgbClr val="000000"/>
                   </a:solidFill>
@@ -2235,7 +2235,7 @@
             </a:ln>
             <a:extLst>
               <a:ext uri="{91240B29-F687-4f45-9708-019B960494DF}">
-                <a14:hiddenLine xmlns="" xmlns:a14="http://schemas.microsoft.com/office/drawing/2010/main" w="9525">
+                <a14:hiddenLine xmlns:a14="http://schemas.microsoft.com/office/drawing/2010/main" xmlns="" w="9525">
                   <a:solidFill>
                     <a:srgbClr val="000000"/>
                   </a:solidFill>
@@ -2325,7 +2325,7 @@
             </a:ln>
             <a:extLst>
               <a:ext uri="{91240B29-F687-4f45-9708-019B960494DF}">
-                <a14:hiddenLine xmlns="" xmlns:a14="http://schemas.microsoft.com/office/drawing/2010/main" w="9525">
+                <a14:hiddenLine xmlns:a14="http://schemas.microsoft.com/office/drawing/2010/main" xmlns="" w="9525">
                   <a:solidFill>
                     <a:srgbClr val="000000"/>
                   </a:solidFill>
@@ -2359,7 +2359,7 @@
             </a:ln>
             <a:extLst>
               <a:ext uri="{91240B29-F687-4f45-9708-019B960494DF}">
-                <a14:hiddenLine xmlns="" xmlns:a14="http://schemas.microsoft.com/office/drawing/2010/main" w="9525">
+                <a14:hiddenLine xmlns:a14="http://schemas.microsoft.com/office/drawing/2010/main" xmlns="" w="9525">
                   <a:solidFill>
                     <a:srgbClr val="000000"/>
                   </a:solidFill>
@@ -2449,7 +2449,7 @@
             </a:ln>
             <a:extLst>
               <a:ext uri="{91240B29-F687-4f45-9708-019B960494DF}">
-                <a14:hiddenLine xmlns="" xmlns:a14="http://schemas.microsoft.com/office/drawing/2010/main" w="9525">
+                <a14:hiddenLine xmlns:a14="http://schemas.microsoft.com/office/drawing/2010/main" xmlns="" w="9525">
                   <a:solidFill>
                     <a:srgbClr val="000000"/>
                   </a:solidFill>
@@ -2511,7 +2511,7 @@
             </a:ln>
             <a:extLst>
               <a:ext uri="{91240B29-F687-4f45-9708-019B960494DF}">
-                <a14:hiddenLine xmlns="" xmlns:a14="http://schemas.microsoft.com/office/drawing/2010/main" w="9525">
+                <a14:hiddenLine xmlns:a14="http://schemas.microsoft.com/office/drawing/2010/main" xmlns="" w="9525">
                   <a:solidFill>
                     <a:srgbClr val="000000"/>
                   </a:solidFill>
@@ -2573,7 +2573,7 @@
             </a:ln>
             <a:extLst>
               <a:ext uri="{91240B29-F687-4f45-9708-019B960494DF}">
-                <a14:hiddenLine xmlns="" xmlns:a14="http://schemas.microsoft.com/office/drawing/2010/main" w="9525">
+                <a14:hiddenLine xmlns:a14="http://schemas.microsoft.com/office/drawing/2010/main" xmlns="" w="9525">
                   <a:solidFill>
                     <a:srgbClr val="000000"/>
                   </a:solidFill>
@@ -2663,7 +2663,7 @@
             </a:ln>
             <a:extLst>
               <a:ext uri="{91240B29-F687-4f45-9708-019B960494DF}">
-                <a14:hiddenLine xmlns="" xmlns:a14="http://schemas.microsoft.com/office/drawing/2010/main" w="9525">
+                <a14:hiddenLine xmlns:a14="http://schemas.microsoft.com/office/drawing/2010/main" xmlns="" w="9525">
                   <a:solidFill>
                     <a:srgbClr val="000000"/>
                   </a:solidFill>
@@ -2731,7 +2731,7 @@
             </a:ln>
             <a:extLst>
               <a:ext uri="{91240B29-F687-4f45-9708-019B960494DF}">
-                <a14:hiddenLine xmlns="" xmlns:a14="http://schemas.microsoft.com/office/drawing/2010/main" w="9525">
+                <a14:hiddenLine xmlns:a14="http://schemas.microsoft.com/office/drawing/2010/main" xmlns="" w="9525">
                   <a:solidFill>
                     <a:srgbClr val="000000"/>
                   </a:solidFill>
@@ -2793,7 +2793,7 @@
             </a:ln>
             <a:extLst>
               <a:ext uri="{91240B29-F687-4f45-9708-019B960494DF}">
-                <a14:hiddenLine xmlns="" xmlns:a14="http://schemas.microsoft.com/office/drawing/2010/main" w="9525">
+                <a14:hiddenLine xmlns:a14="http://schemas.microsoft.com/office/drawing/2010/main" xmlns="" w="9525">
                   <a:solidFill>
                     <a:srgbClr val="000000"/>
                   </a:solidFill>
@@ -2883,7 +2883,7 @@
             </a:ln>
             <a:extLst>
               <a:ext uri="{91240B29-F687-4f45-9708-019B960494DF}">
-                <a14:hiddenLine xmlns="" xmlns:a14="http://schemas.microsoft.com/office/drawing/2010/main" w="9525">
+                <a14:hiddenLine xmlns:a14="http://schemas.microsoft.com/office/drawing/2010/main" xmlns="" w="9525">
                   <a:solidFill>
                     <a:srgbClr val="000000"/>
                   </a:solidFill>
@@ -2945,7 +2945,7 @@
             </a:ln>
             <a:extLst>
               <a:ext uri="{91240B29-F687-4f45-9708-019B960494DF}">
-                <a14:hiddenLine xmlns="" xmlns:a14="http://schemas.microsoft.com/office/drawing/2010/main" w="9525">
+                <a14:hiddenLine xmlns:a14="http://schemas.microsoft.com/office/drawing/2010/main" xmlns="" w="9525">
                   <a:solidFill>
                     <a:srgbClr val="000000"/>
                   </a:solidFill>
@@ -3035,7 +3035,7 @@
             </a:ln>
             <a:extLst>
               <a:ext uri="{91240B29-F687-4f45-9708-019B960494DF}">
-                <a14:hiddenLine xmlns="" xmlns:a14="http://schemas.microsoft.com/office/drawing/2010/main" w="9525">
+                <a14:hiddenLine xmlns:a14="http://schemas.microsoft.com/office/drawing/2010/main" xmlns="" w="9525">
                   <a:solidFill>
                     <a:srgbClr val="000000"/>
                   </a:solidFill>
@@ -3097,7 +3097,7 @@
             </a:ln>
             <a:extLst>
               <a:ext uri="{91240B29-F687-4f45-9708-019B960494DF}">
-                <a14:hiddenLine xmlns="" xmlns:a14="http://schemas.microsoft.com/office/drawing/2010/main" w="9525">
+                <a14:hiddenLine xmlns:a14="http://schemas.microsoft.com/office/drawing/2010/main" xmlns="" w="9525">
                   <a:solidFill>
                     <a:srgbClr val="000000"/>
                   </a:solidFill>
@@ -3187,7 +3187,7 @@
             </a:ln>
             <a:extLst>
               <a:ext uri="{91240B29-F687-4f45-9708-019B960494DF}">
-                <a14:hiddenLine xmlns="" xmlns:a14="http://schemas.microsoft.com/office/drawing/2010/main" w="9525">
+                <a14:hiddenLine xmlns:a14="http://schemas.microsoft.com/office/drawing/2010/main" xmlns="" w="9525">
                   <a:solidFill>
                     <a:srgbClr val="000000"/>
                   </a:solidFill>
@@ -3221,7 +3221,7 @@
             </a:ln>
             <a:extLst>
               <a:ext uri="{91240B29-F687-4f45-9708-019B960494DF}">
-                <a14:hiddenLine xmlns="" xmlns:a14="http://schemas.microsoft.com/office/drawing/2010/main" w="9525">
+                <a14:hiddenLine xmlns:a14="http://schemas.microsoft.com/office/drawing/2010/main" xmlns="" w="9525">
                   <a:solidFill>
                     <a:srgbClr val="000000"/>
                   </a:solidFill>
@@ -3286,7 +3286,7 @@
             </a:ln>
             <a:extLst>
               <a:ext uri="{91240B29-F687-4f45-9708-019B960494DF}">
-                <a14:hiddenLine xmlns="" xmlns:a14="http://schemas.microsoft.com/office/drawing/2010/main" w="9525">
+                <a14:hiddenLine xmlns:a14="http://schemas.microsoft.com/office/drawing/2010/main" xmlns="" w="9525">
                   <a:solidFill>
                     <a:srgbClr val="000000"/>
                   </a:solidFill>
@@ -3376,7 +3376,7 @@
             </a:ln>
             <a:extLst>
               <a:ext uri="{91240B29-F687-4f45-9708-019B960494DF}">
-                <a14:hiddenLine xmlns="" xmlns:a14="http://schemas.microsoft.com/office/drawing/2010/main" w="9525">
+                <a14:hiddenLine xmlns:a14="http://schemas.microsoft.com/office/drawing/2010/main" xmlns="" w="9525">
                   <a:solidFill>
                     <a:srgbClr val="000000"/>
                   </a:solidFill>
@@ -3438,7 +3438,7 @@
             </a:ln>
             <a:extLst>
               <a:ext uri="{91240B29-F687-4f45-9708-019B960494DF}">
-                <a14:hiddenLine xmlns="" xmlns:a14="http://schemas.microsoft.com/office/drawing/2010/main" w="9525">
+                <a14:hiddenLine xmlns:a14="http://schemas.microsoft.com/office/drawing/2010/main" xmlns="" w="9525">
                   <a:solidFill>
                     <a:srgbClr val="000000"/>
                   </a:solidFill>
@@ -3528,7 +3528,7 @@
             </a:ln>
             <a:extLst>
               <a:ext uri="{91240B29-F687-4f45-9708-019B960494DF}">
-                <a14:hiddenLine xmlns="" xmlns:a14="http://schemas.microsoft.com/office/drawing/2010/main" w="9525">
+                <a14:hiddenLine xmlns:a14="http://schemas.microsoft.com/office/drawing/2010/main" xmlns="" w="9525">
                   <a:solidFill>
                     <a:srgbClr val="000000"/>
                   </a:solidFill>
@@ -3618,7 +3618,7 @@
             </a:ln>
             <a:extLst>
               <a:ext uri="{91240B29-F687-4f45-9708-019B960494DF}">
-                <a14:hiddenLine xmlns="" xmlns:a14="http://schemas.microsoft.com/office/drawing/2010/main" w="9525">
+                <a14:hiddenLine xmlns:a14="http://schemas.microsoft.com/office/drawing/2010/main" xmlns="" w="9525">
                   <a:solidFill>
                     <a:srgbClr val="000000"/>
                   </a:solidFill>
@@ -3683,7 +3683,7 @@
             </a:ln>
             <a:extLst>
               <a:ext uri="{91240B29-F687-4f45-9708-019B960494DF}">
-                <a14:hiddenLine xmlns="" xmlns:a14="http://schemas.microsoft.com/office/drawing/2010/main" w="9525">
+                <a14:hiddenLine xmlns:a14="http://schemas.microsoft.com/office/drawing/2010/main" xmlns="" w="9525">
                   <a:solidFill>
                     <a:srgbClr val="000000"/>
                   </a:solidFill>
@@ -3745,7 +3745,7 @@
             </a:ln>
             <a:extLst>
               <a:ext uri="{91240B29-F687-4f45-9708-019B960494DF}">
-                <a14:hiddenLine xmlns="" xmlns:a14="http://schemas.microsoft.com/office/drawing/2010/main" w="9525">
+                <a14:hiddenLine xmlns:a14="http://schemas.microsoft.com/office/drawing/2010/main" xmlns="" w="9525">
                   <a:solidFill>
                     <a:srgbClr val="000000"/>
                   </a:solidFill>
@@ -3835,7 +3835,7 @@
             </a:ln>
             <a:extLst>
               <a:ext uri="{91240B29-F687-4f45-9708-019B960494DF}">
-                <a14:hiddenLine xmlns="" xmlns:a14="http://schemas.microsoft.com/office/drawing/2010/main" w="9525">
+                <a14:hiddenLine xmlns:a14="http://schemas.microsoft.com/office/drawing/2010/main" xmlns="" w="9525">
                   <a:solidFill>
                     <a:srgbClr val="000000"/>
                   </a:solidFill>
@@ -3925,7 +3925,7 @@
             </a:ln>
             <a:extLst>
               <a:ext uri="{91240B29-F687-4f45-9708-019B960494DF}">
-                <a14:hiddenLine xmlns="" xmlns:a14="http://schemas.microsoft.com/office/drawing/2010/main" w="9525">
+                <a14:hiddenLine xmlns:a14="http://schemas.microsoft.com/office/drawing/2010/main" xmlns="" w="9525">
                   <a:solidFill>
                     <a:srgbClr val="000000"/>
                   </a:solidFill>
@@ -3987,7 +3987,7 @@
             </a:ln>
             <a:extLst>
               <a:ext uri="{91240B29-F687-4f45-9708-019B960494DF}">
-                <a14:hiddenLine xmlns="" xmlns:a14="http://schemas.microsoft.com/office/drawing/2010/main" w="9525">
+                <a14:hiddenLine xmlns:a14="http://schemas.microsoft.com/office/drawing/2010/main" xmlns="" w="9525">
                   <a:solidFill>
                     <a:srgbClr val="000000"/>
                   </a:solidFill>
@@ -4107,7 +4107,7 @@
             </a:ln>
             <a:extLst>
               <a:ext uri="{91240B29-F687-4f45-9708-019B960494DF}">
-                <a14:hiddenLine xmlns="" xmlns:a14="http://schemas.microsoft.com/office/drawing/2010/main" w="9525">
+                <a14:hiddenLine xmlns:a14="http://schemas.microsoft.com/office/drawing/2010/main" xmlns="" w="9525">
                   <a:solidFill>
                     <a:srgbClr val="000000"/>
                   </a:solidFill>
@@ -4175,7 +4175,7 @@
             </a:ln>
             <a:extLst>
               <a:ext uri="{91240B29-F687-4f45-9708-019B960494DF}">
-                <a14:hiddenLine xmlns="" xmlns:a14="http://schemas.microsoft.com/office/drawing/2010/main" w="9525">
+                <a14:hiddenLine xmlns:a14="http://schemas.microsoft.com/office/drawing/2010/main" xmlns="" w="9525">
                   <a:solidFill>
                     <a:srgbClr val="000000"/>
                   </a:solidFill>
@@ -4265,7 +4265,7 @@
             </a:ln>
             <a:extLst>
               <a:ext uri="{91240B29-F687-4f45-9708-019B960494DF}">
-                <a14:hiddenLine xmlns="" xmlns:a14="http://schemas.microsoft.com/office/drawing/2010/main" w="9525">
+                <a14:hiddenLine xmlns:a14="http://schemas.microsoft.com/office/drawing/2010/main" xmlns="" w="9525">
                   <a:solidFill>
                     <a:srgbClr val="000000"/>
                   </a:solidFill>
@@ -4405,7 +4405,7 @@
           <a:p>
             <a:fld id="{3B57195E-6F70-4CDB-8628-8204974371BE}" type="datetimeFigureOut">
               <a:rPr lang="fr-FR" smtClean="0"/>
-              <a:t>11/03/2019</a:t>
+              <a:t>12/03/2019</a:t>
             </a:fld>
             <a:endParaRPr lang="fr-FR"/>
           </a:p>
@@ -4672,7 +4672,7 @@
           <a:p>
             <a:fld id="{3B57195E-6F70-4CDB-8628-8204974371BE}" type="datetimeFigureOut">
               <a:rPr lang="fr-FR" smtClean="0"/>
-              <a:t>11/03/2019</a:t>
+              <a:t>12/03/2019</a:t>
             </a:fld>
             <a:endParaRPr lang="fr-FR"/>
           </a:p>
@@ -4868,7 +4868,7 @@
           <a:p>
             <a:fld id="{3B57195E-6F70-4CDB-8628-8204974371BE}" type="datetimeFigureOut">
               <a:rPr lang="fr-FR" smtClean="0"/>
-              <a:t>11/03/2019</a:t>
+              <a:t>12/03/2019</a:t>
             </a:fld>
             <a:endParaRPr lang="fr-FR"/>
           </a:p>
@@ -5131,7 +5131,7 @@
           <a:p>
             <a:fld id="{3B57195E-6F70-4CDB-8628-8204974371BE}" type="datetimeFigureOut">
               <a:rPr lang="fr-FR" smtClean="0"/>
-              <a:t>11/03/2019</a:t>
+              <a:t>12/03/2019</a:t>
             </a:fld>
             <a:endParaRPr lang="fr-FR"/>
           </a:p>
@@ -5565,7 +5565,7 @@
           <a:p>
             <a:fld id="{3B57195E-6F70-4CDB-8628-8204974371BE}" type="datetimeFigureOut">
               <a:rPr lang="fr-FR" smtClean="0"/>
-              <a:t>11/03/2019</a:t>
+              <a:t>12/03/2019</a:t>
             </a:fld>
             <a:endParaRPr lang="fr-FR"/>
           </a:p>
@@ -6111,7 +6111,7 @@
           <a:p>
             <a:fld id="{3B57195E-6F70-4CDB-8628-8204974371BE}" type="datetimeFigureOut">
               <a:rPr lang="fr-FR" smtClean="0"/>
-              <a:t>11/03/2019</a:t>
+              <a:t>12/03/2019</a:t>
             </a:fld>
             <a:endParaRPr lang="fr-FR"/>
           </a:p>
@@ -6831,7 +6831,7 @@
           <a:p>
             <a:fld id="{3B57195E-6F70-4CDB-8628-8204974371BE}" type="datetimeFigureOut">
               <a:rPr lang="fr-FR" smtClean="0"/>
-              <a:t>11/03/2019</a:t>
+              <a:t>12/03/2019</a:t>
             </a:fld>
             <a:endParaRPr lang="fr-FR"/>
           </a:p>
@@ -7001,7 +7001,7 @@
           <a:p>
             <a:fld id="{3B57195E-6F70-4CDB-8628-8204974371BE}" type="datetimeFigureOut">
               <a:rPr lang="fr-FR" smtClean="0"/>
-              <a:t>11/03/2019</a:t>
+              <a:t>12/03/2019</a:t>
             </a:fld>
             <a:endParaRPr lang="fr-FR"/>
           </a:p>
@@ -7181,7 +7181,7 @@
           <a:p>
             <a:fld id="{3B57195E-6F70-4CDB-8628-8204974371BE}" type="datetimeFigureOut">
               <a:rPr lang="fr-FR" smtClean="0"/>
-              <a:t>11/03/2019</a:t>
+              <a:t>12/03/2019</a:t>
             </a:fld>
             <a:endParaRPr lang="fr-FR"/>
           </a:p>
@@ -7351,7 +7351,7 @@
           <a:p>
             <a:fld id="{3B57195E-6F70-4CDB-8628-8204974371BE}" type="datetimeFigureOut">
               <a:rPr lang="fr-FR" smtClean="0"/>
-              <a:t>11/03/2019</a:t>
+              <a:t>12/03/2019</a:t>
             </a:fld>
             <a:endParaRPr lang="fr-FR"/>
           </a:p>
@@ -7601,7 +7601,7 @@
           <a:p>
             <a:fld id="{3B57195E-6F70-4CDB-8628-8204974371BE}" type="datetimeFigureOut">
               <a:rPr lang="fr-FR" smtClean="0"/>
-              <a:t>11/03/2019</a:t>
+              <a:t>12/03/2019</a:t>
             </a:fld>
             <a:endParaRPr lang="fr-FR"/>
           </a:p>
@@ -7833,7 +7833,7 @@
           <a:p>
             <a:fld id="{3B57195E-6F70-4CDB-8628-8204974371BE}" type="datetimeFigureOut">
               <a:rPr lang="fr-FR" smtClean="0"/>
-              <a:t>11/03/2019</a:t>
+              <a:t>12/03/2019</a:t>
             </a:fld>
             <a:endParaRPr lang="fr-FR"/>
           </a:p>
@@ -8214,7 +8214,7 @@
           <a:p>
             <a:fld id="{3B57195E-6F70-4CDB-8628-8204974371BE}" type="datetimeFigureOut">
               <a:rPr lang="fr-FR" smtClean="0"/>
-              <a:t>11/03/2019</a:t>
+              <a:t>12/03/2019</a:t>
             </a:fld>
             <a:endParaRPr lang="fr-FR"/>
           </a:p>
@@ -8332,7 +8332,7 @@
           <a:p>
             <a:fld id="{3B57195E-6F70-4CDB-8628-8204974371BE}" type="datetimeFigureOut">
               <a:rPr lang="fr-FR" smtClean="0"/>
-              <a:t>11/03/2019</a:t>
+              <a:t>12/03/2019</a:t>
             </a:fld>
             <a:endParaRPr lang="fr-FR"/>
           </a:p>
@@ -8427,7 +8427,7 @@
           <a:p>
             <a:fld id="{3B57195E-6F70-4CDB-8628-8204974371BE}" type="datetimeFigureOut">
               <a:rPr lang="fr-FR" smtClean="0"/>
-              <a:t>11/03/2019</a:t>
+              <a:t>12/03/2019</a:t>
             </a:fld>
             <a:endParaRPr lang="fr-FR"/>
           </a:p>
@@ -8676,7 +8676,7 @@
           <a:p>
             <a:fld id="{3B57195E-6F70-4CDB-8628-8204974371BE}" type="datetimeFigureOut">
               <a:rPr lang="fr-FR" smtClean="0"/>
-              <a:t>11/03/2019</a:t>
+              <a:t>12/03/2019</a:t>
             </a:fld>
             <a:endParaRPr lang="fr-FR"/>
           </a:p>
@@ -8956,7 +8956,7 @@
           <a:p>
             <a:fld id="{3B57195E-6F70-4CDB-8628-8204974371BE}" type="datetimeFigureOut">
               <a:rPr lang="fr-FR" smtClean="0"/>
-              <a:t>11/03/2019</a:t>
+              <a:t>12/03/2019</a:t>
             </a:fld>
             <a:endParaRPr lang="fr-FR"/>
           </a:p>
@@ -9072,7 +9072,7 @@
           <a:noFill/>
           <a:extLst>
             <a:ext uri="{909E8E84-426E-40dd-AFC4-6F175D3DCCD1}">
-              <a14:hiddenFill xmlns="" xmlns:a14="http://schemas.microsoft.com/office/drawing/2010/main">
+              <a14:hiddenFill xmlns:a14="http://schemas.microsoft.com/office/drawing/2010/main" xmlns="">
                 <a:solidFill>
                   <a:srgbClr val="FFFFFF"/>
                 </a:solidFill>
@@ -9146,7 +9146,7 @@
               </a:ln>
               <a:extLst>
                 <a:ext uri="{91240B29-F687-4f45-9708-019B960494DF}">
-                  <a14:hiddenLine xmlns="" xmlns:a14="http://schemas.microsoft.com/office/drawing/2010/main" w="9525">
+                  <a14:hiddenLine xmlns:a14="http://schemas.microsoft.com/office/drawing/2010/main" xmlns="" w="9525">
                     <a:solidFill>
                       <a:srgbClr val="000000"/>
                     </a:solidFill>
@@ -9236,7 +9236,7 @@
               </a:ln>
               <a:extLst>
                 <a:ext uri="{91240B29-F687-4f45-9708-019B960494DF}">
-                  <a14:hiddenLine xmlns="" xmlns:a14="http://schemas.microsoft.com/office/drawing/2010/main" w="9525">
+                  <a14:hiddenLine xmlns:a14="http://schemas.microsoft.com/office/drawing/2010/main" xmlns="" w="9525">
                     <a:solidFill>
                       <a:srgbClr val="000000"/>
                     </a:solidFill>
@@ -9326,7 +9326,7 @@
               </a:ln>
               <a:extLst>
                 <a:ext uri="{91240B29-F687-4f45-9708-019B960494DF}">
-                  <a14:hiddenLine xmlns="" xmlns:a14="http://schemas.microsoft.com/office/drawing/2010/main" w="9525">
+                  <a14:hiddenLine xmlns:a14="http://schemas.microsoft.com/office/drawing/2010/main" xmlns="" w="9525">
                     <a:solidFill>
                       <a:srgbClr val="000000"/>
                     </a:solidFill>
@@ -9388,7 +9388,7 @@
               </a:ln>
               <a:extLst>
                 <a:ext uri="{91240B29-F687-4f45-9708-019B960494DF}">
-                  <a14:hiddenLine xmlns="" xmlns:a14="http://schemas.microsoft.com/office/drawing/2010/main" w="9525">
+                  <a14:hiddenLine xmlns:a14="http://schemas.microsoft.com/office/drawing/2010/main" xmlns="" w="9525">
                     <a:solidFill>
                       <a:srgbClr val="000000"/>
                     </a:solidFill>
@@ -9478,7 +9478,7 @@
               </a:ln>
               <a:extLst>
                 <a:ext uri="{91240B29-F687-4f45-9708-019B960494DF}">
-                  <a14:hiddenLine xmlns="" xmlns:a14="http://schemas.microsoft.com/office/drawing/2010/main" w="9525">
+                  <a14:hiddenLine xmlns:a14="http://schemas.microsoft.com/office/drawing/2010/main" xmlns="" w="9525">
                     <a:solidFill>
                       <a:srgbClr val="000000"/>
                     </a:solidFill>
@@ -9540,7 +9540,7 @@
               </a:ln>
               <a:extLst>
                 <a:ext uri="{91240B29-F687-4f45-9708-019B960494DF}">
-                  <a14:hiddenLine xmlns="" xmlns:a14="http://schemas.microsoft.com/office/drawing/2010/main" w="9525">
+                  <a14:hiddenLine xmlns:a14="http://schemas.microsoft.com/office/drawing/2010/main" xmlns="" w="9525">
                     <a:solidFill>
                       <a:srgbClr val="000000"/>
                     </a:solidFill>
@@ -9602,7 +9602,7 @@
               </a:ln>
               <a:extLst>
                 <a:ext uri="{91240B29-F687-4f45-9708-019B960494DF}">
-                  <a14:hiddenLine xmlns="" xmlns:a14="http://schemas.microsoft.com/office/drawing/2010/main" w="9525">
+                  <a14:hiddenLine xmlns:a14="http://schemas.microsoft.com/office/drawing/2010/main" xmlns="" w="9525">
                     <a:solidFill>
                       <a:srgbClr val="000000"/>
                     </a:solidFill>
@@ -9692,7 +9692,7 @@
               </a:ln>
               <a:extLst>
                 <a:ext uri="{91240B29-F687-4f45-9708-019B960494DF}">
-                  <a14:hiddenLine xmlns="" xmlns:a14="http://schemas.microsoft.com/office/drawing/2010/main" w="9525">
+                  <a14:hiddenLine xmlns:a14="http://schemas.microsoft.com/office/drawing/2010/main" xmlns="" w="9525">
                     <a:solidFill>
                       <a:srgbClr val="000000"/>
                     </a:solidFill>
@@ -9782,7 +9782,7 @@
               </a:ln>
               <a:extLst>
                 <a:ext uri="{91240B29-F687-4f45-9708-019B960494DF}">
-                  <a14:hiddenLine xmlns="" xmlns:a14="http://schemas.microsoft.com/office/drawing/2010/main" w="9525">
+                  <a14:hiddenLine xmlns:a14="http://schemas.microsoft.com/office/drawing/2010/main" xmlns="" w="9525">
                     <a:solidFill>
                       <a:srgbClr val="000000"/>
                     </a:solidFill>
@@ -9844,7 +9844,7 @@
               </a:ln>
               <a:extLst>
                 <a:ext uri="{91240B29-F687-4f45-9708-019B960494DF}">
-                  <a14:hiddenLine xmlns="" xmlns:a14="http://schemas.microsoft.com/office/drawing/2010/main" w="9525">
+                  <a14:hiddenLine xmlns:a14="http://schemas.microsoft.com/office/drawing/2010/main" xmlns="" w="9525">
                     <a:solidFill>
                       <a:srgbClr val="000000"/>
                     </a:solidFill>
@@ -9954,7 +9954,7 @@
               </a:ln>
               <a:extLst>
                 <a:ext uri="{91240B29-F687-4f45-9708-019B960494DF}">
-                  <a14:hiddenLine xmlns="" xmlns:a14="http://schemas.microsoft.com/office/drawing/2010/main" w="9525">
+                  <a14:hiddenLine xmlns:a14="http://schemas.microsoft.com/office/drawing/2010/main" xmlns="" w="9525">
                     <a:solidFill>
                       <a:srgbClr val="000000"/>
                     </a:solidFill>
@@ -10038,7 +10038,7 @@
               </a:ln>
               <a:extLst>
                 <a:ext uri="{91240B29-F687-4f45-9708-019B960494DF}">
-                  <a14:hiddenLine xmlns="" xmlns:a14="http://schemas.microsoft.com/office/drawing/2010/main" w="9525">
+                  <a14:hiddenLine xmlns:a14="http://schemas.microsoft.com/office/drawing/2010/main" xmlns="" w="9525">
                     <a:solidFill>
                       <a:srgbClr val="000000"/>
                     </a:solidFill>
@@ -10100,7 +10100,7 @@
               </a:ln>
               <a:extLst>
                 <a:ext uri="{91240B29-F687-4f45-9708-019B960494DF}">
-                  <a14:hiddenLine xmlns="" xmlns:a14="http://schemas.microsoft.com/office/drawing/2010/main" w="9525">
+                  <a14:hiddenLine xmlns:a14="http://schemas.microsoft.com/office/drawing/2010/main" xmlns="" w="9525">
                     <a:solidFill>
                       <a:srgbClr val="000000"/>
                     </a:solidFill>
@@ -10162,7 +10162,7 @@
               </a:ln>
               <a:extLst>
                 <a:ext uri="{91240B29-F687-4f45-9708-019B960494DF}">
-                  <a14:hiddenLine xmlns="" xmlns:a14="http://schemas.microsoft.com/office/drawing/2010/main" w="9525">
+                  <a14:hiddenLine xmlns:a14="http://schemas.microsoft.com/office/drawing/2010/main" xmlns="" w="9525">
                     <a:solidFill>
                       <a:srgbClr val="000000"/>
                     </a:solidFill>
@@ -10252,7 +10252,7 @@
               </a:ln>
               <a:extLst>
                 <a:ext uri="{91240B29-F687-4f45-9708-019B960494DF}">
-                  <a14:hiddenLine xmlns="" xmlns:a14="http://schemas.microsoft.com/office/drawing/2010/main" w="9525">
+                  <a14:hiddenLine xmlns:a14="http://schemas.microsoft.com/office/drawing/2010/main" xmlns="" w="9525">
                     <a:solidFill>
                       <a:srgbClr val="000000"/>
                     </a:solidFill>
@@ -10286,7 +10286,7 @@
               </a:ln>
               <a:extLst>
                 <a:ext uri="{91240B29-F687-4f45-9708-019B960494DF}">
-                  <a14:hiddenLine xmlns="" xmlns:a14="http://schemas.microsoft.com/office/drawing/2010/main" w="9525">
+                  <a14:hiddenLine xmlns:a14="http://schemas.microsoft.com/office/drawing/2010/main" xmlns="" w="9525">
                     <a:solidFill>
                       <a:srgbClr val="000000"/>
                     </a:solidFill>
@@ -10351,7 +10351,7 @@
               </a:ln>
               <a:extLst>
                 <a:ext uri="{91240B29-F687-4f45-9708-019B960494DF}">
-                  <a14:hiddenLine xmlns="" xmlns:a14="http://schemas.microsoft.com/office/drawing/2010/main" w="9525">
+                  <a14:hiddenLine xmlns:a14="http://schemas.microsoft.com/office/drawing/2010/main" xmlns="" w="9525">
                     <a:solidFill>
                       <a:srgbClr val="000000"/>
                     </a:solidFill>
@@ -10441,7 +10441,7 @@
               </a:ln>
               <a:extLst>
                 <a:ext uri="{91240B29-F687-4f45-9708-019B960494DF}">
-                  <a14:hiddenLine xmlns="" xmlns:a14="http://schemas.microsoft.com/office/drawing/2010/main" w="9525">
+                  <a14:hiddenLine xmlns:a14="http://schemas.microsoft.com/office/drawing/2010/main" xmlns="" w="9525">
                     <a:solidFill>
                       <a:srgbClr val="000000"/>
                     </a:solidFill>
@@ -10503,7 +10503,7 @@
               </a:ln>
               <a:extLst>
                 <a:ext uri="{91240B29-F687-4f45-9708-019B960494DF}">
-                  <a14:hiddenLine xmlns="" xmlns:a14="http://schemas.microsoft.com/office/drawing/2010/main" w="9525">
+                  <a14:hiddenLine xmlns:a14="http://schemas.microsoft.com/office/drawing/2010/main" xmlns="" w="9525">
                     <a:solidFill>
                       <a:srgbClr val="000000"/>
                     </a:solidFill>
@@ -10593,7 +10593,7 @@
               </a:ln>
               <a:extLst>
                 <a:ext uri="{91240B29-F687-4f45-9708-019B960494DF}">
-                  <a14:hiddenLine xmlns="" xmlns:a14="http://schemas.microsoft.com/office/drawing/2010/main" w="9525">
+                  <a14:hiddenLine xmlns:a14="http://schemas.microsoft.com/office/drawing/2010/main" xmlns="" w="9525">
                     <a:solidFill>
                       <a:srgbClr val="000000"/>
                     </a:solidFill>
@@ -10658,7 +10658,7 @@
               </a:ln>
               <a:extLst>
                 <a:ext uri="{91240B29-F687-4f45-9708-019B960494DF}">
-                  <a14:hiddenLine xmlns="" xmlns:a14="http://schemas.microsoft.com/office/drawing/2010/main" w="9525">
+                  <a14:hiddenLine xmlns:a14="http://schemas.microsoft.com/office/drawing/2010/main" xmlns="" w="9525">
                     <a:solidFill>
                       <a:srgbClr val="000000"/>
                     </a:solidFill>
@@ -10720,7 +10720,7 @@
               </a:ln>
               <a:extLst>
                 <a:ext uri="{91240B29-F687-4f45-9708-019B960494DF}">
-                  <a14:hiddenLine xmlns="" xmlns:a14="http://schemas.microsoft.com/office/drawing/2010/main" w="9525">
+                  <a14:hiddenLine xmlns:a14="http://schemas.microsoft.com/office/drawing/2010/main" xmlns="" w="9525">
                     <a:solidFill>
                       <a:srgbClr val="000000"/>
                     </a:solidFill>
@@ -10810,7 +10810,7 @@
               </a:ln>
               <a:extLst>
                 <a:ext uri="{91240B29-F687-4f45-9708-019B960494DF}">
-                  <a14:hiddenLine xmlns="" xmlns:a14="http://schemas.microsoft.com/office/drawing/2010/main" w="9525">
+                  <a14:hiddenLine xmlns:a14="http://schemas.microsoft.com/office/drawing/2010/main" xmlns="" w="9525">
                     <a:solidFill>
                       <a:srgbClr val="000000"/>
                     </a:solidFill>
@@ -10900,7 +10900,7 @@
               </a:ln>
               <a:extLst>
                 <a:ext uri="{91240B29-F687-4f45-9708-019B960494DF}">
-                  <a14:hiddenLine xmlns="" xmlns:a14="http://schemas.microsoft.com/office/drawing/2010/main" w="9525">
+                  <a14:hiddenLine xmlns:a14="http://schemas.microsoft.com/office/drawing/2010/main" xmlns="" w="9525">
                     <a:solidFill>
                       <a:srgbClr val="000000"/>
                     </a:solidFill>
@@ -10965,7 +10965,7 @@
               </a:ln>
               <a:extLst>
                 <a:ext uri="{91240B29-F687-4f45-9708-019B960494DF}">
-                  <a14:hiddenLine xmlns="" xmlns:a14="http://schemas.microsoft.com/office/drawing/2010/main" w="9525">
+                  <a14:hiddenLine xmlns:a14="http://schemas.microsoft.com/office/drawing/2010/main" xmlns="" w="9525">
                     <a:solidFill>
                       <a:srgbClr val="000000"/>
                     </a:solidFill>
@@ -11085,7 +11085,7 @@
               </a:ln>
               <a:extLst>
                 <a:ext uri="{91240B29-F687-4f45-9708-019B960494DF}">
-                  <a14:hiddenLine xmlns="" xmlns:a14="http://schemas.microsoft.com/office/drawing/2010/main" w="9525">
+                  <a14:hiddenLine xmlns:a14="http://schemas.microsoft.com/office/drawing/2010/main" xmlns="" w="9525">
                     <a:solidFill>
                       <a:srgbClr val="000000"/>
                     </a:solidFill>
@@ -11183,7 +11183,7 @@
               </a:ln>
               <a:extLst>
                 <a:ext uri="{91240B29-F687-4f45-9708-019B960494DF}">
-                  <a14:hiddenLine xmlns="" xmlns:a14="http://schemas.microsoft.com/office/drawing/2010/main" w="9525">
+                  <a14:hiddenLine xmlns:a14="http://schemas.microsoft.com/office/drawing/2010/main" xmlns="" w="9525">
                     <a:solidFill>
                       <a:srgbClr val="000000"/>
                     </a:solidFill>
@@ -11298,7 +11298,7 @@
               </a:ln>
               <a:extLst>
                 <a:ext uri="{91240B29-F687-4f45-9708-019B960494DF}">
-                  <a14:hiddenLine xmlns="" xmlns:a14="http://schemas.microsoft.com/office/drawing/2010/main" w="9525">
+                  <a14:hiddenLine xmlns:a14="http://schemas.microsoft.com/office/drawing/2010/main" xmlns="" w="9525">
                     <a:solidFill>
                       <a:srgbClr val="000000"/>
                     </a:solidFill>
@@ -11388,7 +11388,7 @@
               </a:ln>
               <a:extLst>
                 <a:ext uri="{91240B29-F687-4f45-9708-019B960494DF}">
-                  <a14:hiddenLine xmlns="" xmlns:a14="http://schemas.microsoft.com/office/drawing/2010/main" w="9525">
+                  <a14:hiddenLine xmlns:a14="http://schemas.microsoft.com/office/drawing/2010/main" xmlns="" w="9525">
                     <a:solidFill>
                       <a:srgbClr val="000000"/>
                     </a:solidFill>
@@ -11453,7 +11453,7 @@
               </a:ln>
               <a:extLst>
                 <a:ext uri="{91240B29-F687-4f45-9708-019B960494DF}">
-                  <a14:hiddenLine xmlns="" xmlns:a14="http://schemas.microsoft.com/office/drawing/2010/main" w="9525">
+                  <a14:hiddenLine xmlns:a14="http://schemas.microsoft.com/office/drawing/2010/main" xmlns="" w="9525">
                     <a:solidFill>
                       <a:srgbClr val="000000"/>
                     </a:solidFill>
@@ -11543,7 +11543,7 @@
               </a:ln>
               <a:extLst>
                 <a:ext uri="{91240B29-F687-4f45-9708-019B960494DF}">
-                  <a14:hiddenLine xmlns="" xmlns:a14="http://schemas.microsoft.com/office/drawing/2010/main" w="9525">
+                  <a14:hiddenLine xmlns:a14="http://schemas.microsoft.com/office/drawing/2010/main" xmlns="" w="9525">
                     <a:solidFill>
                       <a:srgbClr val="000000"/>
                     </a:solidFill>
@@ -11611,7 +11611,7 @@
               </a:ln>
               <a:extLst>
                 <a:ext uri="{91240B29-F687-4f45-9708-019B960494DF}">
-                  <a14:hiddenLine xmlns="" xmlns:a14="http://schemas.microsoft.com/office/drawing/2010/main" w="9525">
+                  <a14:hiddenLine xmlns:a14="http://schemas.microsoft.com/office/drawing/2010/main" xmlns="" w="9525">
                     <a:solidFill>
                       <a:srgbClr val="000000"/>
                     </a:solidFill>
@@ -11701,7 +11701,7 @@
               </a:ln>
               <a:extLst>
                 <a:ext uri="{91240B29-F687-4f45-9708-019B960494DF}">
-                  <a14:hiddenLine xmlns="" xmlns:a14="http://schemas.microsoft.com/office/drawing/2010/main" w="9525">
+                  <a14:hiddenLine xmlns:a14="http://schemas.microsoft.com/office/drawing/2010/main" xmlns="" w="9525">
                     <a:solidFill>
                       <a:srgbClr val="000000"/>
                     </a:solidFill>
@@ -11769,7 +11769,7 @@
               </a:ln>
               <a:extLst>
                 <a:ext uri="{91240B29-F687-4f45-9708-019B960494DF}">
-                  <a14:hiddenLine xmlns="" xmlns:a14="http://schemas.microsoft.com/office/drawing/2010/main" w="9525">
+                  <a14:hiddenLine xmlns:a14="http://schemas.microsoft.com/office/drawing/2010/main" xmlns="" w="9525">
                     <a:solidFill>
                       <a:srgbClr val="000000"/>
                     </a:solidFill>
@@ -11859,7 +11859,7 @@
               </a:ln>
               <a:extLst>
                 <a:ext uri="{91240B29-F687-4f45-9708-019B960494DF}">
-                  <a14:hiddenLine xmlns="" xmlns:a14="http://schemas.microsoft.com/office/drawing/2010/main" w="9525">
+                  <a14:hiddenLine xmlns:a14="http://schemas.microsoft.com/office/drawing/2010/main" xmlns="" w="9525">
                     <a:solidFill>
                       <a:srgbClr val="000000"/>
                     </a:solidFill>
@@ -11893,7 +11893,7 @@
               </a:ln>
               <a:extLst>
                 <a:ext uri="{91240B29-F687-4f45-9708-019B960494DF}">
-                  <a14:hiddenLine xmlns="" xmlns:a14="http://schemas.microsoft.com/office/drawing/2010/main" w="9525">
+                  <a14:hiddenLine xmlns:a14="http://schemas.microsoft.com/office/drawing/2010/main" xmlns="" w="9525">
                     <a:solidFill>
                       <a:srgbClr val="000000"/>
                     </a:solidFill>
@@ -12033,7 +12033,7 @@
           <a:p>
             <a:fld id="{3B57195E-6F70-4CDB-8628-8204974371BE}" type="datetimeFigureOut">
               <a:rPr lang="fr-FR" smtClean="0"/>
-              <a:t>11/03/2019</a:t>
+              <a:t>12/03/2019</a:t>
             </a:fld>
             <a:endParaRPr lang="fr-FR"/>
           </a:p>
@@ -12652,7 +12652,7 @@
             <a:noFill/>
             <a:extLst>
               <a:ext uri="{909E8E84-426E-40dd-AFC4-6F175D3DCCD1}">
-                <a14:hiddenFill xmlns="" xmlns:a14="http://schemas.microsoft.com/office/drawing/2010/main" xmlns:p14="http://schemas.microsoft.com/office/powerpoint/2010/main" xmlns:a16="http://schemas.microsoft.com/office/drawing/2014/main">
+                <a14:hiddenFill xmlns:a16="http://schemas.microsoft.com/office/drawing/2014/main" xmlns:p14="http://schemas.microsoft.com/office/powerpoint/2010/main" xmlns:a14="http://schemas.microsoft.com/office/drawing/2010/main" xmlns="">
                   <a:solidFill>
                     <a:srgbClr val="FFFFFF"/>
                   </a:solidFill>
@@ -16274,6 +16274,403 @@
           </a:p>
         </p:txBody>
       </p:sp>
+      <p:sp>
+        <p:nvSpPr>
+          <p:cNvPr id="3" name="ZoneTexte 2">
+            <a:extLst>
+              <a:ext uri="{FF2B5EF4-FFF2-40B4-BE49-F238E27FC236}">
+                <a16:creationId xmlns:a16="http://schemas.microsoft.com/office/drawing/2014/main" id="{A5E66502-8729-4240-91F4-65D9C85B50C3}"/>
+              </a:ext>
+            </a:extLst>
+          </p:cNvPr>
+          <p:cNvSpPr txBox="1"/>
+          <p:nvPr/>
+        </p:nvSpPr>
+        <p:spPr>
+          <a:xfrm>
+            <a:off x="2330482" y="781235"/>
+            <a:ext cx="7531036" cy="369332"/>
+          </a:xfrm>
+          <a:prstGeom prst="rect">
+            <a:avLst/>
+          </a:prstGeom>
+          <a:noFill/>
+        </p:spPr>
+        <p:txBody>
+          <a:bodyPr wrap="none" rtlCol="0">
+            <a:spAutoFit/>
+          </a:bodyPr>
+          <a:lstStyle/>
+          <a:p>
+            <a:r>
+              <a:rPr lang="fr-FR" dirty="0"/>
+              <a:t>Générique = Spécification du type attendu dans une Classe/Méthode/Structure</a:t>
+            </a:r>
+          </a:p>
+        </p:txBody>
+      </p:sp>
+      <p:sp>
+        <p:nvSpPr>
+          <p:cNvPr id="4" name="ZoneTexte 3">
+            <a:extLst>
+              <a:ext uri="{FF2B5EF4-FFF2-40B4-BE49-F238E27FC236}">
+                <a16:creationId xmlns:a16="http://schemas.microsoft.com/office/drawing/2014/main" id="{9B972D4C-9D77-4726-822F-CD8DE73BACA9}"/>
+              </a:ext>
+            </a:extLst>
+          </p:cNvPr>
+          <p:cNvSpPr txBox="1"/>
+          <p:nvPr/>
+        </p:nvSpPr>
+        <p:spPr>
+          <a:xfrm>
+            <a:off x="2330482" y="1150567"/>
+            <a:ext cx="5401543" cy="369332"/>
+          </a:xfrm>
+          <a:prstGeom prst="rect">
+            <a:avLst/>
+          </a:prstGeom>
+          <a:noFill/>
+        </p:spPr>
+        <p:txBody>
+          <a:bodyPr wrap="none" rtlCol="0">
+            <a:spAutoFit/>
+          </a:bodyPr>
+          <a:lstStyle/>
+          <a:p>
+            <a:r>
+              <a:rPr lang="fr-FR" dirty="0"/>
+              <a:t>Utilisé couramment pour les listes : List&lt;</a:t>
+            </a:r>
+            <a:r>
+              <a:rPr lang="fr-FR" dirty="0" err="1"/>
+              <a:t>int</a:t>
+            </a:r>
+            <a:r>
+              <a:rPr lang="fr-FR" dirty="0"/>
+              <a:t>&gt; par exemple</a:t>
+            </a:r>
+          </a:p>
+        </p:txBody>
+      </p:sp>
+      <p:sp>
+        <p:nvSpPr>
+          <p:cNvPr id="5" name="ZoneTexte 4">
+            <a:extLst>
+              <a:ext uri="{FF2B5EF4-FFF2-40B4-BE49-F238E27FC236}">
+                <a16:creationId xmlns:a16="http://schemas.microsoft.com/office/drawing/2014/main" id="{F3BBE29F-EDEB-42D4-AF87-77E23CBCA0C4}"/>
+              </a:ext>
+            </a:extLst>
+          </p:cNvPr>
+          <p:cNvSpPr txBox="1"/>
+          <p:nvPr/>
+        </p:nvSpPr>
+        <p:spPr>
+          <a:xfrm>
+            <a:off x="1850927" y="1889231"/>
+            <a:ext cx="959109" cy="369332"/>
+          </a:xfrm>
+          <a:prstGeom prst="rect">
+            <a:avLst/>
+          </a:prstGeom>
+          <a:noFill/>
+        </p:spPr>
+        <p:txBody>
+          <a:bodyPr wrap="none" rtlCol="0">
+            <a:spAutoFit/>
+          </a:bodyPr>
+          <a:lstStyle/>
+          <a:p>
+            <a:r>
+              <a:rPr lang="fr-FR" dirty="0"/>
+              <a:t>Exemple</a:t>
+            </a:r>
+          </a:p>
+        </p:txBody>
+      </p:sp>
+      <p:sp>
+        <p:nvSpPr>
+          <p:cNvPr id="6" name="ZoneTexte 5">
+            <a:extLst>
+              <a:ext uri="{FF2B5EF4-FFF2-40B4-BE49-F238E27FC236}">
+                <a16:creationId xmlns:a16="http://schemas.microsoft.com/office/drawing/2014/main" id="{DBD6F6F5-4E07-4D25-84FC-632A5694B0B0}"/>
+              </a:ext>
+            </a:extLst>
+          </p:cNvPr>
+          <p:cNvSpPr txBox="1"/>
+          <p:nvPr/>
+        </p:nvSpPr>
+        <p:spPr>
+          <a:xfrm>
+            <a:off x="1850927" y="2258563"/>
+            <a:ext cx="5659582" cy="1477328"/>
+          </a:xfrm>
+          <a:prstGeom prst="rect">
+            <a:avLst/>
+          </a:prstGeom>
+          <a:solidFill>
+            <a:schemeClr val="bg1"/>
+          </a:solidFill>
+          <a:ln>
+            <a:solidFill>
+              <a:schemeClr val="tx2"/>
+            </a:solidFill>
+          </a:ln>
+        </p:spPr>
+        <p:txBody>
+          <a:bodyPr wrap="square" rtlCol="0">
+            <a:spAutoFit/>
+          </a:bodyPr>
+          <a:lstStyle/>
+          <a:p>
+            <a:r>
+              <a:rPr lang="fr-FR" dirty="0"/>
+              <a:t>Public </a:t>
+            </a:r>
+            <a:r>
+              <a:rPr lang="fr-FR" dirty="0" err="1"/>
+              <a:t>void</a:t>
+            </a:r>
+            <a:r>
+              <a:rPr lang="fr-FR" dirty="0"/>
+              <a:t> </a:t>
+            </a:r>
+            <a:r>
+              <a:rPr lang="fr-FR" dirty="0" err="1"/>
+              <a:t>verificationSiNul</a:t>
+            </a:r>
+            <a:r>
+              <a:rPr lang="fr-FR" dirty="0"/>
+              <a:t>&lt;nb&gt;(nb nombre){</a:t>
+            </a:r>
+          </a:p>
+          <a:p>
+            <a:r>
+              <a:rPr lang="fr-FR" dirty="0"/>
+              <a:t>                    If(nombre==0){</a:t>
+            </a:r>
+          </a:p>
+          <a:p>
+            <a:r>
+              <a:rPr lang="fr-FR" dirty="0"/>
+              <a:t>                               </a:t>
+            </a:r>
+            <a:r>
+              <a:rPr lang="fr-FR" dirty="0" err="1"/>
+              <a:t>Console.Write</a:t>
+            </a:r>
+            <a:r>
+              <a:rPr lang="fr-FR" dirty="0"/>
+              <a:t>(« Le nombre vaut 0 ») ;</a:t>
+            </a:r>
+          </a:p>
+          <a:p>
+            <a:r>
+              <a:rPr lang="fr-FR" dirty="0"/>
+              <a:t>                     }</a:t>
+            </a:r>
+          </a:p>
+          <a:p>
+            <a:r>
+              <a:rPr lang="fr-FR" dirty="0"/>
+              <a:t>}</a:t>
+            </a:r>
+          </a:p>
+        </p:txBody>
+      </p:sp>
+      <p:sp>
+        <p:nvSpPr>
+          <p:cNvPr id="7" name="ZoneTexte 6">
+            <a:extLst>
+              <a:ext uri="{FF2B5EF4-FFF2-40B4-BE49-F238E27FC236}">
+                <a16:creationId xmlns:a16="http://schemas.microsoft.com/office/drawing/2014/main" id="{7EB3BACA-7608-4D1A-86C3-833026F8BDCE}"/>
+              </a:ext>
+            </a:extLst>
+          </p:cNvPr>
+          <p:cNvSpPr txBox="1"/>
+          <p:nvPr/>
+        </p:nvSpPr>
+        <p:spPr>
+          <a:xfrm>
+            <a:off x="8176334" y="2812561"/>
+            <a:ext cx="4141647" cy="369332"/>
+          </a:xfrm>
+          <a:prstGeom prst="rect">
+            <a:avLst/>
+          </a:prstGeom>
+          <a:noFill/>
+        </p:spPr>
+        <p:txBody>
+          <a:bodyPr wrap="none" rtlCol="0">
+            <a:spAutoFit/>
+          </a:bodyPr>
+          <a:lstStyle/>
+          <a:p>
+            <a:r>
+              <a:rPr lang="fr-FR" dirty="0"/>
+              <a:t>Peut être appelé avec </a:t>
+            </a:r>
+            <a:r>
+              <a:rPr lang="fr-FR" dirty="0" err="1"/>
+              <a:t>int</a:t>
+            </a:r>
+            <a:r>
+              <a:rPr lang="fr-FR" dirty="0"/>
+              <a:t>/double/</a:t>
+            </a:r>
+            <a:r>
+              <a:rPr lang="fr-FR" dirty="0" err="1"/>
+              <a:t>float</a:t>
+            </a:r>
+            <a:r>
+              <a:rPr lang="fr-FR" dirty="0"/>
+              <a:t>/…</a:t>
+            </a:r>
+          </a:p>
+        </p:txBody>
+      </p:sp>
+      <p:cxnSp>
+        <p:nvCxnSpPr>
+          <p:cNvPr id="9" name="Connecteur droit avec flèche 8">
+            <a:extLst>
+              <a:ext uri="{FF2B5EF4-FFF2-40B4-BE49-F238E27FC236}">
+                <a16:creationId xmlns:a16="http://schemas.microsoft.com/office/drawing/2014/main" id="{E62D494D-5205-4610-A7C9-77EEECAD4510}"/>
+              </a:ext>
+            </a:extLst>
+          </p:cNvPr>
+          <p:cNvCxnSpPr>
+            <a:stCxn id="6" idx="3"/>
+            <a:endCxn id="7" idx="1"/>
+          </p:cNvCxnSpPr>
+          <p:nvPr/>
+        </p:nvCxnSpPr>
+        <p:spPr>
+          <a:xfrm>
+            <a:off x="7510509" y="2997227"/>
+            <a:ext cx="665825" cy="0"/>
+          </a:xfrm>
+          <a:prstGeom prst="straightConnector1">
+            <a:avLst/>
+          </a:prstGeom>
+          <a:ln>
+            <a:solidFill>
+              <a:srgbClr val="73B5C5"/>
+            </a:solidFill>
+            <a:tailEnd type="triangle"/>
+          </a:ln>
+        </p:spPr>
+        <p:style>
+          <a:lnRef idx="1">
+            <a:schemeClr val="accent1"/>
+          </a:lnRef>
+          <a:fillRef idx="0">
+            <a:schemeClr val="accent1"/>
+          </a:fillRef>
+          <a:effectRef idx="0">
+            <a:schemeClr val="accent1"/>
+          </a:effectRef>
+          <a:fontRef idx="minor">
+            <a:schemeClr val="tx1"/>
+          </a:fontRef>
+        </p:style>
+      </p:cxnSp>
+      <p:sp>
+        <p:nvSpPr>
+          <p:cNvPr id="10" name="ZoneTexte 9">
+            <a:extLst>
+              <a:ext uri="{FF2B5EF4-FFF2-40B4-BE49-F238E27FC236}">
+                <a16:creationId xmlns:a16="http://schemas.microsoft.com/office/drawing/2014/main" id="{DC3C3A41-E013-45D7-9729-CEDCC751E417}"/>
+              </a:ext>
+            </a:extLst>
+          </p:cNvPr>
+          <p:cNvSpPr txBox="1"/>
+          <p:nvPr/>
+        </p:nvSpPr>
+        <p:spPr>
+          <a:xfrm>
+            <a:off x="1850927" y="4105223"/>
+            <a:ext cx="2603790" cy="369332"/>
+          </a:xfrm>
+          <a:prstGeom prst="rect">
+            <a:avLst/>
+          </a:prstGeom>
+          <a:noFill/>
+        </p:spPr>
+        <p:txBody>
+          <a:bodyPr wrap="none" rtlCol="0">
+            <a:spAutoFit/>
+          </a:bodyPr>
+          <a:lstStyle/>
+          <a:p>
+            <a:r>
+              <a:rPr lang="fr-FR" dirty="0"/>
+              <a:t>Exemple Classe générique</a:t>
+            </a:r>
+          </a:p>
+        </p:txBody>
+      </p:sp>
+      <p:sp>
+        <p:nvSpPr>
+          <p:cNvPr id="12" name="ZoneTexte 11">
+            <a:extLst>
+              <a:ext uri="{FF2B5EF4-FFF2-40B4-BE49-F238E27FC236}">
+                <a16:creationId xmlns:a16="http://schemas.microsoft.com/office/drawing/2014/main" id="{A7B4F395-B90B-4555-829B-3217C092EDDA}"/>
+              </a:ext>
+            </a:extLst>
+          </p:cNvPr>
+          <p:cNvSpPr txBox="1"/>
+          <p:nvPr/>
+        </p:nvSpPr>
+        <p:spPr>
+          <a:xfrm>
+            <a:off x="1850927" y="4474555"/>
+            <a:ext cx="4896102" cy="369332"/>
+          </a:xfrm>
+          <a:prstGeom prst="rect">
+            <a:avLst/>
+          </a:prstGeom>
+          <a:solidFill>
+            <a:schemeClr val="bg1"/>
+          </a:solidFill>
+          <a:ln>
+            <a:solidFill>
+              <a:schemeClr val="tx2"/>
+            </a:solidFill>
+          </a:ln>
+        </p:spPr>
+        <p:txBody>
+          <a:bodyPr wrap="square" rtlCol="0">
+            <a:spAutoFit/>
+          </a:bodyPr>
+          <a:lstStyle/>
+          <a:p>
+            <a:r>
+              <a:rPr lang="en-GB" dirty="0" err="1"/>
+              <a:t>classeGen</a:t>
+            </a:r>
+            <a:r>
+              <a:rPr lang="en-GB" dirty="0"/>
+              <a:t>&lt;int&gt; </a:t>
+            </a:r>
+            <a:r>
+              <a:rPr lang="en-GB" dirty="0" err="1"/>
+              <a:t>appelclasse</a:t>
+            </a:r>
+            <a:r>
+              <a:rPr lang="en-GB" dirty="0"/>
+              <a:t>= new </a:t>
+            </a:r>
+            <a:r>
+              <a:rPr lang="en-GB" dirty="0" err="1"/>
+              <a:t>classeGen</a:t>
+            </a:r>
+            <a:r>
+              <a:rPr lang="en-GB" dirty="0"/>
+              <a:t>&lt;int&gt;</a:t>
+            </a:r>
+            <a:endParaRPr lang="fr-FR" dirty="0"/>
+          </a:p>
+        </p:txBody>
+      </p:sp>
     </p:spTree>
     <p:extLst>
       <p:ext uri="{BB962C8B-B14F-4D97-AF65-F5344CB8AC3E}">
@@ -16395,6 +16792,311 @@
           </a:p>
         </p:txBody>
       </p:sp>
+      <p:sp>
+        <p:nvSpPr>
+          <p:cNvPr id="3" name="ZoneTexte 2">
+            <a:extLst>
+              <a:ext uri="{FF2B5EF4-FFF2-40B4-BE49-F238E27FC236}">
+                <a16:creationId xmlns:a16="http://schemas.microsoft.com/office/drawing/2014/main" id="{2CC4DAE8-9CF1-415F-9EC3-2A39CF72A4D0}"/>
+              </a:ext>
+            </a:extLst>
+          </p:cNvPr>
+          <p:cNvSpPr txBox="1"/>
+          <p:nvPr/>
+        </p:nvSpPr>
+        <p:spPr>
+          <a:xfrm>
+            <a:off x="2798064" y="607388"/>
+            <a:ext cx="5117811" cy="369332"/>
+          </a:xfrm>
+          <a:prstGeom prst="rect">
+            <a:avLst/>
+          </a:prstGeom>
+          <a:noFill/>
+        </p:spPr>
+        <p:txBody>
+          <a:bodyPr wrap="none" rtlCol="0">
+            <a:spAutoFit/>
+          </a:bodyPr>
+          <a:lstStyle/>
+          <a:p>
+            <a:r>
+              <a:rPr lang="fr-FR" dirty="0"/>
+              <a:t>Programmation Objet en C# similaire à C++ ou Java</a:t>
+            </a:r>
+          </a:p>
+        </p:txBody>
+      </p:sp>
+      <p:sp>
+        <p:nvSpPr>
+          <p:cNvPr id="4" name="ZoneTexte 3">
+            <a:extLst>
+              <a:ext uri="{FF2B5EF4-FFF2-40B4-BE49-F238E27FC236}">
+                <a16:creationId xmlns:a16="http://schemas.microsoft.com/office/drawing/2014/main" id="{8ACDD83F-555E-4F2F-B173-4778482A1D42}"/>
+              </a:ext>
+            </a:extLst>
+          </p:cNvPr>
+          <p:cNvSpPr txBox="1"/>
+          <p:nvPr/>
+        </p:nvSpPr>
+        <p:spPr>
+          <a:xfrm>
+            <a:off x="2300876" y="1042416"/>
+            <a:ext cx="994375" cy="369332"/>
+          </a:xfrm>
+          <a:prstGeom prst="rect">
+            <a:avLst/>
+          </a:prstGeom>
+          <a:noFill/>
+        </p:spPr>
+        <p:txBody>
+          <a:bodyPr wrap="none" rtlCol="0">
+            <a:spAutoFit/>
+          </a:bodyPr>
+          <a:lstStyle/>
+          <a:p>
+            <a:r>
+              <a:rPr lang="fr-FR" dirty="0"/>
+              <a:t>Héritage</a:t>
+            </a:r>
+          </a:p>
+        </p:txBody>
+      </p:sp>
+      <p:sp>
+        <p:nvSpPr>
+          <p:cNvPr id="5" name="ZoneTexte 4">
+            <a:extLst>
+              <a:ext uri="{FF2B5EF4-FFF2-40B4-BE49-F238E27FC236}">
+                <a16:creationId xmlns:a16="http://schemas.microsoft.com/office/drawing/2014/main" id="{7BA5FFBE-3DED-4ABA-9BF0-6D959B4B71D0}"/>
+              </a:ext>
+            </a:extLst>
+          </p:cNvPr>
+          <p:cNvSpPr txBox="1"/>
+          <p:nvPr/>
+        </p:nvSpPr>
+        <p:spPr>
+          <a:xfrm>
+            <a:off x="3831898" y="1042416"/>
+            <a:ext cx="2834077" cy="369332"/>
+          </a:xfrm>
+          <a:prstGeom prst="rect">
+            <a:avLst/>
+          </a:prstGeom>
+          <a:solidFill>
+            <a:schemeClr val="bg1"/>
+          </a:solidFill>
+          <a:ln>
+            <a:solidFill>
+              <a:schemeClr val="tx2"/>
+            </a:solidFill>
+          </a:ln>
+        </p:spPr>
+        <p:txBody>
+          <a:bodyPr wrap="square" rtlCol="0">
+            <a:spAutoFit/>
+          </a:bodyPr>
+          <a:lstStyle/>
+          <a:p>
+            <a:r>
+              <a:rPr lang="fr-FR" dirty="0"/>
+              <a:t>public class Salade : Aliment</a:t>
+            </a:r>
+          </a:p>
+        </p:txBody>
+      </p:sp>
+      <p:cxnSp>
+        <p:nvCxnSpPr>
+          <p:cNvPr id="7" name="Connecteur droit avec flèche 6">
+            <a:extLst>
+              <a:ext uri="{FF2B5EF4-FFF2-40B4-BE49-F238E27FC236}">
+                <a16:creationId xmlns:a16="http://schemas.microsoft.com/office/drawing/2014/main" id="{79033413-97AF-4BB6-A5DD-A911D0C5DDF9}"/>
+              </a:ext>
+            </a:extLst>
+          </p:cNvPr>
+          <p:cNvCxnSpPr>
+            <a:stCxn id="4" idx="3"/>
+            <a:endCxn id="5" idx="1"/>
+          </p:cNvCxnSpPr>
+          <p:nvPr/>
+        </p:nvCxnSpPr>
+        <p:spPr>
+          <a:xfrm>
+            <a:off x="3295251" y="1227082"/>
+            <a:ext cx="536647" cy="0"/>
+          </a:xfrm>
+          <a:prstGeom prst="straightConnector1">
+            <a:avLst/>
+          </a:prstGeom>
+          <a:ln>
+            <a:solidFill>
+              <a:srgbClr val="73B5C5"/>
+            </a:solidFill>
+            <a:tailEnd type="triangle"/>
+          </a:ln>
+        </p:spPr>
+        <p:style>
+          <a:lnRef idx="1">
+            <a:schemeClr val="accent1"/>
+          </a:lnRef>
+          <a:fillRef idx="0">
+            <a:schemeClr val="accent1"/>
+          </a:fillRef>
+          <a:effectRef idx="0">
+            <a:schemeClr val="accent1"/>
+          </a:effectRef>
+          <a:fontRef idx="minor">
+            <a:schemeClr val="tx1"/>
+          </a:fontRef>
+        </p:style>
+      </p:cxnSp>
+      <p:sp>
+        <p:nvSpPr>
+          <p:cNvPr id="8" name="ZoneTexte 7">
+            <a:extLst>
+              <a:ext uri="{FF2B5EF4-FFF2-40B4-BE49-F238E27FC236}">
+                <a16:creationId xmlns:a16="http://schemas.microsoft.com/office/drawing/2014/main" id="{1D5284BB-07EE-42B3-B0CF-519BB5954E99}"/>
+              </a:ext>
+            </a:extLst>
+          </p:cNvPr>
+          <p:cNvSpPr txBox="1"/>
+          <p:nvPr/>
+        </p:nvSpPr>
+        <p:spPr>
+          <a:xfrm>
+            <a:off x="7114032" y="1042416"/>
+            <a:ext cx="3991990" cy="369332"/>
+          </a:xfrm>
+          <a:prstGeom prst="rect">
+            <a:avLst/>
+          </a:prstGeom>
+          <a:noFill/>
+        </p:spPr>
+        <p:txBody>
+          <a:bodyPr wrap="none" rtlCol="0">
+            <a:spAutoFit/>
+          </a:bodyPr>
+          <a:lstStyle/>
+          <a:p>
+            <a:r>
+              <a:rPr lang="fr-FR" dirty="0"/>
+              <a:t>Ici Salade hérite des propriétés d’Aliment</a:t>
+            </a:r>
+          </a:p>
+        </p:txBody>
+      </p:sp>
+      <p:pic>
+        <p:nvPicPr>
+          <p:cNvPr id="9" name="Image 8">
+            <a:extLst>
+              <a:ext uri="{FF2B5EF4-FFF2-40B4-BE49-F238E27FC236}">
+                <a16:creationId xmlns:a16="http://schemas.microsoft.com/office/drawing/2014/main" id="{1D9A7414-8E19-4EBA-8423-55FF1AE190A7}"/>
+              </a:ext>
+            </a:extLst>
+          </p:cNvPr>
+          <p:cNvPicPr/>
+          <p:nvPr/>
+        </p:nvPicPr>
+        <p:blipFill>
+          <a:blip r:embed="rId2">
+            <a:extLst>
+              <a:ext uri="{28A0092B-C50C-407E-A947-70E740481C1C}">
+                <a14:useLocalDpi xmlns:a14="http://schemas.microsoft.com/office/drawing/2010/main" val="0"/>
+              </a:ext>
+            </a:extLst>
+          </a:blip>
+          <a:srcRect/>
+          <a:stretch>
+            <a:fillRect/>
+          </a:stretch>
+        </p:blipFill>
+        <p:spPr bwMode="auto">
+          <a:xfrm>
+            <a:off x="2476609" y="1596414"/>
+            <a:ext cx="5760720" cy="3284220"/>
+          </a:xfrm>
+          <a:prstGeom prst="rect">
+            <a:avLst/>
+          </a:prstGeom>
+          <a:noFill/>
+          <a:ln>
+            <a:noFill/>
+          </a:ln>
+        </p:spPr>
+      </p:pic>
+      <p:sp>
+        <p:nvSpPr>
+          <p:cNvPr id="10" name="ZoneTexte 9">
+            <a:extLst>
+              <a:ext uri="{FF2B5EF4-FFF2-40B4-BE49-F238E27FC236}">
+                <a16:creationId xmlns:a16="http://schemas.microsoft.com/office/drawing/2014/main" id="{F790F388-277F-479A-BF07-804B1426E7C2}"/>
+              </a:ext>
+            </a:extLst>
+          </p:cNvPr>
+          <p:cNvSpPr txBox="1"/>
+          <p:nvPr/>
+        </p:nvSpPr>
+        <p:spPr>
+          <a:xfrm>
+            <a:off x="2300876" y="5065299"/>
+            <a:ext cx="5116914" cy="369332"/>
+          </a:xfrm>
+          <a:prstGeom prst="rect">
+            <a:avLst/>
+          </a:prstGeom>
+          <a:noFill/>
+        </p:spPr>
+        <p:txBody>
+          <a:bodyPr wrap="none" rtlCol="0">
+            <a:spAutoFit/>
+          </a:bodyPr>
+          <a:lstStyle/>
+          <a:p>
+            <a:r>
+              <a:rPr lang="fr-FR" dirty="0"/>
+              <a:t>Utilisation méthodes ou constructeur via mot-clé : base</a:t>
+            </a:r>
+          </a:p>
+        </p:txBody>
+      </p:sp>
+      <p:pic>
+        <p:nvPicPr>
+          <p:cNvPr id="11" name="Image 10">
+            <a:extLst>
+              <a:ext uri="{FF2B5EF4-FFF2-40B4-BE49-F238E27FC236}">
+                <a16:creationId xmlns:a16="http://schemas.microsoft.com/office/drawing/2014/main" id="{74DFCE0F-40BD-4DEC-B872-DDECE5E862CF}"/>
+              </a:ext>
+            </a:extLst>
+          </p:cNvPr>
+          <p:cNvPicPr/>
+          <p:nvPr/>
+        </p:nvPicPr>
+        <p:blipFill>
+          <a:blip r:embed="rId3">
+            <a:extLst>
+              <a:ext uri="{28A0092B-C50C-407E-A947-70E740481C1C}">
+                <a14:useLocalDpi xmlns:a14="http://schemas.microsoft.com/office/drawing/2010/main" val="0"/>
+              </a:ext>
+            </a:extLst>
+          </a:blip>
+          <a:srcRect/>
+          <a:stretch>
+            <a:fillRect/>
+          </a:stretch>
+        </p:blipFill>
+        <p:spPr bwMode="auto">
+          <a:xfrm>
+            <a:off x="7384861" y="5065299"/>
+            <a:ext cx="3101340" cy="1325880"/>
+          </a:xfrm>
+          <a:prstGeom prst="rect">
+            <a:avLst/>
+          </a:prstGeom>
+          <a:noFill/>
+          <a:ln>
+            <a:noFill/>
+          </a:ln>
+        </p:spPr>
+      </p:pic>
     </p:spTree>
     <p:extLst>
       <p:ext uri="{BB962C8B-B14F-4D97-AF65-F5344CB8AC3E}">
@@ -16512,6 +17214,156 @@
                 <a:cs typeface="+mn-cs"/>
               </a:rPr>
               <a:t>Programmation Objet (2)</a:t>
+            </a:r>
+          </a:p>
+        </p:txBody>
+      </p:sp>
+      <p:sp>
+        <p:nvSpPr>
+          <p:cNvPr id="3" name="ZoneTexte 2">
+            <a:extLst>
+              <a:ext uri="{FF2B5EF4-FFF2-40B4-BE49-F238E27FC236}">
+                <a16:creationId xmlns:a16="http://schemas.microsoft.com/office/drawing/2014/main" id="{C777EC04-8B7A-4D64-A364-F9103E040CF2}"/>
+              </a:ext>
+            </a:extLst>
+          </p:cNvPr>
+          <p:cNvSpPr txBox="1"/>
+          <p:nvPr/>
+        </p:nvSpPr>
+        <p:spPr>
+          <a:xfrm>
+            <a:off x="2615184" y="1199327"/>
+            <a:ext cx="7280904" cy="646331"/>
+          </a:xfrm>
+          <a:prstGeom prst="rect">
+            <a:avLst/>
+          </a:prstGeom>
+          <a:noFill/>
+        </p:spPr>
+        <p:txBody>
+          <a:bodyPr wrap="none" rtlCol="0">
+            <a:spAutoFit/>
+          </a:bodyPr>
+          <a:lstStyle/>
+          <a:p>
+            <a:r>
+              <a:rPr lang="fr-FR" dirty="0"/>
+              <a:t>Il existe aussi les Interfaces qui fonctionnent comme une Classe « mère » mais </a:t>
+            </a:r>
+          </a:p>
+          <a:p>
+            <a:r>
+              <a:rPr lang="fr-FR" dirty="0"/>
+              <a:t>Sans implémenter els méthodes. Elles devront l’être dans les Classes « filles »</a:t>
+            </a:r>
+          </a:p>
+        </p:txBody>
+      </p:sp>
+      <p:pic>
+        <p:nvPicPr>
+          <p:cNvPr id="4" name="Image 3">
+            <a:extLst>
+              <a:ext uri="{FF2B5EF4-FFF2-40B4-BE49-F238E27FC236}">
+                <a16:creationId xmlns:a16="http://schemas.microsoft.com/office/drawing/2014/main" id="{0E001D95-F47A-4ACE-B15F-6A40F0C9914C}"/>
+              </a:ext>
+            </a:extLst>
+          </p:cNvPr>
+          <p:cNvPicPr/>
+          <p:nvPr/>
+        </p:nvPicPr>
+        <p:blipFill>
+          <a:blip r:embed="rId2">
+            <a:extLst>
+              <a:ext uri="{28A0092B-C50C-407E-A947-70E740481C1C}">
+                <a14:useLocalDpi xmlns:a14="http://schemas.microsoft.com/office/drawing/2010/main" val="0"/>
+              </a:ext>
+            </a:extLst>
+          </a:blip>
+          <a:srcRect/>
+          <a:stretch>
+            <a:fillRect/>
+          </a:stretch>
+        </p:blipFill>
+        <p:spPr bwMode="auto">
+          <a:xfrm>
+            <a:off x="4697346" y="2537460"/>
+            <a:ext cx="3116580" cy="891540"/>
+          </a:xfrm>
+          <a:prstGeom prst="rect">
+            <a:avLst/>
+          </a:prstGeom>
+          <a:noFill/>
+          <a:ln>
+            <a:noFill/>
+          </a:ln>
+        </p:spPr>
+      </p:pic>
+      <p:sp>
+        <p:nvSpPr>
+          <p:cNvPr id="5" name="ZoneTexte 4">
+            <a:extLst>
+              <a:ext uri="{FF2B5EF4-FFF2-40B4-BE49-F238E27FC236}">
+                <a16:creationId xmlns:a16="http://schemas.microsoft.com/office/drawing/2014/main" id="{A7F5B8F0-4D17-4AA1-8A69-BD8B1C683C61}"/>
+              </a:ext>
+            </a:extLst>
+          </p:cNvPr>
+          <p:cNvSpPr txBox="1"/>
+          <p:nvPr/>
+        </p:nvSpPr>
+        <p:spPr>
+          <a:xfrm>
+            <a:off x="1929463" y="3740780"/>
+            <a:ext cx="9790052" cy="369332"/>
+          </a:xfrm>
+          <a:prstGeom prst="rect">
+            <a:avLst/>
+          </a:prstGeom>
+          <a:noFill/>
+        </p:spPr>
+        <p:txBody>
+          <a:bodyPr wrap="none" rtlCol="0">
+            <a:spAutoFit/>
+          </a:bodyPr>
+          <a:lstStyle/>
+          <a:p>
+            <a:r>
+              <a:rPr lang="fr-FR" dirty="0"/>
+              <a:t>Cette méthode (cuire) peut être implémentée par un Aliment, il n’est pas nécessaire que Salade le fasse</a:t>
+            </a:r>
+          </a:p>
+        </p:txBody>
+      </p:sp>
+      <p:sp>
+        <p:nvSpPr>
+          <p:cNvPr id="6" name="ZoneTexte 5">
+            <a:extLst>
+              <a:ext uri="{FF2B5EF4-FFF2-40B4-BE49-F238E27FC236}">
+                <a16:creationId xmlns:a16="http://schemas.microsoft.com/office/drawing/2014/main" id="{FD2B0454-7E7E-4E39-8ED1-6ED0824BBE46}"/>
+              </a:ext>
+            </a:extLst>
+          </p:cNvPr>
+          <p:cNvSpPr txBox="1"/>
+          <p:nvPr/>
+        </p:nvSpPr>
+        <p:spPr>
+          <a:xfrm>
+            <a:off x="4697346" y="5404104"/>
+            <a:ext cx="3641318" cy="369332"/>
+          </a:xfrm>
+          <a:prstGeom prst="rect">
+            <a:avLst/>
+          </a:prstGeom>
+          <a:noFill/>
+        </p:spPr>
+        <p:txBody>
+          <a:bodyPr wrap="none" rtlCol="0">
+            <a:spAutoFit/>
+          </a:bodyPr>
+          <a:lstStyle/>
+          <a:p>
+            <a:r>
+              <a:rPr lang="fr-FR" dirty="0"/>
+              <a:t>(Exemple complet sur le fichier Word)</a:t>
             </a:r>
           </a:p>
         </p:txBody>
@@ -20574,7 +21426,7 @@
             <a:noFill/>
             <a:extLst>
               <a:ext uri="{909E8E84-426E-40dd-AFC4-6F175D3DCCD1}">
-                <a14:hiddenFill xmlns:a16="http://schemas.microsoft.com/office/drawing/2014/main" xmlns:p14="http://schemas.microsoft.com/office/powerpoint/2010/main" xmlns:a14="http://schemas.microsoft.com/office/drawing/2010/main" xmlns="">
+                <a14:hiddenFill xmlns="" xmlns:a14="http://schemas.microsoft.com/office/drawing/2010/main" xmlns:p14="http://schemas.microsoft.com/office/powerpoint/2010/main" xmlns:a16="http://schemas.microsoft.com/office/drawing/2014/main">
                   <a:solidFill>
                     <a:srgbClr val="FFFFFF"/>
                   </a:solidFill>
@@ -24933,6 +25785,1059 @@
           </a:p>
         </p:txBody>
       </p:sp>
+      <p:sp>
+        <p:nvSpPr>
+          <p:cNvPr id="3" name="ZoneTexte 2">
+            <a:extLst>
+              <a:ext uri="{FF2B5EF4-FFF2-40B4-BE49-F238E27FC236}">
+                <a16:creationId xmlns:a16="http://schemas.microsoft.com/office/drawing/2014/main" id="{47DCB3B7-7696-40ED-AA5E-A6EB793D5DDD}"/>
+              </a:ext>
+            </a:extLst>
+          </p:cNvPr>
+          <p:cNvSpPr txBox="1"/>
+          <p:nvPr/>
+        </p:nvSpPr>
+        <p:spPr>
+          <a:xfrm>
+            <a:off x="2831548" y="584775"/>
+            <a:ext cx="6528903" cy="369332"/>
+          </a:xfrm>
+          <a:prstGeom prst="rect">
+            <a:avLst/>
+          </a:prstGeom>
+          <a:noFill/>
+        </p:spPr>
+        <p:txBody>
+          <a:bodyPr wrap="none" rtlCol="0">
+            <a:spAutoFit/>
+          </a:bodyPr>
+          <a:lstStyle/>
+          <a:p>
+            <a:r>
+              <a:rPr lang="fr-FR" dirty="0"/>
+              <a:t>A l’origine entité caractérisée par : </a:t>
+            </a:r>
+            <a:r>
+              <a:rPr lang="fr-FR" dirty="0" err="1"/>
+              <a:t>private</a:t>
+            </a:r>
+            <a:r>
+              <a:rPr lang="fr-FR" dirty="0"/>
+              <a:t>/public/</a:t>
+            </a:r>
+            <a:r>
+              <a:rPr lang="fr-FR" dirty="0" err="1"/>
+              <a:t>protected</a:t>
+            </a:r>
+            <a:r>
+              <a:rPr lang="fr-FR" dirty="0"/>
+              <a:t>/</a:t>
+            </a:r>
+            <a:r>
+              <a:rPr lang="fr-FR" dirty="0" err="1"/>
+              <a:t>internal</a:t>
+            </a:r>
+            <a:endParaRPr lang="fr-FR" dirty="0"/>
+          </a:p>
+        </p:txBody>
+      </p:sp>
+      <p:sp>
+        <p:nvSpPr>
+          <p:cNvPr id="4" name="Flèche : droite 3">
+            <a:extLst>
+              <a:ext uri="{FF2B5EF4-FFF2-40B4-BE49-F238E27FC236}">
+                <a16:creationId xmlns:a16="http://schemas.microsoft.com/office/drawing/2014/main" id="{8BE46BB3-49F0-4535-B48D-687AA96ABAF8}"/>
+              </a:ext>
+            </a:extLst>
+          </p:cNvPr>
+          <p:cNvSpPr/>
+          <p:nvPr/>
+        </p:nvSpPr>
+        <p:spPr>
+          <a:xfrm>
+            <a:off x="3142266" y="1067419"/>
+            <a:ext cx="798990" cy="221941"/>
+          </a:xfrm>
+          <a:prstGeom prst="rightArrow">
+            <a:avLst/>
+          </a:prstGeom>
+          <a:solidFill>
+            <a:srgbClr val="73B5C5"/>
+          </a:solidFill>
+          <a:ln>
+            <a:solidFill>
+              <a:srgbClr val="73B5C5"/>
+            </a:solidFill>
+          </a:ln>
+        </p:spPr>
+        <p:style>
+          <a:lnRef idx="2">
+            <a:schemeClr val="accent1">
+              <a:shade val="50000"/>
+            </a:schemeClr>
+          </a:lnRef>
+          <a:fillRef idx="1">
+            <a:schemeClr val="accent1"/>
+          </a:fillRef>
+          <a:effectRef idx="0">
+            <a:schemeClr val="accent1"/>
+          </a:effectRef>
+          <a:fontRef idx="minor">
+            <a:schemeClr val="lt1"/>
+          </a:fontRef>
+        </p:style>
+        <p:txBody>
+          <a:bodyPr rtlCol="0" anchor="ctr"/>
+          <a:lstStyle/>
+          <a:p>
+            <a:pPr algn="ctr"/>
+            <a:endParaRPr lang="fr-FR"/>
+          </a:p>
+        </p:txBody>
+      </p:sp>
+      <p:sp>
+        <p:nvSpPr>
+          <p:cNvPr id="5" name="ZoneTexte 4">
+            <a:extLst>
+              <a:ext uri="{FF2B5EF4-FFF2-40B4-BE49-F238E27FC236}">
+                <a16:creationId xmlns:a16="http://schemas.microsoft.com/office/drawing/2014/main" id="{F9B0FBC8-00AE-4F88-8D1A-6742178CA6D8}"/>
+              </a:ext>
+            </a:extLst>
+          </p:cNvPr>
+          <p:cNvSpPr txBox="1"/>
+          <p:nvPr/>
+        </p:nvSpPr>
+        <p:spPr>
+          <a:xfrm>
+            <a:off x="2197777" y="993724"/>
+            <a:ext cx="944489" cy="369332"/>
+          </a:xfrm>
+          <a:prstGeom prst="rect">
+            <a:avLst/>
+          </a:prstGeom>
+          <a:noFill/>
+        </p:spPr>
+        <p:txBody>
+          <a:bodyPr wrap="none" rtlCol="0">
+            <a:spAutoFit/>
+          </a:bodyPr>
+          <a:lstStyle/>
+          <a:p>
+            <a:r>
+              <a:rPr lang="fr-FR" dirty="0"/>
+              <a:t>Attributs</a:t>
+            </a:r>
+          </a:p>
+        </p:txBody>
+      </p:sp>
+      <p:sp>
+        <p:nvSpPr>
+          <p:cNvPr id="6" name="ZoneTexte 5">
+            <a:extLst>
+              <a:ext uri="{FF2B5EF4-FFF2-40B4-BE49-F238E27FC236}">
+                <a16:creationId xmlns:a16="http://schemas.microsoft.com/office/drawing/2014/main" id="{11D45A12-CE26-4875-898D-D31091E3A299}"/>
+              </a:ext>
+            </a:extLst>
+          </p:cNvPr>
+          <p:cNvSpPr txBox="1"/>
+          <p:nvPr/>
+        </p:nvSpPr>
+        <p:spPr>
+          <a:xfrm>
+            <a:off x="3941256" y="993723"/>
+            <a:ext cx="3879780" cy="369332"/>
+          </a:xfrm>
+          <a:prstGeom prst="rect">
+            <a:avLst/>
+          </a:prstGeom>
+          <a:noFill/>
+        </p:spPr>
+        <p:txBody>
+          <a:bodyPr wrap="none" rtlCol="0">
+            <a:spAutoFit/>
+          </a:bodyPr>
+          <a:lstStyle/>
+          <a:p>
+            <a:r>
+              <a:rPr lang="fr-FR" dirty="0"/>
+              <a:t>Qualifier entité + infos complémentaires</a:t>
+            </a:r>
+          </a:p>
+        </p:txBody>
+      </p:sp>
+      <p:sp>
+        <p:nvSpPr>
+          <p:cNvPr id="7" name="ZoneTexte 6">
+            <a:extLst>
+              <a:ext uri="{FF2B5EF4-FFF2-40B4-BE49-F238E27FC236}">
+                <a16:creationId xmlns:a16="http://schemas.microsoft.com/office/drawing/2014/main" id="{EEFF6B22-257A-400A-9C20-D8733B52FD10}"/>
+              </a:ext>
+            </a:extLst>
+          </p:cNvPr>
+          <p:cNvSpPr txBox="1"/>
+          <p:nvPr/>
+        </p:nvSpPr>
+        <p:spPr>
+          <a:xfrm>
+            <a:off x="1961537" y="1538882"/>
+            <a:ext cx="3533531" cy="369332"/>
+          </a:xfrm>
+          <a:prstGeom prst="rect">
+            <a:avLst/>
+          </a:prstGeom>
+          <a:noFill/>
+        </p:spPr>
+        <p:txBody>
+          <a:bodyPr wrap="none" rtlCol="0">
+            <a:spAutoFit/>
+          </a:bodyPr>
+          <a:lstStyle/>
+          <a:p>
+            <a:r>
+              <a:rPr lang="fr-FR" dirty="0"/>
+              <a:t>Création Attribut : héritage </a:t>
+            </a:r>
+            <a:r>
+              <a:rPr lang="fr-FR" dirty="0" err="1"/>
+              <a:t>Attribute</a:t>
+            </a:r>
+            <a:endParaRPr lang="fr-FR" dirty="0"/>
+          </a:p>
+        </p:txBody>
+      </p:sp>
+      <p:sp>
+        <p:nvSpPr>
+          <p:cNvPr id="8" name="ZoneTexte 7">
+            <a:extLst>
+              <a:ext uri="{FF2B5EF4-FFF2-40B4-BE49-F238E27FC236}">
+                <a16:creationId xmlns:a16="http://schemas.microsoft.com/office/drawing/2014/main" id="{E56348F5-3F2D-46D1-A3B7-1D88F0DD2617}"/>
+              </a:ext>
+            </a:extLst>
+          </p:cNvPr>
+          <p:cNvSpPr txBox="1"/>
+          <p:nvPr/>
+        </p:nvSpPr>
+        <p:spPr>
+          <a:xfrm>
+            <a:off x="5495068" y="1289360"/>
+            <a:ext cx="2136549" cy="1692771"/>
+          </a:xfrm>
+          <a:prstGeom prst="rect">
+            <a:avLst/>
+          </a:prstGeom>
+          <a:solidFill>
+            <a:schemeClr val="bg1"/>
+          </a:solidFill>
+          <a:ln>
+            <a:solidFill>
+              <a:schemeClr val="tx1"/>
+            </a:solidFill>
+          </a:ln>
+        </p:spPr>
+        <p:txBody>
+          <a:bodyPr wrap="square" rtlCol="0">
+            <a:spAutoFit/>
+          </a:bodyPr>
+          <a:lstStyle/>
+          <a:p>
+            <a:r>
+              <a:rPr lang="fr-FR" sz="800" dirty="0"/>
+              <a:t>public class </a:t>
+            </a:r>
+            <a:r>
+              <a:rPr lang="fr-FR" sz="800" dirty="0" err="1"/>
+              <a:t>DescriptionAttribute</a:t>
+            </a:r>
+            <a:r>
+              <a:rPr lang="fr-FR" sz="800" dirty="0"/>
+              <a:t> : </a:t>
+            </a:r>
+            <a:r>
+              <a:rPr lang="fr-FR" sz="800" dirty="0" err="1"/>
+              <a:t>Attribute</a:t>
+            </a:r>
+            <a:endParaRPr lang="fr-FR" sz="800" dirty="0"/>
+          </a:p>
+          <a:p>
+            <a:r>
+              <a:rPr lang="fr-FR" sz="800" dirty="0"/>
+              <a:t>    </a:t>
+            </a:r>
+            <a:r>
+              <a:rPr lang="en-GB" sz="800" dirty="0"/>
+              <a:t>{</a:t>
+            </a:r>
+            <a:endParaRPr lang="fr-FR" sz="800" dirty="0"/>
+          </a:p>
+          <a:p>
+            <a:r>
+              <a:rPr lang="en-GB" sz="800" dirty="0"/>
+              <a:t>        public string Description { get; set; }</a:t>
+            </a:r>
+            <a:endParaRPr lang="fr-FR" sz="800" dirty="0"/>
+          </a:p>
+          <a:p>
+            <a:r>
+              <a:rPr lang="en-GB" sz="800" dirty="0"/>
+              <a:t> </a:t>
+            </a:r>
+            <a:endParaRPr lang="fr-FR" sz="800" dirty="0"/>
+          </a:p>
+          <a:p>
+            <a:r>
+              <a:rPr lang="en-GB" sz="800" dirty="0"/>
+              <a:t>        </a:t>
+            </a:r>
+            <a:r>
+              <a:rPr lang="fr-FR" sz="800" dirty="0"/>
+              <a:t>public </a:t>
+            </a:r>
+            <a:r>
+              <a:rPr lang="fr-FR" sz="800" dirty="0" err="1"/>
+              <a:t>DescriptionAttribute</a:t>
+            </a:r>
+            <a:r>
+              <a:rPr lang="fr-FR" sz="800" dirty="0"/>
+              <a:t>()</a:t>
+            </a:r>
+          </a:p>
+          <a:p>
+            <a:r>
+              <a:rPr lang="fr-FR" sz="800" dirty="0"/>
+              <a:t>        {</a:t>
+            </a:r>
+          </a:p>
+          <a:p>
+            <a:r>
+              <a:rPr lang="fr-FR" sz="800" dirty="0"/>
+              <a:t>        }</a:t>
+            </a:r>
+          </a:p>
+          <a:p>
+            <a:r>
+              <a:rPr lang="fr-FR" sz="800" dirty="0"/>
+              <a:t> </a:t>
+            </a:r>
+          </a:p>
+          <a:p>
+            <a:r>
+              <a:rPr lang="fr-FR" sz="800" dirty="0"/>
+              <a:t>        public </a:t>
+            </a:r>
+            <a:r>
+              <a:rPr lang="fr-FR" sz="800" dirty="0" err="1"/>
+              <a:t>DescriptionAttribute</a:t>
+            </a:r>
+            <a:r>
+              <a:rPr lang="fr-FR" sz="800" dirty="0"/>
+              <a:t>(string message)</a:t>
+            </a:r>
+          </a:p>
+          <a:p>
+            <a:r>
+              <a:rPr lang="fr-FR" sz="800" dirty="0"/>
+              <a:t>        {</a:t>
+            </a:r>
+          </a:p>
+          <a:p>
+            <a:r>
+              <a:rPr lang="fr-FR" sz="800" dirty="0"/>
+              <a:t>            Description = message;</a:t>
+            </a:r>
+          </a:p>
+          <a:p>
+            <a:r>
+              <a:rPr lang="fr-FR" sz="800" dirty="0"/>
+              <a:t>        }</a:t>
+            </a:r>
+          </a:p>
+          <a:p>
+            <a:r>
+              <a:rPr lang="fr-FR" sz="800" dirty="0"/>
+              <a:t>    }</a:t>
+            </a:r>
+            <a:endParaRPr kumimoji="0" lang="fr-FR" sz="800" b="0" i="0" u="none" strike="noStrike" kern="1200" cap="none" spc="0" normalizeH="0" baseline="0" noProof="0" dirty="0">
+              <a:ln>
+                <a:noFill/>
+              </a:ln>
+              <a:solidFill>
+                <a:prstClr val="black"/>
+              </a:solidFill>
+              <a:effectLst/>
+              <a:uLnTx/>
+              <a:uFillTx/>
+              <a:latin typeface="Tw Cen MT" panose="020B0602020104020603"/>
+              <a:ea typeface="+mn-ea"/>
+              <a:cs typeface="+mn-cs"/>
+            </a:endParaRPr>
+          </a:p>
+        </p:txBody>
+      </p:sp>
+      <p:sp>
+        <p:nvSpPr>
+          <p:cNvPr id="9" name="ZoneTexte 8">
+            <a:extLst>
+              <a:ext uri="{FF2B5EF4-FFF2-40B4-BE49-F238E27FC236}">
+                <a16:creationId xmlns:a16="http://schemas.microsoft.com/office/drawing/2014/main" id="{A644F83E-9FEF-4EAC-B148-4E602E535CD5}"/>
+              </a:ext>
+            </a:extLst>
+          </p:cNvPr>
+          <p:cNvSpPr txBox="1"/>
+          <p:nvPr/>
+        </p:nvSpPr>
+        <p:spPr>
+          <a:xfrm>
+            <a:off x="8692509" y="1652859"/>
+            <a:ext cx="2136549" cy="1077218"/>
+          </a:xfrm>
+          <a:prstGeom prst="rect">
+            <a:avLst/>
+          </a:prstGeom>
+          <a:solidFill>
+            <a:schemeClr val="bg1"/>
+          </a:solidFill>
+          <a:ln>
+            <a:solidFill>
+              <a:schemeClr val="tx1"/>
+            </a:solidFill>
+          </a:ln>
+        </p:spPr>
+        <p:txBody>
+          <a:bodyPr wrap="square" rtlCol="0">
+            <a:spAutoFit/>
+          </a:bodyPr>
+          <a:lstStyle/>
+          <a:p>
+            <a:r>
+              <a:rPr lang="fr-FR" sz="800" dirty="0"/>
+              <a:t>[Description(Description = "Cette classe correspond à une personne")]</a:t>
+            </a:r>
+          </a:p>
+          <a:p>
+            <a:r>
+              <a:rPr lang="fr-FR" sz="800" dirty="0"/>
+              <a:t>    </a:t>
+            </a:r>
+            <a:r>
+              <a:rPr lang="en-GB" sz="800" dirty="0"/>
+              <a:t>public class </a:t>
+            </a:r>
+            <a:r>
+              <a:rPr lang="en-GB" sz="800" dirty="0" err="1"/>
+              <a:t>Personne</a:t>
+            </a:r>
+            <a:endParaRPr lang="fr-FR" sz="800" dirty="0"/>
+          </a:p>
+          <a:p>
+            <a:r>
+              <a:rPr lang="en-GB" sz="800" dirty="0"/>
+              <a:t>    {</a:t>
+            </a:r>
+            <a:endParaRPr lang="fr-FR" sz="800" dirty="0"/>
+          </a:p>
+          <a:p>
+            <a:r>
+              <a:rPr lang="en-GB" sz="800" dirty="0"/>
+              <a:t>        string Nom;</a:t>
+            </a:r>
+            <a:endParaRPr lang="fr-FR" sz="800" dirty="0"/>
+          </a:p>
+          <a:p>
+            <a:r>
+              <a:rPr lang="en-GB" sz="800" dirty="0"/>
+              <a:t>        </a:t>
+            </a:r>
+            <a:r>
+              <a:rPr lang="fr-FR" sz="800" dirty="0"/>
+              <a:t>string </a:t>
+            </a:r>
+            <a:r>
+              <a:rPr lang="fr-FR" sz="800" dirty="0" err="1"/>
+              <a:t>Prenom</a:t>
+            </a:r>
+            <a:r>
+              <a:rPr lang="fr-FR" sz="800" dirty="0"/>
+              <a:t>;</a:t>
+            </a:r>
+          </a:p>
+          <a:p>
+            <a:r>
+              <a:rPr lang="fr-FR" sz="800" dirty="0"/>
+              <a:t>        </a:t>
+            </a:r>
+            <a:r>
+              <a:rPr lang="fr-FR" sz="800" dirty="0" err="1"/>
+              <a:t>int</a:t>
+            </a:r>
+            <a:r>
+              <a:rPr lang="fr-FR" sz="800" dirty="0"/>
+              <a:t> Age;</a:t>
+            </a:r>
+          </a:p>
+          <a:p>
+            <a:r>
+              <a:rPr lang="fr-FR" sz="800" dirty="0">
+                <a:solidFill>
+                  <a:prstClr val="black"/>
+                </a:solidFill>
+                <a:latin typeface="Tw Cen MT" panose="020B0602020104020603"/>
+              </a:rPr>
+              <a:t>    }</a:t>
+            </a:r>
+            <a:endParaRPr kumimoji="0" lang="fr-FR" sz="800" b="0" i="0" u="none" strike="noStrike" kern="1200" cap="none" spc="0" normalizeH="0" baseline="0" noProof="0" dirty="0">
+              <a:ln>
+                <a:noFill/>
+              </a:ln>
+              <a:solidFill>
+                <a:prstClr val="black"/>
+              </a:solidFill>
+              <a:effectLst/>
+              <a:uLnTx/>
+              <a:uFillTx/>
+              <a:latin typeface="Tw Cen MT" panose="020B0602020104020603"/>
+              <a:ea typeface="+mn-ea"/>
+              <a:cs typeface="+mn-cs"/>
+            </a:endParaRPr>
+          </a:p>
+        </p:txBody>
+      </p:sp>
+      <p:sp>
+        <p:nvSpPr>
+          <p:cNvPr id="10" name="ZoneTexte 9">
+            <a:extLst>
+              <a:ext uri="{FF2B5EF4-FFF2-40B4-BE49-F238E27FC236}">
+                <a16:creationId xmlns:a16="http://schemas.microsoft.com/office/drawing/2014/main" id="{76A6C0A7-783E-4BAA-AE88-4787C6D32F3F}"/>
+              </a:ext>
+            </a:extLst>
+          </p:cNvPr>
+          <p:cNvSpPr txBox="1"/>
+          <p:nvPr/>
+        </p:nvSpPr>
+        <p:spPr>
+          <a:xfrm>
+            <a:off x="8505133" y="1283527"/>
+            <a:ext cx="2771721" cy="369332"/>
+          </a:xfrm>
+          <a:prstGeom prst="rect">
+            <a:avLst/>
+          </a:prstGeom>
+          <a:noFill/>
+        </p:spPr>
+        <p:txBody>
+          <a:bodyPr wrap="none" rtlCol="0">
+            <a:spAutoFit/>
+          </a:bodyPr>
+          <a:lstStyle/>
+          <a:p>
+            <a:r>
+              <a:rPr lang="fr-FR" dirty="0"/>
+              <a:t>Insertion Attribut entre « [] »</a:t>
+            </a:r>
+          </a:p>
+        </p:txBody>
+      </p:sp>
+      <p:sp>
+        <p:nvSpPr>
+          <p:cNvPr id="11" name="ZoneTexte 10">
+            <a:extLst>
+              <a:ext uri="{FF2B5EF4-FFF2-40B4-BE49-F238E27FC236}">
+                <a16:creationId xmlns:a16="http://schemas.microsoft.com/office/drawing/2014/main" id="{E12D8C01-D1F3-45DF-9223-E1175B27B819}"/>
+              </a:ext>
+            </a:extLst>
+          </p:cNvPr>
+          <p:cNvSpPr txBox="1"/>
+          <p:nvPr/>
+        </p:nvSpPr>
+        <p:spPr>
+          <a:xfrm>
+            <a:off x="1961537" y="3059668"/>
+            <a:ext cx="6109108" cy="369332"/>
+          </a:xfrm>
+          <a:prstGeom prst="rect">
+            <a:avLst/>
+          </a:prstGeom>
+          <a:noFill/>
+        </p:spPr>
+        <p:txBody>
+          <a:bodyPr wrap="none" rtlCol="0">
+            <a:spAutoFit/>
+          </a:bodyPr>
+          <a:lstStyle/>
+          <a:p>
+            <a:r>
+              <a:rPr lang="fr-FR" dirty="0"/>
+              <a:t>Les Attributs de description de classe sont utiles avec la réflexion</a:t>
+            </a:r>
+          </a:p>
+        </p:txBody>
+      </p:sp>
+      <p:sp>
+        <p:nvSpPr>
+          <p:cNvPr id="12" name="ZoneTexte 11">
+            <a:extLst>
+              <a:ext uri="{FF2B5EF4-FFF2-40B4-BE49-F238E27FC236}">
+                <a16:creationId xmlns:a16="http://schemas.microsoft.com/office/drawing/2014/main" id="{3758B85B-3584-44F9-8814-944BF055AE65}"/>
+              </a:ext>
+            </a:extLst>
+          </p:cNvPr>
+          <p:cNvSpPr txBox="1"/>
+          <p:nvPr/>
+        </p:nvSpPr>
+        <p:spPr>
+          <a:xfrm>
+            <a:off x="8174803" y="3059668"/>
+            <a:ext cx="1035412" cy="369332"/>
+          </a:xfrm>
+          <a:prstGeom prst="rect">
+            <a:avLst/>
+          </a:prstGeom>
+          <a:noFill/>
+        </p:spPr>
+        <p:txBody>
+          <a:bodyPr wrap="none" rtlCol="0">
+            <a:spAutoFit/>
+          </a:bodyPr>
+          <a:lstStyle/>
+          <a:p>
+            <a:r>
+              <a:rPr lang="fr-FR" dirty="0"/>
+              <a:t>Réflexion</a:t>
+            </a:r>
+          </a:p>
+        </p:txBody>
+      </p:sp>
+      <p:sp>
+        <p:nvSpPr>
+          <p:cNvPr id="13" name="ZoneTexte 12">
+            <a:extLst>
+              <a:ext uri="{FF2B5EF4-FFF2-40B4-BE49-F238E27FC236}">
+                <a16:creationId xmlns:a16="http://schemas.microsoft.com/office/drawing/2014/main" id="{777855A9-B3DC-4345-878D-07C30C0E1418}"/>
+              </a:ext>
+            </a:extLst>
+          </p:cNvPr>
+          <p:cNvSpPr txBox="1"/>
+          <p:nvPr/>
+        </p:nvSpPr>
+        <p:spPr>
+          <a:xfrm>
+            <a:off x="9760783" y="2782669"/>
+            <a:ext cx="1720343" cy="923330"/>
+          </a:xfrm>
+          <a:prstGeom prst="rect">
+            <a:avLst/>
+          </a:prstGeom>
+          <a:noFill/>
+        </p:spPr>
+        <p:txBody>
+          <a:bodyPr wrap="none" rtlCol="0">
+            <a:spAutoFit/>
+          </a:bodyPr>
+          <a:lstStyle/>
+          <a:p>
+            <a:r>
+              <a:rPr lang="fr-FR" dirty="0"/>
+              <a:t>Obtenir info </a:t>
+            </a:r>
+          </a:p>
+          <a:p>
+            <a:r>
+              <a:rPr lang="fr-FR" dirty="0"/>
+              <a:t>sur un type en </a:t>
+            </a:r>
+          </a:p>
+          <a:p>
+            <a:r>
+              <a:rPr lang="fr-FR" dirty="0"/>
+              <a:t>donnant un objet</a:t>
+            </a:r>
+          </a:p>
+        </p:txBody>
+      </p:sp>
+      <p:cxnSp>
+        <p:nvCxnSpPr>
+          <p:cNvPr id="15" name="Connecteur droit avec flèche 14">
+            <a:extLst>
+              <a:ext uri="{FF2B5EF4-FFF2-40B4-BE49-F238E27FC236}">
+                <a16:creationId xmlns:a16="http://schemas.microsoft.com/office/drawing/2014/main" id="{AA9D204A-BB01-45C3-AE62-5700915AE0FD}"/>
+              </a:ext>
+            </a:extLst>
+          </p:cNvPr>
+          <p:cNvCxnSpPr>
+            <a:stCxn id="12" idx="3"/>
+            <a:endCxn id="13" idx="1"/>
+          </p:cNvCxnSpPr>
+          <p:nvPr/>
+        </p:nvCxnSpPr>
+        <p:spPr>
+          <a:xfrm>
+            <a:off x="9210215" y="3244334"/>
+            <a:ext cx="550568" cy="0"/>
+          </a:xfrm>
+          <a:prstGeom prst="straightConnector1">
+            <a:avLst/>
+          </a:prstGeom>
+          <a:ln>
+            <a:solidFill>
+              <a:srgbClr val="73B5C5"/>
+            </a:solidFill>
+            <a:tailEnd type="triangle"/>
+          </a:ln>
+        </p:spPr>
+        <p:style>
+          <a:lnRef idx="1">
+            <a:schemeClr val="accent1"/>
+          </a:lnRef>
+          <a:fillRef idx="0">
+            <a:schemeClr val="accent1"/>
+          </a:fillRef>
+          <a:effectRef idx="0">
+            <a:schemeClr val="accent1"/>
+          </a:effectRef>
+          <a:fontRef idx="minor">
+            <a:schemeClr val="tx1"/>
+          </a:fontRef>
+        </p:style>
+      </p:cxnSp>
+      <p:sp>
+        <p:nvSpPr>
+          <p:cNvPr id="16" name="ZoneTexte 15">
+            <a:extLst>
+              <a:ext uri="{FF2B5EF4-FFF2-40B4-BE49-F238E27FC236}">
+                <a16:creationId xmlns:a16="http://schemas.microsoft.com/office/drawing/2014/main" id="{89EB7D7B-215E-4507-9878-35B685DBE1D8}"/>
+              </a:ext>
+            </a:extLst>
+          </p:cNvPr>
+          <p:cNvSpPr txBox="1"/>
+          <p:nvPr/>
+        </p:nvSpPr>
+        <p:spPr>
+          <a:xfrm>
+            <a:off x="1888899" y="4013775"/>
+            <a:ext cx="2052357" cy="369332"/>
+          </a:xfrm>
+          <a:prstGeom prst="rect">
+            <a:avLst/>
+          </a:prstGeom>
+          <a:noFill/>
+        </p:spPr>
+        <p:txBody>
+          <a:bodyPr wrap="none" rtlCol="0">
+            <a:spAutoFit/>
+          </a:bodyPr>
+          <a:lstStyle/>
+          <a:p>
+            <a:r>
+              <a:rPr lang="fr-FR" dirty="0"/>
+              <a:t>Exemple d’utilisation</a:t>
+            </a:r>
+          </a:p>
+        </p:txBody>
+      </p:sp>
+      <p:sp>
+        <p:nvSpPr>
+          <p:cNvPr id="17" name="ZoneTexte 16">
+            <a:extLst>
+              <a:ext uri="{FF2B5EF4-FFF2-40B4-BE49-F238E27FC236}">
+                <a16:creationId xmlns:a16="http://schemas.microsoft.com/office/drawing/2014/main" id="{3FBD8774-43FF-46BE-BC92-BFA2AF5B1D8B}"/>
+              </a:ext>
+            </a:extLst>
+          </p:cNvPr>
+          <p:cNvSpPr txBox="1"/>
+          <p:nvPr/>
+        </p:nvSpPr>
+        <p:spPr>
+          <a:xfrm>
+            <a:off x="3959450" y="3848340"/>
+            <a:ext cx="2136549" cy="2554545"/>
+          </a:xfrm>
+          <a:prstGeom prst="rect">
+            <a:avLst/>
+          </a:prstGeom>
+          <a:solidFill>
+            <a:schemeClr val="bg1"/>
+          </a:solidFill>
+          <a:ln>
+            <a:solidFill>
+              <a:schemeClr val="tx1"/>
+            </a:solidFill>
+          </a:ln>
+        </p:spPr>
+        <p:txBody>
+          <a:bodyPr wrap="square" rtlCol="0">
+            <a:spAutoFit/>
+          </a:bodyPr>
+          <a:lstStyle/>
+          <a:p>
+            <a:r>
+              <a:rPr lang="en-GB" sz="800" dirty="0"/>
+              <a:t>static void Main(string[] </a:t>
+            </a:r>
+            <a:r>
+              <a:rPr lang="en-GB" sz="800" dirty="0" err="1"/>
+              <a:t>args</a:t>
+            </a:r>
+            <a:r>
+              <a:rPr lang="en-GB" sz="800" dirty="0"/>
+              <a:t>)</a:t>
+            </a:r>
+            <a:endParaRPr lang="fr-FR" sz="800" dirty="0"/>
+          </a:p>
+          <a:p>
+            <a:r>
+              <a:rPr lang="en-GB" sz="800" dirty="0"/>
+              <a:t>        </a:t>
+            </a:r>
+            <a:r>
+              <a:rPr lang="fr-FR" sz="800" dirty="0"/>
+              <a:t>{</a:t>
+            </a:r>
+          </a:p>
+          <a:p>
+            <a:r>
+              <a:rPr lang="fr-FR" sz="800" dirty="0"/>
+              <a:t>            Personne Jean = new Personne("Mondu","Jean",30);   //On crée un objet de type Personne</a:t>
+            </a:r>
+          </a:p>
+          <a:p>
+            <a:r>
+              <a:rPr lang="fr-FR" sz="800" dirty="0"/>
+              <a:t> </a:t>
+            </a:r>
+          </a:p>
+          <a:p>
+            <a:r>
+              <a:rPr lang="fr-FR" sz="800" dirty="0"/>
+              <a:t>            //On utilise la réflexion pour récupérer les attributs</a:t>
+            </a:r>
+          </a:p>
+          <a:p>
+            <a:r>
+              <a:rPr lang="fr-FR" sz="800" dirty="0"/>
+              <a:t>            Type </a:t>
+            </a:r>
+            <a:r>
+              <a:rPr lang="fr-FR" sz="800" dirty="0" err="1"/>
+              <a:t>type</a:t>
+            </a:r>
+            <a:r>
+              <a:rPr lang="fr-FR" sz="800" dirty="0"/>
+              <a:t> = </a:t>
+            </a:r>
+            <a:r>
+              <a:rPr lang="fr-FR" sz="800" dirty="0" err="1"/>
+              <a:t>typeof</a:t>
+            </a:r>
+            <a:r>
+              <a:rPr lang="fr-FR" sz="800" dirty="0"/>
+              <a:t>(Personne);  </a:t>
+            </a:r>
+          </a:p>
+          <a:p>
+            <a:r>
+              <a:rPr lang="fr-FR" sz="800" dirty="0"/>
+              <a:t>            </a:t>
+            </a:r>
+            <a:r>
+              <a:rPr lang="fr-FR" sz="800" dirty="0" err="1"/>
+              <a:t>Attribute</a:t>
+            </a:r>
+            <a:r>
+              <a:rPr lang="fr-FR" sz="800" dirty="0"/>
+              <a:t>[] </a:t>
+            </a:r>
+            <a:r>
+              <a:rPr lang="fr-FR" sz="800" dirty="0" err="1"/>
+              <a:t>lesAttributs</a:t>
+            </a:r>
+            <a:r>
+              <a:rPr lang="fr-FR" sz="800" dirty="0"/>
+              <a:t> = </a:t>
+            </a:r>
+            <a:r>
+              <a:rPr lang="fr-FR" sz="800" dirty="0" err="1"/>
+              <a:t>Attribute.GetCustomAttributes</a:t>
+            </a:r>
+            <a:r>
+              <a:rPr lang="fr-FR" sz="800" dirty="0"/>
+              <a:t>(type, </a:t>
+            </a:r>
+            <a:r>
+              <a:rPr lang="fr-FR" sz="800" dirty="0" err="1"/>
+              <a:t>typeof</a:t>
+            </a:r>
+            <a:r>
+              <a:rPr lang="fr-FR" sz="800" dirty="0"/>
+              <a:t>(</a:t>
+            </a:r>
+            <a:r>
+              <a:rPr lang="fr-FR" sz="800" dirty="0" err="1"/>
+              <a:t>DescriptionAttribute</a:t>
+            </a:r>
+            <a:r>
+              <a:rPr lang="fr-FR" sz="800" dirty="0"/>
+              <a:t>));</a:t>
+            </a:r>
+          </a:p>
+          <a:p>
+            <a:r>
+              <a:rPr lang="fr-FR" sz="800" dirty="0"/>
+              <a:t>            </a:t>
+            </a:r>
+            <a:r>
+              <a:rPr lang="fr-FR" sz="800" dirty="0" err="1"/>
+              <a:t>foreach</a:t>
+            </a:r>
+            <a:r>
+              <a:rPr lang="fr-FR" sz="800" dirty="0"/>
+              <a:t> (</a:t>
+            </a:r>
+            <a:r>
+              <a:rPr lang="fr-FR" sz="800" dirty="0" err="1"/>
+              <a:t>DescriptionAttribute</a:t>
+            </a:r>
+            <a:r>
+              <a:rPr lang="fr-FR" sz="800" dirty="0"/>
+              <a:t> attribut in </a:t>
+            </a:r>
+            <a:r>
+              <a:rPr lang="fr-FR" sz="800" dirty="0" err="1"/>
+              <a:t>lesAttributs</a:t>
+            </a:r>
+            <a:r>
+              <a:rPr lang="fr-FR" sz="800" dirty="0"/>
+              <a:t>)</a:t>
+            </a:r>
+          </a:p>
+          <a:p>
+            <a:r>
+              <a:rPr lang="fr-FR" sz="800" dirty="0"/>
+              <a:t>            {</a:t>
+            </a:r>
+          </a:p>
+          <a:p>
+            <a:r>
+              <a:rPr lang="fr-FR" sz="800" dirty="0"/>
+              <a:t>                </a:t>
+            </a:r>
+            <a:r>
+              <a:rPr lang="fr-FR" sz="800" dirty="0" err="1"/>
+              <a:t>Console.WriteLine</a:t>
+            </a:r>
+            <a:r>
+              <a:rPr lang="fr-FR" sz="800" dirty="0"/>
+              <a:t>("\t" + </a:t>
+            </a:r>
+            <a:r>
+              <a:rPr lang="fr-FR" sz="800" dirty="0" err="1"/>
+              <a:t>attribut.Description</a:t>
+            </a:r>
+            <a:r>
+              <a:rPr lang="fr-FR" sz="800" dirty="0"/>
+              <a:t>);</a:t>
+            </a:r>
+          </a:p>
+          <a:p>
+            <a:r>
+              <a:rPr lang="fr-FR" sz="800" dirty="0"/>
+              <a:t>            }</a:t>
+            </a:r>
+          </a:p>
+          <a:p>
+            <a:r>
+              <a:rPr lang="fr-FR" sz="800" dirty="0"/>
+              <a:t>            </a:t>
+            </a:r>
+            <a:r>
+              <a:rPr lang="fr-FR" sz="800" dirty="0" err="1"/>
+              <a:t>Console.ReadKey</a:t>
+            </a:r>
+            <a:r>
+              <a:rPr lang="fr-FR" sz="800" dirty="0"/>
+              <a:t>();</a:t>
+            </a:r>
+          </a:p>
+          <a:p>
+            <a:r>
+              <a:rPr lang="fr-FR" sz="800" dirty="0"/>
+              <a:t>        }</a:t>
+            </a:r>
+          </a:p>
+        </p:txBody>
+      </p:sp>
+      <p:sp>
+        <p:nvSpPr>
+          <p:cNvPr id="18" name="ZoneTexte 17">
+            <a:extLst>
+              <a:ext uri="{FF2B5EF4-FFF2-40B4-BE49-F238E27FC236}">
+                <a16:creationId xmlns:a16="http://schemas.microsoft.com/office/drawing/2014/main" id="{55D08A3A-DD89-4899-A6C2-132D6AC8AC4C}"/>
+              </a:ext>
+            </a:extLst>
+          </p:cNvPr>
+          <p:cNvSpPr txBox="1"/>
+          <p:nvPr/>
+        </p:nvSpPr>
+        <p:spPr>
+          <a:xfrm>
+            <a:off x="7343619" y="4019385"/>
+            <a:ext cx="1454052" cy="369332"/>
+          </a:xfrm>
+          <a:prstGeom prst="rect">
+            <a:avLst/>
+          </a:prstGeom>
+          <a:noFill/>
+        </p:spPr>
+        <p:txBody>
+          <a:bodyPr wrap="none" rtlCol="0">
+            <a:spAutoFit/>
+          </a:bodyPr>
+          <a:lstStyle/>
+          <a:p>
+            <a:r>
+              <a:rPr lang="fr-FR" dirty="0"/>
+              <a:t>Sortie console</a:t>
+            </a:r>
+          </a:p>
+        </p:txBody>
+      </p:sp>
+      <p:pic>
+        <p:nvPicPr>
+          <p:cNvPr id="19" name="Image 18">
+            <a:extLst>
+              <a:ext uri="{FF2B5EF4-FFF2-40B4-BE49-F238E27FC236}">
+                <a16:creationId xmlns:a16="http://schemas.microsoft.com/office/drawing/2014/main" id="{D6A763DF-BB15-4856-8DFB-08EB9926F58F}"/>
+              </a:ext>
+            </a:extLst>
+          </p:cNvPr>
+          <p:cNvPicPr/>
+          <p:nvPr/>
+        </p:nvPicPr>
+        <p:blipFill>
+          <a:blip r:embed="rId2">
+            <a:extLst>
+              <a:ext uri="{28A0092B-C50C-407E-A947-70E740481C1C}">
+                <a14:useLocalDpi xmlns:a14="http://schemas.microsoft.com/office/drawing/2010/main" val="0"/>
+              </a:ext>
+            </a:extLst>
+          </a:blip>
+          <a:srcRect/>
+          <a:stretch>
+            <a:fillRect/>
+          </a:stretch>
+        </p:blipFill>
+        <p:spPr bwMode="auto">
+          <a:xfrm>
+            <a:off x="7413371" y="4380554"/>
+            <a:ext cx="2768600" cy="241300"/>
+          </a:xfrm>
+          <a:prstGeom prst="rect">
+            <a:avLst/>
+          </a:prstGeom>
+          <a:noFill/>
+          <a:ln>
+            <a:noFill/>
+          </a:ln>
+        </p:spPr>
+      </p:pic>
     </p:spTree>
     <p:extLst>
       <p:ext uri="{BB962C8B-B14F-4D97-AF65-F5344CB8AC3E}">
@@ -24989,6 +26894,758 @@
           <a:chExt cx="0" cy="0"/>
         </a:xfrm>
       </p:grpSpPr>
+      <p:sp>
+        <p:nvSpPr>
+          <p:cNvPr id="2" name="ZoneTexte 1">
+            <a:extLst>
+              <a:ext uri="{FF2B5EF4-FFF2-40B4-BE49-F238E27FC236}">
+                <a16:creationId xmlns:a16="http://schemas.microsoft.com/office/drawing/2014/main" id="{532E82A6-5C49-44D0-8F55-A858AB98DF3E}"/>
+              </a:ext>
+            </a:extLst>
+          </p:cNvPr>
+          <p:cNvSpPr txBox="1"/>
+          <p:nvPr/>
+        </p:nvSpPr>
+        <p:spPr>
+          <a:xfrm>
+            <a:off x="4953740" y="0"/>
+            <a:ext cx="4131076" cy="584775"/>
+          </a:xfrm>
+          <a:prstGeom prst="rect">
+            <a:avLst/>
+          </a:prstGeom>
+          <a:noFill/>
+        </p:spPr>
+        <p:txBody>
+          <a:bodyPr wrap="square" rtlCol="0">
+            <a:spAutoFit/>
+          </a:bodyPr>
+          <a:lstStyle/>
+          <a:p>
+            <a:pPr marL="0" marR="0" lvl="0" indent="0" algn="l" defTabSz="457200" rtl="0" eaLnBrk="1" fontAlgn="auto" latinLnBrk="0" hangingPunct="1">
+              <a:lnSpc>
+                <a:spcPct val="100000"/>
+              </a:lnSpc>
+              <a:spcBef>
+                <a:spcPts val="0"/>
+              </a:spcBef>
+              <a:spcAft>
+                <a:spcPts val="0"/>
+              </a:spcAft>
+              <a:buClrTx/>
+              <a:buSzTx/>
+              <a:buFontTx/>
+              <a:buNone/>
+              <a:tabLst/>
+              <a:defRPr/>
+            </a:pPr>
+            <a:r>
+              <a:rPr kumimoji="0" lang="fr-FR" sz="3200" b="1" i="1" u="sng" strike="noStrike" kern="1200" cap="none" spc="0" normalizeH="0" baseline="0" noProof="0" dirty="0">
+                <a:ln>
+                  <a:noFill/>
+                </a:ln>
+                <a:solidFill>
+                  <a:prstClr val="black"/>
+                </a:solidFill>
+                <a:effectLst/>
+                <a:uLnTx/>
+                <a:uFillTx/>
+                <a:latin typeface="Tw Cen MT" panose="020B0602020104020603"/>
+                <a:ea typeface="+mn-ea"/>
+                <a:cs typeface="+mn-cs"/>
+              </a:rPr>
+              <a:t>Propriétés et indexeurs</a:t>
+            </a:r>
+          </a:p>
+        </p:txBody>
+      </p:sp>
+      <p:sp>
+        <p:nvSpPr>
+          <p:cNvPr id="3" name="ZoneTexte 2">
+            <a:extLst>
+              <a:ext uri="{FF2B5EF4-FFF2-40B4-BE49-F238E27FC236}">
+                <a16:creationId xmlns:a16="http://schemas.microsoft.com/office/drawing/2014/main" id="{38C77888-AD1B-409A-B4EF-44DB2F99108C}"/>
+              </a:ext>
+            </a:extLst>
+          </p:cNvPr>
+          <p:cNvSpPr txBox="1"/>
+          <p:nvPr/>
+        </p:nvSpPr>
+        <p:spPr>
+          <a:xfrm>
+            <a:off x="2317956" y="594519"/>
+            <a:ext cx="4904484" cy="369332"/>
+          </a:xfrm>
+          <a:prstGeom prst="rect">
+            <a:avLst/>
+          </a:prstGeom>
+          <a:noFill/>
+        </p:spPr>
+        <p:txBody>
+          <a:bodyPr wrap="none" rtlCol="0">
+            <a:spAutoFit/>
+          </a:bodyPr>
+          <a:lstStyle/>
+          <a:p>
+            <a:r>
+              <a:rPr lang="fr-FR" dirty="0"/>
+              <a:t>Propriétés = valeurs pouvant être lues ou modifiées</a:t>
+            </a:r>
+          </a:p>
+        </p:txBody>
+      </p:sp>
+      <p:sp>
+        <p:nvSpPr>
+          <p:cNvPr id="4" name="ZoneTexte 3">
+            <a:extLst>
+              <a:ext uri="{FF2B5EF4-FFF2-40B4-BE49-F238E27FC236}">
+                <a16:creationId xmlns:a16="http://schemas.microsoft.com/office/drawing/2014/main" id="{E826A771-8EAE-4509-95A4-F420A035CDD1}"/>
+              </a:ext>
+            </a:extLst>
+          </p:cNvPr>
+          <p:cNvSpPr txBox="1"/>
+          <p:nvPr/>
+        </p:nvSpPr>
+        <p:spPr>
+          <a:xfrm>
+            <a:off x="3000653" y="954107"/>
+            <a:ext cx="2377574" cy="369332"/>
+          </a:xfrm>
+          <a:prstGeom prst="rect">
+            <a:avLst/>
+          </a:prstGeom>
+          <a:noFill/>
+        </p:spPr>
+        <p:txBody>
+          <a:bodyPr wrap="none" rtlCol="0">
+            <a:spAutoFit/>
+          </a:bodyPr>
+          <a:lstStyle/>
+          <a:p>
+            <a:r>
+              <a:rPr lang="fr-FR" dirty="0"/>
+              <a:t>2 méthodes : </a:t>
+            </a:r>
+            <a:r>
+              <a:rPr lang="fr-FR" dirty="0" err="1"/>
+              <a:t>Get</a:t>
+            </a:r>
+            <a:r>
+              <a:rPr lang="fr-FR" dirty="0"/>
+              <a:t> et Set</a:t>
+            </a:r>
+          </a:p>
+        </p:txBody>
+      </p:sp>
+      <p:sp>
+        <p:nvSpPr>
+          <p:cNvPr id="5" name="ZoneTexte 4">
+            <a:extLst>
+              <a:ext uri="{FF2B5EF4-FFF2-40B4-BE49-F238E27FC236}">
+                <a16:creationId xmlns:a16="http://schemas.microsoft.com/office/drawing/2014/main" id="{03F7EB7D-6064-4BC6-AF03-9DEBC2C5A4EC}"/>
+              </a:ext>
+            </a:extLst>
+          </p:cNvPr>
+          <p:cNvSpPr txBox="1"/>
+          <p:nvPr/>
+        </p:nvSpPr>
+        <p:spPr>
+          <a:xfrm>
+            <a:off x="6813775" y="954107"/>
+            <a:ext cx="832279" cy="369332"/>
+          </a:xfrm>
+          <a:prstGeom prst="rect">
+            <a:avLst/>
+          </a:prstGeom>
+          <a:noFill/>
+        </p:spPr>
+        <p:txBody>
+          <a:bodyPr wrap="none" rtlCol="0">
+            <a:spAutoFit/>
+          </a:bodyPr>
+          <a:lstStyle/>
+          <a:p>
+            <a:r>
+              <a:rPr lang="fr-FR" dirty="0"/>
+              <a:t>Lecture</a:t>
+            </a:r>
+          </a:p>
+        </p:txBody>
+      </p:sp>
+      <p:sp>
+        <p:nvSpPr>
+          <p:cNvPr id="6" name="ZoneTexte 5">
+            <a:extLst>
+              <a:ext uri="{FF2B5EF4-FFF2-40B4-BE49-F238E27FC236}">
+                <a16:creationId xmlns:a16="http://schemas.microsoft.com/office/drawing/2014/main" id="{D7AEBEBB-E2A2-4E4C-A93F-37BCB593EF86}"/>
+              </a:ext>
+            </a:extLst>
+          </p:cNvPr>
+          <p:cNvSpPr txBox="1"/>
+          <p:nvPr/>
+        </p:nvSpPr>
+        <p:spPr>
+          <a:xfrm>
+            <a:off x="6818790" y="1323439"/>
+            <a:ext cx="857927" cy="369332"/>
+          </a:xfrm>
+          <a:prstGeom prst="rect">
+            <a:avLst/>
+          </a:prstGeom>
+          <a:noFill/>
+        </p:spPr>
+        <p:txBody>
+          <a:bodyPr wrap="none" rtlCol="0">
+            <a:spAutoFit/>
+          </a:bodyPr>
+          <a:lstStyle/>
+          <a:p>
+            <a:r>
+              <a:rPr lang="fr-FR" dirty="0"/>
+              <a:t>Ecriture</a:t>
+            </a:r>
+          </a:p>
+        </p:txBody>
+      </p:sp>
+      <p:cxnSp>
+        <p:nvCxnSpPr>
+          <p:cNvPr id="8" name="Connecteur droit avec flèche 7">
+            <a:extLst>
+              <a:ext uri="{FF2B5EF4-FFF2-40B4-BE49-F238E27FC236}">
+                <a16:creationId xmlns:a16="http://schemas.microsoft.com/office/drawing/2014/main" id="{44530469-1A36-4E09-8840-ACBBDA049B4F}"/>
+              </a:ext>
+            </a:extLst>
+          </p:cNvPr>
+          <p:cNvCxnSpPr>
+            <a:stCxn id="4" idx="3"/>
+            <a:endCxn id="5" idx="1"/>
+          </p:cNvCxnSpPr>
+          <p:nvPr/>
+        </p:nvCxnSpPr>
+        <p:spPr>
+          <a:xfrm>
+            <a:off x="5378227" y="1138773"/>
+            <a:ext cx="1435548" cy="0"/>
+          </a:xfrm>
+          <a:prstGeom prst="straightConnector1">
+            <a:avLst/>
+          </a:prstGeom>
+          <a:ln>
+            <a:solidFill>
+              <a:srgbClr val="73B5C5"/>
+            </a:solidFill>
+            <a:tailEnd type="triangle"/>
+          </a:ln>
+        </p:spPr>
+        <p:style>
+          <a:lnRef idx="1">
+            <a:schemeClr val="accent1"/>
+          </a:lnRef>
+          <a:fillRef idx="0">
+            <a:schemeClr val="accent1"/>
+          </a:fillRef>
+          <a:effectRef idx="0">
+            <a:schemeClr val="accent1"/>
+          </a:effectRef>
+          <a:fontRef idx="minor">
+            <a:schemeClr val="tx1"/>
+          </a:fontRef>
+        </p:style>
+      </p:cxnSp>
+      <p:cxnSp>
+        <p:nvCxnSpPr>
+          <p:cNvPr id="10" name="Connecteur droit avec flèche 9">
+            <a:extLst>
+              <a:ext uri="{FF2B5EF4-FFF2-40B4-BE49-F238E27FC236}">
+                <a16:creationId xmlns:a16="http://schemas.microsoft.com/office/drawing/2014/main" id="{1A2B9687-BCCF-46F1-B016-70FCB865EE9D}"/>
+              </a:ext>
+            </a:extLst>
+          </p:cNvPr>
+          <p:cNvCxnSpPr>
+            <a:stCxn id="4" idx="3"/>
+            <a:endCxn id="6" idx="1"/>
+          </p:cNvCxnSpPr>
+          <p:nvPr/>
+        </p:nvCxnSpPr>
+        <p:spPr>
+          <a:xfrm>
+            <a:off x="5378227" y="1138773"/>
+            <a:ext cx="1440563" cy="369332"/>
+          </a:xfrm>
+          <a:prstGeom prst="straightConnector1">
+            <a:avLst/>
+          </a:prstGeom>
+          <a:ln>
+            <a:solidFill>
+              <a:srgbClr val="73B5C5"/>
+            </a:solidFill>
+            <a:tailEnd type="triangle"/>
+          </a:ln>
+        </p:spPr>
+        <p:style>
+          <a:lnRef idx="1">
+            <a:schemeClr val="accent1"/>
+          </a:lnRef>
+          <a:fillRef idx="0">
+            <a:schemeClr val="accent1"/>
+          </a:fillRef>
+          <a:effectRef idx="0">
+            <a:schemeClr val="accent1"/>
+          </a:effectRef>
+          <a:fontRef idx="minor">
+            <a:schemeClr val="tx1"/>
+          </a:fontRef>
+        </p:style>
+      </p:cxnSp>
+      <p:sp>
+        <p:nvSpPr>
+          <p:cNvPr id="11" name="ZoneTexte 10">
+            <a:extLst>
+              <a:ext uri="{FF2B5EF4-FFF2-40B4-BE49-F238E27FC236}">
+                <a16:creationId xmlns:a16="http://schemas.microsoft.com/office/drawing/2014/main" id="{3AB100C2-C8C2-4DCC-9039-9BA867C9AEA6}"/>
+              </a:ext>
+            </a:extLst>
+          </p:cNvPr>
+          <p:cNvSpPr txBox="1"/>
+          <p:nvPr/>
+        </p:nvSpPr>
+        <p:spPr>
+          <a:xfrm>
+            <a:off x="7646054" y="954106"/>
+            <a:ext cx="2061462" cy="369332"/>
+          </a:xfrm>
+          <a:prstGeom prst="rect">
+            <a:avLst/>
+          </a:prstGeom>
+          <a:solidFill>
+            <a:schemeClr val="bg1"/>
+          </a:solidFill>
+          <a:ln>
+            <a:solidFill>
+              <a:schemeClr val="tx1"/>
+            </a:solidFill>
+          </a:ln>
+        </p:spPr>
+        <p:txBody>
+          <a:bodyPr wrap="square" rtlCol="0">
+            <a:spAutoFit/>
+          </a:bodyPr>
+          <a:lstStyle/>
+          <a:p>
+            <a:r>
+              <a:rPr lang="en-GB" dirty="0"/>
+              <a:t>get{return </a:t>
+            </a:r>
+            <a:r>
+              <a:rPr lang="en-GB" dirty="0" err="1"/>
+              <a:t>nombre</a:t>
+            </a:r>
+            <a:r>
+              <a:rPr lang="en-GB" dirty="0"/>
+              <a:t> ;}</a:t>
+            </a:r>
+            <a:endParaRPr lang="fr-FR" dirty="0"/>
+          </a:p>
+        </p:txBody>
+      </p:sp>
+      <p:sp>
+        <p:nvSpPr>
+          <p:cNvPr id="12" name="ZoneTexte 11">
+            <a:extLst>
+              <a:ext uri="{FF2B5EF4-FFF2-40B4-BE49-F238E27FC236}">
+                <a16:creationId xmlns:a16="http://schemas.microsoft.com/office/drawing/2014/main" id="{D6FB2014-E5F0-4B9C-8261-ED455181F6B2}"/>
+              </a:ext>
+            </a:extLst>
+          </p:cNvPr>
+          <p:cNvSpPr txBox="1"/>
+          <p:nvPr/>
+        </p:nvSpPr>
+        <p:spPr>
+          <a:xfrm>
+            <a:off x="7646054" y="1323437"/>
+            <a:ext cx="2061462" cy="369332"/>
+          </a:xfrm>
+          <a:prstGeom prst="rect">
+            <a:avLst/>
+          </a:prstGeom>
+          <a:solidFill>
+            <a:schemeClr val="bg1"/>
+          </a:solidFill>
+          <a:ln>
+            <a:solidFill>
+              <a:schemeClr val="tx1"/>
+            </a:solidFill>
+          </a:ln>
+        </p:spPr>
+        <p:txBody>
+          <a:bodyPr wrap="square" rtlCol="0">
+            <a:spAutoFit/>
+          </a:bodyPr>
+          <a:lstStyle/>
+          <a:p>
+            <a:r>
+              <a:rPr lang="en-GB" dirty="0"/>
+              <a:t>set{</a:t>
+            </a:r>
+            <a:r>
+              <a:rPr lang="en-GB" dirty="0" err="1"/>
+              <a:t>nombre</a:t>
+            </a:r>
+            <a:r>
+              <a:rPr lang="en-GB" dirty="0"/>
+              <a:t>=value ;}</a:t>
+            </a:r>
+            <a:endParaRPr lang="fr-FR" dirty="0"/>
+          </a:p>
+        </p:txBody>
+      </p:sp>
+      <p:sp>
+        <p:nvSpPr>
+          <p:cNvPr id="13" name="ZoneTexte 12">
+            <a:extLst>
+              <a:ext uri="{FF2B5EF4-FFF2-40B4-BE49-F238E27FC236}">
+                <a16:creationId xmlns:a16="http://schemas.microsoft.com/office/drawing/2014/main" id="{77171F0B-1D06-4CDF-AE4A-CD0ABC1B2D41}"/>
+              </a:ext>
+            </a:extLst>
+          </p:cNvPr>
+          <p:cNvSpPr txBox="1"/>
+          <p:nvPr/>
+        </p:nvSpPr>
+        <p:spPr>
+          <a:xfrm>
+            <a:off x="2981949" y="1688496"/>
+            <a:ext cx="3116559" cy="369332"/>
+          </a:xfrm>
+          <a:prstGeom prst="rect">
+            <a:avLst/>
+          </a:prstGeom>
+          <a:noFill/>
+        </p:spPr>
+        <p:txBody>
+          <a:bodyPr wrap="none" rtlCol="0">
+            <a:spAutoFit/>
+          </a:bodyPr>
+          <a:lstStyle/>
+          <a:p>
+            <a:r>
+              <a:rPr lang="fr-FR" dirty="0"/>
+              <a:t>Lecture seule : </a:t>
+            </a:r>
+            <a:r>
+              <a:rPr lang="fr-FR" dirty="0" err="1"/>
+              <a:t>Get</a:t>
+            </a:r>
+            <a:r>
+              <a:rPr lang="fr-FR" dirty="0"/>
+              <a:t> mais pas Set</a:t>
+            </a:r>
+          </a:p>
+        </p:txBody>
+      </p:sp>
+      <p:sp>
+        <p:nvSpPr>
+          <p:cNvPr id="14" name="ZoneTexte 13">
+            <a:extLst>
+              <a:ext uri="{FF2B5EF4-FFF2-40B4-BE49-F238E27FC236}">
+                <a16:creationId xmlns:a16="http://schemas.microsoft.com/office/drawing/2014/main" id="{C2D3B7E8-0AFE-4728-AD9D-9FD906650B8F}"/>
+              </a:ext>
+            </a:extLst>
+          </p:cNvPr>
+          <p:cNvSpPr txBox="1"/>
+          <p:nvPr/>
+        </p:nvSpPr>
+        <p:spPr>
+          <a:xfrm>
+            <a:off x="6334033" y="1688496"/>
+            <a:ext cx="3142207" cy="369332"/>
+          </a:xfrm>
+          <a:prstGeom prst="rect">
+            <a:avLst/>
+          </a:prstGeom>
+          <a:noFill/>
+        </p:spPr>
+        <p:txBody>
+          <a:bodyPr wrap="none" rtlCol="0">
+            <a:spAutoFit/>
+          </a:bodyPr>
+          <a:lstStyle/>
+          <a:p>
+            <a:r>
+              <a:rPr lang="fr-FR" dirty="0"/>
+              <a:t>Ecriture seule : Set mais pas </a:t>
+            </a:r>
+            <a:r>
+              <a:rPr lang="fr-FR" dirty="0" err="1"/>
+              <a:t>Get</a:t>
+            </a:r>
+            <a:endParaRPr lang="fr-FR" dirty="0"/>
+          </a:p>
+        </p:txBody>
+      </p:sp>
+      <p:sp>
+        <p:nvSpPr>
+          <p:cNvPr id="15" name="ZoneTexte 14">
+            <a:extLst>
+              <a:ext uri="{FF2B5EF4-FFF2-40B4-BE49-F238E27FC236}">
+                <a16:creationId xmlns:a16="http://schemas.microsoft.com/office/drawing/2014/main" id="{4D872CBE-F4EC-4F27-8363-0D75646E55C4}"/>
+              </a:ext>
+            </a:extLst>
+          </p:cNvPr>
+          <p:cNvSpPr txBox="1"/>
+          <p:nvPr/>
+        </p:nvSpPr>
+        <p:spPr>
+          <a:xfrm>
+            <a:off x="2318768" y="2145886"/>
+            <a:ext cx="7157472" cy="646331"/>
+          </a:xfrm>
+          <a:prstGeom prst="rect">
+            <a:avLst/>
+          </a:prstGeom>
+          <a:noFill/>
+        </p:spPr>
+        <p:txBody>
+          <a:bodyPr wrap="none" rtlCol="0">
+            <a:spAutoFit/>
+          </a:bodyPr>
+          <a:lstStyle/>
+          <a:p>
+            <a:r>
+              <a:rPr lang="fr-FR" dirty="0"/>
+              <a:t>Indexeurs = Propriétés mais </a:t>
+            </a:r>
+            <a:r>
+              <a:rPr lang="fr-FR" dirty="0" err="1"/>
+              <a:t>Get</a:t>
+            </a:r>
+            <a:r>
+              <a:rPr lang="fr-FR" dirty="0"/>
+              <a:t> prend un argument et permettent d’utiliser </a:t>
+            </a:r>
+          </a:p>
+          <a:p>
+            <a:r>
+              <a:rPr lang="fr-FR" dirty="0"/>
+              <a:t>instance de classe sous forme de tableau</a:t>
+            </a:r>
+          </a:p>
+        </p:txBody>
+      </p:sp>
+      <p:sp>
+        <p:nvSpPr>
+          <p:cNvPr id="17" name="ZoneTexte 16">
+            <a:extLst>
+              <a:ext uri="{FF2B5EF4-FFF2-40B4-BE49-F238E27FC236}">
+                <a16:creationId xmlns:a16="http://schemas.microsoft.com/office/drawing/2014/main" id="{7A437E5F-6D51-4B01-BC1B-1324FAB7A4AD}"/>
+              </a:ext>
+            </a:extLst>
+          </p:cNvPr>
+          <p:cNvSpPr txBox="1"/>
+          <p:nvPr/>
+        </p:nvSpPr>
+        <p:spPr>
+          <a:xfrm>
+            <a:off x="2610069" y="2792217"/>
+            <a:ext cx="2061462" cy="1477328"/>
+          </a:xfrm>
+          <a:prstGeom prst="rect">
+            <a:avLst/>
+          </a:prstGeom>
+          <a:solidFill>
+            <a:schemeClr val="bg1"/>
+          </a:solidFill>
+          <a:ln>
+            <a:solidFill>
+              <a:schemeClr val="tx1"/>
+            </a:solidFill>
+          </a:ln>
+        </p:spPr>
+        <p:txBody>
+          <a:bodyPr wrap="square" rtlCol="0">
+            <a:spAutoFit/>
+          </a:bodyPr>
+          <a:lstStyle/>
+          <a:p>
+            <a:r>
+              <a:rPr lang="en-GB" dirty="0"/>
+              <a:t>Public int this[int index]{</a:t>
+            </a:r>
+            <a:endParaRPr lang="fr-FR" dirty="0"/>
+          </a:p>
+          <a:p>
+            <a:r>
+              <a:rPr lang="en-GB" dirty="0"/>
+              <a:t>Get(){}</a:t>
+            </a:r>
+            <a:endParaRPr lang="fr-FR" dirty="0"/>
+          </a:p>
+          <a:p>
+            <a:r>
+              <a:rPr lang="en-GB" dirty="0"/>
+              <a:t>Set(){}</a:t>
+            </a:r>
+            <a:endParaRPr lang="fr-FR" dirty="0"/>
+          </a:p>
+          <a:p>
+            <a:r>
+              <a:rPr lang="en-GB" dirty="0"/>
+              <a:t>}</a:t>
+            </a:r>
+            <a:endParaRPr lang="fr-FR" dirty="0"/>
+          </a:p>
+        </p:txBody>
+      </p:sp>
+      <p:sp>
+        <p:nvSpPr>
+          <p:cNvPr id="18" name="ZoneTexte 17">
+            <a:extLst>
+              <a:ext uri="{FF2B5EF4-FFF2-40B4-BE49-F238E27FC236}">
+                <a16:creationId xmlns:a16="http://schemas.microsoft.com/office/drawing/2014/main" id="{A3A9318A-6912-4361-A735-62D3DCCEBA1D}"/>
+              </a:ext>
+            </a:extLst>
+          </p:cNvPr>
+          <p:cNvSpPr txBox="1"/>
+          <p:nvPr/>
+        </p:nvSpPr>
+        <p:spPr>
+          <a:xfrm>
+            <a:off x="6334033" y="3097541"/>
+            <a:ext cx="959109" cy="369332"/>
+          </a:xfrm>
+          <a:prstGeom prst="rect">
+            <a:avLst/>
+          </a:prstGeom>
+          <a:noFill/>
+        </p:spPr>
+        <p:txBody>
+          <a:bodyPr wrap="none" rtlCol="0">
+            <a:spAutoFit/>
+          </a:bodyPr>
+          <a:lstStyle/>
+          <a:p>
+            <a:r>
+              <a:rPr lang="fr-FR" dirty="0"/>
+              <a:t>Exemple</a:t>
+            </a:r>
+          </a:p>
+        </p:txBody>
+      </p:sp>
+      <p:sp>
+        <p:nvSpPr>
+          <p:cNvPr id="19" name="ZoneTexte 18">
+            <a:extLst>
+              <a:ext uri="{FF2B5EF4-FFF2-40B4-BE49-F238E27FC236}">
+                <a16:creationId xmlns:a16="http://schemas.microsoft.com/office/drawing/2014/main" id="{5C6AD7E0-95CA-4918-94B6-C56182BA2BF8}"/>
+              </a:ext>
+            </a:extLst>
+          </p:cNvPr>
+          <p:cNvSpPr txBox="1"/>
+          <p:nvPr/>
+        </p:nvSpPr>
+        <p:spPr>
+          <a:xfrm>
+            <a:off x="7247753" y="3097541"/>
+            <a:ext cx="4018459" cy="2308324"/>
+          </a:xfrm>
+          <a:prstGeom prst="rect">
+            <a:avLst/>
+          </a:prstGeom>
+          <a:solidFill>
+            <a:schemeClr val="bg1"/>
+          </a:solidFill>
+          <a:ln>
+            <a:solidFill>
+              <a:schemeClr val="tx1"/>
+            </a:solidFill>
+          </a:ln>
+        </p:spPr>
+        <p:txBody>
+          <a:bodyPr wrap="square" rtlCol="0">
+            <a:spAutoFit/>
+          </a:bodyPr>
+          <a:lstStyle/>
+          <a:p>
+            <a:r>
+              <a:rPr lang="fr-FR" dirty="0"/>
+              <a:t>Public class </a:t>
+            </a:r>
+            <a:r>
+              <a:rPr lang="fr-FR" dirty="0" err="1"/>
+              <a:t>jourAnniv</a:t>
+            </a:r>
+            <a:r>
+              <a:rPr lang="fr-FR" dirty="0"/>
+              <a:t>(){</a:t>
+            </a:r>
+          </a:p>
+          <a:p>
+            <a:r>
+              <a:rPr lang="en-GB" dirty="0"/>
+              <a:t>Private int[] </a:t>
+            </a:r>
+            <a:r>
+              <a:rPr lang="en-GB" dirty="0" err="1"/>
+              <a:t>jourAnniversaire</a:t>
+            </a:r>
+            <a:r>
+              <a:rPr lang="en-GB" dirty="0"/>
+              <a:t>={3,10,25,27} ;</a:t>
+            </a:r>
+            <a:endParaRPr lang="fr-FR" dirty="0"/>
+          </a:p>
+          <a:p>
+            <a:r>
+              <a:rPr lang="en-GB" dirty="0"/>
+              <a:t>Public int this[int index]{</a:t>
+            </a:r>
+            <a:endParaRPr lang="fr-FR" dirty="0"/>
+          </a:p>
+          <a:p>
+            <a:r>
+              <a:rPr lang="en-GB" dirty="0"/>
+              <a:t>get(){return </a:t>
+            </a:r>
+            <a:r>
+              <a:rPr lang="en-GB" dirty="0" err="1"/>
+              <a:t>jourAnniversaire</a:t>
+            </a:r>
+            <a:r>
+              <a:rPr lang="en-GB" dirty="0"/>
+              <a:t>[index];}</a:t>
+            </a:r>
+            <a:endParaRPr lang="fr-FR" dirty="0"/>
+          </a:p>
+          <a:p>
+            <a:r>
+              <a:rPr lang="en-GB" dirty="0"/>
+              <a:t>set(){</a:t>
+            </a:r>
+            <a:r>
+              <a:rPr lang="en-GB" dirty="0" err="1"/>
+              <a:t>jourAnniversaire</a:t>
+            </a:r>
+            <a:r>
+              <a:rPr lang="en-GB" dirty="0"/>
+              <a:t>[index]=value;}</a:t>
+            </a:r>
+            <a:endParaRPr lang="fr-FR" dirty="0"/>
+          </a:p>
+          <a:p>
+            <a:r>
+              <a:rPr lang="en-GB" dirty="0"/>
+              <a:t>}</a:t>
+            </a:r>
+            <a:endParaRPr lang="fr-FR" dirty="0"/>
+          </a:p>
+          <a:p>
+            <a:r>
+              <a:rPr lang="en-GB" dirty="0"/>
+              <a:t> </a:t>
+            </a:r>
+            <a:endParaRPr lang="fr-FR" dirty="0"/>
+          </a:p>
+        </p:txBody>
+      </p:sp>
     </p:spTree>
     <p:extLst>
       <p:ext uri="{BB962C8B-B14F-4D97-AF65-F5344CB8AC3E}">
@@ -25965,6 +28622,80 @@
                 <a:cs typeface="+mn-cs"/>
               </a:rPr>
               <a:t>c. Types génériques</a:t>
+            </a:r>
+          </a:p>
+        </p:txBody>
+      </p:sp>
+      <p:sp>
+        <p:nvSpPr>
+          <p:cNvPr id="17" name="ZoneTexte 16">
+            <a:extLst>
+              <a:ext uri="{FF2B5EF4-FFF2-40B4-BE49-F238E27FC236}">
+                <a16:creationId xmlns:a16="http://schemas.microsoft.com/office/drawing/2014/main" id="{637BF247-687B-4171-B4F7-502C6F4D9061}"/>
+              </a:ext>
+            </a:extLst>
+          </p:cNvPr>
+          <p:cNvSpPr txBox="1"/>
+          <p:nvPr/>
+        </p:nvSpPr>
+        <p:spPr>
+          <a:xfrm>
+            <a:off x="4397597" y="5354783"/>
+            <a:ext cx="3836884" cy="523220"/>
+          </a:xfrm>
+          <a:prstGeom prst="rect">
+            <a:avLst/>
+          </a:prstGeom>
+          <a:noFill/>
+        </p:spPr>
+        <p:txBody>
+          <a:bodyPr wrap="none" rtlCol="0">
+            <a:spAutoFit/>
+          </a:bodyPr>
+          <a:lstStyle/>
+          <a:p>
+            <a:pPr marL="0" marR="0" lvl="0" indent="0" algn="l" defTabSz="457200" rtl="0" eaLnBrk="1" fontAlgn="auto" latinLnBrk="0" hangingPunct="1">
+              <a:lnSpc>
+                <a:spcPct val="100000"/>
+              </a:lnSpc>
+              <a:spcBef>
+                <a:spcPts val="0"/>
+              </a:spcBef>
+              <a:spcAft>
+                <a:spcPts val="0"/>
+              </a:spcAft>
+              <a:buClrTx/>
+              <a:buSzTx/>
+              <a:buFontTx/>
+              <a:buNone/>
+              <a:tabLst/>
+              <a:defRPr/>
+            </a:pPr>
+            <a:r>
+              <a:rPr lang="fr-FR" sz="2800" dirty="0">
+                <a:solidFill>
+                  <a:prstClr val="black"/>
+                </a:solidFill>
+                <a:latin typeface="Tw Cen MT" panose="020B0602020104020603"/>
+              </a:rPr>
+              <a:t>3</a:t>
+            </a:r>
+            <a:r>
+              <a:rPr kumimoji="0" lang="fr-FR" sz="2800" b="0" i="0" u="none" strike="noStrike" kern="1200" cap="none" spc="0" normalizeH="0" baseline="0" noProof="0" dirty="0">
+                <a:ln>
+                  <a:noFill/>
+                </a:ln>
+                <a:solidFill>
+                  <a:prstClr val="black"/>
+                </a:solidFill>
+                <a:effectLst/>
+                <a:uLnTx/>
+                <a:uFillTx/>
+                <a:latin typeface="Tw Cen MT" panose="020B0602020104020603"/>
+                <a:ea typeface="+mn-ea"/>
+                <a:cs typeface="+mn-cs"/>
+              </a:rPr>
+              <a:t>. Propriétés et indexeurs</a:t>
             </a:r>
           </a:p>
         </p:txBody>
@@ -26198,7 +28929,7 @@
             <a:noFill/>
             <a:extLst>
               <a:ext uri="{909E8E84-426E-40dd-AFC4-6F175D3DCCD1}">
-                <a14:hiddenFill xmlns:a16="http://schemas.microsoft.com/office/drawing/2014/main" xmlns:p14="http://schemas.microsoft.com/office/powerpoint/2010/main" xmlns:a14="http://schemas.microsoft.com/office/drawing/2010/main" xmlns="">
+                <a14:hiddenFill xmlns="" xmlns:a14="http://schemas.microsoft.com/office/drawing/2010/main" xmlns:p14="http://schemas.microsoft.com/office/powerpoint/2010/main" xmlns:a16="http://schemas.microsoft.com/office/drawing/2014/main">
                   <a:solidFill>
                     <a:srgbClr val="FFFFFF"/>
                   </a:solidFill>
